--- a/Preparation files/MyTEDx_Presentazione.pptx
+++ b/Preparation files/MyTEDx_Presentazione.pptx
@@ -10,10 +10,9 @@
     <p:sldId id="261" r:id="rId4"/>
     <p:sldId id="258" r:id="rId5"/>
     <p:sldId id="259" r:id="rId6"/>
-    <p:sldId id="260" r:id="rId7"/>
-    <p:sldId id="265" r:id="rId8"/>
-    <p:sldId id="263" r:id="rId9"/>
-    <p:sldId id="264" r:id="rId10"/>
+    <p:sldId id="265" r:id="rId7"/>
+    <p:sldId id="263" r:id="rId8"/>
+    <p:sldId id="264" r:id="rId9"/>
   </p:sldIdLst>
   <p:sldSz cx="12192000" cy="6858000"/>
   <p:notesSz cx="6858000" cy="9144000"/>
@@ -120,3417 +119,6 @@
 </p:presentation>
 </file>
 
-<file path=ppt/diagrams/colors1.xml><?xml version="1.0" encoding="utf-8"?>
-<dgm:colorsDef xmlns:dgm="http://schemas.openxmlformats.org/drawingml/2006/diagram" xmlns:a="http://schemas.openxmlformats.org/drawingml/2006/main" uniqueId="urn:microsoft.com/office/officeart/2018/5/colors/Iconchunking_neutralicontext_colorful1">
-  <dgm:title val=""/>
-  <dgm:desc val=""/>
-  <dgm:catLst>
-    <dgm:cat type="colorful" pri="10100"/>
-  </dgm:catLst>
-  <dgm:styleLbl name="node0">
-    <dgm:fillClrLst meth="repeat">
-      <a:schemeClr val="accent1"/>
-    </dgm:fillClrLst>
-    <dgm:linClrLst meth="repeat">
-      <a:schemeClr val="lt1"/>
-    </dgm:linClrLst>
-    <dgm:effectClrLst/>
-    <dgm:txLinClrLst/>
-    <dgm:txFillClrLst/>
-    <dgm:txEffectClrLst/>
-  </dgm:styleLbl>
-  <dgm:styleLbl name="node1">
-    <dgm:fillClrLst meth="repeat">
-      <a:schemeClr val="bg1"/>
-    </dgm:fillClrLst>
-    <dgm:linClrLst meth="repeat">
-      <a:schemeClr val="lt1">
-        <a:alpha val="0"/>
-      </a:schemeClr>
-    </dgm:linClrLst>
-    <dgm:effectClrLst/>
-    <dgm:txLinClrLst/>
-    <dgm:txFillClrLst meth="repeat">
-      <a:schemeClr val="dk1"/>
-    </dgm:txFillClrLst>
-    <dgm:txEffectClrLst/>
-  </dgm:styleLbl>
-  <dgm:styleLbl name="alignNode1">
-    <dgm:fillClrLst meth="repeat">
-      <a:schemeClr val="accent2"/>
-      <a:schemeClr val="accent3"/>
-      <a:schemeClr val="accent4"/>
-      <a:schemeClr val="accent5"/>
-      <a:schemeClr val="accent6"/>
-    </dgm:fillClrLst>
-    <dgm:linClrLst meth="repeat">
-      <a:schemeClr val="accent2"/>
-      <a:schemeClr val="accent3"/>
-      <a:schemeClr val="accent4"/>
-      <a:schemeClr val="accent5"/>
-      <a:schemeClr val="accent6"/>
-    </dgm:linClrLst>
-    <dgm:effectClrLst/>
-    <dgm:txLinClrLst/>
-    <dgm:txFillClrLst/>
-    <dgm:txEffectClrLst/>
-  </dgm:styleLbl>
-  <dgm:styleLbl name="lnNode1">
-    <dgm:fillClrLst meth="repeat">
-      <a:schemeClr val="accent2"/>
-      <a:schemeClr val="accent3"/>
-      <a:schemeClr val="accent4"/>
-      <a:schemeClr val="accent5"/>
-      <a:schemeClr val="accent6"/>
-    </dgm:fillClrLst>
-    <dgm:linClrLst meth="repeat">
-      <a:schemeClr val="lt1"/>
-    </dgm:linClrLst>
-    <dgm:effectClrLst/>
-    <dgm:txLinClrLst/>
-    <dgm:txFillClrLst/>
-    <dgm:txEffectClrLst/>
-  </dgm:styleLbl>
-  <dgm:styleLbl name="vennNode1">
-    <dgm:fillClrLst meth="repeat">
-      <a:schemeClr val="accent2">
-        <a:alpha val="50000"/>
-      </a:schemeClr>
-      <a:schemeClr val="accent3">
-        <a:alpha val="50000"/>
-      </a:schemeClr>
-      <a:schemeClr val="accent4">
-        <a:alpha val="50000"/>
-      </a:schemeClr>
-      <a:schemeClr val="accent5">
-        <a:alpha val="50000"/>
-      </a:schemeClr>
-      <a:schemeClr val="accent6">
-        <a:alpha val="50000"/>
-      </a:schemeClr>
-    </dgm:fillClrLst>
-    <dgm:linClrLst meth="repeat">
-      <a:schemeClr val="lt1"/>
-    </dgm:linClrLst>
-    <dgm:effectClrLst/>
-    <dgm:txLinClrLst/>
-    <dgm:txFillClrLst/>
-    <dgm:txEffectClrLst/>
-  </dgm:styleLbl>
-  <dgm:styleLbl name="node2">
-    <dgm:fillClrLst>
-      <a:schemeClr val="accent2"/>
-    </dgm:fillClrLst>
-    <dgm:linClrLst meth="repeat">
-      <a:schemeClr val="lt1"/>
-    </dgm:linClrLst>
-    <dgm:effectClrLst/>
-    <dgm:txLinClrLst/>
-    <dgm:txFillClrLst/>
-    <dgm:txEffectClrLst/>
-  </dgm:styleLbl>
-  <dgm:styleLbl name="node3">
-    <dgm:fillClrLst>
-      <a:schemeClr val="accent3"/>
-    </dgm:fillClrLst>
-    <dgm:linClrLst meth="repeat">
-      <a:schemeClr val="lt1"/>
-    </dgm:linClrLst>
-    <dgm:effectClrLst/>
-    <dgm:txLinClrLst/>
-    <dgm:txFillClrLst/>
-    <dgm:txEffectClrLst/>
-  </dgm:styleLbl>
-  <dgm:styleLbl name="node4">
-    <dgm:fillClrLst>
-      <a:schemeClr val="accent4"/>
-    </dgm:fillClrLst>
-    <dgm:linClrLst meth="repeat">
-      <a:schemeClr val="lt1"/>
-    </dgm:linClrLst>
-    <dgm:effectClrLst/>
-    <dgm:txLinClrLst/>
-    <dgm:txFillClrLst/>
-    <dgm:txEffectClrLst/>
-  </dgm:styleLbl>
-  <dgm:styleLbl name="fgImgPlace1">
-    <dgm:fillClrLst meth="repeat">
-      <a:schemeClr val="accent2">
-        <a:tint val="50000"/>
-      </a:schemeClr>
-      <a:schemeClr val="accent3">
-        <a:tint val="50000"/>
-      </a:schemeClr>
-      <a:schemeClr val="accent4">
-        <a:tint val="50000"/>
-      </a:schemeClr>
-      <a:schemeClr val="accent5">
-        <a:tint val="50000"/>
-      </a:schemeClr>
-      <a:schemeClr val="accent6">
-        <a:tint val="50000"/>
-      </a:schemeClr>
-    </dgm:fillClrLst>
-    <dgm:linClrLst meth="repeat">
-      <a:schemeClr val="lt1"/>
-    </dgm:linClrLst>
-    <dgm:effectClrLst/>
-    <dgm:txLinClrLst/>
-    <dgm:txFillClrLst meth="repeat">
-      <a:schemeClr val="lt1"/>
-    </dgm:txFillClrLst>
-    <dgm:txEffectClrLst/>
-  </dgm:styleLbl>
-  <dgm:styleLbl name="alignImgPlace1">
-    <dgm:fillClrLst>
-      <a:schemeClr val="accent1">
-        <a:tint val="50000"/>
-      </a:schemeClr>
-      <a:schemeClr val="accent2">
-        <a:tint val="20000"/>
-      </a:schemeClr>
-    </dgm:fillClrLst>
-    <dgm:linClrLst meth="repeat">
-      <a:schemeClr val="lt1"/>
-    </dgm:linClrLst>
-    <dgm:effectClrLst/>
-    <dgm:txLinClrLst/>
-    <dgm:txFillClrLst meth="repeat">
-      <a:schemeClr val="lt1"/>
-    </dgm:txFillClrLst>
-    <dgm:txEffectClrLst/>
-  </dgm:styleLbl>
-  <dgm:styleLbl name="bgImgPlace1">
-    <dgm:fillClrLst>
-      <a:schemeClr val="accent1">
-        <a:tint val="50000"/>
-      </a:schemeClr>
-      <a:schemeClr val="accent2">
-        <a:tint val="20000"/>
-      </a:schemeClr>
-    </dgm:fillClrLst>
-    <dgm:linClrLst meth="repeat">
-      <a:schemeClr val="lt1"/>
-    </dgm:linClrLst>
-    <dgm:effectClrLst/>
-    <dgm:txLinClrLst/>
-    <dgm:txFillClrLst meth="repeat">
-      <a:schemeClr val="lt1"/>
-    </dgm:txFillClrLst>
-    <dgm:txEffectClrLst/>
-  </dgm:styleLbl>
-  <dgm:styleLbl name="sibTrans2D1">
-    <dgm:fillClrLst meth="repeat">
-      <a:schemeClr val="accent2"/>
-      <a:schemeClr val="accent3"/>
-      <a:schemeClr val="accent4"/>
-      <a:schemeClr val="accent5"/>
-      <a:schemeClr val="accent6"/>
-    </dgm:fillClrLst>
-    <dgm:linClrLst meth="cycle">
-      <a:schemeClr val="lt1"/>
-    </dgm:linClrLst>
-    <dgm:effectClrLst/>
-    <dgm:txLinClrLst/>
-    <dgm:txFillClrLst/>
-    <dgm:txEffectClrLst/>
-  </dgm:styleLbl>
-  <dgm:styleLbl name="fgSibTrans2D1">
-    <dgm:fillClrLst meth="repeat">
-      <a:schemeClr val="accent2"/>
-      <a:schemeClr val="accent3"/>
-      <a:schemeClr val="accent4"/>
-      <a:schemeClr val="accent5"/>
-      <a:schemeClr val="accent6"/>
-    </dgm:fillClrLst>
-    <dgm:linClrLst meth="cycle">
-      <a:schemeClr val="lt1"/>
-    </dgm:linClrLst>
-    <dgm:effectClrLst/>
-    <dgm:txLinClrLst/>
-    <dgm:txFillClrLst meth="repeat">
-      <a:schemeClr val="lt1"/>
-    </dgm:txFillClrLst>
-    <dgm:txEffectClrLst/>
-  </dgm:styleLbl>
-  <dgm:styleLbl name="bgSibTrans2D1">
-    <dgm:fillClrLst meth="repeat">
-      <a:schemeClr val="accent2"/>
-      <a:schemeClr val="accent3"/>
-      <a:schemeClr val="accent4"/>
-      <a:schemeClr val="accent5"/>
-      <a:schemeClr val="accent6"/>
-    </dgm:fillClrLst>
-    <dgm:linClrLst meth="cycle">
-      <a:schemeClr val="lt1"/>
-    </dgm:linClrLst>
-    <dgm:effectClrLst/>
-    <dgm:txLinClrLst/>
-    <dgm:txFillClrLst meth="repeat">
-      <a:schemeClr val="lt1"/>
-    </dgm:txFillClrLst>
-    <dgm:txEffectClrLst/>
-  </dgm:styleLbl>
-  <dgm:styleLbl name="sibTrans1D1">
-    <dgm:fillClrLst meth="repeat">
-      <a:schemeClr val="accent2"/>
-      <a:schemeClr val="accent3"/>
-      <a:schemeClr val="accent4"/>
-      <a:schemeClr val="accent5"/>
-      <a:schemeClr val="accent6"/>
-    </dgm:fillClrLst>
-    <dgm:linClrLst meth="repeat">
-      <a:schemeClr val="accent2"/>
-      <a:schemeClr val="accent3"/>
-      <a:schemeClr val="accent4"/>
-      <a:schemeClr val="accent5"/>
-      <a:schemeClr val="accent6"/>
-    </dgm:linClrLst>
-    <dgm:effectClrLst/>
-    <dgm:txLinClrLst/>
-    <dgm:txFillClrLst meth="repeat">
-      <a:schemeClr val="tx1"/>
-    </dgm:txFillClrLst>
-    <dgm:txEffectClrLst/>
-  </dgm:styleLbl>
-  <dgm:styleLbl name="callout">
-    <dgm:fillClrLst meth="repeat">
-      <a:schemeClr val="accent2"/>
-    </dgm:fillClrLst>
-    <dgm:linClrLst meth="repeat">
-      <a:schemeClr val="accent2">
-        <a:tint val="50000"/>
-      </a:schemeClr>
-    </dgm:linClrLst>
-    <dgm:effectClrLst/>
-    <dgm:txLinClrLst/>
-    <dgm:txFillClrLst meth="repeat">
-      <a:schemeClr val="tx1"/>
-    </dgm:txFillClrLst>
-    <dgm:txEffectClrLst/>
-  </dgm:styleLbl>
-  <dgm:styleLbl name="asst0">
-    <dgm:fillClrLst meth="repeat">
-      <a:schemeClr val="accent1"/>
-    </dgm:fillClrLst>
-    <dgm:linClrLst meth="repeat">
-      <a:schemeClr val="lt1"/>
-    </dgm:linClrLst>
-    <dgm:effectClrLst/>
-    <dgm:txLinClrLst/>
-    <dgm:txFillClrLst/>
-    <dgm:txEffectClrLst/>
-  </dgm:styleLbl>
-  <dgm:styleLbl name="asst1">
-    <dgm:fillClrLst meth="repeat">
-      <a:schemeClr val="accent2"/>
-    </dgm:fillClrLst>
-    <dgm:linClrLst meth="repeat">
-      <a:schemeClr val="lt1"/>
-    </dgm:linClrLst>
-    <dgm:effectClrLst/>
-    <dgm:txLinClrLst/>
-    <dgm:txFillClrLst/>
-    <dgm:txEffectClrLst/>
-  </dgm:styleLbl>
-  <dgm:styleLbl name="asst2">
-    <dgm:fillClrLst>
-      <a:schemeClr val="accent3"/>
-    </dgm:fillClrLst>
-    <dgm:linClrLst meth="repeat">
-      <a:schemeClr val="lt1"/>
-    </dgm:linClrLst>
-    <dgm:effectClrLst/>
-    <dgm:txLinClrLst/>
-    <dgm:txFillClrLst/>
-    <dgm:txEffectClrLst/>
-  </dgm:styleLbl>
-  <dgm:styleLbl name="asst3">
-    <dgm:fillClrLst>
-      <a:schemeClr val="accent4"/>
-    </dgm:fillClrLst>
-    <dgm:linClrLst meth="repeat">
-      <a:schemeClr val="lt1"/>
-    </dgm:linClrLst>
-    <dgm:effectClrLst/>
-    <dgm:txLinClrLst/>
-    <dgm:txFillClrLst/>
-    <dgm:txEffectClrLst/>
-  </dgm:styleLbl>
-  <dgm:styleLbl name="asst4">
-    <dgm:fillClrLst>
-      <a:schemeClr val="accent5"/>
-    </dgm:fillClrLst>
-    <dgm:linClrLst meth="repeat">
-      <a:schemeClr val="lt1"/>
-    </dgm:linClrLst>
-    <dgm:effectClrLst/>
-    <dgm:txLinClrLst/>
-    <dgm:txFillClrLst/>
-    <dgm:txEffectClrLst/>
-  </dgm:styleLbl>
-  <dgm:styleLbl name="parChTrans2D1">
-    <dgm:fillClrLst meth="repeat">
-      <a:schemeClr val="accent2"/>
-    </dgm:fillClrLst>
-    <dgm:linClrLst meth="repeat">
-      <a:schemeClr val="lt1"/>
-    </dgm:linClrLst>
-    <dgm:effectClrLst/>
-    <dgm:txLinClrLst/>
-    <dgm:txFillClrLst meth="repeat">
-      <a:schemeClr val="lt1"/>
-    </dgm:txFillClrLst>
-    <dgm:txEffectClrLst/>
-  </dgm:styleLbl>
-  <dgm:styleLbl name="parChTrans2D2">
-    <dgm:fillClrLst meth="repeat">
-      <a:schemeClr val="accent3"/>
-    </dgm:fillClrLst>
-    <dgm:linClrLst meth="repeat">
-      <a:schemeClr val="lt1"/>
-    </dgm:linClrLst>
-    <dgm:effectClrLst/>
-    <dgm:txLinClrLst/>
-    <dgm:txFillClrLst/>
-    <dgm:txEffectClrLst/>
-  </dgm:styleLbl>
-  <dgm:styleLbl name="parChTrans2D3">
-    <dgm:fillClrLst meth="repeat">
-      <a:schemeClr val="accent4"/>
-    </dgm:fillClrLst>
-    <dgm:linClrLst meth="repeat">
-      <a:schemeClr val="lt1"/>
-    </dgm:linClrLst>
-    <dgm:effectClrLst/>
-    <dgm:txLinClrLst/>
-    <dgm:txFillClrLst/>
-    <dgm:txEffectClrLst/>
-  </dgm:styleLbl>
-  <dgm:styleLbl name="parChTrans2D4">
-    <dgm:fillClrLst meth="repeat">
-      <a:schemeClr val="accent5"/>
-    </dgm:fillClrLst>
-    <dgm:linClrLst meth="repeat">
-      <a:schemeClr val="lt1"/>
-    </dgm:linClrLst>
-    <dgm:effectClrLst/>
-    <dgm:txLinClrLst/>
-    <dgm:txFillClrLst meth="repeat">
-      <a:schemeClr val="lt1"/>
-    </dgm:txFillClrLst>
-    <dgm:txEffectClrLst/>
-  </dgm:styleLbl>
-  <dgm:styleLbl name="parChTrans1D1">
-    <dgm:fillClrLst meth="repeat">
-      <a:schemeClr val="accent2"/>
-    </dgm:fillClrLst>
-    <dgm:linClrLst meth="repeat">
-      <a:schemeClr val="accent1"/>
-    </dgm:linClrLst>
-    <dgm:effectClrLst/>
-    <dgm:txLinClrLst/>
-    <dgm:txFillClrLst meth="repeat">
-      <a:schemeClr val="tx1"/>
-    </dgm:txFillClrLst>
-    <dgm:txEffectClrLst/>
-  </dgm:styleLbl>
-  <dgm:styleLbl name="parChTrans1D2">
-    <dgm:fillClrLst meth="repeat">
-      <a:schemeClr val="accent3">
-        <a:tint val="90000"/>
-      </a:schemeClr>
-    </dgm:fillClrLst>
-    <dgm:linClrLst meth="repeat">
-      <a:schemeClr val="accent2"/>
-    </dgm:linClrLst>
-    <dgm:effectClrLst/>
-    <dgm:txLinClrLst/>
-    <dgm:txFillClrLst meth="repeat">
-      <a:schemeClr val="tx1"/>
-    </dgm:txFillClrLst>
-    <dgm:txEffectClrLst/>
-  </dgm:styleLbl>
-  <dgm:styleLbl name="parChTrans1D3">
-    <dgm:fillClrLst meth="repeat">
-      <a:schemeClr val="accent4">
-        <a:tint val="70000"/>
-      </a:schemeClr>
-    </dgm:fillClrLst>
-    <dgm:linClrLst meth="repeat">
-      <a:schemeClr val="accent3"/>
-    </dgm:linClrLst>
-    <dgm:effectClrLst/>
-    <dgm:txLinClrLst/>
-    <dgm:txFillClrLst meth="repeat">
-      <a:schemeClr val="tx1"/>
-    </dgm:txFillClrLst>
-    <dgm:txEffectClrLst/>
-  </dgm:styleLbl>
-  <dgm:styleLbl name="parChTrans1D4">
-    <dgm:fillClrLst meth="repeat">
-      <a:schemeClr val="accent5">
-        <a:tint val="50000"/>
-      </a:schemeClr>
-    </dgm:fillClrLst>
-    <dgm:linClrLst meth="repeat">
-      <a:schemeClr val="accent4"/>
-    </dgm:linClrLst>
-    <dgm:effectClrLst/>
-    <dgm:txLinClrLst/>
-    <dgm:txFillClrLst meth="repeat">
-      <a:schemeClr val="tx1"/>
-    </dgm:txFillClrLst>
-    <dgm:txEffectClrLst/>
-  </dgm:styleLbl>
-  <dgm:styleLbl name="fgAcc1">
-    <dgm:fillClrLst meth="repeat">
-      <a:schemeClr val="lt1">
-        <a:alpha val="90000"/>
-      </a:schemeClr>
-    </dgm:fillClrLst>
-    <dgm:linClrLst meth="repeat">
-      <a:schemeClr val="accent2"/>
-      <a:schemeClr val="accent3"/>
-      <a:schemeClr val="accent4"/>
-      <a:schemeClr val="accent5"/>
-      <a:schemeClr val="accent6"/>
-    </dgm:linClrLst>
-    <dgm:effectClrLst/>
-    <dgm:txLinClrLst/>
-    <dgm:txFillClrLst meth="repeat">
-      <a:schemeClr val="dk1"/>
-    </dgm:txFillClrLst>
-    <dgm:txEffectClrLst/>
-  </dgm:styleLbl>
-  <dgm:styleLbl name="conFgAcc1">
-    <dgm:fillClrLst meth="repeat">
-      <a:schemeClr val="lt1">
-        <a:alpha val="90000"/>
-      </a:schemeClr>
-    </dgm:fillClrLst>
-    <dgm:linClrLst meth="repeat">
-      <a:schemeClr val="accent2"/>
-      <a:schemeClr val="accent3"/>
-      <a:schemeClr val="accent4"/>
-      <a:schemeClr val="accent5"/>
-      <a:schemeClr val="accent6"/>
-    </dgm:linClrLst>
-    <dgm:effectClrLst/>
-    <dgm:txLinClrLst/>
-    <dgm:txFillClrLst meth="repeat">
-      <a:schemeClr val="dk1"/>
-    </dgm:txFillClrLst>
-    <dgm:txEffectClrLst/>
-  </dgm:styleLbl>
-  <dgm:styleLbl name="alignAcc1">
-    <dgm:fillClrLst meth="repeat">
-      <a:schemeClr val="lt1">
-        <a:alpha val="90000"/>
-      </a:schemeClr>
-    </dgm:fillClrLst>
-    <dgm:linClrLst meth="repeat">
-      <a:schemeClr val="accent2"/>
-      <a:schemeClr val="accent3"/>
-      <a:schemeClr val="accent4"/>
-      <a:schemeClr val="accent5"/>
-      <a:schemeClr val="accent6"/>
-    </dgm:linClrLst>
-    <dgm:effectClrLst/>
-    <dgm:txLinClrLst/>
-    <dgm:txFillClrLst meth="repeat">
-      <a:schemeClr val="dk1"/>
-    </dgm:txFillClrLst>
-    <dgm:txEffectClrLst/>
-  </dgm:styleLbl>
-  <dgm:styleLbl name="trAlignAcc1">
-    <dgm:fillClrLst meth="repeat">
-      <a:schemeClr val="lt1">
-        <a:alpha val="40000"/>
-      </a:schemeClr>
-    </dgm:fillClrLst>
-    <dgm:linClrLst meth="repeat">
-      <a:schemeClr val="accent1"/>
-    </dgm:linClrLst>
-    <dgm:effectClrLst/>
-    <dgm:txLinClrLst/>
-    <dgm:txFillClrLst meth="repeat">
-      <a:schemeClr val="dk1"/>
-    </dgm:txFillClrLst>
-    <dgm:txEffectClrLst/>
-  </dgm:styleLbl>
-  <dgm:styleLbl name="bgAcc1">
-    <dgm:fillClrLst meth="repeat">
-      <a:schemeClr val="lt1">
-        <a:alpha val="90000"/>
-      </a:schemeClr>
-    </dgm:fillClrLst>
-    <dgm:linClrLst meth="repeat">
-      <a:schemeClr val="accent2"/>
-      <a:schemeClr val="accent3"/>
-      <a:schemeClr val="accent4"/>
-      <a:schemeClr val="accent5"/>
-      <a:schemeClr val="accent6"/>
-    </dgm:linClrLst>
-    <dgm:effectClrLst/>
-    <dgm:txLinClrLst/>
-    <dgm:txFillClrLst meth="repeat">
-      <a:schemeClr val="dk1"/>
-    </dgm:txFillClrLst>
-    <dgm:txEffectClrLst/>
-  </dgm:styleLbl>
-  <dgm:styleLbl name="solidFgAcc1">
-    <dgm:fillClrLst meth="repeat">
-      <a:schemeClr val="lt1"/>
-    </dgm:fillClrLst>
-    <dgm:linClrLst meth="repeat">
-      <a:schemeClr val="accent2"/>
-      <a:schemeClr val="accent3"/>
-      <a:schemeClr val="accent4"/>
-      <a:schemeClr val="accent5"/>
-      <a:schemeClr val="accent6"/>
-    </dgm:linClrLst>
-    <dgm:effectClrLst/>
-    <dgm:txLinClrLst/>
-    <dgm:txFillClrLst meth="repeat">
-      <a:schemeClr val="dk1"/>
-    </dgm:txFillClrLst>
-    <dgm:txEffectClrLst/>
-  </dgm:styleLbl>
-  <dgm:styleLbl name="solidAlignAcc1">
-    <dgm:fillClrLst meth="repeat">
-      <a:schemeClr val="lt1"/>
-    </dgm:fillClrLst>
-    <dgm:linClrLst meth="repeat">
-      <a:schemeClr val="accent2"/>
-      <a:schemeClr val="accent3"/>
-      <a:schemeClr val="accent4"/>
-      <a:schemeClr val="accent5"/>
-      <a:schemeClr val="accent6"/>
-    </dgm:linClrLst>
-    <dgm:effectClrLst/>
-    <dgm:txLinClrLst/>
-    <dgm:txFillClrLst meth="repeat">
-      <a:schemeClr val="dk1"/>
-    </dgm:txFillClrLst>
-    <dgm:txEffectClrLst/>
-  </dgm:styleLbl>
-  <dgm:styleLbl name="solidBgAcc1">
-    <dgm:fillClrLst meth="repeat">
-      <a:schemeClr val="lt1"/>
-    </dgm:fillClrLst>
-    <dgm:linClrLst meth="repeat">
-      <a:schemeClr val="accent2"/>
-      <a:schemeClr val="accent3"/>
-      <a:schemeClr val="accent4"/>
-      <a:schemeClr val="accent5"/>
-      <a:schemeClr val="accent6"/>
-    </dgm:linClrLst>
-    <dgm:effectClrLst/>
-    <dgm:txLinClrLst/>
-    <dgm:txFillClrLst meth="repeat">
-      <a:schemeClr val="dk1"/>
-    </dgm:txFillClrLst>
-    <dgm:txEffectClrLst/>
-  </dgm:styleLbl>
-  <dgm:styleLbl name="fgAccFollowNode1">
-    <dgm:fillClrLst meth="repeat">
-      <a:schemeClr val="accent2">
-        <a:tint val="40000"/>
-        <a:alpha val="90000"/>
-      </a:schemeClr>
-      <a:schemeClr val="accent3">
-        <a:tint val="40000"/>
-        <a:alpha val="90000"/>
-      </a:schemeClr>
-      <a:schemeClr val="accent4">
-        <a:tint val="40000"/>
-        <a:alpha val="90000"/>
-      </a:schemeClr>
-      <a:schemeClr val="accent5">
-        <a:tint val="40000"/>
-        <a:alpha val="90000"/>
-      </a:schemeClr>
-      <a:schemeClr val="accent6">
-        <a:tint val="40000"/>
-        <a:alpha val="90000"/>
-      </a:schemeClr>
-    </dgm:fillClrLst>
-    <dgm:linClrLst meth="repeat">
-      <a:schemeClr val="accent2">
-        <a:tint val="40000"/>
-        <a:alpha val="90000"/>
-      </a:schemeClr>
-      <a:schemeClr val="accent3">
-        <a:tint val="40000"/>
-        <a:alpha val="90000"/>
-      </a:schemeClr>
-      <a:schemeClr val="accent4">
-        <a:tint val="40000"/>
-        <a:alpha val="90000"/>
-      </a:schemeClr>
-      <a:schemeClr val="accent5">
-        <a:tint val="40000"/>
-        <a:alpha val="90000"/>
-      </a:schemeClr>
-      <a:schemeClr val="accent6">
-        <a:tint val="40000"/>
-        <a:alpha val="90000"/>
-      </a:schemeClr>
-    </dgm:linClrLst>
-    <dgm:effectClrLst/>
-    <dgm:txLinClrLst/>
-    <dgm:txFillClrLst meth="repeat">
-      <a:schemeClr val="dk1"/>
-    </dgm:txFillClrLst>
-    <dgm:txEffectClrLst/>
-  </dgm:styleLbl>
-  <dgm:styleLbl name="alignAccFollowNode1">
-    <dgm:fillClrLst meth="repeat">
-      <a:schemeClr val="accent2">
-        <a:tint val="40000"/>
-        <a:alpha val="90000"/>
-      </a:schemeClr>
-      <a:schemeClr val="accent3">
-        <a:tint val="40000"/>
-        <a:alpha val="90000"/>
-      </a:schemeClr>
-      <a:schemeClr val="accent4">
-        <a:tint val="40000"/>
-        <a:alpha val="90000"/>
-      </a:schemeClr>
-      <a:schemeClr val="accent5">
-        <a:tint val="40000"/>
-        <a:alpha val="90000"/>
-      </a:schemeClr>
-      <a:schemeClr val="accent6">
-        <a:tint val="40000"/>
-        <a:alpha val="90000"/>
-      </a:schemeClr>
-    </dgm:fillClrLst>
-    <dgm:linClrLst meth="repeat">
-      <a:schemeClr val="accent2">
-        <a:tint val="40000"/>
-        <a:alpha val="90000"/>
-      </a:schemeClr>
-      <a:schemeClr val="accent3">
-        <a:tint val="40000"/>
-        <a:alpha val="90000"/>
-      </a:schemeClr>
-      <a:schemeClr val="accent4">
-        <a:tint val="40000"/>
-        <a:alpha val="90000"/>
-      </a:schemeClr>
-      <a:schemeClr val="accent5">
-        <a:tint val="40000"/>
-        <a:alpha val="90000"/>
-      </a:schemeClr>
-      <a:schemeClr val="accent6">
-        <a:tint val="40000"/>
-        <a:alpha val="90000"/>
-      </a:schemeClr>
-    </dgm:linClrLst>
-    <dgm:effectClrLst/>
-    <dgm:txLinClrLst/>
-    <dgm:txFillClrLst meth="repeat">
-      <a:schemeClr val="dk1"/>
-    </dgm:txFillClrLst>
-    <dgm:txEffectClrLst/>
-  </dgm:styleLbl>
-  <dgm:styleLbl name="bgAccFollowNode1">
-    <dgm:fillClrLst meth="repeat">
-      <a:schemeClr val="accent2">
-        <a:tint val="40000"/>
-        <a:alpha val="90000"/>
-      </a:schemeClr>
-      <a:schemeClr val="accent3">
-        <a:tint val="40000"/>
-        <a:alpha val="90000"/>
-      </a:schemeClr>
-      <a:schemeClr val="accent4">
-        <a:tint val="40000"/>
-        <a:alpha val="90000"/>
-      </a:schemeClr>
-      <a:schemeClr val="accent5">
-        <a:tint val="40000"/>
-        <a:alpha val="90000"/>
-      </a:schemeClr>
-      <a:schemeClr val="accent6">
-        <a:tint val="40000"/>
-        <a:alpha val="90000"/>
-      </a:schemeClr>
-    </dgm:fillClrLst>
-    <dgm:linClrLst meth="repeat">
-      <a:schemeClr val="accent2">
-        <a:tint val="40000"/>
-        <a:alpha val="90000"/>
-      </a:schemeClr>
-      <a:schemeClr val="accent3">
-        <a:tint val="40000"/>
-        <a:alpha val="90000"/>
-      </a:schemeClr>
-      <a:schemeClr val="accent4">
-        <a:tint val="40000"/>
-        <a:alpha val="90000"/>
-      </a:schemeClr>
-      <a:schemeClr val="accent5">
-        <a:tint val="40000"/>
-        <a:alpha val="90000"/>
-      </a:schemeClr>
-      <a:schemeClr val="accent6">
-        <a:tint val="40000"/>
-        <a:alpha val="90000"/>
-      </a:schemeClr>
-    </dgm:linClrLst>
-    <dgm:effectClrLst/>
-    <dgm:txLinClrLst/>
-    <dgm:txFillClrLst meth="repeat">
-      <a:schemeClr val="dk1"/>
-    </dgm:txFillClrLst>
-    <dgm:txEffectClrLst/>
-  </dgm:styleLbl>
-  <dgm:styleLbl name="fgAcc0">
-    <dgm:fillClrLst meth="repeat">
-      <a:schemeClr val="lt1">
-        <a:alpha val="90000"/>
-      </a:schemeClr>
-    </dgm:fillClrLst>
-    <dgm:linClrLst>
-      <a:schemeClr val="accent1"/>
-    </dgm:linClrLst>
-    <dgm:effectClrLst/>
-    <dgm:txLinClrLst/>
-    <dgm:txFillClrLst meth="repeat">
-      <a:schemeClr val="dk1"/>
-    </dgm:txFillClrLst>
-    <dgm:txEffectClrLst/>
-  </dgm:styleLbl>
-  <dgm:styleLbl name="fgAcc2">
-    <dgm:fillClrLst meth="repeat">
-      <a:schemeClr val="lt1">
-        <a:alpha val="90000"/>
-      </a:schemeClr>
-    </dgm:fillClrLst>
-    <dgm:linClrLst>
-      <a:schemeClr val="accent2"/>
-    </dgm:linClrLst>
-    <dgm:effectClrLst/>
-    <dgm:txLinClrLst/>
-    <dgm:txFillClrLst meth="repeat">
-      <a:schemeClr val="dk1"/>
-    </dgm:txFillClrLst>
-    <dgm:txEffectClrLst/>
-  </dgm:styleLbl>
-  <dgm:styleLbl name="fgAcc3">
-    <dgm:fillClrLst meth="repeat">
-      <a:schemeClr val="lt1">
-        <a:alpha val="90000"/>
-      </a:schemeClr>
-    </dgm:fillClrLst>
-    <dgm:linClrLst>
-      <a:schemeClr val="accent3"/>
-    </dgm:linClrLst>
-    <dgm:effectClrLst/>
-    <dgm:txLinClrLst/>
-    <dgm:txFillClrLst meth="repeat">
-      <a:schemeClr val="dk1"/>
-    </dgm:txFillClrLst>
-    <dgm:txEffectClrLst/>
-  </dgm:styleLbl>
-  <dgm:styleLbl name="fgAcc4">
-    <dgm:fillClrLst meth="repeat">
-      <a:schemeClr val="lt1">
-        <a:alpha val="90000"/>
-      </a:schemeClr>
-    </dgm:fillClrLst>
-    <dgm:linClrLst>
-      <a:schemeClr val="accent4"/>
-    </dgm:linClrLst>
-    <dgm:effectClrLst/>
-    <dgm:txLinClrLst/>
-    <dgm:txFillClrLst meth="repeat">
-      <a:schemeClr val="dk1"/>
-    </dgm:txFillClrLst>
-    <dgm:txEffectClrLst/>
-  </dgm:styleLbl>
-  <dgm:styleLbl name="bgShp">
-    <dgm:fillClrLst meth="repeat">
-      <a:schemeClr val="accent2"/>
-      <a:schemeClr val="accent3"/>
-      <a:schemeClr val="accent4"/>
-      <a:schemeClr val="accent5"/>
-      <a:schemeClr val="accent6"/>
-    </dgm:fillClrLst>
-    <dgm:linClrLst meth="repeat">
-      <a:schemeClr val="lt1">
-        <a:alpha val="0"/>
-      </a:schemeClr>
-    </dgm:linClrLst>
-    <dgm:effectClrLst/>
-    <dgm:txLinClrLst/>
-    <dgm:txFillClrLst/>
-    <dgm:txEffectClrLst/>
-  </dgm:styleLbl>
-  <dgm:styleLbl name="dkBgShp">
-    <dgm:fillClrLst meth="repeat">
-      <a:schemeClr val="accent2">
-        <a:shade val="90000"/>
-      </a:schemeClr>
-    </dgm:fillClrLst>
-    <dgm:linClrLst meth="repeat">
-      <a:schemeClr val="dk1"/>
-    </dgm:linClrLst>
-    <dgm:effectClrLst/>
-    <dgm:txLinClrLst/>
-    <dgm:txFillClrLst meth="repeat">
-      <a:schemeClr val="lt1"/>
-    </dgm:txFillClrLst>
-    <dgm:txEffectClrLst/>
-  </dgm:styleLbl>
-  <dgm:styleLbl name="trBgShp">
-    <dgm:fillClrLst meth="repeat">
-      <a:schemeClr val="accent1">
-        <a:tint val="50000"/>
-        <a:alpha val="40000"/>
-      </a:schemeClr>
-    </dgm:fillClrLst>
-    <dgm:linClrLst meth="repeat">
-      <a:schemeClr val="accent2"/>
-    </dgm:linClrLst>
-    <dgm:effectClrLst/>
-    <dgm:txLinClrLst/>
-    <dgm:txFillClrLst meth="repeat">
-      <a:schemeClr val="lt1"/>
-    </dgm:txFillClrLst>
-    <dgm:txEffectClrLst/>
-  </dgm:styleLbl>
-  <dgm:styleLbl name="fgShp">
-    <dgm:fillClrLst meth="repeat">
-      <a:schemeClr val="accent2">
-        <a:tint val="40000"/>
-      </a:schemeClr>
-    </dgm:fillClrLst>
-    <dgm:linClrLst meth="repeat">
-      <a:schemeClr val="lt1"/>
-    </dgm:linClrLst>
-    <dgm:effectClrLst/>
-    <dgm:txLinClrLst/>
-    <dgm:txFillClrLst meth="repeat">
-      <a:schemeClr val="dk1"/>
-    </dgm:txFillClrLst>
-    <dgm:txEffectClrLst/>
-  </dgm:styleLbl>
-  <dgm:styleLbl name="revTx">
-    <dgm:fillClrLst meth="repeat">
-      <a:schemeClr val="lt1">
-        <a:alpha val="0"/>
-      </a:schemeClr>
-    </dgm:fillClrLst>
-    <dgm:linClrLst meth="repeat">
-      <a:schemeClr val="dk1">
-        <a:alpha val="0"/>
-      </a:schemeClr>
-    </dgm:linClrLst>
-    <dgm:effectClrLst/>
-    <dgm:txLinClrLst/>
-    <dgm:txFillClrLst meth="repeat">
-      <a:schemeClr val="bg1"/>
-    </dgm:txFillClrLst>
-    <dgm:txEffectClrLst/>
-  </dgm:styleLbl>
-</dgm:colorsDef>
-</file>
-
-<file path=ppt/diagrams/data1.xml><?xml version="1.0" encoding="utf-8"?>
-<dgm:dataModel xmlns:dgm="http://schemas.openxmlformats.org/drawingml/2006/diagram" xmlns:a="http://schemas.openxmlformats.org/drawingml/2006/main">
-  <dgm:ptLst>
-    <dgm:pt modelId="{BB22BC61-36F9-4002-9538-5067AD8FDF21}" type="doc">
-      <dgm:prSet loTypeId="urn:microsoft.com/office/officeart/2018/2/layout/IconVerticalSolidList" loCatId="icon" qsTypeId="urn:microsoft.com/office/officeart/2005/8/quickstyle/simple1" qsCatId="simple" csTypeId="urn:microsoft.com/office/officeart/2018/5/colors/Iconchunking_neutralicontext_colorful1" csCatId="colorful" phldr="1"/>
-      <dgm:spPr/>
-      <dgm:t>
-        <a:bodyPr/>
-        <a:lstStyle/>
-        <a:p>
-          <a:endParaRPr lang="en-US"/>
-        </a:p>
-      </dgm:t>
-    </dgm:pt>
-    <dgm:pt modelId="{3F7F3E76-8E03-4E0D-9C3A-5E0B45CED783}">
-      <dgm:prSet/>
-      <dgm:spPr/>
-      <dgm:t>
-        <a:bodyPr/>
-        <a:lstStyle/>
-        <a:p>
-          <a:pPr>
-            <a:lnSpc>
-              <a:spcPct val="100000"/>
-            </a:lnSpc>
-          </a:pPr>
-          <a:r>
-            <a:rPr lang="it-IT" dirty="0"/>
-            <a:t>Alta reattività</a:t>
-          </a:r>
-        </a:p>
-      </dgm:t>
-    </dgm:pt>
-    <dgm:pt modelId="{7D7A6DCD-DC31-4620-8446-6384915BEB48}" type="parTrans" cxnId="{5C2E53BB-67DD-44DF-8A47-634050BA8A35}">
-      <dgm:prSet/>
-      <dgm:spPr/>
-      <dgm:t>
-        <a:bodyPr/>
-        <a:lstStyle/>
-        <a:p>
-          <a:endParaRPr lang="en-US"/>
-        </a:p>
-      </dgm:t>
-    </dgm:pt>
-    <dgm:pt modelId="{2C6DD7C6-81F4-4F0E-B433-E8D4ADF0F4F4}" type="sibTrans" cxnId="{5C2E53BB-67DD-44DF-8A47-634050BA8A35}">
-      <dgm:prSet/>
-      <dgm:spPr/>
-      <dgm:t>
-        <a:bodyPr/>
-        <a:lstStyle/>
-        <a:p>
-          <a:endParaRPr lang="en-US"/>
-        </a:p>
-      </dgm:t>
-    </dgm:pt>
-    <dgm:pt modelId="{4B719ED0-E664-4E84-BCB1-FE55255BB283}">
-      <dgm:prSet/>
-      <dgm:spPr/>
-      <dgm:t>
-        <a:bodyPr/>
-        <a:lstStyle/>
-        <a:p>
-          <a:pPr>
-            <a:lnSpc>
-              <a:spcPct val="100000"/>
-            </a:lnSpc>
-          </a:pPr>
-          <a:endParaRPr lang="en-US" dirty="0"/>
-        </a:p>
-      </dgm:t>
-    </dgm:pt>
-    <dgm:pt modelId="{640C341C-788B-4F1A-AE61-D7CBEE54442A}" type="parTrans" cxnId="{AC729768-8620-4A1C-9EA5-6A8705BB4AED}">
-      <dgm:prSet/>
-      <dgm:spPr/>
-      <dgm:t>
-        <a:bodyPr/>
-        <a:lstStyle/>
-        <a:p>
-          <a:endParaRPr lang="en-US"/>
-        </a:p>
-      </dgm:t>
-    </dgm:pt>
-    <dgm:pt modelId="{9974BF0E-CD8C-475A-BD11-F7AA292813C0}" type="sibTrans" cxnId="{AC729768-8620-4A1C-9EA5-6A8705BB4AED}">
-      <dgm:prSet/>
-      <dgm:spPr/>
-      <dgm:t>
-        <a:bodyPr/>
-        <a:lstStyle/>
-        <a:p>
-          <a:endParaRPr lang="en-US"/>
-        </a:p>
-      </dgm:t>
-    </dgm:pt>
-    <dgm:pt modelId="{FDD7E09F-E77F-489E-B608-14450556091D}">
-      <dgm:prSet/>
-      <dgm:spPr/>
-      <dgm:t>
-        <a:bodyPr/>
-        <a:lstStyle/>
-        <a:p>
-          <a:pPr>
-            <a:lnSpc>
-              <a:spcPct val="100000"/>
-            </a:lnSpc>
-          </a:pPr>
-          <a:r>
-            <a:rPr lang="it-IT"/>
-            <a:t>Interfaccia semplice e intuitiva</a:t>
-          </a:r>
-          <a:endParaRPr lang="en-US"/>
-        </a:p>
-      </dgm:t>
-    </dgm:pt>
-    <dgm:pt modelId="{5228C5D3-1852-4494-8DA2-B33B3EE544D8}" type="parTrans" cxnId="{1D65101B-91FA-4E42-BB2B-AAE94F1A1BBE}">
-      <dgm:prSet/>
-      <dgm:spPr/>
-      <dgm:t>
-        <a:bodyPr/>
-        <a:lstStyle/>
-        <a:p>
-          <a:endParaRPr lang="en-US"/>
-        </a:p>
-      </dgm:t>
-    </dgm:pt>
-    <dgm:pt modelId="{5D967168-9F91-4D17-970F-EBC1EC013AF8}" type="sibTrans" cxnId="{1D65101B-91FA-4E42-BB2B-AAE94F1A1BBE}">
-      <dgm:prSet/>
-      <dgm:spPr/>
-      <dgm:t>
-        <a:bodyPr/>
-        <a:lstStyle/>
-        <a:p>
-          <a:endParaRPr lang="en-US"/>
-        </a:p>
-      </dgm:t>
-    </dgm:pt>
-    <dgm:pt modelId="{CB1A77CE-9120-417E-A213-F485BF46BFF4}">
-      <dgm:prSet/>
-      <dgm:spPr/>
-      <dgm:t>
-        <a:bodyPr/>
-        <a:lstStyle/>
-        <a:p>
-          <a:pPr>
-            <a:lnSpc>
-              <a:spcPct val="100000"/>
-            </a:lnSpc>
-          </a:pPr>
-          <a:r>
-            <a:rPr lang="it-IT" dirty="0"/>
-            <a:t>Necessità di integrare dati aggiornati</a:t>
-          </a:r>
-          <a:endParaRPr lang="en-US" dirty="0"/>
-        </a:p>
-      </dgm:t>
-    </dgm:pt>
-    <dgm:pt modelId="{F6035E91-B4C8-4A82-9349-8C78504A6F07}" type="parTrans" cxnId="{684DC2D5-52BD-418C-9B11-B178D6998E5D}">
-      <dgm:prSet/>
-      <dgm:spPr/>
-      <dgm:t>
-        <a:bodyPr/>
-        <a:lstStyle/>
-        <a:p>
-          <a:endParaRPr lang="en-US"/>
-        </a:p>
-      </dgm:t>
-    </dgm:pt>
-    <dgm:pt modelId="{BD5550B0-D421-4D6F-A254-D1E29772F6D2}" type="sibTrans" cxnId="{684DC2D5-52BD-418C-9B11-B178D6998E5D}">
-      <dgm:prSet/>
-      <dgm:spPr/>
-      <dgm:t>
-        <a:bodyPr/>
-        <a:lstStyle/>
-        <a:p>
-          <a:endParaRPr lang="en-US"/>
-        </a:p>
-      </dgm:t>
-    </dgm:pt>
-    <dgm:pt modelId="{B4D01DF8-158E-4495-B7E5-B21B8ECF2254}">
-      <dgm:prSet/>
-      <dgm:spPr/>
-      <dgm:t>
-        <a:bodyPr/>
-        <a:lstStyle/>
-        <a:p>
-          <a:pPr>
-            <a:lnSpc>
-              <a:spcPct val="100000"/>
-            </a:lnSpc>
-          </a:pPr>
-          <a:r>
-            <a:rPr lang="it-IT" dirty="0"/>
-            <a:t>Necessità di gestione degli account</a:t>
-          </a:r>
-          <a:endParaRPr lang="en-US" dirty="0"/>
-        </a:p>
-      </dgm:t>
-    </dgm:pt>
-    <dgm:pt modelId="{F4CC556F-0959-42E3-9F62-2522E25D4ABD}" type="parTrans" cxnId="{4C98C497-965C-47B2-B0DC-B8E4AAFA6737}">
-      <dgm:prSet/>
-      <dgm:spPr/>
-      <dgm:t>
-        <a:bodyPr/>
-        <a:lstStyle/>
-        <a:p>
-          <a:endParaRPr lang="en-US"/>
-        </a:p>
-      </dgm:t>
-    </dgm:pt>
-    <dgm:pt modelId="{86A72344-4590-4DDF-80AC-470239B9732B}" type="sibTrans" cxnId="{4C98C497-965C-47B2-B0DC-B8E4AAFA6737}">
-      <dgm:prSet/>
-      <dgm:spPr/>
-      <dgm:t>
-        <a:bodyPr/>
-        <a:lstStyle/>
-        <a:p>
-          <a:endParaRPr lang="en-US"/>
-        </a:p>
-      </dgm:t>
-    </dgm:pt>
-    <dgm:pt modelId="{24F9FAA0-59CB-4F2D-96B0-D726804B983F}" type="pres">
-      <dgm:prSet presAssocID="{BB22BC61-36F9-4002-9538-5067AD8FDF21}" presName="root" presStyleCnt="0">
-        <dgm:presLayoutVars>
-          <dgm:dir/>
-          <dgm:resizeHandles val="exact"/>
-        </dgm:presLayoutVars>
-      </dgm:prSet>
-      <dgm:spPr/>
-    </dgm:pt>
-    <dgm:pt modelId="{EE5673DB-44D1-4B69-9FF1-9AAB56C2F178}" type="pres">
-      <dgm:prSet presAssocID="{3F7F3E76-8E03-4E0D-9C3A-5E0B45CED783}" presName="compNode" presStyleCnt="0"/>
-      <dgm:spPr/>
-    </dgm:pt>
-    <dgm:pt modelId="{0FB4868B-68C2-4D50-96F9-AD8167B78248}" type="pres">
-      <dgm:prSet presAssocID="{3F7F3E76-8E03-4E0D-9C3A-5E0B45CED783}" presName="bgRect" presStyleLbl="bgShp" presStyleIdx="0" presStyleCnt="4"/>
-      <dgm:spPr/>
-    </dgm:pt>
-    <dgm:pt modelId="{EE6DC079-799E-4C05-8C0E-43CA10FCEF26}" type="pres">
-      <dgm:prSet presAssocID="{3F7F3E76-8E03-4E0D-9C3A-5E0B45CED783}" presName="iconRect" presStyleLbl="node1" presStyleIdx="0" presStyleCnt="4"/>
-      <dgm:spPr>
-        <a:blipFill>
-          <a:blip xmlns:r="http://schemas.openxmlformats.org/officeDocument/2006/relationships" r:embed="rId1">
-            <a:extLst>
-              <a:ext uri="{28A0092B-C50C-407E-A947-70E740481C1C}">
-                <a14:useLocalDpi xmlns:a14="http://schemas.microsoft.com/office/drawing/2010/main" val="0"/>
-              </a:ext>
-              <a:ext uri="{96DAC541-7B7A-43D3-8B79-37D633B846F1}">
-                <asvg:svgBlip xmlns:asvg="http://schemas.microsoft.com/office/drawing/2016/SVG/main" r:embed="rId2"/>
-              </a:ext>
-            </a:extLst>
-          </a:blip>
-          <a:stretch>
-            <a:fillRect/>
-          </a:stretch>
-        </a:blipFill>
-        <a:ln>
-          <a:noFill/>
-        </a:ln>
-      </dgm:spPr>
-      <dgm:extLst>
-        <a:ext uri="{E40237B7-FDA0-4F09-8148-C483321AD2D9}">
-          <dgm14:cNvPr xmlns:dgm14="http://schemas.microsoft.com/office/drawing/2010/diagram" id="0" name="" descr="Magnifying glass"/>
-        </a:ext>
-      </dgm:extLst>
-    </dgm:pt>
-    <dgm:pt modelId="{BE7FC246-0394-4BA9-A166-0D8A394F1E85}" type="pres">
-      <dgm:prSet presAssocID="{3F7F3E76-8E03-4E0D-9C3A-5E0B45CED783}" presName="spaceRect" presStyleCnt="0"/>
-      <dgm:spPr/>
-    </dgm:pt>
-    <dgm:pt modelId="{FAC5E2E4-7E7E-42D8-884B-7C46265A2CCB}" type="pres">
-      <dgm:prSet presAssocID="{3F7F3E76-8E03-4E0D-9C3A-5E0B45CED783}" presName="parTx" presStyleLbl="revTx" presStyleIdx="0" presStyleCnt="5">
-        <dgm:presLayoutVars>
-          <dgm:chMax val="0"/>
-          <dgm:chPref val="0"/>
-        </dgm:presLayoutVars>
-      </dgm:prSet>
-      <dgm:spPr/>
-    </dgm:pt>
-    <dgm:pt modelId="{8F7265C9-1769-4396-83E1-A720C8ACAFA0}" type="pres">
-      <dgm:prSet presAssocID="{3F7F3E76-8E03-4E0D-9C3A-5E0B45CED783}" presName="desTx" presStyleLbl="revTx" presStyleIdx="1" presStyleCnt="5" custScaleX="149096" custLinFactNeighborX="-22494" custLinFactNeighborY="1105">
-        <dgm:presLayoutVars/>
-      </dgm:prSet>
-      <dgm:spPr/>
-    </dgm:pt>
-    <dgm:pt modelId="{0B6BFA52-90E1-42C3-A390-387BF3C48C7B}" type="pres">
-      <dgm:prSet presAssocID="{2C6DD7C6-81F4-4F0E-B433-E8D4ADF0F4F4}" presName="sibTrans" presStyleCnt="0"/>
-      <dgm:spPr/>
-    </dgm:pt>
-    <dgm:pt modelId="{9E2C07A9-8E0A-411E-8FF0-FF780CBFDC77}" type="pres">
-      <dgm:prSet presAssocID="{FDD7E09F-E77F-489E-B608-14450556091D}" presName="compNode" presStyleCnt="0"/>
-      <dgm:spPr/>
-    </dgm:pt>
-    <dgm:pt modelId="{30CC0AA0-286B-4161-B0AE-1E0150753201}" type="pres">
-      <dgm:prSet presAssocID="{FDD7E09F-E77F-489E-B608-14450556091D}" presName="bgRect" presStyleLbl="bgShp" presStyleIdx="1" presStyleCnt="4"/>
-      <dgm:spPr/>
-    </dgm:pt>
-    <dgm:pt modelId="{38406F51-7DA0-42C5-A695-AD1C0096A599}" type="pres">
-      <dgm:prSet presAssocID="{FDD7E09F-E77F-489E-B608-14450556091D}" presName="iconRect" presStyleLbl="node1" presStyleIdx="1" presStyleCnt="4"/>
-      <dgm:spPr>
-        <a:blipFill>
-          <a:blip xmlns:r="http://schemas.openxmlformats.org/officeDocument/2006/relationships" r:embed="rId3">
-            <a:extLst>
-              <a:ext uri="{28A0092B-C50C-407E-A947-70E740481C1C}">
-                <a14:useLocalDpi xmlns:a14="http://schemas.microsoft.com/office/drawing/2010/main" val="0"/>
-              </a:ext>
-              <a:ext uri="{96DAC541-7B7A-43D3-8B79-37D633B846F1}">
-                <asvg:svgBlip xmlns:asvg="http://schemas.microsoft.com/office/drawing/2016/SVG/main" r:embed="rId4"/>
-              </a:ext>
-            </a:extLst>
-          </a:blip>
-          <a:stretch>
-            <a:fillRect/>
-          </a:stretch>
-        </a:blipFill>
-        <a:ln>
-          <a:noFill/>
-        </a:ln>
-      </dgm:spPr>
-      <dgm:extLst>
-        <a:ext uri="{E40237B7-FDA0-4F09-8148-C483321AD2D9}">
-          <dgm14:cNvPr xmlns:dgm14="http://schemas.microsoft.com/office/drawing/2010/diagram" id="0" name="" descr="Web Design"/>
-        </a:ext>
-      </dgm:extLst>
-    </dgm:pt>
-    <dgm:pt modelId="{1FF94973-0708-4B69-9B5C-888BCEF7463A}" type="pres">
-      <dgm:prSet presAssocID="{FDD7E09F-E77F-489E-B608-14450556091D}" presName="spaceRect" presStyleCnt="0"/>
-      <dgm:spPr/>
-    </dgm:pt>
-    <dgm:pt modelId="{A3BA8F70-91B7-4245-974D-24492BD8D277}" type="pres">
-      <dgm:prSet presAssocID="{FDD7E09F-E77F-489E-B608-14450556091D}" presName="parTx" presStyleLbl="revTx" presStyleIdx="2" presStyleCnt="5">
-        <dgm:presLayoutVars>
-          <dgm:chMax val="0"/>
-          <dgm:chPref val="0"/>
-        </dgm:presLayoutVars>
-      </dgm:prSet>
-      <dgm:spPr/>
-    </dgm:pt>
-    <dgm:pt modelId="{390C67E5-F7FF-498B-AF15-7061AF447389}" type="pres">
-      <dgm:prSet presAssocID="{5D967168-9F91-4D17-970F-EBC1EC013AF8}" presName="sibTrans" presStyleCnt="0"/>
-      <dgm:spPr/>
-    </dgm:pt>
-    <dgm:pt modelId="{A72FCC19-7952-433F-9D72-B2B4464C6F4B}" type="pres">
-      <dgm:prSet presAssocID="{CB1A77CE-9120-417E-A213-F485BF46BFF4}" presName="compNode" presStyleCnt="0"/>
-      <dgm:spPr/>
-    </dgm:pt>
-    <dgm:pt modelId="{47C5FE82-41FC-41EE-99F1-5E9797534AD2}" type="pres">
-      <dgm:prSet presAssocID="{CB1A77CE-9120-417E-A213-F485BF46BFF4}" presName="bgRect" presStyleLbl="bgShp" presStyleIdx="2" presStyleCnt="4"/>
-      <dgm:spPr/>
-    </dgm:pt>
-    <dgm:pt modelId="{A9AC02F6-AFF6-4A43-BBBB-A14B118368A9}" type="pres">
-      <dgm:prSet presAssocID="{CB1A77CE-9120-417E-A213-F485BF46BFF4}" presName="iconRect" presStyleLbl="node1" presStyleIdx="2" presStyleCnt="4"/>
-      <dgm:spPr>
-        <a:blipFill>
-          <a:blip xmlns:r="http://schemas.openxmlformats.org/officeDocument/2006/relationships" r:embed="rId5">
-            <a:extLst>
-              <a:ext uri="{28A0092B-C50C-407E-A947-70E740481C1C}">
-                <a14:useLocalDpi xmlns:a14="http://schemas.microsoft.com/office/drawing/2010/main" val="0"/>
-              </a:ext>
-              <a:ext uri="{96DAC541-7B7A-43D3-8B79-37D633B846F1}">
-                <asvg:svgBlip xmlns:asvg="http://schemas.microsoft.com/office/drawing/2016/SVG/main" r:embed="rId6"/>
-              </a:ext>
-            </a:extLst>
-          </a:blip>
-          <a:stretch>
-            <a:fillRect/>
-          </a:stretch>
-        </a:blipFill>
-        <a:ln>
-          <a:noFill/>
-        </a:ln>
-      </dgm:spPr>
-      <dgm:extLst>
-        <a:ext uri="{E40237B7-FDA0-4F09-8148-C483321AD2D9}">
-          <dgm14:cNvPr xmlns:dgm14="http://schemas.microsoft.com/office/drawing/2010/diagram" id="0" name="" descr="Gears"/>
-        </a:ext>
-      </dgm:extLst>
-    </dgm:pt>
-    <dgm:pt modelId="{F84BF5E0-FA72-4700-8FE2-6E0ACE0138E8}" type="pres">
-      <dgm:prSet presAssocID="{CB1A77CE-9120-417E-A213-F485BF46BFF4}" presName="spaceRect" presStyleCnt="0"/>
-      <dgm:spPr/>
-    </dgm:pt>
-    <dgm:pt modelId="{3B98BDC6-143C-45A3-BE75-9B578458B622}" type="pres">
-      <dgm:prSet presAssocID="{CB1A77CE-9120-417E-A213-F485BF46BFF4}" presName="parTx" presStyleLbl="revTx" presStyleIdx="3" presStyleCnt="5">
-        <dgm:presLayoutVars>
-          <dgm:chMax val="0"/>
-          <dgm:chPref val="0"/>
-        </dgm:presLayoutVars>
-      </dgm:prSet>
-      <dgm:spPr/>
-    </dgm:pt>
-    <dgm:pt modelId="{81CB9048-4FB5-4A22-9B3F-F7FAEA10F357}" type="pres">
-      <dgm:prSet presAssocID="{BD5550B0-D421-4D6F-A254-D1E29772F6D2}" presName="sibTrans" presStyleCnt="0"/>
-      <dgm:spPr/>
-    </dgm:pt>
-    <dgm:pt modelId="{63FEDB6E-14B2-495B-8A36-F70017C48CF1}" type="pres">
-      <dgm:prSet presAssocID="{B4D01DF8-158E-4495-B7E5-B21B8ECF2254}" presName="compNode" presStyleCnt="0"/>
-      <dgm:spPr/>
-    </dgm:pt>
-    <dgm:pt modelId="{656810EA-BFAC-454C-9AF6-57DB0453AB7E}" type="pres">
-      <dgm:prSet presAssocID="{B4D01DF8-158E-4495-B7E5-B21B8ECF2254}" presName="bgRect" presStyleLbl="bgShp" presStyleIdx="3" presStyleCnt="4"/>
-      <dgm:spPr/>
-    </dgm:pt>
-    <dgm:pt modelId="{EABF5AD4-194F-472F-8613-5B934BE52857}" type="pres">
-      <dgm:prSet presAssocID="{B4D01DF8-158E-4495-B7E5-B21B8ECF2254}" presName="iconRect" presStyleLbl="node1" presStyleIdx="3" presStyleCnt="4"/>
-      <dgm:spPr>
-        <a:blipFill>
-          <a:blip xmlns:r="http://schemas.openxmlformats.org/officeDocument/2006/relationships" r:embed="rId7">
-            <a:extLst>
-              <a:ext uri="{28A0092B-C50C-407E-A947-70E740481C1C}">
-                <a14:useLocalDpi xmlns:a14="http://schemas.microsoft.com/office/drawing/2010/main" val="0"/>
-              </a:ext>
-              <a:ext uri="{96DAC541-7B7A-43D3-8B79-37D633B846F1}">
-                <asvg:svgBlip xmlns:asvg="http://schemas.microsoft.com/office/drawing/2016/SVG/main" r:embed="rId8"/>
-              </a:ext>
-            </a:extLst>
-          </a:blip>
-          <a:stretch>
-            <a:fillRect/>
-          </a:stretch>
-        </a:blipFill>
-        <a:ln>
-          <a:noFill/>
-        </a:ln>
-      </dgm:spPr>
-      <dgm:extLst>
-        <a:ext uri="{E40237B7-FDA0-4F09-8148-C483321AD2D9}">
-          <dgm14:cNvPr xmlns:dgm14="http://schemas.microsoft.com/office/drawing/2010/diagram" id="0" name="" descr="Warning"/>
-        </a:ext>
-      </dgm:extLst>
-    </dgm:pt>
-    <dgm:pt modelId="{D47C93CF-8DC4-4372-8731-E106C8A90789}" type="pres">
-      <dgm:prSet presAssocID="{B4D01DF8-158E-4495-B7E5-B21B8ECF2254}" presName="spaceRect" presStyleCnt="0"/>
-      <dgm:spPr/>
-    </dgm:pt>
-    <dgm:pt modelId="{B455634F-8097-4ACF-87A4-99028224F2EA}" type="pres">
-      <dgm:prSet presAssocID="{B4D01DF8-158E-4495-B7E5-B21B8ECF2254}" presName="parTx" presStyleLbl="revTx" presStyleIdx="4" presStyleCnt="5">
-        <dgm:presLayoutVars>
-          <dgm:chMax val="0"/>
-          <dgm:chPref val="0"/>
-        </dgm:presLayoutVars>
-      </dgm:prSet>
-      <dgm:spPr/>
-    </dgm:pt>
-  </dgm:ptLst>
-  <dgm:cxnLst>
-    <dgm:cxn modelId="{332EBC04-B263-4AF8-818C-6647649698BD}" type="presOf" srcId="{CB1A77CE-9120-417E-A213-F485BF46BFF4}" destId="{3B98BDC6-143C-45A3-BE75-9B578458B622}" srcOrd="0" destOrd="0" presId="urn:microsoft.com/office/officeart/2018/2/layout/IconVerticalSolidList"/>
-    <dgm:cxn modelId="{E1249010-2498-41B2-AF68-AD20F8747C96}" type="presOf" srcId="{4B719ED0-E664-4E84-BCB1-FE55255BB283}" destId="{8F7265C9-1769-4396-83E1-A720C8ACAFA0}" srcOrd="0" destOrd="0" presId="urn:microsoft.com/office/officeart/2018/2/layout/IconVerticalSolidList"/>
-    <dgm:cxn modelId="{1D65101B-91FA-4E42-BB2B-AAE94F1A1BBE}" srcId="{BB22BC61-36F9-4002-9538-5067AD8FDF21}" destId="{FDD7E09F-E77F-489E-B608-14450556091D}" srcOrd="1" destOrd="0" parTransId="{5228C5D3-1852-4494-8DA2-B33B3EE544D8}" sibTransId="{5D967168-9F91-4D17-970F-EBC1EC013AF8}"/>
-    <dgm:cxn modelId="{F80C7C1D-6A3C-4164-B8A0-023F5DACC97A}" type="presOf" srcId="{FDD7E09F-E77F-489E-B608-14450556091D}" destId="{A3BA8F70-91B7-4245-974D-24492BD8D277}" srcOrd="0" destOrd="0" presId="urn:microsoft.com/office/officeart/2018/2/layout/IconVerticalSolidList"/>
-    <dgm:cxn modelId="{B5A57822-3E34-478F-A0BD-B153C0649D91}" type="presOf" srcId="{BB22BC61-36F9-4002-9538-5067AD8FDF21}" destId="{24F9FAA0-59CB-4F2D-96B0-D726804B983F}" srcOrd="0" destOrd="0" presId="urn:microsoft.com/office/officeart/2018/2/layout/IconVerticalSolidList"/>
-    <dgm:cxn modelId="{AC729768-8620-4A1C-9EA5-6A8705BB4AED}" srcId="{3F7F3E76-8E03-4E0D-9C3A-5E0B45CED783}" destId="{4B719ED0-E664-4E84-BCB1-FE55255BB283}" srcOrd="0" destOrd="0" parTransId="{640C341C-788B-4F1A-AE61-D7CBEE54442A}" sibTransId="{9974BF0E-CD8C-475A-BD11-F7AA292813C0}"/>
-    <dgm:cxn modelId="{5557F668-9C1B-43CF-9A62-28B8F87E2555}" type="presOf" srcId="{B4D01DF8-158E-4495-B7E5-B21B8ECF2254}" destId="{B455634F-8097-4ACF-87A4-99028224F2EA}" srcOrd="0" destOrd="0" presId="urn:microsoft.com/office/officeart/2018/2/layout/IconVerticalSolidList"/>
-    <dgm:cxn modelId="{4C98C497-965C-47B2-B0DC-B8E4AAFA6737}" srcId="{BB22BC61-36F9-4002-9538-5067AD8FDF21}" destId="{B4D01DF8-158E-4495-B7E5-B21B8ECF2254}" srcOrd="3" destOrd="0" parTransId="{F4CC556F-0959-42E3-9F62-2522E25D4ABD}" sibTransId="{86A72344-4590-4DDF-80AC-470239B9732B}"/>
-    <dgm:cxn modelId="{F4EF86AF-8E29-4E2B-92A0-A2E707CFC0E9}" type="presOf" srcId="{3F7F3E76-8E03-4E0D-9C3A-5E0B45CED783}" destId="{FAC5E2E4-7E7E-42D8-884B-7C46265A2CCB}" srcOrd="0" destOrd="0" presId="urn:microsoft.com/office/officeart/2018/2/layout/IconVerticalSolidList"/>
-    <dgm:cxn modelId="{5C2E53BB-67DD-44DF-8A47-634050BA8A35}" srcId="{BB22BC61-36F9-4002-9538-5067AD8FDF21}" destId="{3F7F3E76-8E03-4E0D-9C3A-5E0B45CED783}" srcOrd="0" destOrd="0" parTransId="{7D7A6DCD-DC31-4620-8446-6384915BEB48}" sibTransId="{2C6DD7C6-81F4-4F0E-B433-E8D4ADF0F4F4}"/>
-    <dgm:cxn modelId="{684DC2D5-52BD-418C-9B11-B178D6998E5D}" srcId="{BB22BC61-36F9-4002-9538-5067AD8FDF21}" destId="{CB1A77CE-9120-417E-A213-F485BF46BFF4}" srcOrd="2" destOrd="0" parTransId="{F6035E91-B4C8-4A82-9349-8C78504A6F07}" sibTransId="{BD5550B0-D421-4D6F-A254-D1E29772F6D2}"/>
-    <dgm:cxn modelId="{8B17DDA7-E0F1-4E77-9965-5A832198E024}" type="presParOf" srcId="{24F9FAA0-59CB-4F2D-96B0-D726804B983F}" destId="{EE5673DB-44D1-4B69-9FF1-9AAB56C2F178}" srcOrd="0" destOrd="0" presId="urn:microsoft.com/office/officeart/2018/2/layout/IconVerticalSolidList"/>
-    <dgm:cxn modelId="{74BEBAD3-BFC9-4D6D-B0BD-424765E04612}" type="presParOf" srcId="{EE5673DB-44D1-4B69-9FF1-9AAB56C2F178}" destId="{0FB4868B-68C2-4D50-96F9-AD8167B78248}" srcOrd="0" destOrd="0" presId="urn:microsoft.com/office/officeart/2018/2/layout/IconVerticalSolidList"/>
-    <dgm:cxn modelId="{A04F60B4-F0CA-448C-84E7-40BA63E6BAB4}" type="presParOf" srcId="{EE5673DB-44D1-4B69-9FF1-9AAB56C2F178}" destId="{EE6DC079-799E-4C05-8C0E-43CA10FCEF26}" srcOrd="1" destOrd="0" presId="urn:microsoft.com/office/officeart/2018/2/layout/IconVerticalSolidList"/>
-    <dgm:cxn modelId="{AF7437D3-AFDB-414A-9EBF-CEC8F0131484}" type="presParOf" srcId="{EE5673DB-44D1-4B69-9FF1-9AAB56C2F178}" destId="{BE7FC246-0394-4BA9-A166-0D8A394F1E85}" srcOrd="2" destOrd="0" presId="urn:microsoft.com/office/officeart/2018/2/layout/IconVerticalSolidList"/>
-    <dgm:cxn modelId="{69B6687D-BEBF-4EEB-B42E-B97B9B384D70}" type="presParOf" srcId="{EE5673DB-44D1-4B69-9FF1-9AAB56C2F178}" destId="{FAC5E2E4-7E7E-42D8-884B-7C46265A2CCB}" srcOrd="3" destOrd="0" presId="urn:microsoft.com/office/officeart/2018/2/layout/IconVerticalSolidList"/>
-    <dgm:cxn modelId="{F24DB098-803B-4ECB-AFBD-5C8D197C3C10}" type="presParOf" srcId="{EE5673DB-44D1-4B69-9FF1-9AAB56C2F178}" destId="{8F7265C9-1769-4396-83E1-A720C8ACAFA0}" srcOrd="4" destOrd="0" presId="urn:microsoft.com/office/officeart/2018/2/layout/IconVerticalSolidList"/>
-    <dgm:cxn modelId="{1876D82C-5C80-4F91-AF63-616B951D21A7}" type="presParOf" srcId="{24F9FAA0-59CB-4F2D-96B0-D726804B983F}" destId="{0B6BFA52-90E1-42C3-A390-387BF3C48C7B}" srcOrd="1" destOrd="0" presId="urn:microsoft.com/office/officeart/2018/2/layout/IconVerticalSolidList"/>
-    <dgm:cxn modelId="{FBF33CC8-80C4-430A-B209-C9E28743FB40}" type="presParOf" srcId="{24F9FAA0-59CB-4F2D-96B0-D726804B983F}" destId="{9E2C07A9-8E0A-411E-8FF0-FF780CBFDC77}" srcOrd="2" destOrd="0" presId="urn:microsoft.com/office/officeart/2018/2/layout/IconVerticalSolidList"/>
-    <dgm:cxn modelId="{AAD02942-2BBC-4B4A-8D3F-EEAD8C6B63B7}" type="presParOf" srcId="{9E2C07A9-8E0A-411E-8FF0-FF780CBFDC77}" destId="{30CC0AA0-286B-4161-B0AE-1E0150753201}" srcOrd="0" destOrd="0" presId="urn:microsoft.com/office/officeart/2018/2/layout/IconVerticalSolidList"/>
-    <dgm:cxn modelId="{EB0EF988-88A0-4E02-9E38-1D6A7E1B7F99}" type="presParOf" srcId="{9E2C07A9-8E0A-411E-8FF0-FF780CBFDC77}" destId="{38406F51-7DA0-42C5-A695-AD1C0096A599}" srcOrd="1" destOrd="0" presId="urn:microsoft.com/office/officeart/2018/2/layout/IconVerticalSolidList"/>
-    <dgm:cxn modelId="{AB3110E2-5033-4934-81CA-FD8D2BA73E97}" type="presParOf" srcId="{9E2C07A9-8E0A-411E-8FF0-FF780CBFDC77}" destId="{1FF94973-0708-4B69-9B5C-888BCEF7463A}" srcOrd="2" destOrd="0" presId="urn:microsoft.com/office/officeart/2018/2/layout/IconVerticalSolidList"/>
-    <dgm:cxn modelId="{3F819EF0-7ACE-490C-9025-9D73A1860447}" type="presParOf" srcId="{9E2C07A9-8E0A-411E-8FF0-FF780CBFDC77}" destId="{A3BA8F70-91B7-4245-974D-24492BD8D277}" srcOrd="3" destOrd="0" presId="urn:microsoft.com/office/officeart/2018/2/layout/IconVerticalSolidList"/>
-    <dgm:cxn modelId="{AA92AF78-3792-4640-B1F4-0CF0F8507447}" type="presParOf" srcId="{24F9FAA0-59CB-4F2D-96B0-D726804B983F}" destId="{390C67E5-F7FF-498B-AF15-7061AF447389}" srcOrd="3" destOrd="0" presId="urn:microsoft.com/office/officeart/2018/2/layout/IconVerticalSolidList"/>
-    <dgm:cxn modelId="{D54BC16B-AFCE-41FB-AD11-FD7601E50780}" type="presParOf" srcId="{24F9FAA0-59CB-4F2D-96B0-D726804B983F}" destId="{A72FCC19-7952-433F-9D72-B2B4464C6F4B}" srcOrd="4" destOrd="0" presId="urn:microsoft.com/office/officeart/2018/2/layout/IconVerticalSolidList"/>
-    <dgm:cxn modelId="{983B5B10-3FBD-4448-9FA9-E219F34347A7}" type="presParOf" srcId="{A72FCC19-7952-433F-9D72-B2B4464C6F4B}" destId="{47C5FE82-41FC-41EE-99F1-5E9797534AD2}" srcOrd="0" destOrd="0" presId="urn:microsoft.com/office/officeart/2018/2/layout/IconVerticalSolidList"/>
-    <dgm:cxn modelId="{B6E4B5B7-BC99-457E-A56E-DD870CB2D52F}" type="presParOf" srcId="{A72FCC19-7952-433F-9D72-B2B4464C6F4B}" destId="{A9AC02F6-AFF6-4A43-BBBB-A14B118368A9}" srcOrd="1" destOrd="0" presId="urn:microsoft.com/office/officeart/2018/2/layout/IconVerticalSolidList"/>
-    <dgm:cxn modelId="{CBE71BEC-CE44-40B3-BF88-12FD4CD41FF1}" type="presParOf" srcId="{A72FCC19-7952-433F-9D72-B2B4464C6F4B}" destId="{F84BF5E0-FA72-4700-8FE2-6E0ACE0138E8}" srcOrd="2" destOrd="0" presId="urn:microsoft.com/office/officeart/2018/2/layout/IconVerticalSolidList"/>
-    <dgm:cxn modelId="{24C01500-6830-4433-A846-16C4C7D7F38E}" type="presParOf" srcId="{A72FCC19-7952-433F-9D72-B2B4464C6F4B}" destId="{3B98BDC6-143C-45A3-BE75-9B578458B622}" srcOrd="3" destOrd="0" presId="urn:microsoft.com/office/officeart/2018/2/layout/IconVerticalSolidList"/>
-    <dgm:cxn modelId="{F41CDB92-17B1-4C66-9269-39842B6FA880}" type="presParOf" srcId="{24F9FAA0-59CB-4F2D-96B0-D726804B983F}" destId="{81CB9048-4FB5-4A22-9B3F-F7FAEA10F357}" srcOrd="5" destOrd="0" presId="urn:microsoft.com/office/officeart/2018/2/layout/IconVerticalSolidList"/>
-    <dgm:cxn modelId="{4F27098F-DA99-457C-9E2E-F3ABAB3F2CBD}" type="presParOf" srcId="{24F9FAA0-59CB-4F2D-96B0-D726804B983F}" destId="{63FEDB6E-14B2-495B-8A36-F70017C48CF1}" srcOrd="6" destOrd="0" presId="urn:microsoft.com/office/officeart/2018/2/layout/IconVerticalSolidList"/>
-    <dgm:cxn modelId="{E9F68419-CBED-4E8B-A372-29EE970A1B33}" type="presParOf" srcId="{63FEDB6E-14B2-495B-8A36-F70017C48CF1}" destId="{656810EA-BFAC-454C-9AF6-57DB0453AB7E}" srcOrd="0" destOrd="0" presId="urn:microsoft.com/office/officeart/2018/2/layout/IconVerticalSolidList"/>
-    <dgm:cxn modelId="{2B03DE51-5045-4C27-B445-E27449DC3E3E}" type="presParOf" srcId="{63FEDB6E-14B2-495B-8A36-F70017C48CF1}" destId="{EABF5AD4-194F-472F-8613-5B934BE52857}" srcOrd="1" destOrd="0" presId="urn:microsoft.com/office/officeart/2018/2/layout/IconVerticalSolidList"/>
-    <dgm:cxn modelId="{025C1FB9-F0D8-4D1A-8B1F-31A90BF7DCF7}" type="presParOf" srcId="{63FEDB6E-14B2-495B-8A36-F70017C48CF1}" destId="{D47C93CF-8DC4-4372-8731-E106C8A90789}" srcOrd="2" destOrd="0" presId="urn:microsoft.com/office/officeart/2018/2/layout/IconVerticalSolidList"/>
-    <dgm:cxn modelId="{AE60DA71-07E4-45C0-A892-719BF45070CE}" type="presParOf" srcId="{63FEDB6E-14B2-495B-8A36-F70017C48CF1}" destId="{B455634F-8097-4ACF-87A4-99028224F2EA}" srcOrd="3" destOrd="0" presId="urn:microsoft.com/office/officeart/2018/2/layout/IconVerticalSolidList"/>
-  </dgm:cxnLst>
-  <dgm:bg/>
-  <dgm:whole/>
-  <dgm:extLst>
-    <a:ext uri="http://schemas.microsoft.com/office/drawing/2008/diagram">
-      <dsp:dataModelExt xmlns:dsp="http://schemas.microsoft.com/office/drawing/2008/diagram" relId="rId6" minVer="http://schemas.openxmlformats.org/drawingml/2006/diagram"/>
-    </a:ext>
-  </dgm:extLst>
-</dgm:dataModel>
-</file>
-
-<file path=ppt/diagrams/drawing1.xml><?xml version="1.0" encoding="utf-8"?>
-<dsp:drawing xmlns:dgm="http://schemas.openxmlformats.org/drawingml/2006/diagram" xmlns:dsp="http://schemas.microsoft.com/office/drawing/2008/diagram" xmlns:a="http://schemas.openxmlformats.org/drawingml/2006/main">
-  <dsp:spTree>
-    <dsp:nvGrpSpPr>
-      <dsp:cNvPr id="0" name=""/>
-      <dsp:cNvGrpSpPr/>
-    </dsp:nvGrpSpPr>
-    <dsp:grpSpPr/>
-    <dsp:sp modelId="{0FB4868B-68C2-4D50-96F9-AD8167B78248}">
-      <dsp:nvSpPr>
-        <dsp:cNvPr id="0" name=""/>
-        <dsp:cNvSpPr/>
-      </dsp:nvSpPr>
-      <dsp:spPr>
-        <a:xfrm>
-          <a:off x="-290570" y="9614"/>
-          <a:ext cx="6582555" cy="1074224"/>
-        </a:xfrm>
-        <a:prstGeom prst="roundRect">
-          <a:avLst>
-            <a:gd name="adj" fmla="val 10000"/>
-          </a:avLst>
-        </a:prstGeom>
-        <a:solidFill>
-          <a:schemeClr val="accent2">
-            <a:hueOff val="0"/>
-            <a:satOff val="0"/>
-            <a:lumOff val="0"/>
-            <a:alphaOff val="0"/>
-          </a:schemeClr>
-        </a:solidFill>
-        <a:ln>
-          <a:noFill/>
-        </a:ln>
-        <a:effectLst/>
-      </dsp:spPr>
-      <dsp:style>
-        <a:lnRef idx="0">
-          <a:scrgbClr r="0" g="0" b="0"/>
-        </a:lnRef>
-        <a:fillRef idx="1">
-          <a:scrgbClr r="0" g="0" b="0"/>
-        </a:fillRef>
-        <a:effectRef idx="0">
-          <a:scrgbClr r="0" g="0" b="0"/>
-        </a:effectRef>
-        <a:fontRef idx="minor"/>
-      </dsp:style>
-    </dsp:sp>
-    <dsp:sp modelId="{EE6DC079-799E-4C05-8C0E-43CA10FCEF26}">
-      <dsp:nvSpPr>
-        <dsp:cNvPr id="0" name=""/>
-        <dsp:cNvSpPr/>
-      </dsp:nvSpPr>
-      <dsp:spPr>
-        <a:xfrm>
-          <a:off x="34382" y="251315"/>
-          <a:ext cx="590823" cy="590823"/>
-        </a:xfrm>
-        <a:prstGeom prst="rect">
-          <a:avLst/>
-        </a:prstGeom>
-        <a:blipFill>
-          <a:blip xmlns:r="http://schemas.openxmlformats.org/officeDocument/2006/relationships" r:embed="rId1">
-            <a:extLst>
-              <a:ext uri="{28A0092B-C50C-407E-A947-70E740481C1C}">
-                <a14:useLocalDpi xmlns:a14="http://schemas.microsoft.com/office/drawing/2010/main" val="0"/>
-              </a:ext>
-              <a:ext uri="{96DAC541-7B7A-43D3-8B79-37D633B846F1}">
-                <asvg:svgBlip xmlns:asvg="http://schemas.microsoft.com/office/drawing/2016/SVG/main" r:embed="rId2"/>
-              </a:ext>
-            </a:extLst>
-          </a:blip>
-          <a:stretch>
-            <a:fillRect/>
-          </a:stretch>
-        </a:blipFill>
-        <a:ln w="15875" cap="flat" cmpd="sng" algn="ctr">
-          <a:noFill/>
-          <a:prstDash val="solid"/>
-        </a:ln>
-        <a:effectLst/>
-      </dsp:spPr>
-      <dsp:style>
-        <a:lnRef idx="2">
-          <a:scrgbClr r="0" g="0" b="0"/>
-        </a:lnRef>
-        <a:fillRef idx="1">
-          <a:scrgbClr r="0" g="0" b="0"/>
-        </a:fillRef>
-        <a:effectRef idx="0">
-          <a:scrgbClr r="0" g="0" b="0"/>
-        </a:effectRef>
-        <a:fontRef idx="minor">
-          <a:schemeClr val="lt1"/>
-        </a:fontRef>
-      </dsp:style>
-    </dsp:sp>
-    <dsp:sp modelId="{FAC5E2E4-7E7E-42D8-884B-7C46265A2CCB}">
-      <dsp:nvSpPr>
-        <dsp:cNvPr id="0" name=""/>
-        <dsp:cNvSpPr/>
-      </dsp:nvSpPr>
-      <dsp:spPr>
-        <a:xfrm>
-          <a:off x="950159" y="9614"/>
-          <a:ext cx="2962149" cy="1074224"/>
-        </a:xfrm>
-        <a:prstGeom prst="rect">
-          <a:avLst/>
-        </a:prstGeom>
-        <a:noFill/>
-        <a:ln>
-          <a:noFill/>
-        </a:ln>
-        <a:effectLst/>
-      </dsp:spPr>
-      <dsp:style>
-        <a:lnRef idx="0">
-          <a:scrgbClr r="0" g="0" b="0"/>
-        </a:lnRef>
-        <a:fillRef idx="0">
-          <a:scrgbClr r="0" g="0" b="0"/>
-        </a:fillRef>
-        <a:effectRef idx="0">
-          <a:scrgbClr r="0" g="0" b="0"/>
-        </a:effectRef>
-        <a:fontRef idx="minor"/>
-      </dsp:style>
-      <dsp:txBody>
-        <a:bodyPr spcFirstLastPara="0" vert="horz" wrap="square" lIns="113689" tIns="113689" rIns="113689" bIns="113689" numCol="1" spcCol="1270" anchor="ctr" anchorCtr="0">
-          <a:noAutofit/>
-        </a:bodyPr>
-        <a:lstStyle/>
-        <a:p>
-          <a:pPr marL="0" lvl="0" indent="0" algn="l" defTabSz="977900">
-            <a:lnSpc>
-              <a:spcPct val="100000"/>
-            </a:lnSpc>
-            <a:spcBef>
-              <a:spcPct val="0"/>
-            </a:spcBef>
-            <a:spcAft>
-              <a:spcPct val="35000"/>
-            </a:spcAft>
-            <a:buNone/>
-          </a:pPr>
-          <a:r>
-            <a:rPr lang="it-IT" sz="2200" kern="1200" dirty="0"/>
-            <a:t>Alta reattività</a:t>
-          </a:r>
-        </a:p>
-      </dsp:txBody>
-      <dsp:txXfrm>
-        <a:off x="950159" y="9614"/>
-        <a:ext cx="2962149" cy="1074224"/>
-      </dsp:txXfrm>
-    </dsp:sp>
-    <dsp:sp modelId="{8F7265C9-1769-4396-83E1-A720C8ACAFA0}">
-      <dsp:nvSpPr>
-        <dsp:cNvPr id="0" name=""/>
-        <dsp:cNvSpPr/>
-      </dsp:nvSpPr>
-      <dsp:spPr>
-        <a:xfrm>
-          <a:off x="2794004" y="21485"/>
-          <a:ext cx="3544382" cy="1074224"/>
-        </a:xfrm>
-        <a:prstGeom prst="rect">
-          <a:avLst/>
-        </a:prstGeom>
-        <a:noFill/>
-        <a:ln>
-          <a:noFill/>
-        </a:ln>
-        <a:effectLst/>
-      </dsp:spPr>
-      <dsp:style>
-        <a:lnRef idx="0">
-          <a:scrgbClr r="0" g="0" b="0"/>
-        </a:lnRef>
-        <a:fillRef idx="0">
-          <a:scrgbClr r="0" g="0" b="0"/>
-        </a:fillRef>
-        <a:effectRef idx="0">
-          <a:scrgbClr r="0" g="0" b="0"/>
-        </a:effectRef>
-        <a:fontRef idx="minor"/>
-      </dsp:style>
-      <dsp:txBody>
-        <a:bodyPr spcFirstLastPara="0" vert="horz" wrap="square" lIns="113689" tIns="113689" rIns="113689" bIns="113689" numCol="1" spcCol="1270" anchor="ctr" anchorCtr="0">
-          <a:noAutofit/>
-        </a:bodyPr>
-        <a:lstStyle/>
-        <a:p>
-          <a:pPr marL="0" lvl="0" indent="0" algn="l" defTabSz="800100">
-            <a:lnSpc>
-              <a:spcPct val="100000"/>
-            </a:lnSpc>
-            <a:spcBef>
-              <a:spcPct val="0"/>
-            </a:spcBef>
-            <a:spcAft>
-              <a:spcPct val="35000"/>
-            </a:spcAft>
-            <a:buNone/>
-          </a:pPr>
-          <a:endParaRPr lang="en-US" sz="1800" kern="1200" dirty="0"/>
-        </a:p>
-      </dsp:txBody>
-      <dsp:txXfrm>
-        <a:off x="2794004" y="21485"/>
-        <a:ext cx="3544382" cy="1074224"/>
-      </dsp:txXfrm>
-    </dsp:sp>
-    <dsp:sp modelId="{30CC0AA0-286B-4161-B0AE-1E0150753201}">
-      <dsp:nvSpPr>
-        <dsp:cNvPr id="0" name=""/>
-        <dsp:cNvSpPr/>
-      </dsp:nvSpPr>
-      <dsp:spPr>
-        <a:xfrm>
-          <a:off x="-290570" y="1352395"/>
-          <a:ext cx="6582555" cy="1074224"/>
-        </a:xfrm>
-        <a:prstGeom prst="roundRect">
-          <a:avLst>
-            <a:gd name="adj" fmla="val 10000"/>
-          </a:avLst>
-        </a:prstGeom>
-        <a:solidFill>
-          <a:schemeClr val="accent3">
-            <a:hueOff val="0"/>
-            <a:satOff val="0"/>
-            <a:lumOff val="0"/>
-            <a:alphaOff val="0"/>
-          </a:schemeClr>
-        </a:solidFill>
-        <a:ln>
-          <a:noFill/>
-        </a:ln>
-        <a:effectLst/>
-      </dsp:spPr>
-      <dsp:style>
-        <a:lnRef idx="0">
-          <a:scrgbClr r="0" g="0" b="0"/>
-        </a:lnRef>
-        <a:fillRef idx="1">
-          <a:scrgbClr r="0" g="0" b="0"/>
-        </a:fillRef>
-        <a:effectRef idx="0">
-          <a:scrgbClr r="0" g="0" b="0"/>
-        </a:effectRef>
-        <a:fontRef idx="minor"/>
-      </dsp:style>
-    </dsp:sp>
-    <dsp:sp modelId="{38406F51-7DA0-42C5-A695-AD1C0096A599}">
-      <dsp:nvSpPr>
-        <dsp:cNvPr id="0" name=""/>
-        <dsp:cNvSpPr/>
-      </dsp:nvSpPr>
-      <dsp:spPr>
-        <a:xfrm>
-          <a:off x="34382" y="1594096"/>
-          <a:ext cx="590823" cy="590823"/>
-        </a:xfrm>
-        <a:prstGeom prst="rect">
-          <a:avLst/>
-        </a:prstGeom>
-        <a:blipFill>
-          <a:blip xmlns:r="http://schemas.openxmlformats.org/officeDocument/2006/relationships" r:embed="rId3">
-            <a:extLst>
-              <a:ext uri="{28A0092B-C50C-407E-A947-70E740481C1C}">
-                <a14:useLocalDpi xmlns:a14="http://schemas.microsoft.com/office/drawing/2010/main" val="0"/>
-              </a:ext>
-              <a:ext uri="{96DAC541-7B7A-43D3-8B79-37D633B846F1}">
-                <asvg:svgBlip xmlns:asvg="http://schemas.microsoft.com/office/drawing/2016/SVG/main" r:embed="rId4"/>
-              </a:ext>
-            </a:extLst>
-          </a:blip>
-          <a:stretch>
-            <a:fillRect/>
-          </a:stretch>
-        </a:blipFill>
-        <a:ln w="15875" cap="flat" cmpd="sng" algn="ctr">
-          <a:noFill/>
-          <a:prstDash val="solid"/>
-        </a:ln>
-        <a:effectLst/>
-      </dsp:spPr>
-      <dsp:style>
-        <a:lnRef idx="2">
-          <a:scrgbClr r="0" g="0" b="0"/>
-        </a:lnRef>
-        <a:fillRef idx="1">
-          <a:scrgbClr r="0" g="0" b="0"/>
-        </a:fillRef>
-        <a:effectRef idx="0">
-          <a:scrgbClr r="0" g="0" b="0"/>
-        </a:effectRef>
-        <a:fontRef idx="minor">
-          <a:schemeClr val="lt1"/>
-        </a:fontRef>
-      </dsp:style>
-    </dsp:sp>
-    <dsp:sp modelId="{A3BA8F70-91B7-4245-974D-24492BD8D277}">
-      <dsp:nvSpPr>
-        <dsp:cNvPr id="0" name=""/>
-        <dsp:cNvSpPr/>
-      </dsp:nvSpPr>
-      <dsp:spPr>
-        <a:xfrm>
-          <a:off x="950159" y="1352395"/>
-          <a:ext cx="5339398" cy="1074224"/>
-        </a:xfrm>
-        <a:prstGeom prst="rect">
-          <a:avLst/>
-        </a:prstGeom>
-        <a:noFill/>
-        <a:ln>
-          <a:noFill/>
-        </a:ln>
-        <a:effectLst/>
-      </dsp:spPr>
-      <dsp:style>
-        <a:lnRef idx="0">
-          <a:scrgbClr r="0" g="0" b="0"/>
-        </a:lnRef>
-        <a:fillRef idx="0">
-          <a:scrgbClr r="0" g="0" b="0"/>
-        </a:fillRef>
-        <a:effectRef idx="0">
-          <a:scrgbClr r="0" g="0" b="0"/>
-        </a:effectRef>
-        <a:fontRef idx="minor"/>
-      </dsp:style>
-      <dsp:txBody>
-        <a:bodyPr spcFirstLastPara="0" vert="horz" wrap="square" lIns="113689" tIns="113689" rIns="113689" bIns="113689" numCol="1" spcCol="1270" anchor="ctr" anchorCtr="0">
-          <a:noAutofit/>
-        </a:bodyPr>
-        <a:lstStyle/>
-        <a:p>
-          <a:pPr marL="0" lvl="0" indent="0" algn="l" defTabSz="977900">
-            <a:lnSpc>
-              <a:spcPct val="100000"/>
-            </a:lnSpc>
-            <a:spcBef>
-              <a:spcPct val="0"/>
-            </a:spcBef>
-            <a:spcAft>
-              <a:spcPct val="35000"/>
-            </a:spcAft>
-            <a:buNone/>
-          </a:pPr>
-          <a:r>
-            <a:rPr lang="it-IT" sz="2200" kern="1200"/>
-            <a:t>Interfaccia semplice e intuitiva</a:t>
-          </a:r>
-          <a:endParaRPr lang="en-US" sz="2200" kern="1200"/>
-        </a:p>
-      </dsp:txBody>
-      <dsp:txXfrm>
-        <a:off x="950159" y="1352395"/>
-        <a:ext cx="5339398" cy="1074224"/>
-      </dsp:txXfrm>
-    </dsp:sp>
-    <dsp:sp modelId="{47C5FE82-41FC-41EE-99F1-5E9797534AD2}">
-      <dsp:nvSpPr>
-        <dsp:cNvPr id="0" name=""/>
-        <dsp:cNvSpPr/>
-      </dsp:nvSpPr>
-      <dsp:spPr>
-        <a:xfrm>
-          <a:off x="-290570" y="2695177"/>
-          <a:ext cx="6582555" cy="1074224"/>
-        </a:xfrm>
-        <a:prstGeom prst="roundRect">
-          <a:avLst>
-            <a:gd name="adj" fmla="val 10000"/>
-          </a:avLst>
-        </a:prstGeom>
-        <a:solidFill>
-          <a:schemeClr val="accent4">
-            <a:hueOff val="0"/>
-            <a:satOff val="0"/>
-            <a:lumOff val="0"/>
-            <a:alphaOff val="0"/>
-          </a:schemeClr>
-        </a:solidFill>
-        <a:ln>
-          <a:noFill/>
-        </a:ln>
-        <a:effectLst/>
-      </dsp:spPr>
-      <dsp:style>
-        <a:lnRef idx="0">
-          <a:scrgbClr r="0" g="0" b="0"/>
-        </a:lnRef>
-        <a:fillRef idx="1">
-          <a:scrgbClr r="0" g="0" b="0"/>
-        </a:fillRef>
-        <a:effectRef idx="0">
-          <a:scrgbClr r="0" g="0" b="0"/>
-        </a:effectRef>
-        <a:fontRef idx="minor"/>
-      </dsp:style>
-    </dsp:sp>
-    <dsp:sp modelId="{A9AC02F6-AFF6-4A43-BBBB-A14B118368A9}">
-      <dsp:nvSpPr>
-        <dsp:cNvPr id="0" name=""/>
-        <dsp:cNvSpPr/>
-      </dsp:nvSpPr>
-      <dsp:spPr>
-        <a:xfrm>
-          <a:off x="34382" y="2936877"/>
-          <a:ext cx="590823" cy="590823"/>
-        </a:xfrm>
-        <a:prstGeom prst="rect">
-          <a:avLst/>
-        </a:prstGeom>
-        <a:blipFill>
-          <a:blip xmlns:r="http://schemas.openxmlformats.org/officeDocument/2006/relationships" r:embed="rId5">
-            <a:extLst>
-              <a:ext uri="{28A0092B-C50C-407E-A947-70E740481C1C}">
-                <a14:useLocalDpi xmlns:a14="http://schemas.microsoft.com/office/drawing/2010/main" val="0"/>
-              </a:ext>
-              <a:ext uri="{96DAC541-7B7A-43D3-8B79-37D633B846F1}">
-                <asvg:svgBlip xmlns:asvg="http://schemas.microsoft.com/office/drawing/2016/SVG/main" r:embed="rId6"/>
-              </a:ext>
-            </a:extLst>
-          </a:blip>
-          <a:stretch>
-            <a:fillRect/>
-          </a:stretch>
-        </a:blipFill>
-        <a:ln w="15875" cap="flat" cmpd="sng" algn="ctr">
-          <a:noFill/>
-          <a:prstDash val="solid"/>
-        </a:ln>
-        <a:effectLst/>
-      </dsp:spPr>
-      <dsp:style>
-        <a:lnRef idx="2">
-          <a:scrgbClr r="0" g="0" b="0"/>
-        </a:lnRef>
-        <a:fillRef idx="1">
-          <a:scrgbClr r="0" g="0" b="0"/>
-        </a:fillRef>
-        <a:effectRef idx="0">
-          <a:scrgbClr r="0" g="0" b="0"/>
-        </a:effectRef>
-        <a:fontRef idx="minor">
-          <a:schemeClr val="lt1"/>
-        </a:fontRef>
-      </dsp:style>
-    </dsp:sp>
-    <dsp:sp modelId="{3B98BDC6-143C-45A3-BE75-9B578458B622}">
-      <dsp:nvSpPr>
-        <dsp:cNvPr id="0" name=""/>
-        <dsp:cNvSpPr/>
-      </dsp:nvSpPr>
-      <dsp:spPr>
-        <a:xfrm>
-          <a:off x="950159" y="2695177"/>
-          <a:ext cx="5339398" cy="1074224"/>
-        </a:xfrm>
-        <a:prstGeom prst="rect">
-          <a:avLst/>
-        </a:prstGeom>
-        <a:noFill/>
-        <a:ln>
-          <a:noFill/>
-        </a:ln>
-        <a:effectLst/>
-      </dsp:spPr>
-      <dsp:style>
-        <a:lnRef idx="0">
-          <a:scrgbClr r="0" g="0" b="0"/>
-        </a:lnRef>
-        <a:fillRef idx="0">
-          <a:scrgbClr r="0" g="0" b="0"/>
-        </a:fillRef>
-        <a:effectRef idx="0">
-          <a:scrgbClr r="0" g="0" b="0"/>
-        </a:effectRef>
-        <a:fontRef idx="minor"/>
-      </dsp:style>
-      <dsp:txBody>
-        <a:bodyPr spcFirstLastPara="0" vert="horz" wrap="square" lIns="113689" tIns="113689" rIns="113689" bIns="113689" numCol="1" spcCol="1270" anchor="ctr" anchorCtr="0">
-          <a:noAutofit/>
-        </a:bodyPr>
-        <a:lstStyle/>
-        <a:p>
-          <a:pPr marL="0" lvl="0" indent="0" algn="l" defTabSz="977900">
-            <a:lnSpc>
-              <a:spcPct val="100000"/>
-            </a:lnSpc>
-            <a:spcBef>
-              <a:spcPct val="0"/>
-            </a:spcBef>
-            <a:spcAft>
-              <a:spcPct val="35000"/>
-            </a:spcAft>
-            <a:buNone/>
-          </a:pPr>
-          <a:r>
-            <a:rPr lang="it-IT" sz="2200" kern="1200" dirty="0"/>
-            <a:t>Necessità di integrare dati aggiornati</a:t>
-          </a:r>
-          <a:endParaRPr lang="en-US" sz="2200" kern="1200" dirty="0"/>
-        </a:p>
-      </dsp:txBody>
-      <dsp:txXfrm>
-        <a:off x="950159" y="2695177"/>
-        <a:ext cx="5339398" cy="1074224"/>
-      </dsp:txXfrm>
-    </dsp:sp>
-    <dsp:sp modelId="{656810EA-BFAC-454C-9AF6-57DB0453AB7E}">
-      <dsp:nvSpPr>
-        <dsp:cNvPr id="0" name=""/>
-        <dsp:cNvSpPr/>
-      </dsp:nvSpPr>
-      <dsp:spPr>
-        <a:xfrm>
-          <a:off x="-290570" y="4037958"/>
-          <a:ext cx="6582555" cy="1074224"/>
-        </a:xfrm>
-        <a:prstGeom prst="roundRect">
-          <a:avLst>
-            <a:gd name="adj" fmla="val 10000"/>
-          </a:avLst>
-        </a:prstGeom>
-        <a:solidFill>
-          <a:schemeClr val="accent5">
-            <a:hueOff val="0"/>
-            <a:satOff val="0"/>
-            <a:lumOff val="0"/>
-            <a:alphaOff val="0"/>
-          </a:schemeClr>
-        </a:solidFill>
-        <a:ln>
-          <a:noFill/>
-        </a:ln>
-        <a:effectLst/>
-      </dsp:spPr>
-      <dsp:style>
-        <a:lnRef idx="0">
-          <a:scrgbClr r="0" g="0" b="0"/>
-        </a:lnRef>
-        <a:fillRef idx="1">
-          <a:scrgbClr r="0" g="0" b="0"/>
-        </a:fillRef>
-        <a:effectRef idx="0">
-          <a:scrgbClr r="0" g="0" b="0"/>
-        </a:effectRef>
-        <a:fontRef idx="minor"/>
-      </dsp:style>
-    </dsp:sp>
-    <dsp:sp modelId="{EABF5AD4-194F-472F-8613-5B934BE52857}">
-      <dsp:nvSpPr>
-        <dsp:cNvPr id="0" name=""/>
-        <dsp:cNvSpPr/>
-      </dsp:nvSpPr>
-      <dsp:spPr>
-        <a:xfrm>
-          <a:off x="34382" y="4279658"/>
-          <a:ext cx="590823" cy="590823"/>
-        </a:xfrm>
-        <a:prstGeom prst="rect">
-          <a:avLst/>
-        </a:prstGeom>
-        <a:blipFill>
-          <a:blip xmlns:r="http://schemas.openxmlformats.org/officeDocument/2006/relationships" r:embed="rId7">
-            <a:extLst>
-              <a:ext uri="{28A0092B-C50C-407E-A947-70E740481C1C}">
-                <a14:useLocalDpi xmlns:a14="http://schemas.microsoft.com/office/drawing/2010/main" val="0"/>
-              </a:ext>
-              <a:ext uri="{96DAC541-7B7A-43D3-8B79-37D633B846F1}">
-                <asvg:svgBlip xmlns:asvg="http://schemas.microsoft.com/office/drawing/2016/SVG/main" r:embed="rId8"/>
-              </a:ext>
-            </a:extLst>
-          </a:blip>
-          <a:stretch>
-            <a:fillRect/>
-          </a:stretch>
-        </a:blipFill>
-        <a:ln w="15875" cap="flat" cmpd="sng" algn="ctr">
-          <a:noFill/>
-          <a:prstDash val="solid"/>
-        </a:ln>
-        <a:effectLst/>
-      </dsp:spPr>
-      <dsp:style>
-        <a:lnRef idx="2">
-          <a:scrgbClr r="0" g="0" b="0"/>
-        </a:lnRef>
-        <a:fillRef idx="1">
-          <a:scrgbClr r="0" g="0" b="0"/>
-        </a:fillRef>
-        <a:effectRef idx="0">
-          <a:scrgbClr r="0" g="0" b="0"/>
-        </a:effectRef>
-        <a:fontRef idx="minor">
-          <a:schemeClr val="lt1"/>
-        </a:fontRef>
-      </dsp:style>
-    </dsp:sp>
-    <dsp:sp modelId="{B455634F-8097-4ACF-87A4-99028224F2EA}">
-      <dsp:nvSpPr>
-        <dsp:cNvPr id="0" name=""/>
-        <dsp:cNvSpPr/>
-      </dsp:nvSpPr>
-      <dsp:spPr>
-        <a:xfrm>
-          <a:off x="950159" y="4037958"/>
-          <a:ext cx="5339398" cy="1074224"/>
-        </a:xfrm>
-        <a:prstGeom prst="rect">
-          <a:avLst/>
-        </a:prstGeom>
-        <a:noFill/>
-        <a:ln>
-          <a:noFill/>
-        </a:ln>
-        <a:effectLst/>
-      </dsp:spPr>
-      <dsp:style>
-        <a:lnRef idx="0">
-          <a:scrgbClr r="0" g="0" b="0"/>
-        </a:lnRef>
-        <a:fillRef idx="0">
-          <a:scrgbClr r="0" g="0" b="0"/>
-        </a:fillRef>
-        <a:effectRef idx="0">
-          <a:scrgbClr r="0" g="0" b="0"/>
-        </a:effectRef>
-        <a:fontRef idx="minor"/>
-      </dsp:style>
-      <dsp:txBody>
-        <a:bodyPr spcFirstLastPara="0" vert="horz" wrap="square" lIns="113689" tIns="113689" rIns="113689" bIns="113689" numCol="1" spcCol="1270" anchor="ctr" anchorCtr="0">
-          <a:noAutofit/>
-        </a:bodyPr>
-        <a:lstStyle/>
-        <a:p>
-          <a:pPr marL="0" lvl="0" indent="0" algn="l" defTabSz="977900">
-            <a:lnSpc>
-              <a:spcPct val="100000"/>
-            </a:lnSpc>
-            <a:spcBef>
-              <a:spcPct val="0"/>
-            </a:spcBef>
-            <a:spcAft>
-              <a:spcPct val="35000"/>
-            </a:spcAft>
-            <a:buNone/>
-          </a:pPr>
-          <a:r>
-            <a:rPr lang="it-IT" sz="2200" kern="1200" dirty="0"/>
-            <a:t>Necessità di gestione degli account</a:t>
-          </a:r>
-          <a:endParaRPr lang="en-US" sz="2200" kern="1200" dirty="0"/>
-        </a:p>
-      </dsp:txBody>
-      <dsp:txXfrm>
-        <a:off x="950159" y="4037958"/>
-        <a:ext cx="5339398" cy="1074224"/>
-      </dsp:txXfrm>
-    </dsp:sp>
-  </dsp:spTree>
-</dsp:drawing>
-</file>
-
-<file path=ppt/diagrams/layout1.xml><?xml version="1.0" encoding="utf-8"?>
-<dgm:layoutDef xmlns:dgm="http://schemas.openxmlformats.org/drawingml/2006/diagram" xmlns:a="http://schemas.openxmlformats.org/drawingml/2006/main" uniqueId="urn:microsoft.com/office/officeart/2018/2/layout/IconVerticalSolidList">
-  <dgm:title val="Icon Vertical Solid List"/>
-  <dgm:desc val="Use to show a series of visuals from top to bottom with Level 1 or Level 1 and Level 2 text grouped in a shape. Works best with icons or small pictures with lengthier descriptions."/>
-  <dgm:catLst>
-    <dgm:cat type="icon" pri="500"/>
-  </dgm:catLst>
-  <dgm:sampData useDef="1">
-    <dgm:dataModel>
-      <dgm:ptLst/>
-      <dgm:bg/>
-      <dgm:whole/>
-    </dgm:dataModel>
-  </dgm:sampData>
-  <dgm:styleData useDef="1">
-    <dgm:dataModel>
-      <dgm:ptLst/>
-      <dgm:bg/>
-      <dgm:whole/>
-    </dgm:dataModel>
-  </dgm:styleData>
-  <dgm:clrData useDef="1">
-    <dgm:dataModel>
-      <dgm:ptLst/>
-      <dgm:bg/>
-      <dgm:whole/>
-    </dgm:dataModel>
-  </dgm:clrData>
-  <dgm:layoutNode name="root">
-    <dgm:varLst>
-      <dgm:dir/>
-      <dgm:resizeHandles val="exact"/>
-    </dgm:varLst>
-    <dgm:choose name="Name0">
-      <dgm:if name="Name1" axis="self" func="var" arg="dir" op="equ" val="norm">
-        <dgm:alg type="lin">
-          <dgm:param type="linDir" val="fromT"/>
-          <dgm:param type="nodeHorzAlign" val="l"/>
-        </dgm:alg>
-      </dgm:if>
-      <dgm:else name="Name2">
-        <dgm:alg type="lin">
-          <dgm:param type="linDir" val="fromT"/>
-          <dgm:param type="nodeHorzAlign" val="r"/>
-        </dgm:alg>
-      </dgm:else>
-    </dgm:choose>
-    <dgm:shape xmlns:r="http://schemas.openxmlformats.org/officeDocument/2006/relationships" r:blip="">
-      <dgm:adjLst/>
-    </dgm:shape>
-    <dgm:presOf/>
-    <dgm:choose name="Name3">
-      <dgm:if name="Name4" axis="ch" ptType="node" func="cnt" op="lte" val="3">
-        <dgm:constrLst>
-          <dgm:constr type="h" for="ch" forName="compNode" refType="h" fact="0.3"/>
-          <dgm:constr type="w" for="ch" forName="compNode" refType="w"/>
-          <dgm:constr type="h" for="ch" forName="sibTrans" refType="h" refFor="ch" refForName="compNode" fact="0.25"/>
-          <dgm:constr type="primFontSz" for="des" forName="parTx" val="25"/>
-          <dgm:constr type="primFontSz" for="des" forName="desTx" refType="primFontSz" refFor="des" refForName="parTx" op="lte" fact="0.75"/>
-          <dgm:constr type="h" for="des" forName="compNode" op="equ"/>
-          <dgm:constr type="h" for="des" forName="bgRect" op="equ"/>
-          <dgm:constr type="h" for="des" forName="iconRect" op="equ"/>
-          <dgm:constr type="w" for="des" forName="iconRect" op="equ"/>
-          <dgm:constr type="h" for="des" forName="spaceRect" op="equ"/>
-          <dgm:constr type="h" for="des" forName="parTx" op="equ"/>
-          <dgm:constr type="h" for="des" forName="desTx" op="equ"/>
-        </dgm:constrLst>
-      </dgm:if>
-      <dgm:if name="Name5" axis="ch" ptType="node" func="cnt" op="lte" val="4">
-        <dgm:constrLst>
-          <dgm:constr type="h" for="ch" forName="compNode" refType="h" fact="0.3"/>
-          <dgm:constr type="w" for="ch" forName="compNode" refType="w"/>
-          <dgm:constr type="h" for="ch" forName="sibTrans" refType="h" refFor="ch" refForName="compNode" fact="0.25"/>
-          <dgm:constr type="primFontSz" for="des" forName="parTx" val="22"/>
-          <dgm:constr type="primFontSz" for="des" forName="desTx" refType="primFontSz" refFor="des" refForName="parTx" op="lte" fact="0.75"/>
-          <dgm:constr type="h" for="des" forName="compNode" op="equ"/>
-          <dgm:constr type="h" for="des" forName="bgRect" op="equ"/>
-          <dgm:constr type="h" for="des" forName="iconRect" op="equ"/>
-          <dgm:constr type="w" for="des" forName="iconRect" op="equ"/>
-          <dgm:constr type="h" for="des" forName="spaceRect" op="equ"/>
-          <dgm:constr type="h" for="des" forName="parTx" op="equ"/>
-          <dgm:constr type="h" for="des" forName="desTx" op="equ"/>
-        </dgm:constrLst>
-      </dgm:if>
-      <dgm:if name="Name6" axis="ch" ptType="node" func="cnt" op="lte" val="6">
-        <dgm:constrLst>
-          <dgm:constr type="h" for="ch" forName="compNode" refType="h" fact="0.3"/>
-          <dgm:constr type="w" for="ch" forName="compNode" refType="w"/>
-          <dgm:constr type="h" for="ch" forName="sibTrans" refType="h" refFor="ch" refForName="compNode" fact="0.25"/>
-          <dgm:constr type="primFontSz" for="des" forName="parTx" val="19"/>
-          <dgm:constr type="primFontSz" for="des" forName="desTx" refType="primFontSz" refFor="des" refForName="parTx" op="lte" fact="0.75"/>
-          <dgm:constr type="h" for="des" forName="compNode" op="equ"/>
-          <dgm:constr type="h" for="des" forName="bgRect" op="equ"/>
-          <dgm:constr type="h" for="des" forName="iconRect" op="equ"/>
-          <dgm:constr type="w" for="des" forName="iconRect" op="equ"/>
-          <dgm:constr type="h" for="des" forName="spaceRect" op="equ"/>
-          <dgm:constr type="h" for="des" forName="parTx" op="equ"/>
-          <dgm:constr type="h" for="des" forName="desTx" op="equ"/>
-        </dgm:constrLst>
-      </dgm:if>
-      <dgm:else name="Name7">
-        <dgm:constrLst>
-          <dgm:constr type="h" for="ch" forName="compNode" refType="h" fact="0.3"/>
-          <dgm:constr type="w" for="ch" forName="compNode" refType="w"/>
-          <dgm:constr type="h" for="ch" forName="sibTrans" refType="h" refFor="ch" refForName="compNode" fact="0.25"/>
-          <dgm:constr type="primFontSz" for="des" forName="parTx" val="16"/>
-          <dgm:constr type="primFontSz" for="des" forName="desTx" refType="primFontSz" refFor="des" refForName="parTx" op="lte" fact="0.75"/>
-          <dgm:constr type="h" for="des" forName="compNode" op="equ"/>
-          <dgm:constr type="h" for="des" forName="bgRect" op="equ"/>
-          <dgm:constr type="h" for="des" forName="iconRect" op="equ"/>
-          <dgm:constr type="w" for="des" forName="iconRect" op="equ"/>
-          <dgm:constr type="h" for="des" forName="spaceRect" op="equ"/>
-          <dgm:constr type="h" for="des" forName="parTx" op="equ"/>
-          <dgm:constr type="h" for="des" forName="desTx" op="equ"/>
-        </dgm:constrLst>
-      </dgm:else>
-    </dgm:choose>
-    <dgm:ruleLst>
-      <dgm:rule type="h" for="ch" forName="compNode" val="0" fact="NaN" max="NaN"/>
-    </dgm:ruleLst>
-    <dgm:forEach name="Name8" axis="ch" ptType="node">
-      <dgm:layoutNode name="compNode">
-        <dgm:alg type="composite"/>
-        <dgm:shape xmlns:r="http://schemas.openxmlformats.org/officeDocument/2006/relationships" r:blip="">
-          <dgm:adjLst/>
-        </dgm:shape>
-        <dgm:presOf axis="self"/>
-        <dgm:choose name="Name9">
-          <dgm:if name="Name10" axis="ch" ptType="node" func="cnt" op="gte" val="1">
-            <dgm:constrLst>
-              <dgm:constr type="w" for="ch" forName="bgRect" refType="w"/>
-              <dgm:constr type="h" for="ch" forName="bgRect" refType="h"/>
-              <dgm:constr type="l" for="ch" forName="bgRect"/>
-              <dgm:constr type="t" for="ch" forName="bgRect"/>
-              <dgm:constr type="h" for="ch" forName="iconRect" refType="h" fact="0.55"/>
-              <dgm:constr type="w" for="ch" forName="iconRect" refType="h" refFor="ch" refForName="iconRect"/>
-              <dgm:constr type="l" for="ch" forName="iconRect" refType="h" refFor="ch" refForName="iconRect" fact="0.55"/>
-              <dgm:constr type="ctrY" for="ch" forName="iconRect" refType="ctrY" refFor="ch" refForName="bgRect"/>
-              <dgm:constr type="w" for="ch" forName="spaceRect" refType="l" refFor="ch" refForName="iconRect"/>
-              <dgm:constr type="h" for="ch" forName="spaceRect" refType="h"/>
-              <dgm:constr type="l" for="ch" forName="spaceRect" refType="r" refFor="ch" refForName="iconRect"/>
-              <dgm:constr type="t" for="ch" forName="spaceRect"/>
-              <dgm:constr type="w" for="ch" forName="parTx" refType="w" fact="0.45"/>
-              <dgm:constr type="h" for="ch" forName="parTx" refType="h"/>
-              <dgm:constr type="l" for="ch" forName="parTx" refType="r" refFor="ch" refForName="spaceRect"/>
-              <dgm:constr type="t" for="ch" forName="parTx"/>
-              <dgm:constr type="h" for="ch" forName="desTx" refType="h"/>
-              <dgm:constr type="l" for="ch" forName="desTx" refType="r" refFor="ch" refForName="parTx"/>
-              <dgm:constr type="t" for="ch" forName="desTx"/>
-            </dgm:constrLst>
-          </dgm:if>
-          <dgm:else name="Name11">
-            <dgm:constrLst>
-              <dgm:constr type="w" for="ch" forName="bgRect" refType="w"/>
-              <dgm:constr type="h" for="ch" forName="bgRect" refType="h"/>
-              <dgm:constr type="l" for="ch" forName="bgRect"/>
-              <dgm:constr type="t" for="ch" forName="bgRect"/>
-              <dgm:constr type="h" for="ch" forName="iconRect" refType="h" fact="0.55"/>
-              <dgm:constr type="w" for="ch" forName="iconRect" refType="h" refFor="ch" refForName="iconRect"/>
-              <dgm:constr type="l" for="ch" forName="iconRect" refType="h" refFor="ch" refForName="iconRect" fact="0.55"/>
-              <dgm:constr type="ctrY" for="ch" forName="iconRect" refType="ctrY" refFor="ch" refForName="bgRect"/>
-              <dgm:constr type="w" for="ch" forName="spaceRect" refType="l" refFor="ch" refForName="iconRect"/>
-              <dgm:constr type="h" for="ch" forName="spaceRect" refType="h"/>
-              <dgm:constr type="l" for="ch" forName="spaceRect" refType="r" refFor="ch" refForName="iconRect"/>
-              <dgm:constr type="t" for="ch" forName="spaceRect"/>
-              <dgm:constr type="h" for="ch" forName="parTx" refType="h"/>
-              <dgm:constr type="l" for="ch" forName="parTx" refType="r" refFor="ch" refForName="spaceRect"/>
-              <dgm:constr type="t" for="ch" forName="parTx"/>
-            </dgm:constrLst>
-          </dgm:else>
-        </dgm:choose>
-        <dgm:ruleLst>
-          <dgm:rule type="h" val="INF" fact="NaN" max="NaN"/>
-        </dgm:ruleLst>
-        <dgm:layoutNode name="bgRect" styleLbl="bgShp">
-          <dgm:alg type="sp"/>
-          <dgm:shape xmlns:r="http://schemas.openxmlformats.org/officeDocument/2006/relationships" type="roundRect" r:blip="">
-            <dgm:adjLst>
-              <dgm:adj idx="1" val="0.1"/>
-            </dgm:adjLst>
-          </dgm:shape>
-          <dgm:presOf/>
-          <dgm:constrLst/>
-          <dgm:ruleLst/>
-        </dgm:layoutNode>
-        <dgm:layoutNode name="iconRect" styleLbl="node1">
-          <dgm:alg type="sp"/>
-          <dgm:shape xmlns:r="http://schemas.openxmlformats.org/officeDocument/2006/relationships" type="rect" r:blip="" blipPhldr="1">
-            <dgm:adjLst/>
-          </dgm:shape>
-          <dgm:presOf/>
-          <dgm:constrLst/>
-          <dgm:ruleLst/>
-        </dgm:layoutNode>
-        <dgm:layoutNode name="spaceRect">
-          <dgm:alg type="sp"/>
-          <dgm:shape xmlns:r="http://schemas.openxmlformats.org/officeDocument/2006/relationships" r:blip="">
-            <dgm:adjLst/>
-          </dgm:shape>
-          <dgm:presOf/>
-          <dgm:constrLst/>
-          <dgm:ruleLst/>
-        </dgm:layoutNode>
-        <dgm:layoutNode name="parTx" styleLbl="revTx">
-          <dgm:varLst>
-            <dgm:chMax val="0"/>
-            <dgm:chPref val="0"/>
-          </dgm:varLst>
-          <dgm:alg type="tx">
-            <dgm:param type="txAnchorVert" val="mid"/>
-            <dgm:param type="parTxLTRAlign" val="l"/>
-            <dgm:param type="shpTxLTRAlignCh" val="l"/>
-            <dgm:param type="parTxRTLAlign" val="r"/>
-            <dgm:param type="shpTxRTLAlignCh" val="r"/>
-          </dgm:alg>
-          <dgm:shape xmlns:r="http://schemas.openxmlformats.org/officeDocument/2006/relationships" type="rect" r:blip="">
-            <dgm:adjLst/>
-          </dgm:shape>
-          <dgm:presOf axis="self" ptType="node"/>
-          <dgm:constrLst>
-            <dgm:constr type="lMarg" refType="h" fact="0.3"/>
-            <dgm:constr type="rMarg" refType="h" fact="0.3"/>
-            <dgm:constr type="tMarg" refType="h" fact="0.3"/>
-            <dgm:constr type="bMarg" refType="h" fact="0.3"/>
-          </dgm:constrLst>
-          <dgm:ruleLst>
-            <dgm:rule type="primFontSz" val="14" fact="NaN" max="NaN"/>
-            <dgm:rule type="h" val="INF" fact="NaN" max="NaN"/>
-          </dgm:ruleLst>
-        </dgm:layoutNode>
-        <dgm:choose name="Name12">
-          <dgm:if name="Name13" axis="ch" ptType="node" func="cnt" op="gte" val="1">
-            <dgm:layoutNode name="desTx" styleLbl="revTx">
-              <dgm:varLst/>
-              <dgm:alg type="tx">
-                <dgm:param type="txAnchorVertCh" val="mid"/>
-                <dgm:param type="parTxLTRAlign" val="l"/>
-                <dgm:param type="shpTxLTRAlignCh" val="l"/>
-                <dgm:param type="parTxRTLAlign" val="r"/>
-                <dgm:param type="shpTxRTLAlignCh" val="r"/>
-                <dgm:param type="stBulletLvl" val="0"/>
-              </dgm:alg>
-              <dgm:shape xmlns:r="http://schemas.openxmlformats.org/officeDocument/2006/relationships" type="rect" r:blip="">
-                <dgm:adjLst/>
-              </dgm:shape>
-              <dgm:presOf axis="des" ptType="node"/>
-              <dgm:constrLst>
-                <dgm:constr type="primFontSz" val="18"/>
-                <dgm:constr type="secFontSz" refType="primFontSz"/>
-                <dgm:constr type="lMarg" refType="h" fact="0.3"/>
-                <dgm:constr type="rMarg" refType="h" fact="0.3"/>
-                <dgm:constr type="tMarg" refType="h" fact="0.3"/>
-                <dgm:constr type="bMarg" refType="h" fact="0.3"/>
-              </dgm:constrLst>
-              <dgm:ruleLst>
-                <dgm:rule type="primFontSz" val="11" fact="NaN" max="NaN"/>
-              </dgm:ruleLst>
-            </dgm:layoutNode>
-          </dgm:if>
-          <dgm:else name="Name14"/>
-        </dgm:choose>
-      </dgm:layoutNode>
-      <dgm:forEach name="Name15" axis="followSib" ptType="sibTrans" cnt="1">
-        <dgm:layoutNode name="sibTrans">
-          <dgm:alg type="sp"/>
-          <dgm:shape xmlns:r="http://schemas.openxmlformats.org/officeDocument/2006/relationships" r:blip="">
-            <dgm:adjLst/>
-          </dgm:shape>
-          <dgm:presOf axis="self"/>
-          <dgm:constrLst/>
-          <dgm:ruleLst/>
-        </dgm:layoutNode>
-      </dgm:forEach>
-    </dgm:forEach>
-  </dgm:layoutNode>
-  <dgm:extLst>
-    <a:ext uri="{68A01E43-0DF5-4B5B-8FA6-DAF915123BFB}">
-      <dgm1612:lstStyle xmlns:dgm1612="http://schemas.microsoft.com/office/drawing/2016/12/diagram">
-        <a:lvl1pPr>
-          <a:lnSpc>
-            <a:spcPct val="100000"/>
-          </a:lnSpc>
-        </a:lvl1pPr>
-        <a:lvl2pPr>
-          <a:lnSpc>
-            <a:spcPct val="100000"/>
-          </a:lnSpc>
-        </a:lvl2pPr>
-      </dgm1612:lstStyle>
-    </a:ext>
-  </dgm:extLst>
-</dgm:layoutDef>
-</file>
-
-<file path=ppt/diagrams/quickStyle1.xml><?xml version="1.0" encoding="utf-8"?>
-<dgm:styleDef xmlns:dgm="http://schemas.openxmlformats.org/drawingml/2006/diagram" xmlns:a="http://schemas.openxmlformats.org/drawingml/2006/main" uniqueId="urn:microsoft.com/office/officeart/2005/8/quickstyle/simple1">
-  <dgm:title val=""/>
-  <dgm:desc val=""/>
-  <dgm:catLst>
-    <dgm:cat type="simple" pri="10100"/>
-  </dgm:catLst>
-  <dgm:scene3d>
-    <a:camera prst="orthographicFront"/>
-    <a:lightRig rig="threePt" dir="t"/>
-  </dgm:scene3d>
-  <dgm:styleLbl name="node0">
-    <dgm:scene3d>
-      <a:camera prst="orthographicFront"/>
-      <a:lightRig rig="threePt" dir="t"/>
-    </dgm:scene3d>
-    <dgm:sp3d/>
-    <dgm:txPr/>
-    <dgm:style>
-      <a:lnRef idx="2">
-        <a:scrgbClr r="0" g="0" b="0"/>
-      </a:lnRef>
-      <a:fillRef idx="1">
-        <a:scrgbClr r="0" g="0" b="0"/>
-      </a:fillRef>
-      <a:effectRef idx="0">
-        <a:scrgbClr r="0" g="0" b="0"/>
-      </a:effectRef>
-      <a:fontRef idx="minor">
-        <a:schemeClr val="lt1"/>
-      </a:fontRef>
-    </dgm:style>
-  </dgm:styleLbl>
-  <dgm:styleLbl name="lnNode1">
-    <dgm:scene3d>
-      <a:camera prst="orthographicFront"/>
-      <a:lightRig rig="threePt" dir="t"/>
-    </dgm:scene3d>
-    <dgm:sp3d/>
-    <dgm:txPr/>
-    <dgm:style>
-      <a:lnRef idx="2">
-        <a:scrgbClr r="0" g="0" b="0"/>
-      </a:lnRef>
-      <a:fillRef idx="1">
-        <a:scrgbClr r="0" g="0" b="0"/>
-      </a:fillRef>
-      <a:effectRef idx="0">
-        <a:scrgbClr r="0" g="0" b="0"/>
-      </a:effectRef>
-      <a:fontRef idx="minor">
-        <a:schemeClr val="lt1"/>
-      </a:fontRef>
-    </dgm:style>
-  </dgm:styleLbl>
-  <dgm:styleLbl name="vennNode1">
-    <dgm:scene3d>
-      <a:camera prst="orthographicFront"/>
-      <a:lightRig rig="threePt" dir="t"/>
-    </dgm:scene3d>
-    <dgm:sp3d/>
-    <dgm:txPr/>
-    <dgm:style>
-      <a:lnRef idx="2">
-        <a:scrgbClr r="0" g="0" b="0"/>
-      </a:lnRef>
-      <a:fillRef idx="1">
-        <a:scrgbClr r="0" g="0" b="0"/>
-      </a:fillRef>
-      <a:effectRef idx="0">
-        <a:scrgbClr r="0" g="0" b="0"/>
-      </a:effectRef>
-      <a:fontRef idx="minor">
-        <a:schemeClr val="tx1"/>
-      </a:fontRef>
-    </dgm:style>
-  </dgm:styleLbl>
-  <dgm:styleLbl name="alignNode1">
-    <dgm:scene3d>
-      <a:camera prst="orthographicFront"/>
-      <a:lightRig rig="threePt" dir="t"/>
-    </dgm:scene3d>
-    <dgm:sp3d/>
-    <dgm:txPr/>
-    <dgm:style>
-      <a:lnRef idx="2">
-        <a:scrgbClr r="0" g="0" b="0"/>
-      </a:lnRef>
-      <a:fillRef idx="1">
-        <a:scrgbClr r="0" g="0" b="0"/>
-      </a:fillRef>
-      <a:effectRef idx="0">
-        <a:scrgbClr r="0" g="0" b="0"/>
-      </a:effectRef>
-      <a:fontRef idx="minor">
-        <a:schemeClr val="lt1"/>
-      </a:fontRef>
-    </dgm:style>
-  </dgm:styleLbl>
-  <dgm:styleLbl name="node1">
-    <dgm:scene3d>
-      <a:camera prst="orthographicFront"/>
-      <a:lightRig rig="threePt" dir="t"/>
-    </dgm:scene3d>
-    <dgm:sp3d/>
-    <dgm:txPr/>
-    <dgm:style>
-      <a:lnRef idx="2">
-        <a:scrgbClr r="0" g="0" b="0"/>
-      </a:lnRef>
-      <a:fillRef idx="1">
-        <a:scrgbClr r="0" g="0" b="0"/>
-      </a:fillRef>
-      <a:effectRef idx="0">
-        <a:scrgbClr r="0" g="0" b="0"/>
-      </a:effectRef>
-      <a:fontRef idx="minor">
-        <a:schemeClr val="lt1"/>
-      </a:fontRef>
-    </dgm:style>
-  </dgm:styleLbl>
-  <dgm:styleLbl name="node2">
-    <dgm:scene3d>
-      <a:camera prst="orthographicFront"/>
-      <a:lightRig rig="threePt" dir="t"/>
-    </dgm:scene3d>
-    <dgm:sp3d/>
-    <dgm:txPr/>
-    <dgm:style>
-      <a:lnRef idx="2">
-        <a:scrgbClr r="0" g="0" b="0"/>
-      </a:lnRef>
-      <a:fillRef idx="1">
-        <a:scrgbClr r="0" g="0" b="0"/>
-      </a:fillRef>
-      <a:effectRef idx="0">
-        <a:scrgbClr r="0" g="0" b="0"/>
-      </a:effectRef>
-      <a:fontRef idx="minor">
-        <a:schemeClr val="lt1"/>
-      </a:fontRef>
-    </dgm:style>
-  </dgm:styleLbl>
-  <dgm:styleLbl name="node3">
-    <dgm:scene3d>
-      <a:camera prst="orthographicFront"/>
-      <a:lightRig rig="threePt" dir="t"/>
-    </dgm:scene3d>
-    <dgm:sp3d/>
-    <dgm:txPr/>
-    <dgm:style>
-      <a:lnRef idx="2">
-        <a:scrgbClr r="0" g="0" b="0"/>
-      </a:lnRef>
-      <a:fillRef idx="1">
-        <a:scrgbClr r="0" g="0" b="0"/>
-      </a:fillRef>
-      <a:effectRef idx="0">
-        <a:scrgbClr r="0" g="0" b="0"/>
-      </a:effectRef>
-      <a:fontRef idx="minor">
-        <a:schemeClr val="lt1"/>
-      </a:fontRef>
-    </dgm:style>
-  </dgm:styleLbl>
-  <dgm:styleLbl name="node4">
-    <dgm:scene3d>
-      <a:camera prst="orthographicFront"/>
-      <a:lightRig rig="threePt" dir="t"/>
-    </dgm:scene3d>
-    <dgm:sp3d/>
-    <dgm:txPr/>
-    <dgm:style>
-      <a:lnRef idx="2">
-        <a:scrgbClr r="0" g="0" b="0"/>
-      </a:lnRef>
-      <a:fillRef idx="1">
-        <a:scrgbClr r="0" g="0" b="0"/>
-      </a:fillRef>
-      <a:effectRef idx="0">
-        <a:scrgbClr r="0" g="0" b="0"/>
-      </a:effectRef>
-      <a:fontRef idx="minor">
-        <a:schemeClr val="lt1"/>
-      </a:fontRef>
-    </dgm:style>
-  </dgm:styleLbl>
-  <dgm:styleLbl name="fgImgPlace1">
-    <dgm:scene3d>
-      <a:camera prst="orthographicFront"/>
-      <a:lightRig rig="threePt" dir="t"/>
-    </dgm:scene3d>
-    <dgm:sp3d/>
-    <dgm:txPr/>
-    <dgm:style>
-      <a:lnRef idx="2">
-        <a:scrgbClr r="0" g="0" b="0"/>
-      </a:lnRef>
-      <a:fillRef idx="1">
-        <a:scrgbClr r="0" g="0" b="0"/>
-      </a:fillRef>
-      <a:effectRef idx="0">
-        <a:scrgbClr r="0" g="0" b="0"/>
-      </a:effectRef>
-      <a:fontRef idx="minor"/>
-    </dgm:style>
-  </dgm:styleLbl>
-  <dgm:styleLbl name="alignImgPlace1">
-    <dgm:scene3d>
-      <a:camera prst="orthographicFront"/>
-      <a:lightRig rig="threePt" dir="t"/>
-    </dgm:scene3d>
-    <dgm:sp3d/>
-    <dgm:txPr/>
-    <dgm:style>
-      <a:lnRef idx="2">
-        <a:scrgbClr r="0" g="0" b="0"/>
-      </a:lnRef>
-      <a:fillRef idx="1">
-        <a:scrgbClr r="0" g="0" b="0"/>
-      </a:fillRef>
-      <a:effectRef idx="0">
-        <a:scrgbClr r="0" g="0" b="0"/>
-      </a:effectRef>
-      <a:fontRef idx="minor"/>
-    </dgm:style>
-  </dgm:styleLbl>
-  <dgm:styleLbl name="bgImgPlace1">
-    <dgm:scene3d>
-      <a:camera prst="orthographicFront"/>
-      <a:lightRig rig="threePt" dir="t"/>
-    </dgm:scene3d>
-    <dgm:sp3d/>
-    <dgm:txPr/>
-    <dgm:style>
-      <a:lnRef idx="2">
-        <a:scrgbClr r="0" g="0" b="0"/>
-      </a:lnRef>
-      <a:fillRef idx="1">
-        <a:scrgbClr r="0" g="0" b="0"/>
-      </a:fillRef>
-      <a:effectRef idx="0">
-        <a:scrgbClr r="0" g="0" b="0"/>
-      </a:effectRef>
-      <a:fontRef idx="minor"/>
-    </dgm:style>
-  </dgm:styleLbl>
-  <dgm:styleLbl name="sibTrans2D1">
-    <dgm:scene3d>
-      <a:camera prst="orthographicFront"/>
-      <a:lightRig rig="threePt" dir="t"/>
-    </dgm:scene3d>
-    <dgm:sp3d/>
-    <dgm:txPr/>
-    <dgm:style>
-      <a:lnRef idx="0">
-        <a:scrgbClr r="0" g="0" b="0"/>
-      </a:lnRef>
-      <a:fillRef idx="1">
-        <a:scrgbClr r="0" g="0" b="0"/>
-      </a:fillRef>
-      <a:effectRef idx="0">
-        <a:scrgbClr r="0" g="0" b="0"/>
-      </a:effectRef>
-      <a:fontRef idx="minor">
-        <a:schemeClr val="lt1"/>
-      </a:fontRef>
-    </dgm:style>
-  </dgm:styleLbl>
-  <dgm:styleLbl name="fgSibTrans2D1">
-    <dgm:scene3d>
-      <a:camera prst="orthographicFront"/>
-      <a:lightRig rig="threePt" dir="t"/>
-    </dgm:scene3d>
-    <dgm:sp3d/>
-    <dgm:txPr/>
-    <dgm:style>
-      <a:lnRef idx="0">
-        <a:scrgbClr r="0" g="0" b="0"/>
-      </a:lnRef>
-      <a:fillRef idx="1">
-        <a:scrgbClr r="0" g="0" b="0"/>
-      </a:fillRef>
-      <a:effectRef idx="0">
-        <a:scrgbClr r="0" g="0" b="0"/>
-      </a:effectRef>
-      <a:fontRef idx="minor">
-        <a:schemeClr val="lt1"/>
-      </a:fontRef>
-    </dgm:style>
-  </dgm:styleLbl>
-  <dgm:styleLbl name="bgSibTrans2D1">
-    <dgm:scene3d>
-      <a:camera prst="orthographicFront"/>
-      <a:lightRig rig="threePt" dir="t"/>
-    </dgm:scene3d>
-    <dgm:sp3d/>
-    <dgm:txPr/>
-    <dgm:style>
-      <a:lnRef idx="0">
-        <a:scrgbClr r="0" g="0" b="0"/>
-      </a:lnRef>
-      <a:fillRef idx="1">
-        <a:scrgbClr r="0" g="0" b="0"/>
-      </a:fillRef>
-      <a:effectRef idx="0">
-        <a:scrgbClr r="0" g="0" b="0"/>
-      </a:effectRef>
-      <a:fontRef idx="minor">
-        <a:schemeClr val="lt1"/>
-      </a:fontRef>
-    </dgm:style>
-  </dgm:styleLbl>
-  <dgm:styleLbl name="sibTrans1D1">
-    <dgm:scene3d>
-      <a:camera prst="orthographicFront"/>
-      <a:lightRig rig="threePt" dir="t"/>
-    </dgm:scene3d>
-    <dgm:sp3d/>
-    <dgm:txPr/>
-    <dgm:style>
-      <a:lnRef idx="1">
-        <a:scrgbClr r="0" g="0" b="0"/>
-      </a:lnRef>
-      <a:fillRef idx="0">
-        <a:scrgbClr r="0" g="0" b="0"/>
-      </a:fillRef>
-      <a:effectRef idx="0">
-        <a:scrgbClr r="0" g="0" b="0"/>
-      </a:effectRef>
-      <a:fontRef idx="minor"/>
-    </dgm:style>
-  </dgm:styleLbl>
-  <dgm:styleLbl name="callout">
-    <dgm:scene3d>
-      <a:camera prst="orthographicFront"/>
-      <a:lightRig rig="threePt" dir="t"/>
-    </dgm:scene3d>
-    <dgm:sp3d/>
-    <dgm:txPr/>
-    <dgm:style>
-      <a:lnRef idx="2">
-        <a:scrgbClr r="0" g="0" b="0"/>
-      </a:lnRef>
-      <a:fillRef idx="1">
-        <a:scrgbClr r="0" g="0" b="0"/>
-      </a:fillRef>
-      <a:effectRef idx="0">
-        <a:scrgbClr r="0" g="0" b="0"/>
-      </a:effectRef>
-      <a:fontRef idx="minor"/>
-    </dgm:style>
-  </dgm:styleLbl>
-  <dgm:styleLbl name="asst0">
-    <dgm:scene3d>
-      <a:camera prst="orthographicFront"/>
-      <a:lightRig rig="threePt" dir="t"/>
-    </dgm:scene3d>
-    <dgm:sp3d/>
-    <dgm:txPr/>
-    <dgm:style>
-      <a:lnRef idx="2">
-        <a:scrgbClr r="0" g="0" b="0"/>
-      </a:lnRef>
-      <a:fillRef idx="1">
-        <a:scrgbClr r="0" g="0" b="0"/>
-      </a:fillRef>
-      <a:effectRef idx="0">
-        <a:scrgbClr r="0" g="0" b="0"/>
-      </a:effectRef>
-      <a:fontRef idx="minor">
-        <a:schemeClr val="lt1"/>
-      </a:fontRef>
-    </dgm:style>
-  </dgm:styleLbl>
-  <dgm:styleLbl name="asst1">
-    <dgm:scene3d>
-      <a:camera prst="orthographicFront"/>
-      <a:lightRig rig="threePt" dir="t"/>
-    </dgm:scene3d>
-    <dgm:sp3d/>
-    <dgm:txPr/>
-    <dgm:style>
-      <a:lnRef idx="2">
-        <a:scrgbClr r="0" g="0" b="0"/>
-      </a:lnRef>
-      <a:fillRef idx="1">
-        <a:scrgbClr r="0" g="0" b="0"/>
-      </a:fillRef>
-      <a:effectRef idx="0">
-        <a:scrgbClr r="0" g="0" b="0"/>
-      </a:effectRef>
-      <a:fontRef idx="minor">
-        <a:schemeClr val="lt1"/>
-      </a:fontRef>
-    </dgm:style>
-  </dgm:styleLbl>
-  <dgm:styleLbl name="asst2">
-    <dgm:scene3d>
-      <a:camera prst="orthographicFront"/>
-      <a:lightRig rig="threePt" dir="t"/>
-    </dgm:scene3d>
-    <dgm:sp3d/>
-    <dgm:txPr/>
-    <dgm:style>
-      <a:lnRef idx="2">
-        <a:scrgbClr r="0" g="0" b="0"/>
-      </a:lnRef>
-      <a:fillRef idx="1">
-        <a:scrgbClr r="0" g="0" b="0"/>
-      </a:fillRef>
-      <a:effectRef idx="0">
-        <a:scrgbClr r="0" g="0" b="0"/>
-      </a:effectRef>
-      <a:fontRef idx="minor">
-        <a:schemeClr val="lt1"/>
-      </a:fontRef>
-    </dgm:style>
-  </dgm:styleLbl>
-  <dgm:styleLbl name="asst3">
-    <dgm:scene3d>
-      <a:camera prst="orthographicFront"/>
-      <a:lightRig rig="threePt" dir="t"/>
-    </dgm:scene3d>
-    <dgm:sp3d/>
-    <dgm:txPr/>
-    <dgm:style>
-      <a:lnRef idx="2">
-        <a:scrgbClr r="0" g="0" b="0"/>
-      </a:lnRef>
-      <a:fillRef idx="1">
-        <a:scrgbClr r="0" g="0" b="0"/>
-      </a:fillRef>
-      <a:effectRef idx="0">
-        <a:scrgbClr r="0" g="0" b="0"/>
-      </a:effectRef>
-      <a:fontRef idx="minor">
-        <a:schemeClr val="lt1"/>
-      </a:fontRef>
-    </dgm:style>
-  </dgm:styleLbl>
-  <dgm:styleLbl name="asst4">
-    <dgm:scene3d>
-      <a:camera prst="orthographicFront"/>
-      <a:lightRig rig="threePt" dir="t"/>
-    </dgm:scene3d>
-    <dgm:sp3d/>
-    <dgm:txPr/>
-    <dgm:style>
-      <a:lnRef idx="2">
-        <a:scrgbClr r="0" g="0" b="0"/>
-      </a:lnRef>
-      <a:fillRef idx="1">
-        <a:scrgbClr r="0" g="0" b="0"/>
-      </a:fillRef>
-      <a:effectRef idx="0">
-        <a:scrgbClr r="0" g="0" b="0"/>
-      </a:effectRef>
-      <a:fontRef idx="minor">
-        <a:schemeClr val="lt1"/>
-      </a:fontRef>
-    </dgm:style>
-  </dgm:styleLbl>
-  <dgm:styleLbl name="parChTrans2D1">
-    <dgm:scene3d>
-      <a:camera prst="orthographicFront"/>
-      <a:lightRig rig="threePt" dir="t"/>
-    </dgm:scene3d>
-    <dgm:sp3d/>
-    <dgm:txPr/>
-    <dgm:style>
-      <a:lnRef idx="2">
-        <a:scrgbClr r="0" g="0" b="0"/>
-      </a:lnRef>
-      <a:fillRef idx="1">
-        <a:scrgbClr r="0" g="0" b="0"/>
-      </a:fillRef>
-      <a:effectRef idx="0">
-        <a:scrgbClr r="0" g="0" b="0"/>
-      </a:effectRef>
-      <a:fontRef idx="minor">
-        <a:schemeClr val="lt1"/>
-      </a:fontRef>
-    </dgm:style>
-  </dgm:styleLbl>
-  <dgm:styleLbl name="parChTrans2D2">
-    <dgm:scene3d>
-      <a:camera prst="orthographicFront"/>
-      <a:lightRig rig="threePt" dir="t"/>
-    </dgm:scene3d>
-    <dgm:sp3d/>
-    <dgm:txPr/>
-    <dgm:style>
-      <a:lnRef idx="2">
-        <a:scrgbClr r="0" g="0" b="0"/>
-      </a:lnRef>
-      <a:fillRef idx="1">
-        <a:scrgbClr r="0" g="0" b="0"/>
-      </a:fillRef>
-      <a:effectRef idx="0">
-        <a:scrgbClr r="0" g="0" b="0"/>
-      </a:effectRef>
-      <a:fontRef idx="minor">
-        <a:schemeClr val="lt1"/>
-      </a:fontRef>
-    </dgm:style>
-  </dgm:styleLbl>
-  <dgm:styleLbl name="parChTrans2D3">
-    <dgm:scene3d>
-      <a:camera prst="orthographicFront"/>
-      <a:lightRig rig="threePt" dir="t"/>
-    </dgm:scene3d>
-    <dgm:sp3d/>
-    <dgm:txPr/>
-    <dgm:style>
-      <a:lnRef idx="2">
-        <a:scrgbClr r="0" g="0" b="0"/>
-      </a:lnRef>
-      <a:fillRef idx="1">
-        <a:scrgbClr r="0" g="0" b="0"/>
-      </a:fillRef>
-      <a:effectRef idx="0">
-        <a:scrgbClr r="0" g="0" b="0"/>
-      </a:effectRef>
-      <a:fontRef idx="minor">
-        <a:schemeClr val="lt1"/>
-      </a:fontRef>
-    </dgm:style>
-  </dgm:styleLbl>
-  <dgm:styleLbl name="parChTrans2D4">
-    <dgm:scene3d>
-      <a:camera prst="orthographicFront"/>
-      <a:lightRig rig="threePt" dir="t"/>
-    </dgm:scene3d>
-    <dgm:sp3d/>
-    <dgm:txPr/>
-    <dgm:style>
-      <a:lnRef idx="2">
-        <a:scrgbClr r="0" g="0" b="0"/>
-      </a:lnRef>
-      <a:fillRef idx="1">
-        <a:scrgbClr r="0" g="0" b="0"/>
-      </a:fillRef>
-      <a:effectRef idx="0">
-        <a:scrgbClr r="0" g="0" b="0"/>
-      </a:effectRef>
-      <a:fontRef idx="minor">
-        <a:schemeClr val="lt1"/>
-      </a:fontRef>
-    </dgm:style>
-  </dgm:styleLbl>
-  <dgm:styleLbl name="parChTrans1D1">
-    <dgm:scene3d>
-      <a:camera prst="orthographicFront"/>
-      <a:lightRig rig="threePt" dir="t"/>
-    </dgm:scene3d>
-    <dgm:sp3d/>
-    <dgm:txPr/>
-    <dgm:style>
-      <a:lnRef idx="2">
-        <a:scrgbClr r="0" g="0" b="0"/>
-      </a:lnRef>
-      <a:fillRef idx="0">
-        <a:scrgbClr r="0" g="0" b="0"/>
-      </a:fillRef>
-      <a:effectRef idx="0">
-        <a:scrgbClr r="0" g="0" b="0"/>
-      </a:effectRef>
-      <a:fontRef idx="minor"/>
-    </dgm:style>
-  </dgm:styleLbl>
-  <dgm:styleLbl name="parChTrans1D2">
-    <dgm:scene3d>
-      <a:camera prst="orthographicFront"/>
-      <a:lightRig rig="threePt" dir="t"/>
-    </dgm:scene3d>
-    <dgm:sp3d/>
-    <dgm:txPr/>
-    <dgm:style>
-      <a:lnRef idx="2">
-        <a:scrgbClr r="0" g="0" b="0"/>
-      </a:lnRef>
-      <a:fillRef idx="0">
-        <a:scrgbClr r="0" g="0" b="0"/>
-      </a:fillRef>
-      <a:effectRef idx="0">
-        <a:scrgbClr r="0" g="0" b="0"/>
-      </a:effectRef>
-      <a:fontRef idx="minor"/>
-    </dgm:style>
-  </dgm:styleLbl>
-  <dgm:styleLbl name="parChTrans1D3">
-    <dgm:scene3d>
-      <a:camera prst="orthographicFront"/>
-      <a:lightRig rig="threePt" dir="t"/>
-    </dgm:scene3d>
-    <dgm:sp3d/>
-    <dgm:txPr/>
-    <dgm:style>
-      <a:lnRef idx="2">
-        <a:scrgbClr r="0" g="0" b="0"/>
-      </a:lnRef>
-      <a:fillRef idx="0">
-        <a:scrgbClr r="0" g="0" b="0"/>
-      </a:fillRef>
-      <a:effectRef idx="0">
-        <a:scrgbClr r="0" g="0" b="0"/>
-      </a:effectRef>
-      <a:fontRef idx="minor"/>
-    </dgm:style>
-  </dgm:styleLbl>
-  <dgm:styleLbl name="parChTrans1D4">
-    <dgm:scene3d>
-      <a:camera prst="orthographicFront"/>
-      <a:lightRig rig="threePt" dir="t"/>
-    </dgm:scene3d>
-    <dgm:sp3d/>
-    <dgm:txPr/>
-    <dgm:style>
-      <a:lnRef idx="2">
-        <a:scrgbClr r="0" g="0" b="0"/>
-      </a:lnRef>
-      <a:fillRef idx="0">
-        <a:scrgbClr r="0" g="0" b="0"/>
-      </a:fillRef>
-      <a:effectRef idx="0">
-        <a:scrgbClr r="0" g="0" b="0"/>
-      </a:effectRef>
-      <a:fontRef idx="minor"/>
-    </dgm:style>
-  </dgm:styleLbl>
-  <dgm:styleLbl name="fgAcc1">
-    <dgm:scene3d>
-      <a:camera prst="orthographicFront"/>
-      <a:lightRig rig="threePt" dir="t"/>
-    </dgm:scene3d>
-    <dgm:sp3d/>
-    <dgm:txPr/>
-    <dgm:style>
-      <a:lnRef idx="2">
-        <a:scrgbClr r="0" g="0" b="0"/>
-      </a:lnRef>
-      <a:fillRef idx="1">
-        <a:scrgbClr r="0" g="0" b="0"/>
-      </a:fillRef>
-      <a:effectRef idx="0">
-        <a:scrgbClr r="0" g="0" b="0"/>
-      </a:effectRef>
-      <a:fontRef idx="minor"/>
-    </dgm:style>
-  </dgm:styleLbl>
-  <dgm:styleLbl name="conFgAcc1">
-    <dgm:scene3d>
-      <a:camera prst="orthographicFront"/>
-      <a:lightRig rig="threePt" dir="t"/>
-    </dgm:scene3d>
-    <dgm:sp3d/>
-    <dgm:txPr/>
-    <dgm:style>
-      <a:lnRef idx="2">
-        <a:scrgbClr r="0" g="0" b="0"/>
-      </a:lnRef>
-      <a:fillRef idx="1">
-        <a:scrgbClr r="0" g="0" b="0"/>
-      </a:fillRef>
-      <a:effectRef idx="0">
-        <a:scrgbClr r="0" g="0" b="0"/>
-      </a:effectRef>
-      <a:fontRef idx="minor"/>
-    </dgm:style>
-  </dgm:styleLbl>
-  <dgm:styleLbl name="alignAcc1">
-    <dgm:scene3d>
-      <a:camera prst="orthographicFront"/>
-      <a:lightRig rig="threePt" dir="t"/>
-    </dgm:scene3d>
-    <dgm:sp3d/>
-    <dgm:txPr/>
-    <dgm:style>
-      <a:lnRef idx="2">
-        <a:scrgbClr r="0" g="0" b="0"/>
-      </a:lnRef>
-      <a:fillRef idx="1">
-        <a:scrgbClr r="0" g="0" b="0"/>
-      </a:fillRef>
-      <a:effectRef idx="0">
-        <a:scrgbClr r="0" g="0" b="0"/>
-      </a:effectRef>
-      <a:fontRef idx="minor"/>
-    </dgm:style>
-  </dgm:styleLbl>
-  <dgm:styleLbl name="trAlignAcc1">
-    <dgm:scene3d>
-      <a:camera prst="orthographicFront"/>
-      <a:lightRig rig="threePt" dir="t"/>
-    </dgm:scene3d>
-    <dgm:sp3d/>
-    <dgm:txPr/>
-    <dgm:style>
-      <a:lnRef idx="1">
-        <a:scrgbClr r="0" g="0" b="0"/>
-      </a:lnRef>
-      <a:fillRef idx="1">
-        <a:scrgbClr r="0" g="0" b="0"/>
-      </a:fillRef>
-      <a:effectRef idx="0">
-        <a:scrgbClr r="0" g="0" b="0"/>
-      </a:effectRef>
-      <a:fontRef idx="minor"/>
-    </dgm:style>
-  </dgm:styleLbl>
-  <dgm:styleLbl name="bgAcc1">
-    <dgm:scene3d>
-      <a:camera prst="orthographicFront"/>
-      <a:lightRig rig="threePt" dir="t"/>
-    </dgm:scene3d>
-    <dgm:sp3d/>
-    <dgm:txPr/>
-    <dgm:style>
-      <a:lnRef idx="2">
-        <a:scrgbClr r="0" g="0" b="0"/>
-      </a:lnRef>
-      <a:fillRef idx="1">
-        <a:scrgbClr r="0" g="0" b="0"/>
-      </a:fillRef>
-      <a:effectRef idx="0">
-        <a:scrgbClr r="0" g="0" b="0"/>
-      </a:effectRef>
-      <a:fontRef idx="minor"/>
-    </dgm:style>
-  </dgm:styleLbl>
-  <dgm:styleLbl name="solidFgAcc1">
-    <dgm:scene3d>
-      <a:camera prst="orthographicFront"/>
-      <a:lightRig rig="threePt" dir="t"/>
-    </dgm:scene3d>
-    <dgm:sp3d/>
-    <dgm:txPr/>
-    <dgm:style>
-      <a:lnRef idx="2">
-        <a:scrgbClr r="0" g="0" b="0"/>
-      </a:lnRef>
-      <a:fillRef idx="1">
-        <a:scrgbClr r="0" g="0" b="0"/>
-      </a:fillRef>
-      <a:effectRef idx="0">
-        <a:scrgbClr r="0" g="0" b="0"/>
-      </a:effectRef>
-      <a:fontRef idx="minor"/>
-    </dgm:style>
-  </dgm:styleLbl>
-  <dgm:styleLbl name="solidAlignAcc1">
-    <dgm:scene3d>
-      <a:camera prst="orthographicFront"/>
-      <a:lightRig rig="threePt" dir="t"/>
-    </dgm:scene3d>
-    <dgm:sp3d/>
-    <dgm:txPr/>
-    <dgm:style>
-      <a:lnRef idx="2">
-        <a:scrgbClr r="0" g="0" b="0"/>
-      </a:lnRef>
-      <a:fillRef idx="1">
-        <a:scrgbClr r="0" g="0" b="0"/>
-      </a:fillRef>
-      <a:effectRef idx="0">
-        <a:scrgbClr r="0" g="0" b="0"/>
-      </a:effectRef>
-      <a:fontRef idx="minor"/>
-    </dgm:style>
-  </dgm:styleLbl>
-  <dgm:styleLbl name="solidBgAcc1">
-    <dgm:scene3d>
-      <a:camera prst="orthographicFront"/>
-      <a:lightRig rig="threePt" dir="t"/>
-    </dgm:scene3d>
-    <dgm:sp3d/>
-    <dgm:txPr/>
-    <dgm:style>
-      <a:lnRef idx="2">
-        <a:scrgbClr r="0" g="0" b="0"/>
-      </a:lnRef>
-      <a:fillRef idx="1">
-        <a:scrgbClr r="0" g="0" b="0"/>
-      </a:fillRef>
-      <a:effectRef idx="0">
-        <a:scrgbClr r="0" g="0" b="0"/>
-      </a:effectRef>
-      <a:fontRef idx="minor"/>
-    </dgm:style>
-  </dgm:styleLbl>
-  <dgm:styleLbl name="fgAccFollowNode1">
-    <dgm:scene3d>
-      <a:camera prst="orthographicFront"/>
-      <a:lightRig rig="threePt" dir="t"/>
-    </dgm:scene3d>
-    <dgm:sp3d/>
-    <dgm:txPr/>
-    <dgm:style>
-      <a:lnRef idx="2">
-        <a:scrgbClr r="0" g="0" b="0"/>
-      </a:lnRef>
-      <a:fillRef idx="1">
-        <a:scrgbClr r="0" g="0" b="0"/>
-      </a:fillRef>
-      <a:effectRef idx="0">
-        <a:scrgbClr r="0" g="0" b="0"/>
-      </a:effectRef>
-      <a:fontRef idx="minor"/>
-    </dgm:style>
-  </dgm:styleLbl>
-  <dgm:styleLbl name="alignAccFollowNode1">
-    <dgm:scene3d>
-      <a:camera prst="orthographicFront"/>
-      <a:lightRig rig="threePt" dir="t"/>
-    </dgm:scene3d>
-    <dgm:sp3d/>
-    <dgm:txPr/>
-    <dgm:style>
-      <a:lnRef idx="2">
-        <a:scrgbClr r="0" g="0" b="0"/>
-      </a:lnRef>
-      <a:fillRef idx="1">
-        <a:scrgbClr r="0" g="0" b="0"/>
-      </a:fillRef>
-      <a:effectRef idx="0">
-        <a:scrgbClr r="0" g="0" b="0"/>
-      </a:effectRef>
-      <a:fontRef idx="minor"/>
-    </dgm:style>
-  </dgm:styleLbl>
-  <dgm:styleLbl name="bgAccFollowNode1">
-    <dgm:scene3d>
-      <a:camera prst="orthographicFront"/>
-      <a:lightRig rig="threePt" dir="t"/>
-    </dgm:scene3d>
-    <dgm:sp3d/>
-    <dgm:txPr/>
-    <dgm:style>
-      <a:lnRef idx="2">
-        <a:scrgbClr r="0" g="0" b="0"/>
-      </a:lnRef>
-      <a:fillRef idx="1">
-        <a:scrgbClr r="0" g="0" b="0"/>
-      </a:fillRef>
-      <a:effectRef idx="0">
-        <a:scrgbClr r="0" g="0" b="0"/>
-      </a:effectRef>
-      <a:fontRef idx="minor"/>
-    </dgm:style>
-  </dgm:styleLbl>
-  <dgm:styleLbl name="fgAcc0">
-    <dgm:scene3d>
-      <a:camera prst="orthographicFront"/>
-      <a:lightRig rig="threePt" dir="t"/>
-    </dgm:scene3d>
-    <dgm:sp3d/>
-    <dgm:txPr/>
-    <dgm:style>
-      <a:lnRef idx="2">
-        <a:scrgbClr r="0" g="0" b="0"/>
-      </a:lnRef>
-      <a:fillRef idx="1">
-        <a:scrgbClr r="0" g="0" b="0"/>
-      </a:fillRef>
-      <a:effectRef idx="0">
-        <a:scrgbClr r="0" g="0" b="0"/>
-      </a:effectRef>
-      <a:fontRef idx="minor"/>
-    </dgm:style>
-  </dgm:styleLbl>
-  <dgm:styleLbl name="fgAcc2">
-    <dgm:scene3d>
-      <a:camera prst="orthographicFront"/>
-      <a:lightRig rig="threePt" dir="t"/>
-    </dgm:scene3d>
-    <dgm:sp3d/>
-    <dgm:txPr/>
-    <dgm:style>
-      <a:lnRef idx="2">
-        <a:scrgbClr r="0" g="0" b="0"/>
-      </a:lnRef>
-      <a:fillRef idx="1">
-        <a:scrgbClr r="0" g="0" b="0"/>
-      </a:fillRef>
-      <a:effectRef idx="0">
-        <a:scrgbClr r="0" g="0" b="0"/>
-      </a:effectRef>
-      <a:fontRef idx="minor"/>
-    </dgm:style>
-  </dgm:styleLbl>
-  <dgm:styleLbl name="fgAcc3">
-    <dgm:scene3d>
-      <a:camera prst="orthographicFront"/>
-      <a:lightRig rig="threePt" dir="t"/>
-    </dgm:scene3d>
-    <dgm:sp3d/>
-    <dgm:txPr/>
-    <dgm:style>
-      <a:lnRef idx="2">
-        <a:scrgbClr r="0" g="0" b="0"/>
-      </a:lnRef>
-      <a:fillRef idx="1">
-        <a:scrgbClr r="0" g="0" b="0"/>
-      </a:fillRef>
-      <a:effectRef idx="0">
-        <a:scrgbClr r="0" g="0" b="0"/>
-      </a:effectRef>
-      <a:fontRef idx="minor"/>
-    </dgm:style>
-  </dgm:styleLbl>
-  <dgm:styleLbl name="fgAcc4">
-    <dgm:scene3d>
-      <a:camera prst="orthographicFront"/>
-      <a:lightRig rig="threePt" dir="t"/>
-    </dgm:scene3d>
-    <dgm:sp3d/>
-    <dgm:txPr/>
-    <dgm:style>
-      <a:lnRef idx="2">
-        <a:scrgbClr r="0" g="0" b="0"/>
-      </a:lnRef>
-      <a:fillRef idx="1">
-        <a:scrgbClr r="0" g="0" b="0"/>
-      </a:fillRef>
-      <a:effectRef idx="0">
-        <a:scrgbClr r="0" g="0" b="0"/>
-      </a:effectRef>
-      <a:fontRef idx="minor"/>
-    </dgm:style>
-  </dgm:styleLbl>
-  <dgm:styleLbl name="bgShp">
-    <dgm:scene3d>
-      <a:camera prst="orthographicFront"/>
-      <a:lightRig rig="threePt" dir="t"/>
-    </dgm:scene3d>
-    <dgm:sp3d/>
-    <dgm:txPr/>
-    <dgm:style>
-      <a:lnRef idx="0">
-        <a:scrgbClr r="0" g="0" b="0"/>
-      </a:lnRef>
-      <a:fillRef idx="1">
-        <a:scrgbClr r="0" g="0" b="0"/>
-      </a:fillRef>
-      <a:effectRef idx="0">
-        <a:scrgbClr r="0" g="0" b="0"/>
-      </a:effectRef>
-      <a:fontRef idx="minor"/>
-    </dgm:style>
-  </dgm:styleLbl>
-  <dgm:styleLbl name="dkBgShp">
-    <dgm:scene3d>
-      <a:camera prst="orthographicFront"/>
-      <a:lightRig rig="threePt" dir="t"/>
-    </dgm:scene3d>
-    <dgm:sp3d/>
-    <dgm:txPr/>
-    <dgm:style>
-      <a:lnRef idx="0">
-        <a:scrgbClr r="0" g="0" b="0"/>
-      </a:lnRef>
-      <a:fillRef idx="1">
-        <a:scrgbClr r="0" g="0" b="0"/>
-      </a:fillRef>
-      <a:effectRef idx="0">
-        <a:scrgbClr r="0" g="0" b="0"/>
-      </a:effectRef>
-      <a:fontRef idx="minor"/>
-    </dgm:style>
-  </dgm:styleLbl>
-  <dgm:styleLbl name="trBgShp">
-    <dgm:scene3d>
-      <a:camera prst="orthographicFront"/>
-      <a:lightRig rig="threePt" dir="t"/>
-    </dgm:scene3d>
-    <dgm:sp3d/>
-    <dgm:txPr/>
-    <dgm:style>
-      <a:lnRef idx="0">
-        <a:scrgbClr r="0" g="0" b="0"/>
-      </a:lnRef>
-      <a:fillRef idx="1">
-        <a:scrgbClr r="0" g="0" b="0"/>
-      </a:fillRef>
-      <a:effectRef idx="0">
-        <a:scrgbClr r="0" g="0" b="0"/>
-      </a:effectRef>
-      <a:fontRef idx="minor"/>
-    </dgm:style>
-  </dgm:styleLbl>
-  <dgm:styleLbl name="fgShp">
-    <dgm:scene3d>
-      <a:camera prst="orthographicFront"/>
-      <a:lightRig rig="threePt" dir="t"/>
-    </dgm:scene3d>
-    <dgm:sp3d/>
-    <dgm:txPr/>
-    <dgm:style>
-      <a:lnRef idx="2">
-        <a:scrgbClr r="0" g="0" b="0"/>
-      </a:lnRef>
-      <a:fillRef idx="1">
-        <a:scrgbClr r="0" g="0" b="0"/>
-      </a:fillRef>
-      <a:effectRef idx="0">
-        <a:scrgbClr r="0" g="0" b="0"/>
-      </a:effectRef>
-      <a:fontRef idx="minor"/>
-    </dgm:style>
-  </dgm:styleLbl>
-  <dgm:styleLbl name="revTx">
-    <dgm:scene3d>
-      <a:camera prst="orthographicFront"/>
-      <a:lightRig rig="threePt" dir="t"/>
-    </dgm:scene3d>
-    <dgm:sp3d/>
-    <dgm:txPr/>
-    <dgm:style>
-      <a:lnRef idx="0">
-        <a:scrgbClr r="0" g="0" b="0"/>
-      </a:lnRef>
-      <a:fillRef idx="0">
-        <a:scrgbClr r="0" g="0" b="0"/>
-      </a:fillRef>
-      <a:effectRef idx="0">
-        <a:scrgbClr r="0" g="0" b="0"/>
-      </a:effectRef>
-      <a:fontRef idx="minor"/>
-    </dgm:style>
-  </dgm:styleLbl>
-</dgm:styleDef>
-</file>
-
 <file path=ppt/slideLayouts/slideLayout1.xml><?xml version="1.0" encoding="utf-8"?>
 <p:sldLayout xmlns:a="http://schemas.openxmlformats.org/drawingml/2006/main" xmlns:r="http://schemas.openxmlformats.org/officeDocument/2006/relationships" xmlns:p="http://schemas.openxmlformats.org/presentationml/2006/main" showMasterSp="0" type="title" preserve="1">
   <p:cSld name="Title Slide">
@@ -3775,7 +363,7 @@
           <a:p>
             <a:fld id="{9184DA70-C731-4C70-880D-CCD4705E623C}" type="datetime1">
               <a:rPr lang="en-US" smtClean="0"/>
-              <a:t>5/18/20</a:t>
+              <a:t>5/18/2020</a:t>
             </a:fld>
             <a:endParaRPr lang="en-US" dirty="0"/>
           </a:p>
@@ -3963,7 +551,7 @@
           <a:p>
             <a:fld id="{B612A279-0833-481D-8C56-F67FD0AC6C50}" type="datetime1">
               <a:rPr lang="en-US" smtClean="0"/>
-              <a:t>5/18/20</a:t>
+              <a:t>5/18/2020</a:t>
             </a:fld>
             <a:endParaRPr lang="en-US" dirty="0"/>
           </a:p>
@@ -4205,7 +793,7 @@
           <a:p>
             <a:fld id="{6587DA83-5663-4C9C-B9AA-0B40A3DAFF81}" type="datetime1">
               <a:rPr lang="en-US" smtClean="0"/>
-              <a:t>5/18/20</a:t>
+              <a:t>5/18/2020</a:t>
             </a:fld>
             <a:endParaRPr lang="en-US" dirty="0"/>
           </a:p>
@@ -4393,7 +981,7 @@
           <a:p>
             <a:fld id="{4BE1D723-8F53-4F53-90B0-1982A396982E}" type="datetime1">
               <a:rPr lang="en-US" smtClean="0"/>
-              <a:t>5/18/20</a:t>
+              <a:t>5/18/2020</a:t>
             </a:fld>
             <a:endParaRPr lang="en-US" dirty="0"/>
           </a:p>
@@ -4766,7 +1354,7 @@
           <a:p>
             <a:fld id="{97669AF7-7BEB-44E4-9852-375E34362B5B}" type="datetime1">
               <a:rPr lang="en-US" smtClean="0"/>
-              <a:t>5/18/20</a:t>
+              <a:t>5/18/2020</a:t>
             </a:fld>
             <a:endParaRPr lang="en-US" dirty="0"/>
           </a:p>
@@ -5021,7 +1609,7 @@
           <a:p>
             <a:fld id="{BAAAC38D-0552-4C82-B593-E6124DFADBE2}" type="datetime1">
               <a:rPr lang="en-US" smtClean="0"/>
-              <a:t>5/18/20</a:t>
+              <a:t>5/18/2020</a:t>
             </a:fld>
             <a:endParaRPr lang="en-US" dirty="0"/>
           </a:p>
@@ -5418,7 +2006,7 @@
           <a:p>
             <a:fld id="{D9DF0F1C-5577-4ACB-BB62-DF8F3C494C7E}" type="datetime1">
               <a:rPr lang="en-US" smtClean="0"/>
-              <a:t>5/18/20</a:t>
+              <a:t>5/18/2020</a:t>
             </a:fld>
             <a:endParaRPr lang="en-US" dirty="0"/>
           </a:p>
@@ -5554,7 +2142,7 @@
           <a:p>
             <a:fld id="{1775B394-D9F9-4F0C-B15D-605F45CB9E9F}" type="datetime1">
               <a:rPr lang="en-US" smtClean="0"/>
-              <a:t>5/18/20</a:t>
+              <a:t>5/18/2020</a:t>
             </a:fld>
             <a:endParaRPr lang="en-US" dirty="0"/>
           </a:p>
@@ -5711,7 +2299,7 @@
           <a:p>
             <a:fld id="{39667345-2558-425A-8533-9BFDBCE15005}" type="datetime1">
               <a:rPr lang="en-US" smtClean="0"/>
-              <a:t>5/18/20</a:t>
+              <a:t>5/18/2020</a:t>
             </a:fld>
             <a:endParaRPr lang="en-US" dirty="0"/>
           </a:p>
@@ -6040,7 +2628,7 @@
           <a:p>
             <a:fld id="{92BEA474-078D-4E9B-9B14-09A87B19DC46}" type="datetime1">
               <a:rPr lang="en-US" smtClean="0"/>
-              <a:t>5/18/20</a:t>
+              <a:t>5/18/2020</a:t>
             </a:fld>
             <a:endParaRPr lang="en-US" dirty="0"/>
           </a:p>
@@ -6390,7 +2978,7 @@
           <a:p>
             <a:fld id="{4907D986-8816-4272-A432-0437A28A9828}" type="datetime1">
               <a:rPr lang="en-US" smtClean="0"/>
-              <a:t>5/18/20</a:t>
+              <a:t>5/18/2020</a:t>
             </a:fld>
             <a:endParaRPr lang="en-US" dirty="0"/>
           </a:p>
@@ -6651,7 +3239,7 @@
           <a:p>
             <a:fld id="{62D6E202-B606-4609-B914-27C9371A1F6D}" type="datetime1">
               <a:rPr lang="en-US" smtClean="0"/>
-              <a:t>5/18/20</a:t>
+              <a:t>5/18/2020</a:t>
             </a:fld>
             <a:endParaRPr lang="en-US" dirty="0"/>
           </a:p>
@@ -8831,14 +5419,6 @@
 <file path=ppt/slides/slide6.xml><?xml version="1.0" encoding="utf-8"?>
 <p:sld xmlns:a="http://schemas.openxmlformats.org/drawingml/2006/main" xmlns:r="http://schemas.openxmlformats.org/officeDocument/2006/relationships" xmlns:p="http://schemas.openxmlformats.org/presentationml/2006/main">
   <p:cSld>
-    <p:bg>
-      <p:bgPr>
-        <a:solidFill>
-          <a:schemeClr val="bg1"/>
-        </a:solidFill>
-        <a:effectLst/>
-      </p:bgPr>
-    </p:bg>
     <p:spTree>
       <p:nvGrpSpPr>
         <p:cNvPr id="1" name=""/>
@@ -8853,273 +5433,6 @@
           <a:chExt cx="0" cy="0"/>
         </a:xfrm>
       </p:grpSpPr>
-      <p:sp useBgFill="1">
-        <p:nvSpPr>
-          <p:cNvPr id="28" name="Rectangle 27">
-            <a:extLst>
-              <a:ext uri="{FF2B5EF4-FFF2-40B4-BE49-F238E27FC236}">
-                <a16:creationId xmlns:a16="http://schemas.microsoft.com/office/drawing/2014/main" id="{68BDBE5C-BBE9-4E89-BEE5-DEB6EAB8702D}"/>
-              </a:ext>
-              <a:ext uri="{C183D7F6-B498-43B3-948B-1728B52AA6E4}">
-                <adec:decorative xmlns:adec="http://schemas.microsoft.com/office/drawing/2017/decorative" val="1"/>
-              </a:ext>
-            </a:extLst>
-          </p:cNvPr>
-          <p:cNvSpPr>
-            <a:spLocks noGrp="1" noRot="1" noChangeAspect="1" noMove="1" noResize="1" noEditPoints="1" noAdjustHandles="1" noChangeArrowheads="1" noChangeShapeType="1" noTextEdit="1"/>
-          </p:cNvSpPr>
-          <p:nvPr>
-            <p:extLst>
-              <p:ext uri="{386F3935-93C4-4BCD-93E2-E3B085C9AB24}">
-                <p16:designElem xmlns:p16="http://schemas.microsoft.com/office/powerpoint/2015/main" val="1"/>
-              </p:ext>
-            </p:extLst>
-          </p:nvPr>
-        </p:nvSpPr>
-        <p:spPr>
-          <a:xfrm>
-            <a:off x="0" y="0"/>
-            <a:ext cx="12192000" cy="6858000"/>
-          </a:xfrm>
-          <a:prstGeom prst="rect">
-            <a:avLst/>
-          </a:prstGeom>
-          <a:ln>
-            <a:noFill/>
-          </a:ln>
-        </p:spPr>
-        <p:style>
-          <a:lnRef idx="2">
-            <a:schemeClr val="accent1">
-              <a:shade val="50000"/>
-            </a:schemeClr>
-          </a:lnRef>
-          <a:fillRef idx="1">
-            <a:schemeClr val="accent1"/>
-          </a:fillRef>
-          <a:effectRef idx="0">
-            <a:schemeClr val="accent1"/>
-          </a:effectRef>
-          <a:fontRef idx="minor">
-            <a:schemeClr val="lt1"/>
-          </a:fontRef>
-        </p:style>
-        <p:txBody>
-          <a:bodyPr rtlCol="0" anchor="ctr"/>
-          <a:lstStyle/>
-          <a:p>
-            <a:pPr algn="ctr"/>
-            <a:endParaRPr lang="en-US"/>
-          </a:p>
-        </p:txBody>
-      </p:sp>
-      <p:sp>
-        <p:nvSpPr>
-          <p:cNvPr id="2" name="Titolo 1">
-            <a:extLst>
-              <a:ext uri="{FF2B5EF4-FFF2-40B4-BE49-F238E27FC236}">
-                <a16:creationId xmlns:a16="http://schemas.microsoft.com/office/drawing/2014/main" id="{15EBAE22-2721-4510-A214-F84D4F6DF0C0}"/>
-              </a:ext>
-            </a:extLst>
-          </p:cNvPr>
-          <p:cNvSpPr>
-            <a:spLocks noGrp="1"/>
-          </p:cNvSpPr>
-          <p:nvPr>
-            <p:ph type="title"/>
-          </p:nvPr>
-        </p:nvSpPr>
-        <p:spPr>
-          <a:xfrm>
-            <a:off x="643467" y="634946"/>
-            <a:ext cx="3689094" cy="5055904"/>
-          </a:xfrm>
-        </p:spPr>
-        <p:txBody>
-          <a:bodyPr anchor="ctr">
-            <a:normAutofit/>
-          </a:bodyPr>
-          <a:lstStyle/>
-          <a:p>
-            <a:pPr algn="r"/>
-            <a:r>
-              <a:rPr lang="it-IT"/>
-              <a:t>CRITICITA’</a:t>
-            </a:r>
-          </a:p>
-        </p:txBody>
-      </p:sp>
-      <p:cxnSp>
-        <p:nvCxnSpPr>
-          <p:cNvPr id="30" name="Straight Connector 29">
-            <a:extLst>
-              <a:ext uri="{FF2B5EF4-FFF2-40B4-BE49-F238E27FC236}">
-                <a16:creationId xmlns:a16="http://schemas.microsoft.com/office/drawing/2014/main" id="{2752F38C-F560-47AA-90AD-209F39C04150}"/>
-              </a:ext>
-              <a:ext uri="{C183D7F6-B498-43B3-948B-1728B52AA6E4}">
-                <adec:decorative xmlns:adec="http://schemas.microsoft.com/office/drawing/2017/decorative" val="1"/>
-              </a:ext>
-            </a:extLst>
-          </p:cNvPr>
-          <p:cNvCxnSpPr>
-            <a:cxnSpLocks noGrp="1" noRot="1" noChangeAspect="1" noMove="1" noResize="1" noEditPoints="1" noAdjustHandles="1" noChangeArrowheads="1" noChangeShapeType="1"/>
-          </p:cNvCxnSpPr>
-          <p:nvPr>
-            <p:extLst>
-              <p:ext uri="{386F3935-93C4-4BCD-93E2-E3B085C9AB24}">
-                <p16:designElem xmlns:p16="http://schemas.microsoft.com/office/powerpoint/2015/main" val="1"/>
-              </p:ext>
-            </p:extLst>
-          </p:nvPr>
-        </p:nvCxnSpPr>
-        <p:spPr>
-          <a:xfrm>
-            <a:off x="4654296" y="1791298"/>
-            <a:ext cx="0" cy="2743200"/>
-          </a:xfrm>
-          <a:prstGeom prst="line">
-            <a:avLst/>
-          </a:prstGeom>
-          <a:ln w="12700">
-            <a:solidFill>
-              <a:schemeClr val="tx1">
-                <a:lumMod val="50000"/>
-                <a:lumOff val="50000"/>
-              </a:schemeClr>
-            </a:solidFill>
-          </a:ln>
-        </p:spPr>
-        <p:style>
-          <a:lnRef idx="1">
-            <a:schemeClr val="accent1"/>
-          </a:lnRef>
-          <a:fillRef idx="0">
-            <a:schemeClr val="accent1"/>
-          </a:fillRef>
-          <a:effectRef idx="0">
-            <a:schemeClr val="accent1"/>
-          </a:effectRef>
-          <a:fontRef idx="minor">
-            <a:schemeClr val="tx1"/>
-          </a:fontRef>
-        </p:style>
-      </p:cxnSp>
-      <p:sp>
-        <p:nvSpPr>
-          <p:cNvPr id="32" name="Rectangle 31">
-            <a:extLst>
-              <a:ext uri="{FF2B5EF4-FFF2-40B4-BE49-F238E27FC236}">
-                <a16:creationId xmlns:a16="http://schemas.microsoft.com/office/drawing/2014/main" id="{DFC4168B-AA75-4715-9B96-CF84B170A68B}"/>
-              </a:ext>
-              <a:ext uri="{C183D7F6-B498-43B3-948B-1728B52AA6E4}">
-                <adec:decorative xmlns:adec="http://schemas.microsoft.com/office/drawing/2017/decorative" val="1"/>
-              </a:ext>
-            </a:extLst>
-          </p:cNvPr>
-          <p:cNvSpPr>
-            <a:spLocks noGrp="1" noRot="1" noChangeAspect="1" noMove="1" noResize="1" noEditPoints="1" noAdjustHandles="1" noChangeArrowheads="1" noChangeShapeType="1" noTextEdit="1"/>
-          </p:cNvSpPr>
-          <p:nvPr>
-            <p:extLst>
-              <p:ext uri="{386F3935-93C4-4BCD-93E2-E3B085C9AB24}">
-                <p16:designElem xmlns:p16="http://schemas.microsoft.com/office/powerpoint/2015/main" val="1"/>
-              </p:ext>
-            </p:extLst>
-          </p:nvPr>
-        </p:nvSpPr>
-        <p:spPr>
-          <a:xfrm>
-            <a:off x="0" y="6400800"/>
-            <a:ext cx="12192000" cy="457200"/>
-          </a:xfrm>
-          <a:prstGeom prst="rect">
-            <a:avLst/>
-          </a:prstGeom>
-          <a:solidFill>
-            <a:srgbClr val="262626"/>
-          </a:solidFill>
-          <a:ln>
-            <a:noFill/>
-          </a:ln>
-        </p:spPr>
-        <p:style>
-          <a:lnRef idx="2">
-            <a:schemeClr val="accent1">
-              <a:shade val="50000"/>
-            </a:schemeClr>
-          </a:lnRef>
-          <a:fillRef idx="1">
-            <a:schemeClr val="accent1"/>
-          </a:fillRef>
-          <a:effectRef idx="0">
-            <a:schemeClr val="accent1"/>
-          </a:effectRef>
-          <a:fontRef idx="minor">
-            <a:schemeClr val="lt1"/>
-          </a:fontRef>
-        </p:style>
-      </p:sp>
-      <p:graphicFrame>
-        <p:nvGraphicFramePr>
-          <p:cNvPr id="24" name="Segnaposto contenuto 2">
-            <a:extLst>
-              <a:ext uri="{FF2B5EF4-FFF2-40B4-BE49-F238E27FC236}">
-                <a16:creationId xmlns:a16="http://schemas.microsoft.com/office/drawing/2014/main" id="{2CD246EE-7747-4EF1-9CA4-B0B685755EEC}"/>
-              </a:ext>
-            </a:extLst>
-          </p:cNvPr>
-          <p:cNvGraphicFramePr>
-            <a:graphicFrameLocks noGrp="1"/>
-          </p:cNvGraphicFramePr>
-          <p:nvPr>
-            <p:ph idx="1"/>
-            <p:extLst>
-              <p:ext uri="{D42A27DB-BD31-4B8C-83A1-F6EECF244321}">
-                <p14:modId xmlns:p14="http://schemas.microsoft.com/office/powerpoint/2010/main" val="187243243"/>
-              </p:ext>
-            </p:extLst>
-          </p:nvPr>
-        </p:nvGraphicFramePr>
-        <p:xfrm>
-          <a:off x="4976031" y="634947"/>
-          <a:ext cx="6582555" cy="5121798"/>
-        </p:xfrm>
-        <a:graphic>
-          <a:graphicData uri="http://schemas.openxmlformats.org/drawingml/2006/diagram">
-            <dgm:relIds xmlns:dgm="http://schemas.openxmlformats.org/drawingml/2006/diagram" xmlns:r="http://schemas.openxmlformats.org/officeDocument/2006/relationships" r:dm="rId2" r:lo="rId3" r:qs="rId4" r:cs="rId5"/>
-          </a:graphicData>
-        </a:graphic>
-      </p:graphicFrame>
-    </p:spTree>
-    <p:extLst>
-      <p:ext uri="{BB962C8B-B14F-4D97-AF65-F5344CB8AC3E}">
-        <p14:creationId xmlns:p14="http://schemas.microsoft.com/office/powerpoint/2010/main" val="4225200906"/>
-      </p:ext>
-    </p:extLst>
-  </p:cSld>
-  <p:clrMapOvr>
-    <a:masterClrMapping/>
-  </p:clrMapOvr>
-</p:sld>
-</file>
-
-<file path=ppt/slides/slide7.xml><?xml version="1.0" encoding="utf-8"?>
-<p:sld xmlns:a="http://schemas.openxmlformats.org/drawingml/2006/main" xmlns:r="http://schemas.openxmlformats.org/officeDocument/2006/relationships" xmlns:p="http://schemas.openxmlformats.org/presentationml/2006/main">
-  <p:cSld>
-    <p:spTree>
-      <p:nvGrpSpPr>
-        <p:cNvPr id="1" name=""/>
-        <p:cNvGrpSpPr/>
-        <p:nvPr/>
-      </p:nvGrpSpPr>
-      <p:grpSpPr>
-        <a:xfrm>
-          <a:off x="0" y="0"/>
-          <a:ext cx="0" cy="0"/>
-          <a:chOff x="0" y="0"/>
-          <a:chExt cx="0" cy="0"/>
-        </a:xfrm>
-      </p:grpSpPr>
       <p:sp>
         <p:nvSpPr>
           <p:cNvPr id="2" name="Titolo 1">
@@ -9143,7 +5456,7 @@
           <a:p>
             <a:r>
               <a:rPr lang="it-IT" dirty="0"/>
-              <a:t>SVILUPPO DELLE CRITICITA’</a:t>
+              <a:t>CRITICITA’</a:t>
             </a:r>
           </a:p>
         </p:txBody>
@@ -9865,7 +6178,7 @@
 </p:sld>
 </file>
 
-<file path=ppt/slides/slide8.xml><?xml version="1.0" encoding="utf-8"?>
+<file path=ppt/slides/slide7.xml><?xml version="1.0" encoding="utf-8"?>
 <p:sld xmlns:a="http://schemas.openxmlformats.org/drawingml/2006/main" xmlns:r="http://schemas.openxmlformats.org/officeDocument/2006/relationships" xmlns:p="http://schemas.openxmlformats.org/presentationml/2006/main">
   <p:cSld>
     <p:bg>
@@ -10249,7 +6562,7 @@
 </p:sld>
 </file>
 
-<file path=ppt/slides/slide9.xml><?xml version="1.0" encoding="utf-8"?>
+<file path=ppt/slides/slide8.xml><?xml version="1.0" encoding="utf-8"?>
 <p:sld xmlns:a="http://schemas.openxmlformats.org/drawingml/2006/main" xmlns:r="http://schemas.openxmlformats.org/officeDocument/2006/relationships" xmlns:p="http://schemas.openxmlformats.org/presentationml/2006/main">
   <p:cSld>
     <p:spTree>

--- a/Preparation files/MyTEDx_Presentazione.pptx
+++ b/Preparation files/MyTEDx_Presentazione.pptx
@@ -13,6 +13,9 @@
     <p:sldId id="265" r:id="rId7"/>
     <p:sldId id="263" r:id="rId8"/>
     <p:sldId id="264" r:id="rId9"/>
+    <p:sldId id="266" r:id="rId10"/>
+    <p:sldId id="267" r:id="rId11"/>
+    <p:sldId id="268" r:id="rId12"/>
   </p:sldIdLst>
   <p:sldSz cx="12192000" cy="6858000"/>
   <p:notesSz cx="6858000" cy="9144000"/>
@@ -363,7 +366,7 @@
           <a:p>
             <a:fld id="{9184DA70-C731-4C70-880D-CCD4705E623C}" type="datetime1">
               <a:rPr lang="en-US" smtClean="0"/>
-              <a:t>5/18/2020</a:t>
+              <a:t>5/19/2020</a:t>
             </a:fld>
             <a:endParaRPr lang="en-US" dirty="0"/>
           </a:p>
@@ -551,7 +554,7 @@
           <a:p>
             <a:fld id="{B612A279-0833-481D-8C56-F67FD0AC6C50}" type="datetime1">
               <a:rPr lang="en-US" smtClean="0"/>
-              <a:t>5/18/2020</a:t>
+              <a:t>5/19/2020</a:t>
             </a:fld>
             <a:endParaRPr lang="en-US" dirty="0"/>
           </a:p>
@@ -793,7 +796,7 @@
           <a:p>
             <a:fld id="{6587DA83-5663-4C9C-B9AA-0B40A3DAFF81}" type="datetime1">
               <a:rPr lang="en-US" smtClean="0"/>
-              <a:t>5/18/2020</a:t>
+              <a:t>5/19/2020</a:t>
             </a:fld>
             <a:endParaRPr lang="en-US" dirty="0"/>
           </a:p>
@@ -981,7 +984,7 @@
           <a:p>
             <a:fld id="{4BE1D723-8F53-4F53-90B0-1982A396982E}" type="datetime1">
               <a:rPr lang="en-US" smtClean="0"/>
-              <a:t>5/18/2020</a:t>
+              <a:t>5/19/2020</a:t>
             </a:fld>
             <a:endParaRPr lang="en-US" dirty="0"/>
           </a:p>
@@ -1354,7 +1357,7 @@
           <a:p>
             <a:fld id="{97669AF7-7BEB-44E4-9852-375E34362B5B}" type="datetime1">
               <a:rPr lang="en-US" smtClean="0"/>
-              <a:t>5/18/2020</a:t>
+              <a:t>5/19/2020</a:t>
             </a:fld>
             <a:endParaRPr lang="en-US" dirty="0"/>
           </a:p>
@@ -1609,7 +1612,7 @@
           <a:p>
             <a:fld id="{BAAAC38D-0552-4C82-B593-E6124DFADBE2}" type="datetime1">
               <a:rPr lang="en-US" smtClean="0"/>
-              <a:t>5/18/2020</a:t>
+              <a:t>5/19/2020</a:t>
             </a:fld>
             <a:endParaRPr lang="en-US" dirty="0"/>
           </a:p>
@@ -2006,7 +2009,7 @@
           <a:p>
             <a:fld id="{D9DF0F1C-5577-4ACB-BB62-DF8F3C494C7E}" type="datetime1">
               <a:rPr lang="en-US" smtClean="0"/>
-              <a:t>5/18/2020</a:t>
+              <a:t>5/19/2020</a:t>
             </a:fld>
             <a:endParaRPr lang="en-US" dirty="0"/>
           </a:p>
@@ -2142,7 +2145,7 @@
           <a:p>
             <a:fld id="{1775B394-D9F9-4F0C-B15D-605F45CB9E9F}" type="datetime1">
               <a:rPr lang="en-US" smtClean="0"/>
-              <a:t>5/18/2020</a:t>
+              <a:t>5/19/2020</a:t>
             </a:fld>
             <a:endParaRPr lang="en-US" dirty="0"/>
           </a:p>
@@ -2299,7 +2302,7 @@
           <a:p>
             <a:fld id="{39667345-2558-425A-8533-9BFDBCE15005}" type="datetime1">
               <a:rPr lang="en-US" smtClean="0"/>
-              <a:t>5/18/2020</a:t>
+              <a:t>5/19/2020</a:t>
             </a:fld>
             <a:endParaRPr lang="en-US" dirty="0"/>
           </a:p>
@@ -2628,7 +2631,7 @@
           <a:p>
             <a:fld id="{92BEA474-078D-4E9B-9B14-09A87B19DC46}" type="datetime1">
               <a:rPr lang="en-US" smtClean="0"/>
-              <a:t>5/18/2020</a:t>
+              <a:t>5/19/2020</a:t>
             </a:fld>
             <a:endParaRPr lang="en-US" dirty="0"/>
           </a:p>
@@ -2978,7 +2981,7 @@
           <a:p>
             <a:fld id="{4907D986-8816-4272-A432-0437A28A9828}" type="datetime1">
               <a:rPr lang="en-US" smtClean="0"/>
-              <a:t>5/18/2020</a:t>
+              <a:t>5/19/2020</a:t>
             </a:fld>
             <a:endParaRPr lang="en-US" dirty="0"/>
           </a:p>
@@ -3239,7 +3242,7 @@
           <a:p>
             <a:fld id="{62D6E202-B606-4609-B914-27C9371A1F6D}" type="datetime1">
               <a:rPr lang="en-US" smtClean="0"/>
-              <a:t>5/18/2020</a:t>
+              <a:t>5/19/2020</a:t>
             </a:fld>
             <a:endParaRPr lang="en-US" dirty="0"/>
           </a:p>
@@ -3936,7 +3939,7 @@
           <a:lstStyle/>
           <a:p>
             <a:pPr algn="ctr"/>
-            <a:endParaRPr lang="en-US"/>
+            <a:endParaRPr lang="en-US" dirty="0"/>
           </a:p>
         </p:txBody>
       </p:sp>
@@ -3969,7 +3972,7 @@
           <a:lstStyle/>
           <a:p>
             <a:r>
-              <a:rPr lang="en-US" sz="9600" dirty="0" err="1">
+              <a:rPr lang="en-US" sz="9600" dirty="0">
                 <a:solidFill>
                   <a:schemeClr val="tx1">
                     <a:lumMod val="85000"/>
@@ -3979,14 +3982,6 @@
               </a:rPr>
               <a:t>MyTEDx</a:t>
             </a:r>
-            <a:endParaRPr lang="en-US" sz="9600" dirty="0">
-              <a:solidFill>
-                <a:schemeClr val="tx1">
-                  <a:lumMod val="85000"/>
-                  <a:lumOff val="15000"/>
-                </a:schemeClr>
-              </a:solidFill>
-            </a:endParaRPr>
           </a:p>
         </p:txBody>
       </p:sp>
@@ -4180,6 +4175,172 @@
     <p:extLst>
       <p:ext uri="{BB962C8B-B14F-4D97-AF65-F5344CB8AC3E}">
         <p14:creationId xmlns:p14="http://schemas.microsoft.com/office/powerpoint/2010/main" val="3741972818"/>
+      </p:ext>
+    </p:extLst>
+  </p:cSld>
+  <p:clrMapOvr>
+    <a:masterClrMapping/>
+  </p:clrMapOvr>
+</p:sld>
+</file>
+
+<file path=ppt/slides/slide10.xml><?xml version="1.0" encoding="utf-8"?>
+<p:sld xmlns:a="http://schemas.openxmlformats.org/drawingml/2006/main" xmlns:r="http://schemas.openxmlformats.org/officeDocument/2006/relationships" xmlns:p="http://schemas.openxmlformats.org/presentationml/2006/main">
+  <p:cSld>
+    <p:spTree>
+      <p:nvGrpSpPr>
+        <p:cNvPr id="1" name=""/>
+        <p:cNvGrpSpPr/>
+        <p:nvPr/>
+      </p:nvGrpSpPr>
+      <p:grpSpPr>
+        <a:xfrm>
+          <a:off x="0" y="0"/>
+          <a:ext cx="0" cy="0"/>
+          <a:chOff x="0" y="0"/>
+          <a:chExt cx="0" cy="0"/>
+        </a:xfrm>
+      </p:grpSpPr>
+      <p:sp>
+        <p:nvSpPr>
+          <p:cNvPr id="2" name="Titolo 1">
+            <a:extLst>
+              <a:ext uri="{FF2B5EF4-FFF2-40B4-BE49-F238E27FC236}">
+                <a16:creationId xmlns:a16="http://schemas.microsoft.com/office/drawing/2014/main" id="{58C9873F-9E98-4CC6-AF2D-4752D047EEDA}"/>
+              </a:ext>
+            </a:extLst>
+          </p:cNvPr>
+          <p:cNvSpPr>
+            <a:spLocks noGrp="1"/>
+          </p:cNvSpPr>
+          <p:nvPr>
+            <p:ph type="title"/>
+          </p:nvPr>
+        </p:nvSpPr>
+        <p:spPr/>
+        <p:txBody>
+          <a:bodyPr/>
+          <a:lstStyle/>
+          <a:p>
+            <a:r>
+              <a:rPr lang="it-IT" dirty="0"/>
+              <a:t>Criticità tecniche</a:t>
+            </a:r>
+          </a:p>
+        </p:txBody>
+      </p:sp>
+      <p:sp>
+        <p:nvSpPr>
+          <p:cNvPr id="3" name="Segnaposto contenuto 2">
+            <a:extLst>
+              <a:ext uri="{FF2B5EF4-FFF2-40B4-BE49-F238E27FC236}">
+                <a16:creationId xmlns:a16="http://schemas.microsoft.com/office/drawing/2014/main" id="{F172B9AB-78CE-4EAD-8636-DF08369AFF5D}"/>
+              </a:ext>
+            </a:extLst>
+          </p:cNvPr>
+          <p:cNvSpPr>
+            <a:spLocks noGrp="1"/>
+          </p:cNvSpPr>
+          <p:nvPr>
+            <p:ph idx="1"/>
+          </p:nvPr>
+        </p:nvSpPr>
+        <p:spPr/>
+        <p:txBody>
+          <a:bodyPr/>
+          <a:lstStyle/>
+          <a:p>
+            <a:endParaRPr lang="it-IT" dirty="0"/>
+          </a:p>
+        </p:txBody>
+      </p:sp>
+    </p:spTree>
+    <p:extLst>
+      <p:ext uri="{BB962C8B-B14F-4D97-AF65-F5344CB8AC3E}">
+        <p14:creationId xmlns:p14="http://schemas.microsoft.com/office/powerpoint/2010/main" val="3429340440"/>
+      </p:ext>
+    </p:extLst>
+  </p:cSld>
+  <p:clrMapOvr>
+    <a:masterClrMapping/>
+  </p:clrMapOvr>
+</p:sld>
+</file>
+
+<file path=ppt/slides/slide11.xml><?xml version="1.0" encoding="utf-8"?>
+<p:sld xmlns:a="http://schemas.openxmlformats.org/drawingml/2006/main" xmlns:r="http://schemas.openxmlformats.org/officeDocument/2006/relationships" xmlns:p="http://schemas.openxmlformats.org/presentationml/2006/main">
+  <p:cSld>
+    <p:spTree>
+      <p:nvGrpSpPr>
+        <p:cNvPr id="1" name=""/>
+        <p:cNvGrpSpPr/>
+        <p:nvPr/>
+      </p:nvGrpSpPr>
+      <p:grpSpPr>
+        <a:xfrm>
+          <a:off x="0" y="0"/>
+          <a:ext cx="0" cy="0"/>
+          <a:chOff x="0" y="0"/>
+          <a:chExt cx="0" cy="0"/>
+        </a:xfrm>
+      </p:grpSpPr>
+      <p:sp>
+        <p:nvSpPr>
+          <p:cNvPr id="2" name="Titolo 1">
+            <a:extLst>
+              <a:ext uri="{FF2B5EF4-FFF2-40B4-BE49-F238E27FC236}">
+                <a16:creationId xmlns:a16="http://schemas.microsoft.com/office/drawing/2014/main" id="{EB0A27D9-D7FF-4387-874B-47CCD95B29CB}"/>
+              </a:ext>
+            </a:extLst>
+          </p:cNvPr>
+          <p:cNvSpPr>
+            <a:spLocks noGrp="1"/>
+          </p:cNvSpPr>
+          <p:nvPr>
+            <p:ph type="title"/>
+          </p:nvPr>
+        </p:nvSpPr>
+        <p:spPr/>
+        <p:txBody>
+          <a:bodyPr/>
+          <a:lstStyle/>
+          <a:p>
+            <a:r>
+              <a:rPr lang="it-IT" dirty="0"/>
+              <a:t>Possibili evoluzioni</a:t>
+            </a:r>
+          </a:p>
+        </p:txBody>
+      </p:sp>
+      <p:sp>
+        <p:nvSpPr>
+          <p:cNvPr id="3" name="Segnaposto contenuto 2">
+            <a:extLst>
+              <a:ext uri="{FF2B5EF4-FFF2-40B4-BE49-F238E27FC236}">
+                <a16:creationId xmlns:a16="http://schemas.microsoft.com/office/drawing/2014/main" id="{361F82CC-CBC3-4FC3-971E-8766FA0FEBE2}"/>
+              </a:ext>
+            </a:extLst>
+          </p:cNvPr>
+          <p:cNvSpPr>
+            <a:spLocks noGrp="1"/>
+          </p:cNvSpPr>
+          <p:nvPr>
+            <p:ph idx="1"/>
+          </p:nvPr>
+        </p:nvSpPr>
+        <p:spPr/>
+        <p:txBody>
+          <a:bodyPr/>
+          <a:lstStyle/>
+          <a:p>
+            <a:endParaRPr lang="it-IT"/>
+          </a:p>
+        </p:txBody>
+      </p:sp>
+    </p:spTree>
+    <p:extLst>
+      <p:ext uri="{BB962C8B-B14F-4D97-AF65-F5344CB8AC3E}">
+        <p14:creationId xmlns:p14="http://schemas.microsoft.com/office/powerpoint/2010/main" val="2823964483"/>
       </p:ext>
     </p:extLst>
   </p:cSld>
@@ -4484,7 +4645,7 @@
           <a:lstStyle/>
           <a:p>
             <a:pPr algn="ctr"/>
-            <a:endParaRPr lang="en-US"/>
+            <a:endParaRPr lang="en-US" dirty="0"/>
           </a:p>
         </p:txBody>
       </p:sp>
@@ -4572,7 +4733,7 @@
           <a:lstStyle/>
           <a:p>
             <a:r>
-              <a:rPr lang="it-IT" sz="4400">
+              <a:rPr lang="it-IT" sz="4400" dirty="0">
                 <a:solidFill>
                   <a:srgbClr val="FFFFFF"/>
                 </a:solidFill>
@@ -4856,7 +5017,7 @@
           <a:lstStyle/>
           <a:p>
             <a:pPr algn="ctr"/>
-            <a:endParaRPr lang="en-US"/>
+            <a:endParaRPr lang="en-US" dirty="0"/>
           </a:p>
         </p:txBody>
       </p:sp>
@@ -4944,7 +5105,7 @@
           <a:lstStyle/>
           <a:p>
             <a:r>
-              <a:rPr lang="it-IT" sz="4400">
+              <a:rPr lang="it-IT" sz="4400" dirty="0">
                 <a:solidFill>
                   <a:srgbClr val="FFFFFF"/>
                 </a:solidFill>
@@ -5140,7 +5301,7 @@
           <a:lstStyle/>
           <a:p>
             <a:pPr algn="ctr"/>
-            <a:endParaRPr lang="en-US"/>
+            <a:endParaRPr lang="en-US" dirty="0"/>
           </a:p>
         </p:txBody>
       </p:sp>
@@ -6565,6 +6726,14 @@
 <file path=ppt/slides/slide8.xml><?xml version="1.0" encoding="utf-8"?>
 <p:sld xmlns:a="http://schemas.openxmlformats.org/drawingml/2006/main" xmlns:r="http://schemas.openxmlformats.org/officeDocument/2006/relationships" xmlns:p="http://schemas.openxmlformats.org/presentationml/2006/main">
   <p:cSld>
+    <p:bg>
+      <p:bgPr>
+        <a:solidFill>
+          <a:schemeClr val="bg1"/>
+        </a:solidFill>
+        <a:effectLst/>
+      </p:bgPr>
+    </p:bg>
     <p:spTree>
       <p:nvGrpSpPr>
         <p:cNvPr id="1" name=""/>
@@ -6579,6 +6748,121 @@
           <a:chExt cx="0" cy="0"/>
         </a:xfrm>
       </p:grpSpPr>
+      <p:sp useBgFill="1">
+        <p:nvSpPr>
+          <p:cNvPr id="8" name="Rectangle 7">
+            <a:extLst>
+              <a:ext uri="{FF2B5EF4-FFF2-40B4-BE49-F238E27FC236}">
+                <a16:creationId xmlns:a16="http://schemas.microsoft.com/office/drawing/2014/main" id="{3558DB37-9FEE-48A2-8578-ED0401573943}"/>
+              </a:ext>
+              <a:ext uri="{C183D7F6-B498-43B3-948B-1728B52AA6E4}">
+                <adec:decorative xmlns:adec="http://schemas.microsoft.com/office/drawing/2017/decorative" val="1"/>
+              </a:ext>
+            </a:extLst>
+          </p:cNvPr>
+          <p:cNvSpPr>
+            <a:spLocks noGrp="1" noRot="1" noChangeAspect="1" noMove="1" noResize="1" noEditPoints="1" noAdjustHandles="1" noChangeArrowheads="1" noChangeShapeType="1" noTextEdit="1"/>
+          </p:cNvSpPr>
+          <p:nvPr>
+            <p:extLst>
+              <p:ext uri="{386F3935-93C4-4BCD-93E2-E3B085C9AB24}">
+                <p16:designElem xmlns:p16="http://schemas.microsoft.com/office/powerpoint/2015/main" val="1"/>
+              </p:ext>
+            </p:extLst>
+          </p:nvPr>
+        </p:nvSpPr>
+        <p:spPr>
+          <a:xfrm>
+            <a:off x="1507" y="0"/>
+            <a:ext cx="12192000" cy="6858000"/>
+          </a:xfrm>
+          <a:prstGeom prst="rect">
+            <a:avLst/>
+          </a:prstGeom>
+          <a:ln>
+            <a:noFill/>
+          </a:ln>
+        </p:spPr>
+        <p:style>
+          <a:lnRef idx="2">
+            <a:schemeClr val="accent1">
+              <a:shade val="50000"/>
+            </a:schemeClr>
+          </a:lnRef>
+          <a:fillRef idx="1">
+            <a:schemeClr val="accent1"/>
+          </a:fillRef>
+          <a:effectRef idx="0">
+            <a:schemeClr val="accent1"/>
+          </a:effectRef>
+          <a:fontRef idx="minor">
+            <a:schemeClr val="lt1"/>
+          </a:fontRef>
+        </p:style>
+        <p:txBody>
+          <a:bodyPr rtlCol="0" anchor="ctr"/>
+          <a:lstStyle/>
+          <a:p>
+            <a:pPr algn="ctr"/>
+            <a:endParaRPr lang="en-US"/>
+          </a:p>
+        </p:txBody>
+      </p:sp>
+      <p:sp>
+        <p:nvSpPr>
+          <p:cNvPr id="10" name="Rectangle 9">
+            <a:extLst>
+              <a:ext uri="{FF2B5EF4-FFF2-40B4-BE49-F238E27FC236}">
+                <a16:creationId xmlns:a16="http://schemas.microsoft.com/office/drawing/2014/main" id="{5F7FCCA6-00E2-4F74-A105-0D769872F243}"/>
+              </a:ext>
+              <a:ext uri="{C183D7F6-B498-43B3-948B-1728B52AA6E4}">
+                <adec:decorative xmlns:adec="http://schemas.microsoft.com/office/drawing/2017/decorative" val="1"/>
+              </a:ext>
+            </a:extLst>
+          </p:cNvPr>
+          <p:cNvSpPr>
+            <a:spLocks noGrp="1" noRot="1" noChangeAspect="1" noMove="1" noResize="1" noEditPoints="1" noAdjustHandles="1" noChangeArrowheads="1" noChangeShapeType="1" noTextEdit="1"/>
+          </p:cNvSpPr>
+          <p:nvPr>
+            <p:extLst>
+              <p:ext uri="{386F3935-93C4-4BCD-93E2-E3B085C9AB24}">
+                <p16:designElem xmlns:p16="http://schemas.microsoft.com/office/powerpoint/2015/main" val="1"/>
+              </p:ext>
+            </p:extLst>
+          </p:nvPr>
+        </p:nvSpPr>
+        <p:spPr bwMode="white">
+          <a:xfrm>
+            <a:off x="1507" y="0"/>
+            <a:ext cx="12188952" cy="1905000"/>
+          </a:xfrm>
+          <a:prstGeom prst="rect">
+            <a:avLst/>
+          </a:prstGeom>
+          <a:solidFill>
+            <a:srgbClr val="262626"/>
+          </a:solidFill>
+          <a:ln>
+            <a:noFill/>
+          </a:ln>
+        </p:spPr>
+        <p:style>
+          <a:lnRef idx="2">
+            <a:schemeClr val="accent1">
+              <a:shade val="50000"/>
+            </a:schemeClr>
+          </a:lnRef>
+          <a:fillRef idx="1">
+            <a:schemeClr val="accent1"/>
+          </a:fillRef>
+          <a:effectRef idx="0">
+            <a:schemeClr val="accent1"/>
+          </a:effectRef>
+          <a:fontRef idx="minor">
+            <a:schemeClr val="lt1"/>
+          </a:fontRef>
+        </p:style>
+      </p:sp>
       <p:sp>
         <p:nvSpPr>
           <p:cNvPr id="2" name="Titolo 1">
@@ -6595,12 +6879,26 @@
             <p:ph type="title"/>
           </p:nvPr>
         </p:nvSpPr>
-        <p:spPr/>
-        <p:txBody>
-          <a:bodyPr/>
+        <p:spPr>
+          <a:xfrm>
+            <a:off x="1097280" y="286603"/>
+            <a:ext cx="10058400" cy="1450757"/>
+          </a:xfrm>
+        </p:spPr>
+        <p:txBody>
+          <a:bodyPr anchor="ctr">
+            <a:normAutofit/>
+          </a:bodyPr>
           <a:lstStyle/>
           <a:p>
-            <a:endParaRPr lang="it-IT"/>
+            <a:r>
+              <a:rPr lang="it-IT">
+                <a:solidFill>
+                  <a:srgbClr val="FFFFFF"/>
+                </a:solidFill>
+              </a:rPr>
+              <a:t>Aggiunta watch_next_dataset</a:t>
+            </a:r>
           </a:p>
         </p:txBody>
       </p:sp>
@@ -6620,14 +6918,366 @@
             <p:ph idx="1"/>
           </p:nvPr>
         </p:nvSpPr>
-        <p:spPr/>
-        <p:txBody>
-          <a:bodyPr/>
+        <p:spPr>
+          <a:xfrm>
+            <a:off x="352680" y="2133600"/>
+            <a:ext cx="11486606" cy="4038600"/>
+          </a:xfrm>
+        </p:spPr>
+        <p:txBody>
+          <a:bodyPr>
+            <a:normAutofit/>
+          </a:bodyPr>
           <a:lstStyle/>
           <a:p>
-            <a:endParaRPr lang="it-IT"/>
-          </a:p>
-        </p:txBody>
+            <a:pPr>
+              <a:lnSpc>
+                <a:spcPct val="100000"/>
+              </a:lnSpc>
+            </a:pPr>
+            <a:r>
+              <a:rPr lang="it-IT" sz="2400" dirty="0"/>
+              <a:t>Lo script del job pyspark è stato aggiornato con le seguenti righe di codice:</a:t>
+            </a:r>
+          </a:p>
+          <a:p>
+            <a:pPr>
+              <a:lnSpc>
+                <a:spcPct val="100000"/>
+              </a:lnSpc>
+            </a:pPr>
+            <a:r>
+              <a:rPr lang="it-IT" sz="1100" b="1" dirty="0"/>
+              <a:t>## READ WATCH_NEXT DATASET</a:t>
+            </a:r>
+          </a:p>
+          <a:p>
+            <a:pPr>
+              <a:lnSpc>
+                <a:spcPct val="100000"/>
+              </a:lnSpc>
+            </a:pPr>
+            <a:r>
+              <a:rPr lang="it-IT" sz="1100" dirty="0"/>
+              <a:t>ted_watch_next_dataset_path = "s3://pirotta-bucket-mytedx/watch_next_dataset.csv"</a:t>
+            </a:r>
+          </a:p>
+          <a:p>
+            <a:pPr>
+              <a:lnSpc>
+                <a:spcPct val="100000"/>
+              </a:lnSpc>
+            </a:pPr>
+            <a:r>
+              <a:rPr lang="it-IT" sz="1100" dirty="0" err="1"/>
+              <a:t>watch_next_dataset</a:t>
+            </a:r>
+            <a:r>
+              <a:rPr lang="it-IT" sz="1100" dirty="0"/>
+              <a:t> = </a:t>
+            </a:r>
+            <a:r>
+              <a:rPr lang="it-IT" sz="1100" dirty="0" err="1"/>
+              <a:t>spark.read.option</a:t>
+            </a:r>
+            <a:r>
+              <a:rPr lang="it-IT" sz="1100" dirty="0"/>
+              <a:t>("</a:t>
+            </a:r>
+            <a:r>
+              <a:rPr lang="it-IT" sz="1100" dirty="0" err="1"/>
+              <a:t>header</a:t>
+            </a:r>
+            <a:r>
+              <a:rPr lang="it-IT" sz="1100" dirty="0"/>
+              <a:t>","</a:t>
+            </a:r>
+            <a:r>
+              <a:rPr lang="it-IT" sz="1100" dirty="0" err="1"/>
+              <a:t>true</a:t>
+            </a:r>
+            <a:r>
+              <a:rPr lang="it-IT" sz="1100" dirty="0"/>
+              <a:t>").</a:t>
+            </a:r>
+            <a:r>
+              <a:rPr lang="it-IT" sz="1100" dirty="0" err="1"/>
+              <a:t>csv</a:t>
+            </a:r>
+            <a:r>
+              <a:rPr lang="it-IT" sz="1100" dirty="0"/>
+              <a:t>(</a:t>
+            </a:r>
+            <a:r>
+              <a:rPr lang="it-IT" sz="1100" dirty="0" err="1"/>
+              <a:t>ted_watch_next_dataset_path</a:t>
+            </a:r>
+            <a:r>
+              <a:rPr lang="it-IT" sz="1100" dirty="0"/>
+              <a:t>) </a:t>
+            </a:r>
+          </a:p>
+          <a:p>
+            <a:pPr>
+              <a:lnSpc>
+                <a:spcPct val="100000"/>
+              </a:lnSpc>
+            </a:pPr>
+            <a:r>
+              <a:rPr lang="it-IT" sz="1100" b="1" dirty="0"/>
+              <a:t># ADD WATCH_NEXT TO TEDX_DATASET</a:t>
+            </a:r>
+          </a:p>
+          <a:p>
+            <a:pPr>
+              <a:lnSpc>
+                <a:spcPct val="100000"/>
+              </a:lnSpc>
+            </a:pPr>
+            <a:r>
+              <a:rPr lang="it-IT" sz="1100" dirty="0" err="1"/>
+              <a:t>watch_next_dataset_agg</a:t>
+            </a:r>
+            <a:r>
+              <a:rPr lang="it-IT" sz="1100" dirty="0"/>
+              <a:t> =  </a:t>
+            </a:r>
+            <a:r>
+              <a:rPr lang="it-IT" sz="1100" dirty="0" err="1"/>
+              <a:t>watch_next_dataset.groupBy</a:t>
+            </a:r>
+            <a:r>
+              <a:rPr lang="it-IT" sz="1100" dirty="0"/>
+              <a:t>(col("</a:t>
+            </a:r>
+            <a:r>
+              <a:rPr lang="it-IT" sz="1100" dirty="0" err="1"/>
+              <a:t>idx</a:t>
+            </a:r>
+            <a:r>
+              <a:rPr lang="it-IT" sz="1100" dirty="0"/>
+              <a:t>").alias("idx_ref2")).</a:t>
+            </a:r>
+            <a:r>
+              <a:rPr lang="it-IT" sz="1100" dirty="0" err="1"/>
+              <a:t>agg</a:t>
+            </a:r>
+            <a:r>
+              <a:rPr lang="it-IT" sz="1100" dirty="0"/>
+              <a:t>(</a:t>
+            </a:r>
+            <a:r>
+              <a:rPr lang="it-IT" sz="1100" dirty="0" err="1"/>
+              <a:t>collect_list</a:t>
+            </a:r>
+            <a:r>
+              <a:rPr lang="it-IT" sz="1100" dirty="0"/>
+              <a:t>("</a:t>
+            </a:r>
+            <a:r>
+              <a:rPr lang="it-IT" sz="1100" dirty="0" err="1"/>
+              <a:t>url</a:t>
+            </a:r>
+            <a:r>
+              <a:rPr lang="it-IT" sz="1100" dirty="0"/>
+              <a:t>").alias("</a:t>
+            </a:r>
+            <a:r>
+              <a:rPr lang="it-IT" sz="1100" dirty="0" err="1"/>
+              <a:t>url_next</a:t>
+            </a:r>
+            <a:r>
+              <a:rPr lang="it-IT" sz="1100" dirty="0"/>
+              <a:t>"),</a:t>
+            </a:r>
+            <a:r>
+              <a:rPr lang="it-IT" sz="1100" dirty="0" err="1"/>
+              <a:t>collect_list</a:t>
+            </a:r>
+            <a:r>
+              <a:rPr lang="it-IT" sz="1100" dirty="0"/>
+              <a:t>("</a:t>
+            </a:r>
+            <a:r>
+              <a:rPr lang="it-IT" sz="1100" dirty="0" err="1"/>
+              <a:t>watch_next_idx</a:t>
+            </a:r>
+            <a:r>
+              <a:rPr lang="it-IT" sz="1100" dirty="0"/>
+              <a:t>").alias("</a:t>
+            </a:r>
+            <a:r>
+              <a:rPr lang="it-IT" sz="1100" dirty="0" err="1"/>
+              <a:t>id_next</a:t>
+            </a:r>
+            <a:r>
+              <a:rPr lang="it-IT" sz="1100" dirty="0"/>
+              <a:t>"))</a:t>
+            </a:r>
+          </a:p>
+          <a:p>
+            <a:pPr>
+              <a:lnSpc>
+                <a:spcPct val="100000"/>
+              </a:lnSpc>
+            </a:pPr>
+            <a:r>
+              <a:rPr lang="it-IT" sz="1100" dirty="0" err="1"/>
+              <a:t>watch_next_dataset_agg.printSchema</a:t>
+            </a:r>
+            <a:r>
+              <a:rPr lang="it-IT" sz="1100" dirty="0"/>
+              <a:t>()</a:t>
+            </a:r>
+          </a:p>
+          <a:p>
+            <a:pPr>
+              <a:lnSpc>
+                <a:spcPct val="100000"/>
+              </a:lnSpc>
+            </a:pPr>
+            <a:r>
+              <a:rPr lang="it-IT" sz="1100" dirty="0" err="1"/>
+              <a:t>tedx_dataset_agg</a:t>
+            </a:r>
+            <a:r>
+              <a:rPr lang="it-IT" sz="1100" dirty="0"/>
+              <a:t> = </a:t>
+            </a:r>
+            <a:r>
+              <a:rPr lang="it-IT" sz="1100" dirty="0" err="1"/>
+              <a:t>tedx_dataset_agg.join</a:t>
+            </a:r>
+            <a:r>
+              <a:rPr lang="it-IT" sz="1100" dirty="0"/>
+              <a:t>(</a:t>
+            </a:r>
+            <a:r>
+              <a:rPr lang="it-IT" sz="1100" dirty="0" err="1"/>
+              <a:t>watch_next_dataset_agg</a:t>
+            </a:r>
+            <a:r>
+              <a:rPr lang="it-IT" sz="1100" dirty="0"/>
+              <a:t>, tedx_dataset_</a:t>
+            </a:r>
+            <a:r>
+              <a:rPr lang="it-IT" sz="1100" dirty="0" err="1"/>
+              <a:t>agg</a:t>
+            </a:r>
+            <a:r>
+              <a:rPr lang="it-IT" sz="1100" dirty="0"/>
+              <a:t>._id == watch_next_dataset_agg.idx_ref2, "</a:t>
+            </a:r>
+            <a:r>
+              <a:rPr lang="it-IT" sz="1100" dirty="0" err="1"/>
+              <a:t>left</a:t>
+            </a:r>
+            <a:r>
+              <a:rPr lang="it-IT" sz="1100" dirty="0"/>
+              <a:t>") \</a:t>
+            </a:r>
+          </a:p>
+          <a:p>
+            <a:pPr>
+              <a:lnSpc>
+                <a:spcPct val="100000"/>
+              </a:lnSpc>
+            </a:pPr>
+            <a:r>
+              <a:rPr lang="it-IT" sz="1100" dirty="0"/>
+              <a:t>    .</a:t>
+            </a:r>
+            <a:r>
+              <a:rPr lang="it-IT" sz="1100" dirty="0" err="1"/>
+              <a:t>select</a:t>
+            </a:r>
+            <a:r>
+              <a:rPr lang="it-IT" sz="1100" dirty="0"/>
+              <a:t>(col("*")) \</a:t>
+            </a:r>
+          </a:p>
+          <a:p>
+            <a:pPr>
+              <a:lnSpc>
+                <a:spcPct val="100000"/>
+              </a:lnSpc>
+            </a:pPr>
+            <a:r>
+              <a:rPr lang="it-IT" sz="1100" dirty="0"/>
+              <a:t>    .drop("idx_ref2") \</a:t>
+            </a:r>
+          </a:p>
+          <a:p>
+            <a:pPr>
+              <a:lnSpc>
+                <a:spcPct val="100000"/>
+              </a:lnSpc>
+            </a:pPr>
+            <a:r>
+              <a:rPr lang="it-IT" sz="1100" dirty="0" err="1"/>
+              <a:t>tedx_dataset_agg.printSchema</a:t>
+            </a:r>
+            <a:r>
+              <a:rPr lang="it-IT" sz="1100" dirty="0"/>
+              <a:t>()</a:t>
+            </a:r>
+          </a:p>
+        </p:txBody>
+      </p:sp>
+      <p:sp>
+        <p:nvSpPr>
+          <p:cNvPr id="12" name="Rectangle 11">
+            <a:extLst>
+              <a:ext uri="{FF2B5EF4-FFF2-40B4-BE49-F238E27FC236}">
+                <a16:creationId xmlns:a16="http://schemas.microsoft.com/office/drawing/2014/main" id="{359CEC61-F44B-43B3-B40F-AE38C5AF1D5F}"/>
+              </a:ext>
+              <a:ext uri="{C183D7F6-B498-43B3-948B-1728B52AA6E4}">
+                <adec:decorative xmlns:adec="http://schemas.microsoft.com/office/drawing/2017/decorative" val="1"/>
+              </a:ext>
+            </a:extLst>
+          </p:cNvPr>
+          <p:cNvSpPr>
+            <a:spLocks noGrp="1" noRot="1" noChangeAspect="1" noMove="1" noResize="1" noEditPoints="1" noAdjustHandles="1" noChangeArrowheads="1" noChangeShapeType="1" noTextEdit="1"/>
+          </p:cNvSpPr>
+          <p:nvPr>
+            <p:extLst>
+              <p:ext uri="{386F3935-93C4-4BCD-93E2-E3B085C9AB24}">
+                <p16:designElem xmlns:p16="http://schemas.microsoft.com/office/powerpoint/2015/main" val="1"/>
+              </p:ext>
+            </p:extLst>
+          </p:nvPr>
+        </p:nvSpPr>
+        <p:spPr>
+          <a:xfrm>
+            <a:off x="0" y="6400800"/>
+            <a:ext cx="12192000" cy="457200"/>
+          </a:xfrm>
+          <a:prstGeom prst="rect">
+            <a:avLst/>
+          </a:prstGeom>
+          <a:solidFill>
+            <a:srgbClr val="262626"/>
+          </a:solidFill>
+          <a:ln>
+            <a:noFill/>
+          </a:ln>
+        </p:spPr>
+        <p:style>
+          <a:lnRef idx="2">
+            <a:schemeClr val="accent1">
+              <a:shade val="50000"/>
+            </a:schemeClr>
+          </a:lnRef>
+          <a:fillRef idx="1">
+            <a:schemeClr val="accent1"/>
+          </a:fillRef>
+          <a:effectRef idx="0">
+            <a:schemeClr val="accent1"/>
+          </a:effectRef>
+          <a:fontRef idx="minor">
+            <a:schemeClr val="lt1"/>
+          </a:fontRef>
+        </p:style>
       </p:sp>
     </p:spTree>
     <p:extLst>
@@ -6638,6 +7288,625 @@
   </p:cSld>
   <p:clrMapOvr>
     <a:masterClrMapping/>
+  </p:clrMapOvr>
+</p:sld>
+</file>
+
+<file path=ppt/slides/slide9.xml><?xml version="1.0" encoding="utf-8"?>
+<p:sld xmlns:a="http://schemas.openxmlformats.org/drawingml/2006/main" xmlns:r="http://schemas.openxmlformats.org/officeDocument/2006/relationships" xmlns:p="http://schemas.openxmlformats.org/presentationml/2006/main">
+  <p:cSld>
+    <p:bg>
+      <p:bgPr>
+        <a:solidFill>
+          <a:schemeClr val="bg1"/>
+        </a:solidFill>
+        <a:effectLst/>
+      </p:bgPr>
+    </p:bg>
+    <p:spTree>
+      <p:nvGrpSpPr>
+        <p:cNvPr id="1" name=""/>
+        <p:cNvGrpSpPr/>
+        <p:nvPr/>
+      </p:nvGrpSpPr>
+      <p:grpSpPr>
+        <a:xfrm>
+          <a:off x="0" y="0"/>
+          <a:ext cx="0" cy="0"/>
+          <a:chOff x="0" y="0"/>
+          <a:chExt cx="0" cy="0"/>
+        </a:xfrm>
+      </p:grpSpPr>
+      <p:sp>
+        <p:nvSpPr>
+          <p:cNvPr id="73" name="Rectangle 72">
+            <a:extLst>
+              <a:ext uri="{FF2B5EF4-FFF2-40B4-BE49-F238E27FC236}">
+                <a16:creationId xmlns:a16="http://schemas.microsoft.com/office/drawing/2014/main" id="{E844E128-FF69-4E9F-8327-6B504B3C5AE1}"/>
+              </a:ext>
+              <a:ext uri="{C183D7F6-B498-43B3-948B-1728B52AA6E4}">
+                <adec:decorative xmlns:adec="http://schemas.microsoft.com/office/drawing/2017/decorative" val="1"/>
+              </a:ext>
+            </a:extLst>
+          </p:cNvPr>
+          <p:cNvSpPr>
+            <a:spLocks noGrp="1" noRot="1" noChangeAspect="1" noMove="1" noResize="1" noEditPoints="1" noAdjustHandles="1" noChangeArrowheads="1" noChangeShapeType="1" noTextEdit="1"/>
+          </p:cNvSpPr>
+          <p:nvPr>
+            <p:extLst>
+              <p:ext uri="{386F3935-93C4-4BCD-93E2-E3B085C9AB24}">
+                <p16:designElem xmlns:p16="http://schemas.microsoft.com/office/powerpoint/2015/main" val="1"/>
+              </p:ext>
+            </p:extLst>
+          </p:nvPr>
+        </p:nvSpPr>
+        <p:spPr bwMode="white">
+          <a:xfrm>
+            <a:off x="15" y="0"/>
+            <a:ext cx="12191985" cy="6858000"/>
+          </a:xfrm>
+          <a:prstGeom prst="rect">
+            <a:avLst/>
+          </a:prstGeom>
+          <a:solidFill>
+            <a:srgbClr val="262626"/>
+          </a:solidFill>
+          <a:ln>
+            <a:noFill/>
+          </a:ln>
+        </p:spPr>
+        <p:style>
+          <a:lnRef idx="2">
+            <a:schemeClr val="accent1">
+              <a:shade val="50000"/>
+            </a:schemeClr>
+          </a:lnRef>
+          <a:fillRef idx="1">
+            <a:schemeClr val="accent1"/>
+          </a:fillRef>
+          <a:effectRef idx="0">
+            <a:schemeClr val="accent1"/>
+          </a:effectRef>
+          <a:fontRef idx="minor">
+            <a:schemeClr val="lt1"/>
+          </a:fontRef>
+        </p:style>
+      </p:sp>
+      <p:sp>
+        <p:nvSpPr>
+          <p:cNvPr id="2" name="Titolo 1">
+            <a:extLst>
+              <a:ext uri="{FF2B5EF4-FFF2-40B4-BE49-F238E27FC236}">
+                <a16:creationId xmlns:a16="http://schemas.microsoft.com/office/drawing/2014/main" id="{E324B6B2-A860-495F-939E-552F7B7A44A7}"/>
+              </a:ext>
+            </a:extLst>
+          </p:cNvPr>
+          <p:cNvSpPr>
+            <a:spLocks noGrp="1"/>
+          </p:cNvSpPr>
+          <p:nvPr>
+            <p:ph type="title"/>
+          </p:nvPr>
+        </p:nvSpPr>
+        <p:spPr>
+          <a:xfrm>
+            <a:off x="1097279" y="633677"/>
+            <a:ext cx="5977937" cy="1278870"/>
+          </a:xfrm>
+        </p:spPr>
+        <p:txBody>
+          <a:bodyPr>
+            <a:normAutofit/>
+          </a:bodyPr>
+          <a:lstStyle/>
+          <a:p>
+            <a:r>
+              <a:rPr lang="it-IT" sz="4000" dirty="0">
+                <a:solidFill>
+                  <a:srgbClr val="FFFFFF"/>
+                </a:solidFill>
+              </a:rPr>
+              <a:t>Collection risultante</a:t>
+            </a:r>
+          </a:p>
+        </p:txBody>
+      </p:sp>
+      <p:cxnSp>
+        <p:nvCxnSpPr>
+          <p:cNvPr id="75" name="Straight Connector 74">
+            <a:extLst>
+              <a:ext uri="{FF2B5EF4-FFF2-40B4-BE49-F238E27FC236}">
+                <a16:creationId xmlns:a16="http://schemas.microsoft.com/office/drawing/2014/main" id="{055CEADF-09EA-423C-8C45-F94AF44D5AF0}"/>
+              </a:ext>
+              <a:ext uri="{C183D7F6-B498-43B3-948B-1728B52AA6E4}">
+                <adec:decorative xmlns:adec="http://schemas.microsoft.com/office/drawing/2017/decorative" val="1"/>
+              </a:ext>
+            </a:extLst>
+          </p:cNvPr>
+          <p:cNvCxnSpPr>
+            <a:cxnSpLocks noGrp="1" noRot="1" noChangeAspect="1" noMove="1" noResize="1" noEditPoints="1" noAdjustHandles="1" noChangeArrowheads="1" noChangeShapeType="1"/>
+          </p:cNvCxnSpPr>
+          <p:nvPr>
+            <p:extLst>
+              <p:ext uri="{386F3935-93C4-4BCD-93E2-E3B085C9AB24}">
+                <p16:designElem xmlns:p16="http://schemas.microsoft.com/office/powerpoint/2015/main" val="1"/>
+              </p:ext>
+            </p:extLst>
+          </p:nvPr>
+        </p:nvCxnSpPr>
+        <p:spPr>
+          <a:xfrm>
+            <a:off x="1215896" y="2353592"/>
+            <a:ext cx="5303520" cy="0"/>
+          </a:xfrm>
+          <a:prstGeom prst="line">
+            <a:avLst/>
+          </a:prstGeom>
+          <a:ln w="19050">
+            <a:solidFill>
+              <a:schemeClr val="accent1"/>
+            </a:solidFill>
+          </a:ln>
+        </p:spPr>
+        <p:style>
+          <a:lnRef idx="1">
+            <a:schemeClr val="accent1"/>
+          </a:lnRef>
+          <a:fillRef idx="0">
+            <a:schemeClr val="accent1"/>
+          </a:fillRef>
+          <a:effectRef idx="0">
+            <a:schemeClr val="accent1"/>
+          </a:effectRef>
+          <a:fontRef idx="minor">
+            <a:schemeClr val="tx1"/>
+          </a:fontRef>
+        </p:style>
+      </p:cxnSp>
+      <p:sp>
+        <p:nvSpPr>
+          <p:cNvPr id="3" name="Segnaposto contenuto 2">
+            <a:extLst>
+              <a:ext uri="{FF2B5EF4-FFF2-40B4-BE49-F238E27FC236}">
+                <a16:creationId xmlns:a16="http://schemas.microsoft.com/office/drawing/2014/main" id="{EAC4FBFE-623C-48DE-8B8B-C72C826295FE}"/>
+              </a:ext>
+            </a:extLst>
+          </p:cNvPr>
+          <p:cNvSpPr>
+            <a:spLocks noGrp="1"/>
+          </p:cNvSpPr>
+          <p:nvPr>
+            <p:ph idx="1"/>
+          </p:nvPr>
+        </p:nvSpPr>
+        <p:spPr>
+          <a:xfrm>
+            <a:off x="1097279" y="2546224"/>
+            <a:ext cx="6514622" cy="4311775"/>
+          </a:xfrm>
+        </p:spPr>
+        <p:txBody>
+          <a:bodyPr>
+            <a:normAutofit fontScale="85000" lnSpcReduction="20000"/>
+          </a:bodyPr>
+          <a:lstStyle/>
+          <a:p>
+            <a:pPr>
+              <a:lnSpc>
+                <a:spcPct val="90000"/>
+              </a:lnSpc>
+            </a:pPr>
+            <a:r>
+              <a:rPr lang="it-IT" sz="2800" dirty="0">
+                <a:solidFill>
+                  <a:srgbClr val="FFFFFF"/>
+                </a:solidFill>
+              </a:rPr>
+              <a:t>Lo script è stato modificato al fine di eseguire un ulteriore join con il dataset contenente i video consigliati. Lo schema risultante in </a:t>
+            </a:r>
+            <a:r>
+              <a:rPr lang="it-IT" sz="2800" dirty="0" err="1">
+                <a:solidFill>
+                  <a:srgbClr val="FFFFFF"/>
+                </a:solidFill>
+              </a:rPr>
+              <a:t>MongoDB</a:t>
+            </a:r>
+            <a:r>
+              <a:rPr lang="it-IT" sz="2800" dirty="0">
+                <a:solidFill>
+                  <a:srgbClr val="FFFFFF"/>
+                </a:solidFill>
+              </a:rPr>
+              <a:t> è il seguente:</a:t>
+            </a:r>
+          </a:p>
+          <a:p>
+            <a:pPr>
+              <a:lnSpc>
+                <a:spcPct val="90000"/>
+              </a:lnSpc>
+            </a:pPr>
+            <a:endParaRPr lang="it-IT" sz="1400" dirty="0">
+              <a:solidFill>
+                <a:srgbClr val="FF0000"/>
+              </a:solidFill>
+            </a:endParaRPr>
+          </a:p>
+          <a:p>
+            <a:pPr marL="201168" lvl="1" indent="0">
+              <a:lnSpc>
+                <a:spcPct val="90000"/>
+              </a:lnSpc>
+              <a:buNone/>
+            </a:pPr>
+            <a:r>
+              <a:rPr lang="it-IT" sz="2200" i="1" dirty="0">
+                <a:solidFill>
+                  <a:srgbClr val="92D050"/>
+                </a:solidFill>
+              </a:rPr>
+              <a:t>_id:                                          </a:t>
+            </a:r>
+            <a:r>
+              <a:rPr lang="it-IT" sz="2200" dirty="0">
+                <a:solidFill>
+                  <a:schemeClr val="tx2"/>
+                </a:solidFill>
+              </a:rPr>
+              <a:t>id del video in riproduzione</a:t>
+            </a:r>
+            <a:endParaRPr lang="it-IT" sz="2200" i="1" dirty="0">
+              <a:solidFill>
+                <a:srgbClr val="92D050"/>
+              </a:solidFill>
+            </a:endParaRPr>
+          </a:p>
+          <a:p>
+            <a:pPr marL="201168" lvl="1" indent="0">
+              <a:lnSpc>
+                <a:spcPct val="90000"/>
+              </a:lnSpc>
+              <a:buNone/>
+            </a:pPr>
+            <a:r>
+              <a:rPr lang="it-IT" sz="2200" i="1" dirty="0" err="1">
+                <a:solidFill>
+                  <a:srgbClr val="92D050"/>
+                </a:solidFill>
+              </a:rPr>
+              <a:t>main_speaker</a:t>
+            </a:r>
+            <a:r>
+              <a:rPr lang="it-IT" sz="2200" i="1" dirty="0">
+                <a:solidFill>
+                  <a:srgbClr val="92D050"/>
+                </a:solidFill>
+              </a:rPr>
+              <a:t>:                  </a:t>
+            </a:r>
+            <a:r>
+              <a:rPr lang="it-IT" sz="2200" dirty="0">
+                <a:solidFill>
+                  <a:schemeClr val="tx2"/>
+                </a:solidFill>
+              </a:rPr>
+              <a:t>relatore del talk in riproduzione</a:t>
+            </a:r>
+            <a:endParaRPr lang="it-IT" sz="2200" i="1" dirty="0">
+              <a:solidFill>
+                <a:srgbClr val="92D050"/>
+              </a:solidFill>
+            </a:endParaRPr>
+          </a:p>
+          <a:p>
+            <a:pPr marL="201168" lvl="1" indent="0">
+              <a:lnSpc>
+                <a:spcPct val="90000"/>
+              </a:lnSpc>
+              <a:buNone/>
+            </a:pPr>
+            <a:r>
+              <a:rPr lang="it-IT" sz="2200" i="1" dirty="0" err="1">
+                <a:solidFill>
+                  <a:srgbClr val="92D050"/>
+                </a:solidFill>
+              </a:rPr>
+              <a:t>details</a:t>
+            </a:r>
+            <a:r>
+              <a:rPr lang="it-IT" sz="2200" i="1" dirty="0">
+                <a:solidFill>
+                  <a:srgbClr val="92D050"/>
+                </a:solidFill>
+              </a:rPr>
+              <a:t>:                            </a:t>
+            </a:r>
+            <a:r>
+              <a:rPr lang="it-IT" sz="2200" dirty="0">
+                <a:solidFill>
+                  <a:schemeClr val="tx2"/>
+                </a:solidFill>
+              </a:rPr>
+              <a:t>dettagli sul video in riproduzione</a:t>
+            </a:r>
+            <a:endParaRPr lang="it-IT" sz="2200" i="1" dirty="0">
+              <a:solidFill>
+                <a:srgbClr val="92D050"/>
+              </a:solidFill>
+            </a:endParaRPr>
+          </a:p>
+          <a:p>
+            <a:pPr marL="201168" lvl="1" indent="0">
+              <a:lnSpc>
+                <a:spcPct val="90000"/>
+              </a:lnSpc>
+              <a:buNone/>
+            </a:pPr>
+            <a:r>
+              <a:rPr lang="it-IT" sz="2200" i="1" dirty="0" err="1">
+                <a:solidFill>
+                  <a:srgbClr val="92D050"/>
+                </a:solidFill>
+              </a:rPr>
+              <a:t>posted</a:t>
+            </a:r>
+            <a:r>
+              <a:rPr lang="it-IT" sz="2200" i="1" dirty="0">
+                <a:solidFill>
+                  <a:srgbClr val="92D050"/>
+                </a:solidFill>
+              </a:rPr>
+              <a:t>:    </a:t>
+            </a:r>
+            <a:r>
+              <a:rPr lang="it-IT" sz="2200" dirty="0">
+                <a:solidFill>
+                  <a:schemeClr val="tx2"/>
+                </a:solidFill>
+              </a:rPr>
+              <a:t>data di pubblicazione del video in riproduzione</a:t>
+            </a:r>
+            <a:endParaRPr lang="it-IT" sz="2200" dirty="0">
+              <a:solidFill>
+                <a:srgbClr val="92D050"/>
+              </a:solidFill>
+            </a:endParaRPr>
+          </a:p>
+          <a:p>
+            <a:pPr marL="201168" lvl="1" indent="0">
+              <a:lnSpc>
+                <a:spcPct val="90000"/>
+              </a:lnSpc>
+              <a:buNone/>
+            </a:pPr>
+            <a:r>
+              <a:rPr lang="it-IT" sz="2200" i="1" dirty="0">
+                <a:solidFill>
+                  <a:srgbClr val="92D050"/>
+                </a:solidFill>
+              </a:rPr>
+              <a:t>url:                                          </a:t>
+            </a:r>
+            <a:r>
+              <a:rPr lang="it-IT" sz="2200" dirty="0" err="1">
+                <a:solidFill>
+                  <a:schemeClr val="tx2"/>
+                </a:solidFill>
+              </a:rPr>
+              <a:t>url</a:t>
+            </a:r>
+            <a:r>
+              <a:rPr lang="it-IT" sz="2200" dirty="0">
+                <a:solidFill>
+                  <a:schemeClr val="tx2"/>
+                </a:solidFill>
+              </a:rPr>
+              <a:t> del video in riproduzione</a:t>
+            </a:r>
+            <a:endParaRPr lang="it-IT" sz="2200" i="1" dirty="0">
+              <a:solidFill>
+                <a:srgbClr val="92D050"/>
+              </a:solidFill>
+            </a:endParaRPr>
+          </a:p>
+          <a:p>
+            <a:pPr marL="0" indent="0">
+              <a:lnSpc>
+                <a:spcPct val="90000"/>
+              </a:lnSpc>
+              <a:buNone/>
+            </a:pPr>
+            <a:r>
+              <a:rPr lang="it-IT" sz="2200" i="1" dirty="0">
+                <a:solidFill>
+                  <a:srgbClr val="92D050"/>
+                </a:solidFill>
+              </a:rPr>
+              <a:t>&gt; tags: Array                           </a:t>
+            </a:r>
+            <a:r>
+              <a:rPr lang="it-IT" sz="2200" dirty="0">
+                <a:solidFill>
+                  <a:schemeClr val="tx2"/>
+                </a:solidFill>
+              </a:rPr>
+              <a:t>tags del video in riproduzione</a:t>
+            </a:r>
+            <a:endParaRPr lang="it-IT" sz="2200" i="1" dirty="0">
+              <a:solidFill>
+                <a:srgbClr val="92D050"/>
+              </a:solidFill>
+            </a:endParaRPr>
+          </a:p>
+          <a:p>
+            <a:pPr marL="0" indent="0">
+              <a:lnSpc>
+                <a:spcPct val="90000"/>
+              </a:lnSpc>
+              <a:buNone/>
+            </a:pPr>
+            <a:r>
+              <a:rPr lang="it-IT" sz="2200" i="1" dirty="0">
+                <a:solidFill>
+                  <a:srgbClr val="92D050"/>
+                </a:solidFill>
+              </a:rPr>
+              <a:t>&gt; </a:t>
+            </a:r>
+            <a:r>
+              <a:rPr lang="it-IT" sz="2200" i="1" dirty="0" err="1">
+                <a:solidFill>
+                  <a:srgbClr val="92D050"/>
+                </a:solidFill>
+              </a:rPr>
+              <a:t>url_next</a:t>
+            </a:r>
+            <a:r>
+              <a:rPr lang="it-IT" sz="2200" i="1" dirty="0">
+                <a:solidFill>
+                  <a:srgbClr val="92D050"/>
+                </a:solidFill>
+              </a:rPr>
+              <a:t>: Array                                </a:t>
+            </a:r>
+            <a:r>
+              <a:rPr lang="it-IT" sz="2200" dirty="0" err="1">
+                <a:solidFill>
+                  <a:schemeClr val="tx2"/>
+                </a:solidFill>
+              </a:rPr>
+              <a:t>url</a:t>
+            </a:r>
+            <a:r>
+              <a:rPr lang="it-IT" sz="2200" dirty="0">
+                <a:solidFill>
+                  <a:schemeClr val="tx2"/>
+                </a:solidFill>
+              </a:rPr>
+              <a:t> dei video consigliati</a:t>
+            </a:r>
+            <a:endParaRPr lang="it-IT" sz="2200" i="1" dirty="0">
+              <a:solidFill>
+                <a:srgbClr val="92D050"/>
+              </a:solidFill>
+            </a:endParaRPr>
+          </a:p>
+          <a:p>
+            <a:pPr marL="0" indent="0">
+              <a:lnSpc>
+                <a:spcPct val="90000"/>
+              </a:lnSpc>
+              <a:buNone/>
+            </a:pPr>
+            <a:r>
+              <a:rPr lang="it-IT" sz="2200" i="1" dirty="0">
+                <a:solidFill>
+                  <a:srgbClr val="92D050"/>
+                </a:solidFill>
+              </a:rPr>
+              <a:t>&gt; </a:t>
+            </a:r>
+            <a:r>
+              <a:rPr lang="it-IT" sz="2200" i="1" dirty="0" err="1">
+                <a:solidFill>
+                  <a:srgbClr val="92D050"/>
+                </a:solidFill>
+              </a:rPr>
+              <a:t>id_next</a:t>
+            </a:r>
+            <a:r>
+              <a:rPr lang="it-IT" sz="2200" i="1" dirty="0">
+                <a:solidFill>
+                  <a:srgbClr val="92D050"/>
+                </a:solidFill>
+              </a:rPr>
+              <a:t>: Array                                  </a:t>
+            </a:r>
+            <a:r>
+              <a:rPr lang="it-IT" sz="2200" dirty="0">
+                <a:solidFill>
+                  <a:schemeClr val="tx2"/>
+                </a:solidFill>
+              </a:rPr>
+              <a:t>id dei video consigliati</a:t>
+            </a:r>
+            <a:endParaRPr lang="it-IT" sz="2200" i="1" dirty="0">
+              <a:solidFill>
+                <a:srgbClr val="92D050"/>
+              </a:solidFill>
+            </a:endParaRPr>
+          </a:p>
+          <a:p>
+            <a:pPr>
+              <a:lnSpc>
+                <a:spcPct val="90000"/>
+              </a:lnSpc>
+              <a:buFont typeface="Wingdings" panose="05000000000000000000" pitchFamily="2" charset="2"/>
+              <a:buChar char="Ø"/>
+            </a:pPr>
+            <a:endParaRPr lang="it-IT" sz="1400" dirty="0">
+              <a:solidFill>
+                <a:srgbClr val="FFFFFF"/>
+              </a:solidFill>
+            </a:endParaRPr>
+          </a:p>
+        </p:txBody>
+      </p:sp>
+      <p:pic>
+        <p:nvPicPr>
+          <p:cNvPr id="1028" name="Picture 4" descr="Icon Mongodb Logo, HD Png Download , Transparent Png Image - PNGitem">
+            <a:extLst>
+              <a:ext uri="{FF2B5EF4-FFF2-40B4-BE49-F238E27FC236}">
+                <a16:creationId xmlns:a16="http://schemas.microsoft.com/office/drawing/2014/main" id="{9382FCAD-6E4E-424F-A2B4-7D1CE84E21B4}"/>
+              </a:ext>
+            </a:extLst>
+          </p:cNvPr>
+          <p:cNvPicPr>
+            <a:picLocks noChangeAspect="1" noChangeArrowheads="1"/>
+          </p:cNvPicPr>
+          <p:nvPr/>
+        </p:nvPicPr>
+        <p:blipFill rotWithShape="1">
+          <a:blip r:embed="rId2">
+            <a:extLst>
+              <a:ext uri="{28A0092B-C50C-407E-A947-70E740481C1C}">
+                <a14:useLocalDpi xmlns:a14="http://schemas.microsoft.com/office/drawing/2010/main" val="0"/>
+              </a:ext>
+            </a:extLst>
+          </a:blip>
+          <a:srcRect l="6801" r="7303"/>
+          <a:stretch/>
+        </p:blipFill>
+        <p:spPr bwMode="auto">
+          <a:xfrm>
+            <a:off x="8475133" y="10"/>
+            <a:ext cx="3716866" cy="6857990"/>
+          </a:xfrm>
+          <a:prstGeom prst="rect">
+            <a:avLst/>
+          </a:prstGeom>
+          <a:noFill/>
+          <a:extLst>
+            <a:ext uri="{909E8E84-426E-40DD-AFC4-6F175D3DCCD1}">
+              <a14:hiddenFill xmlns:a14="http://schemas.microsoft.com/office/drawing/2010/main">
+                <a:solidFill>
+                  <a:srgbClr val="FFFFFF"/>
+                </a:solidFill>
+              </a14:hiddenFill>
+            </a:ext>
+          </a:extLst>
+        </p:spPr>
+      </p:pic>
+    </p:spTree>
+    <p:extLst>
+      <p:ext uri="{BB962C8B-B14F-4D97-AF65-F5344CB8AC3E}">
+        <p14:creationId xmlns:p14="http://schemas.microsoft.com/office/powerpoint/2010/main" val="3320080899"/>
+      </p:ext>
+    </p:extLst>
+  </p:cSld>
+  <p:clrMapOvr>
+    <a:overrideClrMapping bg1="dk1" tx1="lt1" bg2="dk2" tx2="lt2" accent1="accent1" accent2="accent2" accent3="accent3" accent4="accent4" accent5="accent5" accent6="accent6" hlink="hlink" folHlink="folHlink"/>
   </p:clrMapOvr>
 </p:sld>
 </file>

--- a/Preparation files/MyTEDx_Presentazione.pptx
+++ b/Preparation files/MyTEDx_Presentazione.pptx
@@ -5133,8 +5133,8 @@
         </p:nvSpPr>
         <p:spPr>
           <a:xfrm>
-            <a:off x="5231958" y="605896"/>
-            <a:ext cx="5923721" cy="5646208"/>
+            <a:off x="5455601" y="1048014"/>
+            <a:ext cx="5923721" cy="4761971"/>
           </a:xfrm>
         </p:spPr>
         <p:txBody>
@@ -5680,7 +5680,19 @@
             <a:pPr lvl="0"/>
             <a:r>
               <a:rPr lang="it-IT" dirty="0"/>
-              <a:t>	L’ALTA REATTIVITA’ è una caratteristica garantita da una gestione efficiente degli</a:t>
+              <a:t>	</a:t>
+            </a:r>
+            <a:r>
+              <a:rPr lang="it-IT" dirty="0">
+                <a:solidFill>
+                  <a:schemeClr val="bg1"/>
+                </a:solidFill>
+              </a:rPr>
+              <a:t>L’ALTA REATTIVITA’ </a:t>
+            </a:r>
+            <a:r>
+              <a:rPr lang="it-IT" dirty="0"/>
+              <a:t>è una caratteristica garantita da una gestione efficiente degli</a:t>
             </a:r>
           </a:p>
           <a:p>
@@ -5757,7 +5769,19 @@
           <a:p>
             <a:r>
               <a:rPr lang="it-IT" dirty="0"/>
-              <a:t>	INTERFACCIA SEMPLICE ED INTUITIVA: Il design </a:t>
+              <a:t>	</a:t>
+            </a:r>
+            <a:r>
+              <a:rPr lang="it-IT" dirty="0">
+                <a:solidFill>
+                  <a:schemeClr val="bg1"/>
+                </a:solidFill>
+              </a:rPr>
+              <a:t>INTERFACCIA SEMPLICE ED INTUITIVA</a:t>
+            </a:r>
+            <a:r>
+              <a:rPr lang="it-IT" dirty="0"/>
+              <a:t>: Il design </a:t>
             </a:r>
             <a:r>
               <a:rPr lang="it-IT" dirty="0" err="1"/>
@@ -5847,7 +5871,19 @@
           <a:p>
             <a:r>
               <a:rPr lang="en-US" dirty="0"/>
-              <a:t>	INTEGRAZIONE DATI AGGIORNATI : Il DataBase </a:t>
+              <a:t>	</a:t>
+            </a:r>
+            <a:r>
+              <a:rPr lang="en-US" dirty="0">
+                <a:solidFill>
+                  <a:schemeClr val="bg1"/>
+                </a:solidFill>
+              </a:rPr>
+              <a:t>INTEGRAZIONE DATI AGGIORNATI </a:t>
+            </a:r>
+            <a:r>
+              <a:rPr lang="en-US" dirty="0"/>
+              <a:t>: Il DataBase </a:t>
             </a:r>
             <a:r>
               <a:rPr lang="en-US" dirty="0" err="1"/>
@@ -5987,7 +6023,19 @@
           <a:p>
             <a:r>
               <a:rPr lang="it-IT" dirty="0"/>
-              <a:t>	GESTIONE ACCOUNT: La gestione degli account impedisce il sovraccarico dei </a:t>
+              <a:t>	</a:t>
+            </a:r>
+            <a:r>
+              <a:rPr lang="it-IT" dirty="0">
+                <a:solidFill>
+                  <a:schemeClr val="bg1"/>
+                </a:solidFill>
+              </a:rPr>
+              <a:t>GESTIONE ACCOUNT</a:t>
+            </a:r>
+            <a:r>
+              <a:rPr lang="it-IT" dirty="0"/>
+              <a:t>: La gestione degli account impedisce il sovraccarico dei </a:t>
             </a:r>
           </a:p>
           <a:p>
@@ -6904,25 +6952,76 @@
       </p:sp>
       <p:sp>
         <p:nvSpPr>
-          <p:cNvPr id="3" name="Segnaposto contenuto 2">
-            <a:extLst>
-              <a:ext uri="{FF2B5EF4-FFF2-40B4-BE49-F238E27FC236}">
-                <a16:creationId xmlns:a16="http://schemas.microsoft.com/office/drawing/2014/main" id="{F57F47D5-D61A-400A-BEF7-72402396984C}"/>
-              </a:ext>
-            </a:extLst>
-          </p:cNvPr>
-          <p:cNvSpPr>
-            <a:spLocks noGrp="1"/>
-          </p:cNvSpPr>
-          <p:nvPr>
-            <p:ph idx="1"/>
-          </p:nvPr>
+          <p:cNvPr id="4" name="Rettangolo 3">
+            <a:extLst>
+              <a:ext uri="{FF2B5EF4-FFF2-40B4-BE49-F238E27FC236}">
+                <a16:creationId xmlns:a16="http://schemas.microsoft.com/office/drawing/2014/main" id="{2E1B9ED3-61EF-4035-969F-404AA77D1C03}"/>
+              </a:ext>
+            </a:extLst>
+          </p:cNvPr>
+          <p:cNvSpPr/>
+          <p:nvPr/>
         </p:nvSpPr>
         <p:spPr>
           <a:xfrm>
             <a:off x="352680" y="2133600"/>
             <a:ext cx="11486606" cy="4038600"/>
           </a:xfrm>
+          <a:prstGeom prst="rect">
+            <a:avLst/>
+          </a:prstGeom>
+        </p:spPr>
+        <p:style>
+          <a:lnRef idx="2">
+            <a:schemeClr val="accent6">
+              <a:shade val="50000"/>
+            </a:schemeClr>
+          </a:lnRef>
+          <a:fillRef idx="1">
+            <a:schemeClr val="accent6"/>
+          </a:fillRef>
+          <a:effectRef idx="0">
+            <a:schemeClr val="accent6"/>
+          </a:effectRef>
+          <a:fontRef idx="minor">
+            <a:schemeClr val="lt1"/>
+          </a:fontRef>
+        </p:style>
+        <p:txBody>
+          <a:bodyPr rtlCol="0" anchor="ctr"/>
+          <a:lstStyle/>
+          <a:p>
+            <a:pPr algn="ctr"/>
+            <a:endParaRPr lang="it-IT"/>
+          </a:p>
+        </p:txBody>
+      </p:sp>
+      <p:sp>
+        <p:nvSpPr>
+          <p:cNvPr id="3" name="Segnaposto contenuto 2">
+            <a:extLst>
+              <a:ext uri="{FF2B5EF4-FFF2-40B4-BE49-F238E27FC236}">
+                <a16:creationId xmlns:a16="http://schemas.microsoft.com/office/drawing/2014/main" id="{F57F47D5-D61A-400A-BEF7-72402396984C}"/>
+              </a:ext>
+            </a:extLst>
+          </p:cNvPr>
+          <p:cNvSpPr>
+            <a:spLocks noGrp="1"/>
+          </p:cNvSpPr>
+          <p:nvPr>
+            <p:ph idx="1"/>
+          </p:nvPr>
+        </p:nvSpPr>
+        <p:spPr>
+          <a:xfrm>
+            <a:off x="269456" y="2133600"/>
+            <a:ext cx="11653053" cy="4038600"/>
+          </a:xfrm>
+          <a:solidFill>
+            <a:schemeClr val="accent6">
+              <a:lumMod val="75000"/>
+            </a:schemeClr>
+          </a:solidFill>
         </p:spPr>
         <p:txBody>
           <a:bodyPr>
@@ -6936,8 +7035,36 @@
               </a:lnSpc>
             </a:pPr>
             <a:r>
-              <a:rPr lang="it-IT" sz="2400" dirty="0"/>
+              <a:rPr lang="it-IT" sz="2400" dirty="0">
+                <a:solidFill>
+                  <a:schemeClr val="bg1"/>
+                </a:solidFill>
+              </a:rPr>
               <a:t>Lo script del job pyspark è stato aggiornato con le seguenti righe di codice:</a:t>
+            </a:r>
+            <a:endParaRPr lang="it-IT" sz="1200" dirty="0">
+              <a:solidFill>
+                <a:schemeClr val="bg1"/>
+              </a:solidFill>
+            </a:endParaRPr>
+          </a:p>
+          <a:p>
+            <a:pPr marL="0" indent="0">
+              <a:lnSpc>
+                <a:spcPct val="100000"/>
+              </a:lnSpc>
+              <a:spcBef>
+                <a:spcPts val="600"/>
+              </a:spcBef>
+              <a:buNone/>
+            </a:pPr>
+            <a:r>
+              <a:rPr lang="it-IT" sz="1100" b="1" dirty="0">
+                <a:solidFill>
+                  <a:schemeClr val="bg1"/>
+                </a:solidFill>
+              </a:rPr>
+              <a:t>  ## READ WATCH_NEXT DATASET</a:t>
             </a:r>
           </a:p>
           <a:p>
@@ -6945,10 +7072,17 @@
               <a:lnSpc>
                 <a:spcPct val="100000"/>
               </a:lnSpc>
+              <a:spcBef>
+                <a:spcPts val="600"/>
+              </a:spcBef>
             </a:pPr>
             <a:r>
-              <a:rPr lang="it-IT" sz="1100" b="1" dirty="0"/>
-              <a:t>## READ WATCH_NEXT DATASET</a:t>
+              <a:rPr lang="it-IT" sz="1200" dirty="0">
+                <a:solidFill>
+                  <a:schemeClr val="bg1"/>
+                </a:solidFill>
+              </a:rPr>
+              <a:t>ted_watch_next_dataset_path = "s3://pirotta-bucket-mytedx/watch_next_dataset.csv"</a:t>
             </a:r>
           </a:p>
           <a:p>
@@ -6956,10 +7090,105 @@
               <a:lnSpc>
                 <a:spcPct val="100000"/>
               </a:lnSpc>
+              <a:spcBef>
+                <a:spcPts val="600"/>
+              </a:spcBef>
             </a:pPr>
             <a:r>
-              <a:rPr lang="it-IT" sz="1100" dirty="0"/>
-              <a:t>ted_watch_next_dataset_path = "s3://pirotta-bucket-mytedx/watch_next_dataset.csv"</a:t>
+              <a:rPr lang="it-IT" sz="1200" dirty="0" err="1">
+                <a:solidFill>
+                  <a:schemeClr val="bg1"/>
+                </a:solidFill>
+              </a:rPr>
+              <a:t>watch_next_dataset</a:t>
+            </a:r>
+            <a:r>
+              <a:rPr lang="it-IT" sz="1200" dirty="0">
+                <a:solidFill>
+                  <a:schemeClr val="bg1"/>
+                </a:solidFill>
+              </a:rPr>
+              <a:t> = </a:t>
+            </a:r>
+            <a:r>
+              <a:rPr lang="it-IT" sz="1200" dirty="0" err="1">
+                <a:solidFill>
+                  <a:schemeClr val="bg1"/>
+                </a:solidFill>
+              </a:rPr>
+              <a:t>spark.read.option</a:t>
+            </a:r>
+            <a:r>
+              <a:rPr lang="it-IT" sz="1200" dirty="0">
+                <a:solidFill>
+                  <a:schemeClr val="bg1"/>
+                </a:solidFill>
+              </a:rPr>
+              <a:t>("</a:t>
+            </a:r>
+            <a:r>
+              <a:rPr lang="it-IT" sz="1200" dirty="0" err="1">
+                <a:solidFill>
+                  <a:schemeClr val="bg1"/>
+                </a:solidFill>
+              </a:rPr>
+              <a:t>header</a:t>
+            </a:r>
+            <a:r>
+              <a:rPr lang="it-IT" sz="1200" dirty="0">
+                <a:solidFill>
+                  <a:schemeClr val="bg1"/>
+                </a:solidFill>
+              </a:rPr>
+              <a:t>","</a:t>
+            </a:r>
+            <a:r>
+              <a:rPr lang="it-IT" sz="1200" dirty="0" err="1">
+                <a:solidFill>
+                  <a:schemeClr val="bg1"/>
+                </a:solidFill>
+              </a:rPr>
+              <a:t>true</a:t>
+            </a:r>
+            <a:r>
+              <a:rPr lang="it-IT" sz="1200" dirty="0">
+                <a:solidFill>
+                  <a:schemeClr val="bg1"/>
+                </a:solidFill>
+              </a:rPr>
+              <a:t>").</a:t>
+            </a:r>
+            <a:r>
+              <a:rPr lang="it-IT" sz="1200" dirty="0" err="1">
+                <a:solidFill>
+                  <a:schemeClr val="bg1"/>
+                </a:solidFill>
+              </a:rPr>
+              <a:t>csv</a:t>
+            </a:r>
+            <a:r>
+              <a:rPr lang="it-IT" sz="1200" dirty="0">
+                <a:solidFill>
+                  <a:schemeClr val="bg1"/>
+                </a:solidFill>
+              </a:rPr>
+              <a:t>(</a:t>
+            </a:r>
+            <a:r>
+              <a:rPr lang="it-IT" sz="1200" dirty="0" err="1">
+                <a:solidFill>
+                  <a:schemeClr val="bg1"/>
+                </a:solidFill>
+              </a:rPr>
+              <a:t>ted_watch_next_dataset_path</a:t>
+            </a:r>
+            <a:r>
+              <a:rPr lang="it-IT" sz="1200" dirty="0">
+                <a:solidFill>
+                  <a:schemeClr val="bg1"/>
+                </a:solidFill>
+              </a:rPr>
+              <a:t>) </a:t>
             </a:r>
           </a:p>
           <a:p>
@@ -6967,64 +7196,31 @@
               <a:lnSpc>
                 <a:spcPct val="100000"/>
               </a:lnSpc>
+              <a:spcBef>
+                <a:spcPts val="600"/>
+              </a:spcBef>
             </a:pPr>
-            <a:r>
-              <a:rPr lang="it-IT" sz="1100" dirty="0" err="1"/>
-              <a:t>watch_next_dataset</a:t>
-            </a:r>
-            <a:r>
-              <a:rPr lang="it-IT" sz="1100" dirty="0"/>
-              <a:t> = </a:t>
-            </a:r>
-            <a:r>
-              <a:rPr lang="it-IT" sz="1100" dirty="0" err="1"/>
-              <a:t>spark.read.option</a:t>
-            </a:r>
-            <a:r>
-              <a:rPr lang="it-IT" sz="1100" dirty="0"/>
-              <a:t>("</a:t>
-            </a:r>
-            <a:r>
-              <a:rPr lang="it-IT" sz="1100" dirty="0" err="1"/>
-              <a:t>header</a:t>
-            </a:r>
-            <a:r>
-              <a:rPr lang="it-IT" sz="1100" dirty="0"/>
-              <a:t>","</a:t>
-            </a:r>
-            <a:r>
-              <a:rPr lang="it-IT" sz="1100" dirty="0" err="1"/>
-              <a:t>true</a:t>
-            </a:r>
-            <a:r>
-              <a:rPr lang="it-IT" sz="1100" dirty="0"/>
-              <a:t>").</a:t>
-            </a:r>
-            <a:r>
-              <a:rPr lang="it-IT" sz="1100" dirty="0" err="1"/>
-              <a:t>csv</a:t>
-            </a:r>
-            <a:r>
-              <a:rPr lang="it-IT" sz="1100" dirty="0"/>
-              <a:t>(</a:t>
-            </a:r>
-            <a:r>
-              <a:rPr lang="it-IT" sz="1100" dirty="0" err="1"/>
-              <a:t>ted_watch_next_dataset_path</a:t>
-            </a:r>
-            <a:r>
-              <a:rPr lang="it-IT" sz="1100" dirty="0"/>
-              <a:t>) </a:t>
-            </a:r>
+            <a:endParaRPr lang="it-IT" sz="1100" dirty="0">
+              <a:solidFill>
+                <a:schemeClr val="bg1"/>
+              </a:solidFill>
+            </a:endParaRPr>
           </a:p>
           <a:p>
             <a:pPr>
               <a:lnSpc>
                 <a:spcPct val="100000"/>
               </a:lnSpc>
+              <a:spcBef>
+                <a:spcPts val="600"/>
+              </a:spcBef>
             </a:pPr>
             <a:r>
-              <a:rPr lang="it-IT" sz="1100" b="1" dirty="0"/>
+              <a:rPr lang="it-IT" sz="1100" b="1" dirty="0">
+                <a:solidFill>
+                  <a:schemeClr val="bg1"/>
+                </a:solidFill>
+              </a:rPr>
               <a:t># ADD WATCH_NEXT TO TEDX_DATASET</a:t>
             </a:r>
           </a:p>
@@ -7033,85 +7229,168 @@
               <a:lnSpc>
                 <a:spcPct val="100000"/>
               </a:lnSpc>
+              <a:spcBef>
+                <a:spcPts val="600"/>
+              </a:spcBef>
             </a:pPr>
             <a:r>
-              <a:rPr lang="it-IT" sz="1100" dirty="0" err="1"/>
+              <a:rPr lang="it-IT" sz="1200" dirty="0" err="1">
+                <a:solidFill>
+                  <a:schemeClr val="bg1"/>
+                </a:solidFill>
+              </a:rPr>
               <a:t>watch_next_dataset_agg</a:t>
             </a:r>
             <a:r>
-              <a:rPr lang="it-IT" sz="1100" dirty="0"/>
+              <a:rPr lang="it-IT" sz="1200" dirty="0">
+                <a:solidFill>
+                  <a:schemeClr val="bg1"/>
+                </a:solidFill>
+              </a:rPr>
               <a:t> =  </a:t>
             </a:r>
             <a:r>
-              <a:rPr lang="it-IT" sz="1100" dirty="0" err="1"/>
+              <a:rPr lang="it-IT" sz="1200" dirty="0" err="1">
+                <a:solidFill>
+                  <a:schemeClr val="bg1"/>
+                </a:solidFill>
+              </a:rPr>
               <a:t>watch_next_dataset.groupBy</a:t>
             </a:r>
             <a:r>
-              <a:rPr lang="it-IT" sz="1100" dirty="0"/>
+              <a:rPr lang="it-IT" sz="1200" dirty="0">
+                <a:solidFill>
+                  <a:schemeClr val="bg1"/>
+                </a:solidFill>
+              </a:rPr>
               <a:t>(col("</a:t>
             </a:r>
             <a:r>
-              <a:rPr lang="it-IT" sz="1100" dirty="0" err="1"/>
+              <a:rPr lang="it-IT" sz="1200" dirty="0" err="1">
+                <a:solidFill>
+                  <a:schemeClr val="bg1"/>
+                </a:solidFill>
+              </a:rPr>
               <a:t>idx</a:t>
             </a:r>
             <a:r>
-              <a:rPr lang="it-IT" sz="1100" dirty="0"/>
+              <a:rPr lang="it-IT" sz="1200" dirty="0">
+                <a:solidFill>
+                  <a:schemeClr val="bg1"/>
+                </a:solidFill>
+              </a:rPr>
               <a:t>").alias("idx_ref2")).</a:t>
             </a:r>
             <a:r>
-              <a:rPr lang="it-IT" sz="1100" dirty="0" err="1"/>
+              <a:rPr lang="it-IT" sz="1200" dirty="0" err="1">
+                <a:solidFill>
+                  <a:schemeClr val="bg1"/>
+                </a:solidFill>
+              </a:rPr>
               <a:t>agg</a:t>
             </a:r>
             <a:r>
-              <a:rPr lang="it-IT" sz="1100" dirty="0"/>
+              <a:rPr lang="it-IT" sz="1200" dirty="0">
+                <a:solidFill>
+                  <a:schemeClr val="bg1"/>
+                </a:solidFill>
+              </a:rPr>
               <a:t>(</a:t>
             </a:r>
             <a:r>
-              <a:rPr lang="it-IT" sz="1100" dirty="0" err="1"/>
+              <a:rPr lang="it-IT" sz="1200" dirty="0" err="1">
+                <a:solidFill>
+                  <a:schemeClr val="bg1"/>
+                </a:solidFill>
+              </a:rPr>
               <a:t>collect_list</a:t>
             </a:r>
             <a:r>
-              <a:rPr lang="it-IT" sz="1100" dirty="0"/>
+              <a:rPr lang="it-IT" sz="1200" dirty="0">
+                <a:solidFill>
+                  <a:schemeClr val="bg1"/>
+                </a:solidFill>
+              </a:rPr>
               <a:t>("</a:t>
             </a:r>
             <a:r>
-              <a:rPr lang="it-IT" sz="1100" dirty="0" err="1"/>
+              <a:rPr lang="it-IT" sz="1200" dirty="0" err="1">
+                <a:solidFill>
+                  <a:schemeClr val="bg1"/>
+                </a:solidFill>
+              </a:rPr>
               <a:t>url</a:t>
             </a:r>
             <a:r>
-              <a:rPr lang="it-IT" sz="1100" dirty="0"/>
+              <a:rPr lang="it-IT" sz="1200" dirty="0">
+                <a:solidFill>
+                  <a:schemeClr val="bg1"/>
+                </a:solidFill>
+              </a:rPr>
               <a:t>").alias("</a:t>
             </a:r>
             <a:r>
-              <a:rPr lang="it-IT" sz="1100" dirty="0" err="1"/>
+              <a:rPr lang="it-IT" sz="1200" dirty="0" err="1">
+                <a:solidFill>
+                  <a:schemeClr val="bg1"/>
+                </a:solidFill>
+              </a:rPr>
               <a:t>url_next</a:t>
             </a:r>
             <a:r>
-              <a:rPr lang="it-IT" sz="1100" dirty="0"/>
+              <a:rPr lang="it-IT" sz="1200" dirty="0">
+                <a:solidFill>
+                  <a:schemeClr val="bg1"/>
+                </a:solidFill>
+              </a:rPr>
               <a:t>"),</a:t>
             </a:r>
             <a:r>
-              <a:rPr lang="it-IT" sz="1100" dirty="0" err="1"/>
+              <a:rPr lang="it-IT" sz="1200" dirty="0" err="1">
+                <a:solidFill>
+                  <a:schemeClr val="bg1"/>
+                </a:solidFill>
+              </a:rPr>
               <a:t>collect_list</a:t>
             </a:r>
             <a:r>
-              <a:rPr lang="it-IT" sz="1100" dirty="0"/>
+              <a:rPr lang="it-IT" sz="1200" dirty="0">
+                <a:solidFill>
+                  <a:schemeClr val="bg1"/>
+                </a:solidFill>
+              </a:rPr>
               <a:t>("</a:t>
             </a:r>
             <a:r>
-              <a:rPr lang="it-IT" sz="1100" dirty="0" err="1"/>
+              <a:rPr lang="it-IT" sz="1200" dirty="0" err="1">
+                <a:solidFill>
+                  <a:schemeClr val="bg1"/>
+                </a:solidFill>
+              </a:rPr>
               <a:t>watch_next_idx</a:t>
             </a:r>
             <a:r>
-              <a:rPr lang="it-IT" sz="1100" dirty="0"/>
+              <a:rPr lang="it-IT" sz="1200" dirty="0">
+                <a:solidFill>
+                  <a:schemeClr val="bg1"/>
+                </a:solidFill>
+              </a:rPr>
               <a:t>").alias("</a:t>
             </a:r>
             <a:r>
-              <a:rPr lang="it-IT" sz="1100" dirty="0" err="1"/>
+              <a:rPr lang="it-IT" sz="1200" dirty="0" err="1">
+                <a:solidFill>
+                  <a:schemeClr val="bg1"/>
+                </a:solidFill>
+              </a:rPr>
               <a:t>id_next</a:t>
             </a:r>
             <a:r>
-              <a:rPr lang="it-IT" sz="1100" dirty="0"/>
+              <a:rPr lang="it-IT" sz="1200" dirty="0">
+                <a:solidFill>
+                  <a:schemeClr val="bg1"/>
+                </a:solidFill>
+              </a:rPr>
               <a:t>"))</a:t>
             </a:r>
           </a:p>
@@ -7120,13 +7399,24 @@
               <a:lnSpc>
                 <a:spcPct val="100000"/>
               </a:lnSpc>
+              <a:spcBef>
+                <a:spcPts val="600"/>
+              </a:spcBef>
             </a:pPr>
             <a:r>
-              <a:rPr lang="it-IT" sz="1100" dirty="0" err="1"/>
+              <a:rPr lang="it-IT" sz="1200" dirty="0" err="1">
+                <a:solidFill>
+                  <a:schemeClr val="bg1"/>
+                </a:solidFill>
+              </a:rPr>
               <a:t>watch_next_dataset_agg.printSchema</a:t>
             </a:r>
             <a:r>
-              <a:rPr lang="it-IT" sz="1100" dirty="0"/>
+              <a:rPr lang="it-IT" sz="1200" dirty="0">
+                <a:solidFill>
+                  <a:schemeClr val="bg1"/>
+                </a:solidFill>
+              </a:rPr>
               <a:t>()</a:t>
             </a:r>
           </a:p>
@@ -7135,45 +7425,88 @@
               <a:lnSpc>
                 <a:spcPct val="100000"/>
               </a:lnSpc>
+              <a:spcBef>
+                <a:spcPts val="600"/>
+              </a:spcBef>
             </a:pPr>
             <a:r>
-              <a:rPr lang="it-IT" sz="1100" dirty="0" err="1"/>
+              <a:rPr lang="it-IT" sz="1200" dirty="0" err="1">
+                <a:solidFill>
+                  <a:schemeClr val="bg1"/>
+                </a:solidFill>
+              </a:rPr>
               <a:t>tedx_dataset_agg</a:t>
             </a:r>
             <a:r>
-              <a:rPr lang="it-IT" sz="1100" dirty="0"/>
+              <a:rPr lang="it-IT" sz="1200" dirty="0">
+                <a:solidFill>
+                  <a:schemeClr val="bg1"/>
+                </a:solidFill>
+              </a:rPr>
               <a:t> = </a:t>
             </a:r>
             <a:r>
-              <a:rPr lang="it-IT" sz="1100" dirty="0" err="1"/>
+              <a:rPr lang="it-IT" sz="1200" dirty="0" err="1">
+                <a:solidFill>
+                  <a:schemeClr val="bg1"/>
+                </a:solidFill>
+              </a:rPr>
               <a:t>tedx_dataset_agg.join</a:t>
             </a:r>
             <a:r>
-              <a:rPr lang="it-IT" sz="1100" dirty="0"/>
+              <a:rPr lang="it-IT" sz="1200" dirty="0">
+                <a:solidFill>
+                  <a:schemeClr val="bg1"/>
+                </a:solidFill>
+              </a:rPr>
               <a:t>(</a:t>
             </a:r>
             <a:r>
-              <a:rPr lang="it-IT" sz="1100" dirty="0" err="1"/>
+              <a:rPr lang="it-IT" sz="1200" dirty="0" err="1">
+                <a:solidFill>
+                  <a:schemeClr val="bg1"/>
+                </a:solidFill>
+              </a:rPr>
               <a:t>watch_next_dataset_agg</a:t>
             </a:r>
             <a:r>
-              <a:rPr lang="it-IT" sz="1100" dirty="0"/>
+              <a:rPr lang="it-IT" sz="1200" dirty="0">
+                <a:solidFill>
+                  <a:schemeClr val="bg1"/>
+                </a:solidFill>
+              </a:rPr>
               <a:t>, tedx_dataset_</a:t>
             </a:r>
             <a:r>
-              <a:rPr lang="it-IT" sz="1100" dirty="0" err="1"/>
+              <a:rPr lang="it-IT" sz="1200" dirty="0" err="1">
+                <a:solidFill>
+                  <a:schemeClr val="bg1"/>
+                </a:solidFill>
+              </a:rPr>
               <a:t>agg</a:t>
             </a:r>
             <a:r>
-              <a:rPr lang="it-IT" sz="1100" dirty="0"/>
+              <a:rPr lang="it-IT" sz="1200" dirty="0">
+                <a:solidFill>
+                  <a:schemeClr val="bg1"/>
+                </a:solidFill>
+              </a:rPr>
               <a:t>._id == watch_next_dataset_agg.idx_ref2, "</a:t>
             </a:r>
             <a:r>
-              <a:rPr lang="it-IT" sz="1100" dirty="0" err="1"/>
+              <a:rPr lang="it-IT" sz="1200" dirty="0" err="1">
+                <a:solidFill>
+                  <a:schemeClr val="bg1"/>
+                </a:solidFill>
+              </a:rPr>
               <a:t>left</a:t>
             </a:r>
             <a:r>
-              <a:rPr lang="it-IT" sz="1100" dirty="0"/>
+              <a:rPr lang="it-IT" sz="1200" dirty="0">
+                <a:solidFill>
+                  <a:schemeClr val="bg1"/>
+                </a:solidFill>
+              </a:rPr>
               <a:t>") \</a:t>
             </a:r>
           </a:p>
@@ -7182,17 +7515,32 @@
               <a:lnSpc>
                 <a:spcPct val="100000"/>
               </a:lnSpc>
+              <a:spcBef>
+                <a:spcPts val="600"/>
+              </a:spcBef>
             </a:pPr>
             <a:r>
-              <a:rPr lang="it-IT" sz="1100" dirty="0"/>
+              <a:rPr lang="it-IT" sz="1200" dirty="0">
+                <a:solidFill>
+                  <a:schemeClr val="bg1"/>
+                </a:solidFill>
+              </a:rPr>
               <a:t>    .</a:t>
             </a:r>
             <a:r>
-              <a:rPr lang="it-IT" sz="1100" dirty="0" err="1"/>
+              <a:rPr lang="it-IT" sz="1200" dirty="0" err="1">
+                <a:solidFill>
+                  <a:schemeClr val="bg1"/>
+                </a:solidFill>
+              </a:rPr>
               <a:t>select</a:t>
             </a:r>
             <a:r>
-              <a:rPr lang="it-IT" sz="1100" dirty="0"/>
+              <a:rPr lang="it-IT" sz="1200" dirty="0">
+                <a:solidFill>
+                  <a:schemeClr val="bg1"/>
+                </a:solidFill>
+              </a:rPr>
               <a:t>(col("*")) \</a:t>
             </a:r>
           </a:p>
@@ -7201,9 +7549,16 @@
               <a:lnSpc>
                 <a:spcPct val="100000"/>
               </a:lnSpc>
+              <a:spcBef>
+                <a:spcPts val="600"/>
+              </a:spcBef>
             </a:pPr>
             <a:r>
-              <a:rPr lang="it-IT" sz="1100" dirty="0"/>
+              <a:rPr lang="it-IT" sz="1200" dirty="0">
+                <a:solidFill>
+                  <a:schemeClr val="bg1"/>
+                </a:solidFill>
+              </a:rPr>
               <a:t>    .drop("idx_ref2") \</a:t>
             </a:r>
           </a:p>
@@ -7212,13 +7567,24 @@
               <a:lnSpc>
                 <a:spcPct val="100000"/>
               </a:lnSpc>
+              <a:spcBef>
+                <a:spcPts val="600"/>
+              </a:spcBef>
             </a:pPr>
             <a:r>
-              <a:rPr lang="it-IT" sz="1100" dirty="0" err="1"/>
+              <a:rPr lang="it-IT" sz="1200" dirty="0" err="1">
+                <a:solidFill>
+                  <a:schemeClr val="bg1"/>
+                </a:solidFill>
+              </a:rPr>
               <a:t>tedx_dataset_agg.printSchema</a:t>
             </a:r>
             <a:r>
-              <a:rPr lang="it-IT" sz="1100" dirty="0"/>
+              <a:rPr lang="it-IT" sz="1200" dirty="0">
+                <a:solidFill>
+                  <a:schemeClr val="bg1"/>
+                </a:solidFill>
+              </a:rPr>
               <a:t>()</a:t>
             </a:r>
           </a:p>
@@ -7465,6 +7831,52 @@
       </p:cxnSp>
       <p:sp>
         <p:nvSpPr>
+          <p:cNvPr id="4" name="Rettangolo con angoli arrotondati 3">
+            <a:extLst>
+              <a:ext uri="{FF2B5EF4-FFF2-40B4-BE49-F238E27FC236}">
+                <a16:creationId xmlns:a16="http://schemas.microsoft.com/office/drawing/2014/main" id="{C27C1584-031D-4853-B28B-C6807D3DDA6E}"/>
+              </a:ext>
+            </a:extLst>
+          </p:cNvPr>
+          <p:cNvSpPr/>
+          <p:nvPr/>
+        </p:nvSpPr>
+        <p:spPr>
+          <a:xfrm>
+            <a:off x="863600" y="3852333"/>
+            <a:ext cx="7145867" cy="2700867"/>
+          </a:xfrm>
+          <a:prstGeom prst="roundRect">
+            <a:avLst/>
+          </a:prstGeom>
+        </p:spPr>
+        <p:style>
+          <a:lnRef idx="2">
+            <a:schemeClr val="accent2">
+              <a:shade val="50000"/>
+            </a:schemeClr>
+          </a:lnRef>
+          <a:fillRef idx="1">
+            <a:schemeClr val="accent2"/>
+          </a:fillRef>
+          <a:effectRef idx="0">
+            <a:schemeClr val="accent2"/>
+          </a:effectRef>
+          <a:fontRef idx="minor">
+            <a:schemeClr val="lt1"/>
+          </a:fontRef>
+        </p:style>
+        <p:txBody>
+          <a:bodyPr rtlCol="0" anchor="ctr"/>
+          <a:lstStyle/>
+          <a:p>
+            <a:pPr algn="ctr"/>
+            <a:endParaRPr lang="it-IT"/>
+          </a:p>
+        </p:txBody>
+      </p:sp>
+      <p:sp>
+        <p:nvSpPr>
           <p:cNvPr id="3" name="Segnaposto contenuto 2">
             <a:extLst>
               <a:ext uri="{FF2B5EF4-FFF2-40B4-BE49-F238E27FC236}">
@@ -7481,8 +7893,8 @@
         </p:nvSpPr>
         <p:spPr>
           <a:xfrm>
-            <a:off x="1097279" y="2546224"/>
-            <a:ext cx="6514622" cy="4311775"/>
+            <a:off x="1097278" y="2546223"/>
+            <a:ext cx="6573521" cy="4311775"/>
           </a:xfrm>
         </p:spPr>
         <p:txBody>
@@ -7546,7 +7958,7 @@
                   <a:srgbClr val="92D050"/>
                 </a:solidFill>
               </a:rPr>
-              <a:t>_id:                                          </a:t>
+              <a:t>_id:                                                </a:t>
             </a:r>
             <a:r>
               <a:rPr lang="it-IT" sz="2200" dirty="0">
@@ -7583,7 +7995,7 @@
                   <a:srgbClr val="92D050"/>
                 </a:solidFill>
               </a:rPr>
-              <a:t>:                  </a:t>
+              <a:t>:                      </a:t>
             </a:r>
             <a:r>
               <a:rPr lang="it-IT" sz="2200" dirty="0">
@@ -7620,7 +8032,7 @@
                   <a:srgbClr val="92D050"/>
                 </a:solidFill>
               </a:rPr>
-              <a:t>:                            </a:t>
+              <a:t>:                                </a:t>
             </a:r>
             <a:r>
               <a:rPr lang="it-IT" sz="2200" dirty="0">
@@ -7657,7 +8069,7 @@
                   <a:srgbClr val="92D050"/>
                 </a:solidFill>
               </a:rPr>
-              <a:t>:    </a:t>
+              <a:t>:     </a:t>
             </a:r>
             <a:r>
               <a:rPr lang="it-IT" sz="2200" dirty="0">
@@ -7686,7 +8098,7 @@
                   <a:srgbClr val="92D050"/>
                 </a:solidFill>
               </a:rPr>
-              <a:t>url:                                          </a:t>
+              <a:t>url:                                                </a:t>
             </a:r>
             <a:r>
               <a:rPr lang="it-IT" sz="2200" dirty="0" err="1">
@@ -7723,7 +8135,7 @@
                   <a:srgbClr val="92D050"/>
                 </a:solidFill>
               </a:rPr>
-              <a:t>&gt; tags: Array                           </a:t>
+              <a:t>&gt; tags: Array                               </a:t>
             </a:r>
             <a:r>
               <a:rPr lang="it-IT" sz="2200" dirty="0">
@@ -7768,7 +8180,7 @@
                   <a:srgbClr val="92D050"/>
                 </a:solidFill>
               </a:rPr>
-              <a:t>: Array                                </a:t>
+              <a:t>: Array                                    </a:t>
             </a:r>
             <a:r>
               <a:rPr lang="it-IT" sz="2200" dirty="0" err="1">
@@ -7821,7 +8233,7 @@
                   <a:srgbClr val="92D050"/>
                 </a:solidFill>
               </a:rPr>
-              <a:t>: Array                                  </a:t>
+              <a:t>: Array                                       </a:t>
             </a:r>
             <a:r>
               <a:rPr lang="it-IT" sz="2200" dirty="0">

--- a/Preparation files/MyTEDx_Presentazione.pptx
+++ b/Preparation files/MyTEDx_Presentazione.pptx
@@ -120,6 +120,5526 @@
     </p:ext>
   </p:extLst>
 </p:presentation>
+</file>
+
+<file path=ppt/diagrams/colors1.xml><?xml version="1.0" encoding="utf-8"?>
+<dgm:colorsDef xmlns:dgm="http://schemas.openxmlformats.org/drawingml/2006/diagram" xmlns:a="http://schemas.openxmlformats.org/drawingml/2006/main" uniqueId="urn:microsoft.com/office/officeart/2005/8/colors/accent0_3">
+  <dgm:title val=""/>
+  <dgm:desc val=""/>
+  <dgm:catLst>
+    <dgm:cat type="mainScheme" pri="10300"/>
+  </dgm:catLst>
+  <dgm:styleLbl name="node0">
+    <dgm:fillClrLst meth="repeat">
+      <a:schemeClr val="dk2"/>
+    </dgm:fillClrLst>
+    <dgm:linClrLst meth="repeat">
+      <a:schemeClr val="lt2"/>
+    </dgm:linClrLst>
+    <dgm:effectClrLst/>
+    <dgm:txLinClrLst/>
+    <dgm:txFillClrLst/>
+    <dgm:txEffectClrLst/>
+  </dgm:styleLbl>
+  <dgm:styleLbl name="alignNode1">
+    <dgm:fillClrLst meth="repeat">
+      <a:schemeClr val="dk2"/>
+    </dgm:fillClrLst>
+    <dgm:linClrLst meth="repeat">
+      <a:schemeClr val="dk2"/>
+    </dgm:linClrLst>
+    <dgm:effectClrLst/>
+    <dgm:txLinClrLst/>
+    <dgm:txFillClrLst/>
+    <dgm:txEffectClrLst/>
+  </dgm:styleLbl>
+  <dgm:styleLbl name="node1">
+    <dgm:fillClrLst meth="repeat">
+      <a:schemeClr val="dk2"/>
+    </dgm:fillClrLst>
+    <dgm:linClrLst meth="repeat">
+      <a:schemeClr val="lt2"/>
+    </dgm:linClrLst>
+    <dgm:effectClrLst/>
+    <dgm:txLinClrLst/>
+    <dgm:txFillClrLst/>
+    <dgm:txEffectClrLst/>
+  </dgm:styleLbl>
+  <dgm:styleLbl name="lnNode1">
+    <dgm:fillClrLst meth="repeat">
+      <a:schemeClr val="dk2"/>
+    </dgm:fillClrLst>
+    <dgm:linClrLst meth="repeat">
+      <a:schemeClr val="lt2"/>
+    </dgm:linClrLst>
+    <dgm:effectClrLst/>
+    <dgm:txLinClrLst/>
+    <dgm:txFillClrLst/>
+    <dgm:txEffectClrLst/>
+  </dgm:styleLbl>
+  <dgm:styleLbl name="vennNode1">
+    <dgm:fillClrLst meth="repeat">
+      <a:schemeClr val="dk2">
+        <a:alpha val="50000"/>
+      </a:schemeClr>
+    </dgm:fillClrLst>
+    <dgm:linClrLst meth="repeat">
+      <a:schemeClr val="lt2"/>
+    </dgm:linClrLst>
+    <dgm:effectClrLst/>
+    <dgm:txLinClrLst/>
+    <dgm:txFillClrLst/>
+    <dgm:txEffectClrLst/>
+  </dgm:styleLbl>
+  <dgm:styleLbl name="node2">
+    <dgm:fillClrLst meth="repeat">
+      <a:schemeClr val="dk2"/>
+    </dgm:fillClrLst>
+    <dgm:linClrLst meth="repeat">
+      <a:schemeClr val="lt2"/>
+    </dgm:linClrLst>
+    <dgm:effectClrLst/>
+    <dgm:txLinClrLst/>
+    <dgm:txFillClrLst/>
+    <dgm:txEffectClrLst/>
+  </dgm:styleLbl>
+  <dgm:styleLbl name="node3">
+    <dgm:fillClrLst meth="repeat">
+      <a:schemeClr val="dk2"/>
+    </dgm:fillClrLst>
+    <dgm:linClrLst meth="repeat">
+      <a:schemeClr val="lt2"/>
+    </dgm:linClrLst>
+    <dgm:effectClrLst/>
+    <dgm:txLinClrLst/>
+    <dgm:txFillClrLst/>
+    <dgm:txEffectClrLst/>
+  </dgm:styleLbl>
+  <dgm:styleLbl name="node4">
+    <dgm:fillClrLst meth="repeat">
+      <a:schemeClr val="dk2"/>
+    </dgm:fillClrLst>
+    <dgm:linClrLst meth="repeat">
+      <a:schemeClr val="lt2"/>
+    </dgm:linClrLst>
+    <dgm:effectClrLst/>
+    <dgm:txLinClrLst/>
+    <dgm:txFillClrLst/>
+    <dgm:txEffectClrLst/>
+  </dgm:styleLbl>
+  <dgm:styleLbl name="fgImgPlace1">
+    <dgm:fillClrLst meth="repeat">
+      <a:schemeClr val="dk2">
+        <a:tint val="50000"/>
+      </a:schemeClr>
+    </dgm:fillClrLst>
+    <dgm:linClrLst meth="repeat">
+      <a:schemeClr val="lt2"/>
+    </dgm:linClrLst>
+    <dgm:effectClrLst/>
+    <dgm:txLinClrLst/>
+    <dgm:txFillClrLst meth="repeat">
+      <a:schemeClr val="lt2"/>
+    </dgm:txFillClrLst>
+    <dgm:txEffectClrLst/>
+  </dgm:styleLbl>
+  <dgm:styleLbl name="alignImgPlace1">
+    <dgm:fillClrLst meth="repeat">
+      <a:schemeClr val="dk2">
+        <a:tint val="50000"/>
+      </a:schemeClr>
+    </dgm:fillClrLst>
+    <dgm:linClrLst meth="repeat">
+      <a:schemeClr val="dk2">
+        <a:shade val="80000"/>
+      </a:schemeClr>
+    </dgm:linClrLst>
+    <dgm:effectClrLst/>
+    <dgm:txLinClrLst/>
+    <dgm:txFillClrLst meth="repeat">
+      <a:schemeClr val="lt2"/>
+    </dgm:txFillClrLst>
+    <dgm:txEffectClrLst/>
+  </dgm:styleLbl>
+  <dgm:styleLbl name="bgImgPlace1">
+    <dgm:fillClrLst meth="repeat">
+      <a:schemeClr val="dk2">
+        <a:tint val="50000"/>
+      </a:schemeClr>
+    </dgm:fillClrLst>
+    <dgm:linClrLst meth="repeat">
+      <a:schemeClr val="dk2">
+        <a:shade val="80000"/>
+      </a:schemeClr>
+    </dgm:linClrLst>
+    <dgm:effectClrLst/>
+    <dgm:txLinClrLst/>
+    <dgm:txFillClrLst meth="repeat">
+      <a:schemeClr val="lt2"/>
+    </dgm:txFillClrLst>
+    <dgm:txEffectClrLst/>
+  </dgm:styleLbl>
+  <dgm:styleLbl name="sibTrans2D1">
+    <dgm:fillClrLst meth="repeat">
+      <a:schemeClr val="dk2">
+        <a:tint val="60000"/>
+      </a:schemeClr>
+    </dgm:fillClrLst>
+    <dgm:linClrLst meth="repeat">
+      <a:schemeClr val="dk2">
+        <a:tint val="60000"/>
+      </a:schemeClr>
+    </dgm:linClrLst>
+    <dgm:effectClrLst/>
+    <dgm:txLinClrLst/>
+    <dgm:txFillClrLst/>
+    <dgm:txEffectClrLst/>
+  </dgm:styleLbl>
+  <dgm:styleLbl name="fgSibTrans2D1">
+    <dgm:fillClrLst meth="repeat">
+      <a:schemeClr val="dk2">
+        <a:tint val="60000"/>
+      </a:schemeClr>
+    </dgm:fillClrLst>
+    <dgm:linClrLst meth="repeat">
+      <a:schemeClr val="dk2">
+        <a:tint val="60000"/>
+      </a:schemeClr>
+    </dgm:linClrLst>
+    <dgm:effectClrLst/>
+    <dgm:txLinClrLst/>
+    <dgm:txFillClrLst/>
+    <dgm:txEffectClrLst/>
+  </dgm:styleLbl>
+  <dgm:styleLbl name="bgSibTrans2D1">
+    <dgm:fillClrLst meth="repeat">
+      <a:schemeClr val="dk2">
+        <a:tint val="60000"/>
+      </a:schemeClr>
+    </dgm:fillClrLst>
+    <dgm:linClrLst meth="repeat">
+      <a:schemeClr val="dk2">
+        <a:tint val="60000"/>
+      </a:schemeClr>
+    </dgm:linClrLst>
+    <dgm:effectClrLst/>
+    <dgm:txLinClrLst/>
+    <dgm:txFillClrLst/>
+    <dgm:txEffectClrLst/>
+  </dgm:styleLbl>
+  <dgm:styleLbl name="sibTrans1D1">
+    <dgm:fillClrLst meth="repeat">
+      <a:schemeClr val="dk2"/>
+    </dgm:fillClrLst>
+    <dgm:linClrLst meth="repeat">
+      <a:schemeClr val="dk2"/>
+    </dgm:linClrLst>
+    <dgm:effectClrLst/>
+    <dgm:txLinClrLst/>
+    <dgm:txFillClrLst meth="repeat">
+      <a:schemeClr val="lt2"/>
+    </dgm:txFillClrLst>
+    <dgm:txEffectClrLst/>
+  </dgm:styleLbl>
+  <dgm:styleLbl name="callout">
+    <dgm:fillClrLst meth="repeat">
+      <a:schemeClr val="dk2"/>
+    </dgm:fillClrLst>
+    <dgm:linClrLst meth="repeat">
+      <a:schemeClr val="dk2">
+        <a:tint val="50000"/>
+      </a:schemeClr>
+    </dgm:linClrLst>
+    <dgm:effectClrLst/>
+    <dgm:txLinClrLst/>
+    <dgm:txFillClrLst meth="repeat">
+      <a:schemeClr val="lt2"/>
+    </dgm:txFillClrLst>
+    <dgm:txEffectClrLst/>
+  </dgm:styleLbl>
+  <dgm:styleLbl name="asst0">
+    <dgm:fillClrLst meth="repeat">
+      <a:schemeClr val="dk2"/>
+    </dgm:fillClrLst>
+    <dgm:linClrLst meth="repeat">
+      <a:schemeClr val="lt2"/>
+    </dgm:linClrLst>
+    <dgm:effectClrLst/>
+    <dgm:txLinClrLst/>
+    <dgm:txFillClrLst/>
+    <dgm:txEffectClrLst/>
+  </dgm:styleLbl>
+  <dgm:styleLbl name="asst1">
+    <dgm:fillClrLst meth="repeat">
+      <a:schemeClr val="dk2"/>
+    </dgm:fillClrLst>
+    <dgm:linClrLst meth="repeat">
+      <a:schemeClr val="lt2"/>
+    </dgm:linClrLst>
+    <dgm:effectClrLst/>
+    <dgm:txLinClrLst/>
+    <dgm:txFillClrLst/>
+    <dgm:txEffectClrLst/>
+  </dgm:styleLbl>
+  <dgm:styleLbl name="asst2">
+    <dgm:fillClrLst meth="repeat">
+      <a:schemeClr val="dk2"/>
+    </dgm:fillClrLst>
+    <dgm:linClrLst meth="repeat">
+      <a:schemeClr val="lt2"/>
+    </dgm:linClrLst>
+    <dgm:effectClrLst/>
+    <dgm:txLinClrLst/>
+    <dgm:txFillClrLst/>
+    <dgm:txEffectClrLst/>
+  </dgm:styleLbl>
+  <dgm:styleLbl name="asst3">
+    <dgm:fillClrLst meth="repeat">
+      <a:schemeClr val="dk2"/>
+    </dgm:fillClrLst>
+    <dgm:linClrLst meth="repeat">
+      <a:schemeClr val="lt2"/>
+    </dgm:linClrLst>
+    <dgm:effectClrLst/>
+    <dgm:txLinClrLst/>
+    <dgm:txFillClrLst/>
+    <dgm:txEffectClrLst/>
+  </dgm:styleLbl>
+  <dgm:styleLbl name="asst4">
+    <dgm:fillClrLst meth="repeat">
+      <a:schemeClr val="dk2"/>
+    </dgm:fillClrLst>
+    <dgm:linClrLst meth="repeat">
+      <a:schemeClr val="lt2"/>
+    </dgm:linClrLst>
+    <dgm:effectClrLst/>
+    <dgm:txLinClrLst/>
+    <dgm:txFillClrLst/>
+    <dgm:txEffectClrLst/>
+  </dgm:styleLbl>
+  <dgm:styleLbl name="parChTrans2D1">
+    <dgm:fillClrLst meth="repeat">
+      <a:schemeClr val="dk2">
+        <a:tint val="60000"/>
+      </a:schemeClr>
+    </dgm:fillClrLst>
+    <dgm:linClrLst meth="repeat">
+      <a:schemeClr val="dk2">
+        <a:tint val="60000"/>
+      </a:schemeClr>
+    </dgm:linClrLst>
+    <dgm:effectClrLst/>
+    <dgm:txLinClrLst/>
+    <dgm:txFillClrLst meth="repeat">
+      <a:schemeClr val="lt2"/>
+    </dgm:txFillClrLst>
+    <dgm:txEffectClrLst/>
+  </dgm:styleLbl>
+  <dgm:styleLbl name="parChTrans2D2">
+    <dgm:fillClrLst meth="repeat">
+      <a:schemeClr val="dk2"/>
+    </dgm:fillClrLst>
+    <dgm:linClrLst meth="repeat">
+      <a:schemeClr val="dk2"/>
+    </dgm:linClrLst>
+    <dgm:effectClrLst/>
+    <dgm:txLinClrLst/>
+    <dgm:txFillClrLst meth="repeat">
+      <a:schemeClr val="lt2"/>
+    </dgm:txFillClrLst>
+    <dgm:txEffectClrLst/>
+  </dgm:styleLbl>
+  <dgm:styleLbl name="parChTrans2D3">
+    <dgm:fillClrLst meth="repeat">
+      <a:schemeClr val="dk2"/>
+    </dgm:fillClrLst>
+    <dgm:linClrLst meth="repeat">
+      <a:schemeClr val="dk2"/>
+    </dgm:linClrLst>
+    <dgm:effectClrLst/>
+    <dgm:txLinClrLst/>
+    <dgm:txFillClrLst meth="repeat">
+      <a:schemeClr val="lt2"/>
+    </dgm:txFillClrLst>
+    <dgm:txEffectClrLst/>
+  </dgm:styleLbl>
+  <dgm:styleLbl name="parChTrans2D4">
+    <dgm:fillClrLst meth="repeat">
+      <a:schemeClr val="dk2"/>
+    </dgm:fillClrLst>
+    <dgm:linClrLst meth="repeat">
+      <a:schemeClr val="dk2"/>
+    </dgm:linClrLst>
+    <dgm:effectClrLst/>
+    <dgm:txLinClrLst/>
+    <dgm:txFillClrLst meth="repeat">
+      <a:schemeClr val="lt2"/>
+    </dgm:txFillClrLst>
+    <dgm:txEffectClrLst/>
+  </dgm:styleLbl>
+  <dgm:styleLbl name="parChTrans1D1">
+    <dgm:fillClrLst meth="repeat">
+      <a:schemeClr val="dk2"/>
+    </dgm:fillClrLst>
+    <dgm:linClrLst meth="repeat">
+      <a:schemeClr val="dk2">
+        <a:shade val="60000"/>
+      </a:schemeClr>
+    </dgm:linClrLst>
+    <dgm:effectClrLst/>
+    <dgm:txLinClrLst/>
+    <dgm:txFillClrLst meth="repeat">
+      <a:schemeClr val="tx1"/>
+    </dgm:txFillClrLst>
+    <dgm:txEffectClrLst/>
+  </dgm:styleLbl>
+  <dgm:styleLbl name="parChTrans1D2">
+    <dgm:fillClrLst meth="repeat">
+      <a:schemeClr val="dk2"/>
+    </dgm:fillClrLst>
+    <dgm:linClrLst meth="repeat">
+      <a:schemeClr val="dk2">
+        <a:shade val="60000"/>
+      </a:schemeClr>
+    </dgm:linClrLst>
+    <dgm:effectClrLst/>
+    <dgm:txLinClrLst/>
+    <dgm:txFillClrLst meth="repeat">
+      <a:schemeClr val="tx1"/>
+    </dgm:txFillClrLst>
+    <dgm:txEffectClrLst/>
+  </dgm:styleLbl>
+  <dgm:styleLbl name="parChTrans1D3">
+    <dgm:fillClrLst meth="repeat">
+      <a:schemeClr val="dk2"/>
+    </dgm:fillClrLst>
+    <dgm:linClrLst meth="repeat">
+      <a:schemeClr val="dk2">
+        <a:shade val="80000"/>
+      </a:schemeClr>
+    </dgm:linClrLst>
+    <dgm:effectClrLst/>
+    <dgm:txLinClrLst/>
+    <dgm:txFillClrLst meth="repeat">
+      <a:schemeClr val="tx1"/>
+    </dgm:txFillClrLst>
+    <dgm:txEffectClrLst/>
+  </dgm:styleLbl>
+  <dgm:styleLbl name="parChTrans1D4">
+    <dgm:fillClrLst meth="repeat">
+      <a:schemeClr val="dk2"/>
+    </dgm:fillClrLst>
+    <dgm:linClrLst meth="repeat">
+      <a:schemeClr val="dk2">
+        <a:shade val="80000"/>
+      </a:schemeClr>
+    </dgm:linClrLst>
+    <dgm:effectClrLst/>
+    <dgm:txLinClrLst/>
+    <dgm:txFillClrLst meth="repeat">
+      <a:schemeClr val="tx1"/>
+    </dgm:txFillClrLst>
+    <dgm:txEffectClrLst/>
+  </dgm:styleLbl>
+  <dgm:styleLbl name="fgAcc1">
+    <dgm:fillClrLst meth="repeat">
+      <a:schemeClr val="lt2">
+        <a:alpha val="90000"/>
+      </a:schemeClr>
+    </dgm:fillClrLst>
+    <dgm:linClrLst meth="repeat">
+      <a:schemeClr val="dk2"/>
+    </dgm:linClrLst>
+    <dgm:effectClrLst/>
+    <dgm:txLinClrLst/>
+    <dgm:txFillClrLst meth="repeat">
+      <a:schemeClr val="dk1"/>
+    </dgm:txFillClrLst>
+    <dgm:txEffectClrLst/>
+  </dgm:styleLbl>
+  <dgm:styleLbl name="conFgAcc1">
+    <dgm:fillClrLst meth="repeat">
+      <a:schemeClr val="lt2">
+        <a:alpha val="90000"/>
+      </a:schemeClr>
+    </dgm:fillClrLst>
+    <dgm:linClrLst meth="repeat">
+      <a:schemeClr val="dk2"/>
+    </dgm:linClrLst>
+    <dgm:effectClrLst/>
+    <dgm:txLinClrLst/>
+    <dgm:txFillClrLst meth="repeat">
+      <a:schemeClr val="dk1"/>
+    </dgm:txFillClrLst>
+    <dgm:txEffectClrLst/>
+  </dgm:styleLbl>
+  <dgm:styleLbl name="alignAcc1">
+    <dgm:fillClrLst meth="repeat">
+      <a:schemeClr val="lt2">
+        <a:alpha val="90000"/>
+      </a:schemeClr>
+    </dgm:fillClrLst>
+    <dgm:linClrLst meth="repeat">
+      <a:schemeClr val="dk2"/>
+    </dgm:linClrLst>
+    <dgm:effectClrLst/>
+    <dgm:txLinClrLst/>
+    <dgm:txFillClrLst meth="repeat">
+      <a:schemeClr val="dk1"/>
+    </dgm:txFillClrLst>
+    <dgm:txEffectClrLst/>
+  </dgm:styleLbl>
+  <dgm:styleLbl name="trAlignAcc1">
+    <dgm:fillClrLst meth="repeat">
+      <a:schemeClr val="lt2">
+        <a:alpha val="40000"/>
+      </a:schemeClr>
+    </dgm:fillClrLst>
+    <dgm:linClrLst meth="repeat">
+      <a:schemeClr val="dk2"/>
+    </dgm:linClrLst>
+    <dgm:effectClrLst/>
+    <dgm:txLinClrLst/>
+    <dgm:txFillClrLst meth="repeat">
+      <a:schemeClr val="dk1"/>
+    </dgm:txFillClrLst>
+    <dgm:txEffectClrLst/>
+  </dgm:styleLbl>
+  <dgm:styleLbl name="bgAcc1">
+    <dgm:fillClrLst meth="repeat">
+      <a:schemeClr val="lt2">
+        <a:alpha val="90000"/>
+      </a:schemeClr>
+    </dgm:fillClrLst>
+    <dgm:linClrLst meth="repeat">
+      <a:schemeClr val="dk2"/>
+    </dgm:linClrLst>
+    <dgm:effectClrLst/>
+    <dgm:txLinClrLst/>
+    <dgm:txFillClrLst meth="repeat">
+      <a:schemeClr val="dk1"/>
+    </dgm:txFillClrLst>
+    <dgm:txEffectClrLst/>
+  </dgm:styleLbl>
+  <dgm:styleLbl name="solidFgAcc1">
+    <dgm:fillClrLst meth="repeat">
+      <a:schemeClr val="lt2"/>
+    </dgm:fillClrLst>
+    <dgm:linClrLst meth="repeat">
+      <a:schemeClr val="dk2"/>
+    </dgm:linClrLst>
+    <dgm:effectClrLst/>
+    <dgm:txLinClrLst/>
+    <dgm:txFillClrLst meth="repeat">
+      <a:schemeClr val="dk1"/>
+    </dgm:txFillClrLst>
+    <dgm:txEffectClrLst/>
+  </dgm:styleLbl>
+  <dgm:styleLbl name="solidAlignAcc1">
+    <dgm:fillClrLst meth="repeat">
+      <a:schemeClr val="lt2"/>
+    </dgm:fillClrLst>
+    <dgm:linClrLst meth="repeat">
+      <a:schemeClr val="dk2"/>
+    </dgm:linClrLst>
+    <dgm:effectClrLst/>
+    <dgm:txLinClrLst/>
+    <dgm:txFillClrLst meth="repeat">
+      <a:schemeClr val="dk1"/>
+    </dgm:txFillClrLst>
+    <dgm:txEffectClrLst/>
+  </dgm:styleLbl>
+  <dgm:styleLbl name="solidBgAcc1">
+    <dgm:fillClrLst meth="repeat">
+      <a:schemeClr val="lt2"/>
+    </dgm:fillClrLst>
+    <dgm:linClrLst meth="repeat">
+      <a:schemeClr val="dk2"/>
+    </dgm:linClrLst>
+    <dgm:effectClrLst/>
+    <dgm:txLinClrLst/>
+    <dgm:txFillClrLst meth="repeat">
+      <a:schemeClr val="dk1"/>
+    </dgm:txFillClrLst>
+    <dgm:txEffectClrLst/>
+  </dgm:styleLbl>
+  <dgm:styleLbl name="fgAccFollowNode1">
+    <dgm:fillClrLst meth="repeat">
+      <a:schemeClr val="dk2">
+        <a:alpha val="90000"/>
+        <a:tint val="40000"/>
+      </a:schemeClr>
+    </dgm:fillClrLst>
+    <dgm:linClrLst meth="repeat">
+      <a:schemeClr val="dk2">
+        <a:alpha val="90000"/>
+        <a:tint val="40000"/>
+      </a:schemeClr>
+    </dgm:linClrLst>
+    <dgm:effectClrLst/>
+    <dgm:txLinClrLst/>
+    <dgm:txFillClrLst meth="repeat">
+      <a:schemeClr val="dk1"/>
+    </dgm:txFillClrLst>
+    <dgm:txEffectClrLst/>
+  </dgm:styleLbl>
+  <dgm:styleLbl name="alignAccFollowNode1">
+    <dgm:fillClrLst meth="repeat">
+      <a:schemeClr val="dk2">
+        <a:alpha val="90000"/>
+        <a:tint val="40000"/>
+      </a:schemeClr>
+    </dgm:fillClrLst>
+    <dgm:linClrLst meth="repeat">
+      <a:schemeClr val="dk2">
+        <a:alpha val="90000"/>
+        <a:tint val="40000"/>
+      </a:schemeClr>
+    </dgm:linClrLst>
+    <dgm:effectClrLst/>
+    <dgm:txLinClrLst/>
+    <dgm:txFillClrLst meth="repeat">
+      <a:schemeClr val="dk1"/>
+    </dgm:txFillClrLst>
+    <dgm:txEffectClrLst/>
+  </dgm:styleLbl>
+  <dgm:styleLbl name="bgAccFollowNode1">
+    <dgm:fillClrLst meth="repeat">
+      <a:schemeClr val="dk2">
+        <a:alpha val="90000"/>
+        <a:tint val="40000"/>
+      </a:schemeClr>
+    </dgm:fillClrLst>
+    <dgm:linClrLst meth="repeat">
+      <a:schemeClr val="dk2">
+        <a:alpha val="90000"/>
+        <a:tint val="40000"/>
+      </a:schemeClr>
+    </dgm:linClrLst>
+    <dgm:effectClrLst/>
+    <dgm:txLinClrLst/>
+    <dgm:txFillClrLst meth="repeat">
+      <a:schemeClr val="dk1"/>
+    </dgm:txFillClrLst>
+    <dgm:txEffectClrLst/>
+  </dgm:styleLbl>
+  <dgm:styleLbl name="fgAcc0">
+    <dgm:fillClrLst meth="repeat">
+      <a:schemeClr val="lt2">
+        <a:alpha val="90000"/>
+      </a:schemeClr>
+    </dgm:fillClrLst>
+    <dgm:linClrLst meth="repeat">
+      <a:schemeClr val="dk2"/>
+    </dgm:linClrLst>
+    <dgm:effectClrLst/>
+    <dgm:txLinClrLst/>
+    <dgm:txFillClrLst meth="repeat">
+      <a:schemeClr val="dk1"/>
+    </dgm:txFillClrLst>
+    <dgm:txEffectClrLst/>
+  </dgm:styleLbl>
+  <dgm:styleLbl name="fgAcc2">
+    <dgm:fillClrLst meth="repeat">
+      <a:schemeClr val="lt2">
+        <a:alpha val="90000"/>
+      </a:schemeClr>
+    </dgm:fillClrLst>
+    <dgm:linClrLst meth="repeat">
+      <a:schemeClr val="dk2"/>
+    </dgm:linClrLst>
+    <dgm:effectClrLst/>
+    <dgm:txLinClrLst/>
+    <dgm:txFillClrLst meth="repeat">
+      <a:schemeClr val="dk1"/>
+    </dgm:txFillClrLst>
+    <dgm:txEffectClrLst/>
+  </dgm:styleLbl>
+  <dgm:styleLbl name="fgAcc3">
+    <dgm:fillClrLst meth="repeat">
+      <a:schemeClr val="lt2">
+        <a:alpha val="90000"/>
+      </a:schemeClr>
+    </dgm:fillClrLst>
+    <dgm:linClrLst meth="repeat">
+      <a:schemeClr val="dk2"/>
+    </dgm:linClrLst>
+    <dgm:effectClrLst/>
+    <dgm:txLinClrLst/>
+    <dgm:txFillClrLst meth="repeat">
+      <a:schemeClr val="dk1"/>
+    </dgm:txFillClrLst>
+    <dgm:txEffectClrLst/>
+  </dgm:styleLbl>
+  <dgm:styleLbl name="fgAcc4">
+    <dgm:fillClrLst meth="repeat">
+      <a:schemeClr val="lt2">
+        <a:alpha val="90000"/>
+      </a:schemeClr>
+    </dgm:fillClrLst>
+    <dgm:linClrLst meth="repeat">
+      <a:schemeClr val="dk2"/>
+    </dgm:linClrLst>
+    <dgm:effectClrLst/>
+    <dgm:txLinClrLst/>
+    <dgm:txFillClrLst meth="repeat">
+      <a:schemeClr val="dk1"/>
+    </dgm:txFillClrLst>
+    <dgm:txEffectClrLst/>
+  </dgm:styleLbl>
+  <dgm:styleLbl name="bgShp">
+    <dgm:fillClrLst meth="repeat">
+      <a:schemeClr val="dk2">
+        <a:tint val="40000"/>
+      </a:schemeClr>
+    </dgm:fillClrLst>
+    <dgm:linClrLst meth="repeat">
+      <a:schemeClr val="dk2"/>
+    </dgm:linClrLst>
+    <dgm:effectClrLst/>
+    <dgm:txLinClrLst/>
+    <dgm:txFillClrLst meth="repeat">
+      <a:schemeClr val="dk1"/>
+    </dgm:txFillClrLst>
+    <dgm:txEffectClrLst/>
+  </dgm:styleLbl>
+  <dgm:styleLbl name="dkBgShp">
+    <dgm:fillClrLst meth="repeat">
+      <a:schemeClr val="dk2">
+        <a:shade val="80000"/>
+      </a:schemeClr>
+    </dgm:fillClrLst>
+    <dgm:linClrLst meth="repeat">
+      <a:schemeClr val="dk2"/>
+    </dgm:linClrLst>
+    <dgm:effectClrLst/>
+    <dgm:txLinClrLst/>
+    <dgm:txFillClrLst meth="repeat">
+      <a:schemeClr val="lt1"/>
+    </dgm:txFillClrLst>
+    <dgm:txEffectClrLst/>
+  </dgm:styleLbl>
+  <dgm:styleLbl name="trBgShp">
+    <dgm:fillClrLst meth="repeat">
+      <a:schemeClr val="dk2">
+        <a:tint val="50000"/>
+        <a:alpha val="40000"/>
+      </a:schemeClr>
+    </dgm:fillClrLst>
+    <dgm:linClrLst meth="repeat">
+      <a:schemeClr val="dk2"/>
+    </dgm:linClrLst>
+    <dgm:effectClrLst/>
+    <dgm:txLinClrLst/>
+    <dgm:txFillClrLst meth="repeat">
+      <a:schemeClr val="lt1"/>
+    </dgm:txFillClrLst>
+    <dgm:txEffectClrLst/>
+  </dgm:styleLbl>
+  <dgm:styleLbl name="fgShp">
+    <dgm:fillClrLst meth="repeat">
+      <a:schemeClr val="dk2">
+        <a:tint val="60000"/>
+      </a:schemeClr>
+    </dgm:fillClrLst>
+    <dgm:linClrLst meth="repeat">
+      <a:schemeClr val="lt2"/>
+    </dgm:linClrLst>
+    <dgm:effectClrLst/>
+    <dgm:txLinClrLst/>
+    <dgm:txFillClrLst meth="repeat">
+      <a:schemeClr val="dk1"/>
+    </dgm:txFillClrLst>
+    <dgm:txEffectClrLst/>
+  </dgm:styleLbl>
+  <dgm:styleLbl name="revTx">
+    <dgm:fillClrLst meth="repeat">
+      <a:schemeClr val="lt2">
+        <a:alpha val="0"/>
+      </a:schemeClr>
+    </dgm:fillClrLst>
+    <dgm:linClrLst meth="repeat">
+      <a:schemeClr val="dk1">
+        <a:alpha val="0"/>
+      </a:schemeClr>
+    </dgm:linClrLst>
+    <dgm:effectClrLst/>
+    <dgm:txLinClrLst/>
+    <dgm:txFillClrLst meth="repeat">
+      <a:schemeClr val="tx1"/>
+    </dgm:txFillClrLst>
+    <dgm:txEffectClrLst/>
+  </dgm:styleLbl>
+</dgm:colorsDef>
+</file>
+
+<file path=ppt/diagrams/colors2.xml><?xml version="1.0" encoding="utf-8"?>
+<dgm:colorsDef xmlns:dgm="http://schemas.openxmlformats.org/drawingml/2006/diagram" xmlns:a="http://schemas.openxmlformats.org/drawingml/2006/main" uniqueId="urn:microsoft.com/office/officeart/2018/5/colors/Iconchunking_neutralicon_colorful1">
+  <dgm:title val=""/>
+  <dgm:desc val=""/>
+  <dgm:catLst>
+    <dgm:cat type="colorful" pri="10100"/>
+  </dgm:catLst>
+  <dgm:styleLbl name="node0">
+    <dgm:fillClrLst meth="repeat">
+      <a:schemeClr val="accent1"/>
+    </dgm:fillClrLst>
+    <dgm:linClrLst meth="repeat">
+      <a:schemeClr val="lt1"/>
+    </dgm:linClrLst>
+    <dgm:effectClrLst/>
+    <dgm:txLinClrLst/>
+    <dgm:txFillClrLst/>
+    <dgm:txEffectClrLst/>
+  </dgm:styleLbl>
+  <dgm:styleLbl name="node1">
+    <dgm:fillClrLst meth="repeat">
+      <a:schemeClr val="bg1"/>
+    </dgm:fillClrLst>
+    <dgm:linClrLst meth="repeat">
+      <a:schemeClr val="lt1">
+        <a:alpha val="0"/>
+      </a:schemeClr>
+    </dgm:linClrLst>
+    <dgm:effectClrLst/>
+    <dgm:txLinClrLst/>
+    <dgm:txFillClrLst meth="repeat">
+      <a:schemeClr val="dk1"/>
+    </dgm:txFillClrLst>
+    <dgm:txEffectClrLst/>
+  </dgm:styleLbl>
+  <dgm:styleLbl name="alignNode1">
+    <dgm:fillClrLst meth="repeat">
+      <a:schemeClr val="accent2"/>
+      <a:schemeClr val="accent3"/>
+      <a:schemeClr val="accent4"/>
+      <a:schemeClr val="accent5"/>
+      <a:schemeClr val="accent6"/>
+    </dgm:fillClrLst>
+    <dgm:linClrLst meth="repeat">
+      <a:schemeClr val="accent2"/>
+      <a:schemeClr val="accent3"/>
+      <a:schemeClr val="accent4"/>
+      <a:schemeClr val="accent5"/>
+      <a:schemeClr val="accent6"/>
+    </dgm:linClrLst>
+    <dgm:effectClrLst/>
+    <dgm:txLinClrLst/>
+    <dgm:txFillClrLst/>
+    <dgm:txEffectClrLst/>
+  </dgm:styleLbl>
+  <dgm:styleLbl name="lnNode1">
+    <dgm:fillClrLst meth="repeat">
+      <a:schemeClr val="accent2"/>
+      <a:schemeClr val="accent3"/>
+      <a:schemeClr val="accent4"/>
+      <a:schemeClr val="accent5"/>
+      <a:schemeClr val="accent6"/>
+    </dgm:fillClrLst>
+    <dgm:linClrLst meth="repeat">
+      <a:schemeClr val="lt1"/>
+    </dgm:linClrLst>
+    <dgm:effectClrLst/>
+    <dgm:txLinClrLst/>
+    <dgm:txFillClrLst/>
+    <dgm:txEffectClrLst/>
+  </dgm:styleLbl>
+  <dgm:styleLbl name="vennNode1">
+    <dgm:fillClrLst meth="repeat">
+      <a:schemeClr val="accent2">
+        <a:alpha val="50000"/>
+      </a:schemeClr>
+      <a:schemeClr val="accent3">
+        <a:alpha val="50000"/>
+      </a:schemeClr>
+      <a:schemeClr val="accent4">
+        <a:alpha val="50000"/>
+      </a:schemeClr>
+      <a:schemeClr val="accent5">
+        <a:alpha val="50000"/>
+      </a:schemeClr>
+      <a:schemeClr val="accent6">
+        <a:alpha val="50000"/>
+      </a:schemeClr>
+    </dgm:fillClrLst>
+    <dgm:linClrLst meth="repeat">
+      <a:schemeClr val="lt1"/>
+    </dgm:linClrLst>
+    <dgm:effectClrLst/>
+    <dgm:txLinClrLst/>
+    <dgm:txFillClrLst/>
+    <dgm:txEffectClrLst/>
+  </dgm:styleLbl>
+  <dgm:styleLbl name="node2">
+    <dgm:fillClrLst>
+      <a:schemeClr val="accent2"/>
+    </dgm:fillClrLst>
+    <dgm:linClrLst meth="repeat">
+      <a:schemeClr val="lt1"/>
+    </dgm:linClrLst>
+    <dgm:effectClrLst/>
+    <dgm:txLinClrLst/>
+    <dgm:txFillClrLst/>
+    <dgm:txEffectClrLst/>
+  </dgm:styleLbl>
+  <dgm:styleLbl name="node3">
+    <dgm:fillClrLst>
+      <a:schemeClr val="accent3"/>
+    </dgm:fillClrLst>
+    <dgm:linClrLst meth="repeat">
+      <a:schemeClr val="lt1"/>
+    </dgm:linClrLst>
+    <dgm:effectClrLst/>
+    <dgm:txLinClrLst/>
+    <dgm:txFillClrLst/>
+    <dgm:txEffectClrLst/>
+  </dgm:styleLbl>
+  <dgm:styleLbl name="node4">
+    <dgm:fillClrLst>
+      <a:schemeClr val="accent4"/>
+    </dgm:fillClrLst>
+    <dgm:linClrLst meth="repeat">
+      <a:schemeClr val="lt1"/>
+    </dgm:linClrLst>
+    <dgm:effectClrLst/>
+    <dgm:txLinClrLst/>
+    <dgm:txFillClrLst/>
+    <dgm:txEffectClrLst/>
+  </dgm:styleLbl>
+  <dgm:styleLbl name="fgImgPlace1">
+    <dgm:fillClrLst meth="repeat">
+      <a:schemeClr val="accent2">
+        <a:tint val="50000"/>
+      </a:schemeClr>
+      <a:schemeClr val="accent3">
+        <a:tint val="50000"/>
+      </a:schemeClr>
+      <a:schemeClr val="accent4">
+        <a:tint val="50000"/>
+      </a:schemeClr>
+      <a:schemeClr val="accent5">
+        <a:tint val="50000"/>
+      </a:schemeClr>
+      <a:schemeClr val="accent6">
+        <a:tint val="50000"/>
+      </a:schemeClr>
+    </dgm:fillClrLst>
+    <dgm:linClrLst meth="repeat">
+      <a:schemeClr val="lt1"/>
+    </dgm:linClrLst>
+    <dgm:effectClrLst/>
+    <dgm:txLinClrLst/>
+    <dgm:txFillClrLst meth="repeat">
+      <a:schemeClr val="lt1"/>
+    </dgm:txFillClrLst>
+    <dgm:txEffectClrLst/>
+  </dgm:styleLbl>
+  <dgm:styleLbl name="alignImgPlace1">
+    <dgm:fillClrLst>
+      <a:schemeClr val="accent1">
+        <a:tint val="50000"/>
+      </a:schemeClr>
+      <a:schemeClr val="accent2">
+        <a:tint val="20000"/>
+      </a:schemeClr>
+    </dgm:fillClrLst>
+    <dgm:linClrLst meth="repeat">
+      <a:schemeClr val="lt1"/>
+    </dgm:linClrLst>
+    <dgm:effectClrLst/>
+    <dgm:txLinClrLst/>
+    <dgm:txFillClrLst meth="repeat">
+      <a:schemeClr val="lt1"/>
+    </dgm:txFillClrLst>
+    <dgm:txEffectClrLst/>
+  </dgm:styleLbl>
+  <dgm:styleLbl name="bgImgPlace1">
+    <dgm:fillClrLst>
+      <a:schemeClr val="accent1">
+        <a:tint val="50000"/>
+      </a:schemeClr>
+      <a:schemeClr val="accent2">
+        <a:tint val="20000"/>
+      </a:schemeClr>
+    </dgm:fillClrLst>
+    <dgm:linClrLst meth="repeat">
+      <a:schemeClr val="lt1"/>
+    </dgm:linClrLst>
+    <dgm:effectClrLst/>
+    <dgm:txLinClrLst/>
+    <dgm:txFillClrLst meth="repeat">
+      <a:schemeClr val="lt1"/>
+    </dgm:txFillClrLst>
+    <dgm:txEffectClrLst/>
+  </dgm:styleLbl>
+  <dgm:styleLbl name="sibTrans2D1">
+    <dgm:fillClrLst meth="repeat">
+      <a:schemeClr val="accent2"/>
+      <a:schemeClr val="accent3"/>
+      <a:schemeClr val="accent4"/>
+      <a:schemeClr val="accent5"/>
+      <a:schemeClr val="accent6"/>
+    </dgm:fillClrLst>
+    <dgm:linClrLst meth="cycle">
+      <a:schemeClr val="lt1"/>
+    </dgm:linClrLst>
+    <dgm:effectClrLst/>
+    <dgm:txLinClrLst/>
+    <dgm:txFillClrLst/>
+    <dgm:txEffectClrLst/>
+  </dgm:styleLbl>
+  <dgm:styleLbl name="fgSibTrans2D1">
+    <dgm:fillClrLst meth="repeat">
+      <a:schemeClr val="accent2"/>
+      <a:schemeClr val="accent3"/>
+      <a:schemeClr val="accent4"/>
+      <a:schemeClr val="accent5"/>
+      <a:schemeClr val="accent6"/>
+    </dgm:fillClrLst>
+    <dgm:linClrLst meth="cycle">
+      <a:schemeClr val="lt1"/>
+    </dgm:linClrLst>
+    <dgm:effectClrLst/>
+    <dgm:txLinClrLst/>
+    <dgm:txFillClrLst meth="repeat">
+      <a:schemeClr val="lt1"/>
+    </dgm:txFillClrLst>
+    <dgm:txEffectClrLst/>
+  </dgm:styleLbl>
+  <dgm:styleLbl name="bgSibTrans2D1">
+    <dgm:fillClrLst meth="repeat">
+      <a:schemeClr val="accent2"/>
+      <a:schemeClr val="accent3"/>
+      <a:schemeClr val="accent4"/>
+      <a:schemeClr val="accent5"/>
+      <a:schemeClr val="accent6"/>
+    </dgm:fillClrLst>
+    <dgm:linClrLst meth="cycle">
+      <a:schemeClr val="lt1"/>
+    </dgm:linClrLst>
+    <dgm:effectClrLst/>
+    <dgm:txLinClrLst/>
+    <dgm:txFillClrLst meth="repeat">
+      <a:schemeClr val="lt1"/>
+    </dgm:txFillClrLst>
+    <dgm:txEffectClrLst/>
+  </dgm:styleLbl>
+  <dgm:styleLbl name="sibTrans1D1">
+    <dgm:fillClrLst meth="repeat">
+      <a:schemeClr val="accent2"/>
+      <a:schemeClr val="accent3"/>
+      <a:schemeClr val="accent4"/>
+      <a:schemeClr val="accent5"/>
+      <a:schemeClr val="accent6"/>
+    </dgm:fillClrLst>
+    <dgm:linClrLst meth="repeat">
+      <a:schemeClr val="accent2"/>
+      <a:schemeClr val="accent3"/>
+      <a:schemeClr val="accent4"/>
+      <a:schemeClr val="accent5"/>
+      <a:schemeClr val="accent6"/>
+    </dgm:linClrLst>
+    <dgm:effectClrLst/>
+    <dgm:txLinClrLst/>
+    <dgm:txFillClrLst meth="repeat">
+      <a:schemeClr val="tx1"/>
+    </dgm:txFillClrLst>
+    <dgm:txEffectClrLst/>
+  </dgm:styleLbl>
+  <dgm:styleLbl name="callout">
+    <dgm:fillClrLst meth="repeat">
+      <a:schemeClr val="accent2"/>
+    </dgm:fillClrLst>
+    <dgm:linClrLst meth="repeat">
+      <a:schemeClr val="accent2">
+        <a:tint val="50000"/>
+      </a:schemeClr>
+    </dgm:linClrLst>
+    <dgm:effectClrLst/>
+    <dgm:txLinClrLst/>
+    <dgm:txFillClrLst meth="repeat">
+      <a:schemeClr val="tx1"/>
+    </dgm:txFillClrLst>
+    <dgm:txEffectClrLst/>
+  </dgm:styleLbl>
+  <dgm:styleLbl name="asst0">
+    <dgm:fillClrLst meth="repeat">
+      <a:schemeClr val="accent1"/>
+    </dgm:fillClrLst>
+    <dgm:linClrLst meth="repeat">
+      <a:schemeClr val="lt1"/>
+    </dgm:linClrLst>
+    <dgm:effectClrLst/>
+    <dgm:txLinClrLst/>
+    <dgm:txFillClrLst/>
+    <dgm:txEffectClrLst/>
+  </dgm:styleLbl>
+  <dgm:styleLbl name="asst1">
+    <dgm:fillClrLst meth="repeat">
+      <a:schemeClr val="accent2"/>
+    </dgm:fillClrLst>
+    <dgm:linClrLst meth="repeat">
+      <a:schemeClr val="lt1"/>
+    </dgm:linClrLst>
+    <dgm:effectClrLst/>
+    <dgm:txLinClrLst/>
+    <dgm:txFillClrLst/>
+    <dgm:txEffectClrLst/>
+  </dgm:styleLbl>
+  <dgm:styleLbl name="asst2">
+    <dgm:fillClrLst>
+      <a:schemeClr val="accent3"/>
+    </dgm:fillClrLst>
+    <dgm:linClrLst meth="repeat">
+      <a:schemeClr val="lt1"/>
+    </dgm:linClrLst>
+    <dgm:effectClrLst/>
+    <dgm:txLinClrLst/>
+    <dgm:txFillClrLst/>
+    <dgm:txEffectClrLst/>
+  </dgm:styleLbl>
+  <dgm:styleLbl name="asst3">
+    <dgm:fillClrLst>
+      <a:schemeClr val="accent4"/>
+    </dgm:fillClrLst>
+    <dgm:linClrLst meth="repeat">
+      <a:schemeClr val="lt1"/>
+    </dgm:linClrLst>
+    <dgm:effectClrLst/>
+    <dgm:txLinClrLst/>
+    <dgm:txFillClrLst/>
+    <dgm:txEffectClrLst/>
+  </dgm:styleLbl>
+  <dgm:styleLbl name="asst4">
+    <dgm:fillClrLst>
+      <a:schemeClr val="accent5"/>
+    </dgm:fillClrLst>
+    <dgm:linClrLst meth="repeat">
+      <a:schemeClr val="lt1"/>
+    </dgm:linClrLst>
+    <dgm:effectClrLst/>
+    <dgm:txLinClrLst/>
+    <dgm:txFillClrLst/>
+    <dgm:txEffectClrLst/>
+  </dgm:styleLbl>
+  <dgm:styleLbl name="parChTrans2D1">
+    <dgm:fillClrLst meth="repeat">
+      <a:schemeClr val="accent2"/>
+    </dgm:fillClrLst>
+    <dgm:linClrLst meth="repeat">
+      <a:schemeClr val="lt1"/>
+    </dgm:linClrLst>
+    <dgm:effectClrLst/>
+    <dgm:txLinClrLst/>
+    <dgm:txFillClrLst meth="repeat">
+      <a:schemeClr val="lt1"/>
+    </dgm:txFillClrLst>
+    <dgm:txEffectClrLst/>
+  </dgm:styleLbl>
+  <dgm:styleLbl name="parChTrans2D2">
+    <dgm:fillClrLst meth="repeat">
+      <a:schemeClr val="accent3"/>
+    </dgm:fillClrLst>
+    <dgm:linClrLst meth="repeat">
+      <a:schemeClr val="lt1"/>
+    </dgm:linClrLst>
+    <dgm:effectClrLst/>
+    <dgm:txLinClrLst/>
+    <dgm:txFillClrLst/>
+    <dgm:txEffectClrLst/>
+  </dgm:styleLbl>
+  <dgm:styleLbl name="parChTrans2D3">
+    <dgm:fillClrLst meth="repeat">
+      <a:schemeClr val="accent4"/>
+    </dgm:fillClrLst>
+    <dgm:linClrLst meth="repeat">
+      <a:schemeClr val="lt1"/>
+    </dgm:linClrLst>
+    <dgm:effectClrLst/>
+    <dgm:txLinClrLst/>
+    <dgm:txFillClrLst/>
+    <dgm:txEffectClrLst/>
+  </dgm:styleLbl>
+  <dgm:styleLbl name="parChTrans2D4">
+    <dgm:fillClrLst meth="repeat">
+      <a:schemeClr val="accent5"/>
+    </dgm:fillClrLst>
+    <dgm:linClrLst meth="repeat">
+      <a:schemeClr val="lt1"/>
+    </dgm:linClrLst>
+    <dgm:effectClrLst/>
+    <dgm:txLinClrLst/>
+    <dgm:txFillClrLst meth="repeat">
+      <a:schemeClr val="lt1"/>
+    </dgm:txFillClrLst>
+    <dgm:txEffectClrLst/>
+  </dgm:styleLbl>
+  <dgm:styleLbl name="parChTrans1D1">
+    <dgm:fillClrLst meth="repeat">
+      <a:schemeClr val="accent2"/>
+    </dgm:fillClrLst>
+    <dgm:linClrLst meth="repeat">
+      <a:schemeClr val="accent1"/>
+    </dgm:linClrLst>
+    <dgm:effectClrLst/>
+    <dgm:txLinClrLst/>
+    <dgm:txFillClrLst meth="repeat">
+      <a:schemeClr val="tx1"/>
+    </dgm:txFillClrLst>
+    <dgm:txEffectClrLst/>
+  </dgm:styleLbl>
+  <dgm:styleLbl name="parChTrans1D2">
+    <dgm:fillClrLst meth="repeat">
+      <a:schemeClr val="accent3">
+        <a:tint val="90000"/>
+      </a:schemeClr>
+    </dgm:fillClrLst>
+    <dgm:linClrLst meth="repeat">
+      <a:schemeClr val="accent2"/>
+    </dgm:linClrLst>
+    <dgm:effectClrLst/>
+    <dgm:txLinClrLst/>
+    <dgm:txFillClrLst meth="repeat">
+      <a:schemeClr val="tx1"/>
+    </dgm:txFillClrLst>
+    <dgm:txEffectClrLst/>
+  </dgm:styleLbl>
+  <dgm:styleLbl name="parChTrans1D3">
+    <dgm:fillClrLst meth="repeat">
+      <a:schemeClr val="accent4">
+        <a:tint val="70000"/>
+      </a:schemeClr>
+    </dgm:fillClrLst>
+    <dgm:linClrLst meth="repeat">
+      <a:schemeClr val="accent3"/>
+    </dgm:linClrLst>
+    <dgm:effectClrLst/>
+    <dgm:txLinClrLst/>
+    <dgm:txFillClrLst meth="repeat">
+      <a:schemeClr val="tx1"/>
+    </dgm:txFillClrLst>
+    <dgm:txEffectClrLst/>
+  </dgm:styleLbl>
+  <dgm:styleLbl name="parChTrans1D4">
+    <dgm:fillClrLst meth="repeat">
+      <a:schemeClr val="accent5">
+        <a:tint val="50000"/>
+      </a:schemeClr>
+    </dgm:fillClrLst>
+    <dgm:linClrLst meth="repeat">
+      <a:schemeClr val="accent4"/>
+    </dgm:linClrLst>
+    <dgm:effectClrLst/>
+    <dgm:txLinClrLst/>
+    <dgm:txFillClrLst meth="repeat">
+      <a:schemeClr val="tx1"/>
+    </dgm:txFillClrLst>
+    <dgm:txEffectClrLst/>
+  </dgm:styleLbl>
+  <dgm:styleLbl name="fgAcc1">
+    <dgm:fillClrLst meth="repeat">
+      <a:schemeClr val="lt1">
+        <a:alpha val="90000"/>
+      </a:schemeClr>
+    </dgm:fillClrLst>
+    <dgm:linClrLst meth="repeat">
+      <a:schemeClr val="accent2"/>
+      <a:schemeClr val="accent3"/>
+      <a:schemeClr val="accent4"/>
+      <a:schemeClr val="accent5"/>
+      <a:schemeClr val="accent6"/>
+    </dgm:linClrLst>
+    <dgm:effectClrLst/>
+    <dgm:txLinClrLst/>
+    <dgm:txFillClrLst meth="repeat">
+      <a:schemeClr val="dk1"/>
+    </dgm:txFillClrLst>
+    <dgm:txEffectClrLst/>
+  </dgm:styleLbl>
+  <dgm:styleLbl name="conFgAcc1">
+    <dgm:fillClrLst meth="repeat">
+      <a:schemeClr val="lt1">
+        <a:alpha val="90000"/>
+      </a:schemeClr>
+    </dgm:fillClrLst>
+    <dgm:linClrLst meth="repeat">
+      <a:schemeClr val="accent2"/>
+      <a:schemeClr val="accent3"/>
+      <a:schemeClr val="accent4"/>
+      <a:schemeClr val="accent5"/>
+      <a:schemeClr val="accent6"/>
+    </dgm:linClrLst>
+    <dgm:effectClrLst/>
+    <dgm:txLinClrLst/>
+    <dgm:txFillClrLst meth="repeat">
+      <a:schemeClr val="dk1"/>
+    </dgm:txFillClrLst>
+    <dgm:txEffectClrLst/>
+  </dgm:styleLbl>
+  <dgm:styleLbl name="alignAcc1">
+    <dgm:fillClrLst meth="repeat">
+      <a:schemeClr val="lt1">
+        <a:alpha val="90000"/>
+      </a:schemeClr>
+    </dgm:fillClrLst>
+    <dgm:linClrLst meth="repeat">
+      <a:schemeClr val="accent2"/>
+      <a:schemeClr val="accent3"/>
+      <a:schemeClr val="accent4"/>
+      <a:schemeClr val="accent5"/>
+      <a:schemeClr val="accent6"/>
+    </dgm:linClrLst>
+    <dgm:effectClrLst/>
+    <dgm:txLinClrLst/>
+    <dgm:txFillClrLst meth="repeat">
+      <a:schemeClr val="dk1"/>
+    </dgm:txFillClrLst>
+    <dgm:txEffectClrLst/>
+  </dgm:styleLbl>
+  <dgm:styleLbl name="trAlignAcc1">
+    <dgm:fillClrLst meth="repeat">
+      <a:schemeClr val="lt1">
+        <a:alpha val="40000"/>
+      </a:schemeClr>
+    </dgm:fillClrLst>
+    <dgm:linClrLst meth="repeat">
+      <a:schemeClr val="accent1"/>
+    </dgm:linClrLst>
+    <dgm:effectClrLst/>
+    <dgm:txLinClrLst/>
+    <dgm:txFillClrLst meth="repeat">
+      <a:schemeClr val="dk1"/>
+    </dgm:txFillClrLst>
+    <dgm:txEffectClrLst/>
+  </dgm:styleLbl>
+  <dgm:styleLbl name="bgAcc1">
+    <dgm:fillClrLst meth="repeat">
+      <a:schemeClr val="lt1">
+        <a:alpha val="90000"/>
+      </a:schemeClr>
+    </dgm:fillClrLst>
+    <dgm:linClrLst meth="repeat">
+      <a:schemeClr val="accent2"/>
+      <a:schemeClr val="accent3"/>
+      <a:schemeClr val="accent4"/>
+      <a:schemeClr val="accent5"/>
+      <a:schemeClr val="accent6"/>
+    </dgm:linClrLst>
+    <dgm:effectClrLst/>
+    <dgm:txLinClrLst/>
+    <dgm:txFillClrLst meth="repeat">
+      <a:schemeClr val="dk1"/>
+    </dgm:txFillClrLst>
+    <dgm:txEffectClrLst/>
+  </dgm:styleLbl>
+  <dgm:styleLbl name="solidFgAcc1">
+    <dgm:fillClrLst meth="repeat">
+      <a:schemeClr val="lt1"/>
+    </dgm:fillClrLst>
+    <dgm:linClrLst meth="repeat">
+      <a:schemeClr val="accent2"/>
+      <a:schemeClr val="accent3"/>
+      <a:schemeClr val="accent4"/>
+      <a:schemeClr val="accent5"/>
+      <a:schemeClr val="accent6"/>
+    </dgm:linClrLst>
+    <dgm:effectClrLst/>
+    <dgm:txLinClrLst/>
+    <dgm:txFillClrLst meth="repeat">
+      <a:schemeClr val="dk1"/>
+    </dgm:txFillClrLst>
+    <dgm:txEffectClrLst/>
+  </dgm:styleLbl>
+  <dgm:styleLbl name="solidAlignAcc1">
+    <dgm:fillClrLst meth="repeat">
+      <a:schemeClr val="lt1"/>
+    </dgm:fillClrLst>
+    <dgm:linClrLst meth="repeat">
+      <a:schemeClr val="accent2"/>
+      <a:schemeClr val="accent3"/>
+      <a:schemeClr val="accent4"/>
+      <a:schemeClr val="accent5"/>
+      <a:schemeClr val="accent6"/>
+    </dgm:linClrLst>
+    <dgm:effectClrLst/>
+    <dgm:txLinClrLst/>
+    <dgm:txFillClrLst meth="repeat">
+      <a:schemeClr val="dk1"/>
+    </dgm:txFillClrLst>
+    <dgm:txEffectClrLst/>
+  </dgm:styleLbl>
+  <dgm:styleLbl name="solidBgAcc1">
+    <dgm:fillClrLst meth="repeat">
+      <a:schemeClr val="lt1"/>
+    </dgm:fillClrLst>
+    <dgm:linClrLst meth="repeat">
+      <a:schemeClr val="accent2"/>
+      <a:schemeClr val="accent3"/>
+      <a:schemeClr val="accent4"/>
+      <a:schemeClr val="accent5"/>
+      <a:schemeClr val="accent6"/>
+    </dgm:linClrLst>
+    <dgm:effectClrLst/>
+    <dgm:txLinClrLst/>
+    <dgm:txFillClrLst meth="repeat">
+      <a:schemeClr val="dk1"/>
+    </dgm:txFillClrLst>
+    <dgm:txEffectClrLst/>
+  </dgm:styleLbl>
+  <dgm:styleLbl name="fgAccFollowNode1">
+    <dgm:fillClrLst meth="repeat">
+      <a:schemeClr val="accent2">
+        <a:tint val="40000"/>
+        <a:alpha val="90000"/>
+      </a:schemeClr>
+      <a:schemeClr val="accent3">
+        <a:tint val="40000"/>
+        <a:alpha val="90000"/>
+      </a:schemeClr>
+      <a:schemeClr val="accent4">
+        <a:tint val="40000"/>
+        <a:alpha val="90000"/>
+      </a:schemeClr>
+      <a:schemeClr val="accent5">
+        <a:tint val="40000"/>
+        <a:alpha val="90000"/>
+      </a:schemeClr>
+      <a:schemeClr val="accent6">
+        <a:tint val="40000"/>
+        <a:alpha val="90000"/>
+      </a:schemeClr>
+    </dgm:fillClrLst>
+    <dgm:linClrLst meth="repeat">
+      <a:schemeClr val="accent2">
+        <a:tint val="40000"/>
+        <a:alpha val="90000"/>
+      </a:schemeClr>
+      <a:schemeClr val="accent3">
+        <a:tint val="40000"/>
+        <a:alpha val="90000"/>
+      </a:schemeClr>
+      <a:schemeClr val="accent4">
+        <a:tint val="40000"/>
+        <a:alpha val="90000"/>
+      </a:schemeClr>
+      <a:schemeClr val="accent5">
+        <a:tint val="40000"/>
+        <a:alpha val="90000"/>
+      </a:schemeClr>
+      <a:schemeClr val="accent6">
+        <a:tint val="40000"/>
+        <a:alpha val="90000"/>
+      </a:schemeClr>
+    </dgm:linClrLst>
+    <dgm:effectClrLst/>
+    <dgm:txLinClrLst/>
+    <dgm:txFillClrLst meth="repeat">
+      <a:schemeClr val="dk1"/>
+    </dgm:txFillClrLst>
+    <dgm:txEffectClrLst/>
+  </dgm:styleLbl>
+  <dgm:styleLbl name="alignAccFollowNode1">
+    <dgm:fillClrLst meth="repeat">
+      <a:schemeClr val="accent2">
+        <a:tint val="40000"/>
+        <a:alpha val="90000"/>
+      </a:schemeClr>
+      <a:schemeClr val="accent3">
+        <a:tint val="40000"/>
+        <a:alpha val="90000"/>
+      </a:schemeClr>
+      <a:schemeClr val="accent4">
+        <a:tint val="40000"/>
+        <a:alpha val="90000"/>
+      </a:schemeClr>
+      <a:schemeClr val="accent5">
+        <a:tint val="40000"/>
+        <a:alpha val="90000"/>
+      </a:schemeClr>
+      <a:schemeClr val="accent6">
+        <a:tint val="40000"/>
+        <a:alpha val="90000"/>
+      </a:schemeClr>
+    </dgm:fillClrLst>
+    <dgm:linClrLst meth="repeat">
+      <a:schemeClr val="accent2">
+        <a:tint val="40000"/>
+        <a:alpha val="90000"/>
+      </a:schemeClr>
+      <a:schemeClr val="accent3">
+        <a:tint val="40000"/>
+        <a:alpha val="90000"/>
+      </a:schemeClr>
+      <a:schemeClr val="accent4">
+        <a:tint val="40000"/>
+        <a:alpha val="90000"/>
+      </a:schemeClr>
+      <a:schemeClr val="accent5">
+        <a:tint val="40000"/>
+        <a:alpha val="90000"/>
+      </a:schemeClr>
+      <a:schemeClr val="accent6">
+        <a:tint val="40000"/>
+        <a:alpha val="90000"/>
+      </a:schemeClr>
+    </dgm:linClrLst>
+    <dgm:effectClrLst/>
+    <dgm:txLinClrLst/>
+    <dgm:txFillClrLst meth="repeat">
+      <a:schemeClr val="dk1"/>
+    </dgm:txFillClrLst>
+    <dgm:txEffectClrLst/>
+  </dgm:styleLbl>
+  <dgm:styleLbl name="bgAccFollowNode1">
+    <dgm:fillClrLst meth="repeat">
+      <a:schemeClr val="accent2">
+        <a:tint val="40000"/>
+        <a:alpha val="90000"/>
+      </a:schemeClr>
+      <a:schemeClr val="accent3">
+        <a:tint val="40000"/>
+        <a:alpha val="90000"/>
+      </a:schemeClr>
+      <a:schemeClr val="accent4">
+        <a:tint val="40000"/>
+        <a:alpha val="90000"/>
+      </a:schemeClr>
+      <a:schemeClr val="accent5">
+        <a:tint val="40000"/>
+        <a:alpha val="90000"/>
+      </a:schemeClr>
+      <a:schemeClr val="accent6">
+        <a:tint val="40000"/>
+        <a:alpha val="90000"/>
+      </a:schemeClr>
+    </dgm:fillClrLst>
+    <dgm:linClrLst meth="repeat">
+      <a:schemeClr val="accent2">
+        <a:tint val="40000"/>
+        <a:alpha val="90000"/>
+      </a:schemeClr>
+      <a:schemeClr val="accent3">
+        <a:tint val="40000"/>
+        <a:alpha val="90000"/>
+      </a:schemeClr>
+      <a:schemeClr val="accent4">
+        <a:tint val="40000"/>
+        <a:alpha val="90000"/>
+      </a:schemeClr>
+      <a:schemeClr val="accent5">
+        <a:tint val="40000"/>
+        <a:alpha val="90000"/>
+      </a:schemeClr>
+      <a:schemeClr val="accent6">
+        <a:tint val="40000"/>
+        <a:alpha val="90000"/>
+      </a:schemeClr>
+    </dgm:linClrLst>
+    <dgm:effectClrLst/>
+    <dgm:txLinClrLst/>
+    <dgm:txFillClrLst meth="repeat">
+      <a:schemeClr val="dk1"/>
+    </dgm:txFillClrLst>
+    <dgm:txEffectClrLst/>
+  </dgm:styleLbl>
+  <dgm:styleLbl name="fgAcc0">
+    <dgm:fillClrLst meth="repeat">
+      <a:schemeClr val="lt1">
+        <a:alpha val="90000"/>
+      </a:schemeClr>
+    </dgm:fillClrLst>
+    <dgm:linClrLst>
+      <a:schemeClr val="accent1"/>
+    </dgm:linClrLst>
+    <dgm:effectClrLst/>
+    <dgm:txLinClrLst/>
+    <dgm:txFillClrLst meth="repeat">
+      <a:schemeClr val="dk1"/>
+    </dgm:txFillClrLst>
+    <dgm:txEffectClrLst/>
+  </dgm:styleLbl>
+  <dgm:styleLbl name="fgAcc2">
+    <dgm:fillClrLst meth="repeat">
+      <a:schemeClr val="lt1">
+        <a:alpha val="90000"/>
+      </a:schemeClr>
+    </dgm:fillClrLst>
+    <dgm:linClrLst>
+      <a:schemeClr val="accent2"/>
+    </dgm:linClrLst>
+    <dgm:effectClrLst/>
+    <dgm:txLinClrLst/>
+    <dgm:txFillClrLst meth="repeat">
+      <a:schemeClr val="dk1"/>
+    </dgm:txFillClrLst>
+    <dgm:txEffectClrLst/>
+  </dgm:styleLbl>
+  <dgm:styleLbl name="fgAcc3">
+    <dgm:fillClrLst meth="repeat">
+      <a:schemeClr val="lt1">
+        <a:alpha val="90000"/>
+      </a:schemeClr>
+    </dgm:fillClrLst>
+    <dgm:linClrLst>
+      <a:schemeClr val="accent3"/>
+    </dgm:linClrLst>
+    <dgm:effectClrLst/>
+    <dgm:txLinClrLst/>
+    <dgm:txFillClrLst meth="repeat">
+      <a:schemeClr val="dk1"/>
+    </dgm:txFillClrLst>
+    <dgm:txEffectClrLst/>
+  </dgm:styleLbl>
+  <dgm:styleLbl name="fgAcc4">
+    <dgm:fillClrLst meth="repeat">
+      <a:schemeClr val="lt1">
+        <a:alpha val="90000"/>
+      </a:schemeClr>
+    </dgm:fillClrLst>
+    <dgm:linClrLst>
+      <a:schemeClr val="accent4"/>
+    </dgm:linClrLst>
+    <dgm:effectClrLst/>
+    <dgm:txLinClrLst/>
+    <dgm:txFillClrLst meth="repeat">
+      <a:schemeClr val="dk1"/>
+    </dgm:txFillClrLst>
+    <dgm:txEffectClrLst/>
+  </dgm:styleLbl>
+  <dgm:styleLbl name="bgShp">
+    <dgm:fillClrLst meth="repeat">
+      <a:schemeClr val="accent2"/>
+      <a:schemeClr val="accent3"/>
+      <a:schemeClr val="accent4"/>
+      <a:schemeClr val="accent5"/>
+      <a:schemeClr val="accent6"/>
+    </dgm:fillClrLst>
+    <dgm:linClrLst meth="repeat">
+      <a:schemeClr val="lt1">
+        <a:alpha val="0"/>
+      </a:schemeClr>
+    </dgm:linClrLst>
+    <dgm:effectClrLst/>
+    <dgm:txLinClrLst/>
+    <dgm:txFillClrLst/>
+    <dgm:txEffectClrLst/>
+  </dgm:styleLbl>
+  <dgm:styleLbl name="dkBgShp">
+    <dgm:fillClrLst meth="repeat">
+      <a:schemeClr val="accent2">
+        <a:shade val="90000"/>
+      </a:schemeClr>
+    </dgm:fillClrLst>
+    <dgm:linClrLst meth="repeat">
+      <a:schemeClr val="dk1"/>
+    </dgm:linClrLst>
+    <dgm:effectClrLst/>
+    <dgm:txLinClrLst/>
+    <dgm:txFillClrLst meth="repeat">
+      <a:schemeClr val="lt1"/>
+    </dgm:txFillClrLst>
+    <dgm:txEffectClrLst/>
+  </dgm:styleLbl>
+  <dgm:styleLbl name="trBgShp">
+    <dgm:fillClrLst meth="repeat">
+      <a:schemeClr val="accent1">
+        <a:tint val="50000"/>
+        <a:alpha val="40000"/>
+      </a:schemeClr>
+    </dgm:fillClrLst>
+    <dgm:linClrLst meth="repeat">
+      <a:schemeClr val="accent2"/>
+    </dgm:linClrLst>
+    <dgm:effectClrLst/>
+    <dgm:txLinClrLst/>
+    <dgm:txFillClrLst meth="repeat">
+      <a:schemeClr val="lt1"/>
+    </dgm:txFillClrLst>
+    <dgm:txEffectClrLst/>
+  </dgm:styleLbl>
+  <dgm:styleLbl name="fgShp">
+    <dgm:fillClrLst meth="repeat">
+      <a:schemeClr val="accent2">
+        <a:tint val="40000"/>
+      </a:schemeClr>
+    </dgm:fillClrLst>
+    <dgm:linClrLst meth="repeat">
+      <a:schemeClr val="lt1"/>
+    </dgm:linClrLst>
+    <dgm:effectClrLst/>
+    <dgm:txLinClrLst/>
+    <dgm:txFillClrLst meth="repeat">
+      <a:schemeClr val="dk1"/>
+    </dgm:txFillClrLst>
+    <dgm:txEffectClrLst/>
+  </dgm:styleLbl>
+  <dgm:styleLbl name="revTx">
+    <dgm:fillClrLst meth="repeat">
+      <a:schemeClr val="lt1">
+        <a:alpha val="0"/>
+      </a:schemeClr>
+    </dgm:fillClrLst>
+    <dgm:linClrLst meth="repeat">
+      <a:schemeClr val="dk1">
+        <a:alpha val="0"/>
+      </a:schemeClr>
+    </dgm:linClrLst>
+    <dgm:effectClrLst/>
+    <dgm:txLinClrLst/>
+    <dgm:txFillClrLst meth="repeat">
+      <a:schemeClr val="tx1"/>
+    </dgm:txFillClrLst>
+    <dgm:txEffectClrLst/>
+  </dgm:styleLbl>
+</dgm:colorsDef>
+</file>
+
+<file path=ppt/diagrams/data1.xml><?xml version="1.0" encoding="utf-8"?>
+<dgm:dataModel xmlns:dgm="http://schemas.openxmlformats.org/drawingml/2006/diagram" xmlns:a="http://schemas.openxmlformats.org/drawingml/2006/main">
+  <dgm:ptLst>
+    <dgm:pt modelId="{0DAB7E04-18CD-46EC-9B1C-7C4D35C297A9}" type="doc">
+      <dgm:prSet loTypeId="urn:microsoft.com/office/officeart/2005/8/layout/hierarchy1" loCatId="hierarchy" qsTypeId="urn:microsoft.com/office/officeart/2005/8/quickstyle/simple1" qsCatId="simple" csTypeId="urn:microsoft.com/office/officeart/2005/8/colors/accent0_3" csCatId="mainScheme" phldr="1"/>
+      <dgm:spPr/>
+      <dgm:t>
+        <a:bodyPr/>
+        <a:lstStyle/>
+        <a:p>
+          <a:endParaRPr lang="en-US"/>
+        </a:p>
+      </dgm:t>
+    </dgm:pt>
+    <dgm:pt modelId="{81FF3985-98B8-4574-BC04-DFE2D5064D33}">
+      <dgm:prSet/>
+      <dgm:spPr/>
+      <dgm:t>
+        <a:bodyPr/>
+        <a:lstStyle/>
+        <a:p>
+          <a:r>
+            <a:rPr lang="it-IT" dirty="0"/>
+            <a:t>Sintassi del linguaggio query </a:t>
+          </a:r>
+          <a:r>
+            <a:rPr lang="it-IT" dirty="0" err="1"/>
+            <a:t>Pyspark</a:t>
+          </a:r>
+          <a:endParaRPr lang="en-US" dirty="0"/>
+        </a:p>
+      </dgm:t>
+    </dgm:pt>
+    <dgm:pt modelId="{629C7314-40CB-48F1-BEAE-1F2704D33AAC}" type="parTrans" cxnId="{9A0CE1F8-20B4-4336-9BB4-A9674295C501}">
+      <dgm:prSet/>
+      <dgm:spPr/>
+      <dgm:t>
+        <a:bodyPr/>
+        <a:lstStyle/>
+        <a:p>
+          <a:endParaRPr lang="en-US"/>
+        </a:p>
+      </dgm:t>
+    </dgm:pt>
+    <dgm:pt modelId="{64DF6DE0-196F-422F-BB4F-E3C10D78DA9B}" type="sibTrans" cxnId="{9A0CE1F8-20B4-4336-9BB4-A9674295C501}">
+      <dgm:prSet/>
+      <dgm:spPr/>
+      <dgm:t>
+        <a:bodyPr/>
+        <a:lstStyle/>
+        <a:p>
+          <a:endParaRPr lang="en-US"/>
+        </a:p>
+      </dgm:t>
+    </dgm:pt>
+    <dgm:pt modelId="{1FFE109D-F32C-42AA-B814-75A026D5D64A}">
+      <dgm:prSet/>
+      <dgm:spPr/>
+      <dgm:t>
+        <a:bodyPr/>
+        <a:lstStyle/>
+        <a:p>
+          <a:r>
+            <a:rPr lang="it-IT"/>
+            <a:t>Difficoltà nel testare lo script causa tempi di avvio dell’architettura cloud prolungati</a:t>
+          </a:r>
+          <a:endParaRPr lang="en-US"/>
+        </a:p>
+      </dgm:t>
+    </dgm:pt>
+    <dgm:pt modelId="{A08CDB00-866B-498B-922D-7D69F1BDDF7D}" type="parTrans" cxnId="{F1BF87E2-6F4B-4E0B-8A0A-865D8440E572}">
+      <dgm:prSet/>
+      <dgm:spPr/>
+      <dgm:t>
+        <a:bodyPr/>
+        <a:lstStyle/>
+        <a:p>
+          <a:endParaRPr lang="en-US"/>
+        </a:p>
+      </dgm:t>
+    </dgm:pt>
+    <dgm:pt modelId="{3BB1D63B-CEA0-41E6-9BDD-8476B673789F}" type="sibTrans" cxnId="{F1BF87E2-6F4B-4E0B-8A0A-865D8440E572}">
+      <dgm:prSet/>
+      <dgm:spPr/>
+      <dgm:t>
+        <a:bodyPr/>
+        <a:lstStyle/>
+        <a:p>
+          <a:endParaRPr lang="en-US"/>
+        </a:p>
+      </dgm:t>
+    </dgm:pt>
+    <dgm:pt modelId="{A62C1EE9-3014-42B7-831C-A00A2A74FA09}" type="pres">
+      <dgm:prSet presAssocID="{0DAB7E04-18CD-46EC-9B1C-7C4D35C297A9}" presName="hierChild1" presStyleCnt="0">
+        <dgm:presLayoutVars>
+          <dgm:chPref val="1"/>
+          <dgm:dir/>
+          <dgm:animOne val="branch"/>
+          <dgm:animLvl val="lvl"/>
+          <dgm:resizeHandles/>
+        </dgm:presLayoutVars>
+      </dgm:prSet>
+      <dgm:spPr/>
+    </dgm:pt>
+    <dgm:pt modelId="{91C2303A-37CD-4994-BF1B-95BEAE7C975A}" type="pres">
+      <dgm:prSet presAssocID="{81FF3985-98B8-4574-BC04-DFE2D5064D33}" presName="hierRoot1" presStyleCnt="0"/>
+      <dgm:spPr/>
+    </dgm:pt>
+    <dgm:pt modelId="{A53D42E7-B8D1-494F-A3F9-E9201E8F4D96}" type="pres">
+      <dgm:prSet presAssocID="{81FF3985-98B8-4574-BC04-DFE2D5064D33}" presName="composite" presStyleCnt="0"/>
+      <dgm:spPr/>
+    </dgm:pt>
+    <dgm:pt modelId="{64E7003D-5AC1-43A7-9ED1-8C625C343C29}" type="pres">
+      <dgm:prSet presAssocID="{81FF3985-98B8-4574-BC04-DFE2D5064D33}" presName="background" presStyleLbl="node0" presStyleIdx="0" presStyleCnt="2"/>
+      <dgm:spPr/>
+    </dgm:pt>
+    <dgm:pt modelId="{0430B0A3-5259-482D-80ED-A8C90195DCDD}" type="pres">
+      <dgm:prSet presAssocID="{81FF3985-98B8-4574-BC04-DFE2D5064D33}" presName="text" presStyleLbl="fgAcc0" presStyleIdx="0" presStyleCnt="2">
+        <dgm:presLayoutVars>
+          <dgm:chPref val="3"/>
+        </dgm:presLayoutVars>
+      </dgm:prSet>
+      <dgm:spPr/>
+    </dgm:pt>
+    <dgm:pt modelId="{059C03FD-7221-4B98-9676-C54461285851}" type="pres">
+      <dgm:prSet presAssocID="{81FF3985-98B8-4574-BC04-DFE2D5064D33}" presName="hierChild2" presStyleCnt="0"/>
+      <dgm:spPr/>
+    </dgm:pt>
+    <dgm:pt modelId="{E7BA019B-637A-4B8A-A6FB-EDF57A37A173}" type="pres">
+      <dgm:prSet presAssocID="{1FFE109D-F32C-42AA-B814-75A026D5D64A}" presName="hierRoot1" presStyleCnt="0"/>
+      <dgm:spPr/>
+    </dgm:pt>
+    <dgm:pt modelId="{29002581-DC49-495F-B95B-615D1144658C}" type="pres">
+      <dgm:prSet presAssocID="{1FFE109D-F32C-42AA-B814-75A026D5D64A}" presName="composite" presStyleCnt="0"/>
+      <dgm:spPr/>
+    </dgm:pt>
+    <dgm:pt modelId="{020AA5B5-ED42-4E90-BD4F-5A470CDEB257}" type="pres">
+      <dgm:prSet presAssocID="{1FFE109D-F32C-42AA-B814-75A026D5D64A}" presName="background" presStyleLbl="node0" presStyleIdx="1" presStyleCnt="2"/>
+      <dgm:spPr/>
+    </dgm:pt>
+    <dgm:pt modelId="{A78E21A5-9B2E-4392-B1C7-3B4DE193AFF2}" type="pres">
+      <dgm:prSet presAssocID="{1FFE109D-F32C-42AA-B814-75A026D5D64A}" presName="text" presStyleLbl="fgAcc0" presStyleIdx="1" presStyleCnt="2">
+        <dgm:presLayoutVars>
+          <dgm:chPref val="3"/>
+        </dgm:presLayoutVars>
+      </dgm:prSet>
+      <dgm:spPr/>
+    </dgm:pt>
+    <dgm:pt modelId="{3FC43D0A-ED2B-4388-B33E-8D69A5C06A03}" type="pres">
+      <dgm:prSet presAssocID="{1FFE109D-F32C-42AA-B814-75A026D5D64A}" presName="hierChild2" presStyleCnt="0"/>
+      <dgm:spPr/>
+    </dgm:pt>
+  </dgm:ptLst>
+  <dgm:cxnLst>
+    <dgm:cxn modelId="{5D8A9E03-F41F-4164-9FB2-FED25D7BC8C4}" type="presOf" srcId="{1FFE109D-F32C-42AA-B814-75A026D5D64A}" destId="{A78E21A5-9B2E-4392-B1C7-3B4DE193AFF2}" srcOrd="0" destOrd="0" presId="urn:microsoft.com/office/officeart/2005/8/layout/hierarchy1"/>
+    <dgm:cxn modelId="{7EDC7AA4-DA0A-467E-A788-C41779CC54D8}" type="presOf" srcId="{81FF3985-98B8-4574-BC04-DFE2D5064D33}" destId="{0430B0A3-5259-482D-80ED-A8C90195DCDD}" srcOrd="0" destOrd="0" presId="urn:microsoft.com/office/officeart/2005/8/layout/hierarchy1"/>
+    <dgm:cxn modelId="{F1BF87E2-6F4B-4E0B-8A0A-865D8440E572}" srcId="{0DAB7E04-18CD-46EC-9B1C-7C4D35C297A9}" destId="{1FFE109D-F32C-42AA-B814-75A026D5D64A}" srcOrd="1" destOrd="0" parTransId="{A08CDB00-866B-498B-922D-7D69F1BDDF7D}" sibTransId="{3BB1D63B-CEA0-41E6-9BDD-8476B673789F}"/>
+    <dgm:cxn modelId="{C19453EA-0DCF-4278-ADB0-8F64ED004E92}" type="presOf" srcId="{0DAB7E04-18CD-46EC-9B1C-7C4D35C297A9}" destId="{A62C1EE9-3014-42B7-831C-A00A2A74FA09}" srcOrd="0" destOrd="0" presId="urn:microsoft.com/office/officeart/2005/8/layout/hierarchy1"/>
+    <dgm:cxn modelId="{9A0CE1F8-20B4-4336-9BB4-A9674295C501}" srcId="{0DAB7E04-18CD-46EC-9B1C-7C4D35C297A9}" destId="{81FF3985-98B8-4574-BC04-DFE2D5064D33}" srcOrd="0" destOrd="0" parTransId="{629C7314-40CB-48F1-BEAE-1F2704D33AAC}" sibTransId="{64DF6DE0-196F-422F-BB4F-E3C10D78DA9B}"/>
+    <dgm:cxn modelId="{B6A928B7-B408-41AB-92C9-19E22A82C4BC}" type="presParOf" srcId="{A62C1EE9-3014-42B7-831C-A00A2A74FA09}" destId="{91C2303A-37CD-4994-BF1B-95BEAE7C975A}" srcOrd="0" destOrd="0" presId="urn:microsoft.com/office/officeart/2005/8/layout/hierarchy1"/>
+    <dgm:cxn modelId="{A984B44B-BA32-43A5-8CF0-CBE0FE336F4A}" type="presParOf" srcId="{91C2303A-37CD-4994-BF1B-95BEAE7C975A}" destId="{A53D42E7-B8D1-494F-A3F9-E9201E8F4D96}" srcOrd="0" destOrd="0" presId="urn:microsoft.com/office/officeart/2005/8/layout/hierarchy1"/>
+    <dgm:cxn modelId="{81276DDC-D488-4448-9C4D-BFDF18FD2D17}" type="presParOf" srcId="{A53D42E7-B8D1-494F-A3F9-E9201E8F4D96}" destId="{64E7003D-5AC1-43A7-9ED1-8C625C343C29}" srcOrd="0" destOrd="0" presId="urn:microsoft.com/office/officeart/2005/8/layout/hierarchy1"/>
+    <dgm:cxn modelId="{FD7214B7-23BA-41D0-B082-65B11093D29A}" type="presParOf" srcId="{A53D42E7-B8D1-494F-A3F9-E9201E8F4D96}" destId="{0430B0A3-5259-482D-80ED-A8C90195DCDD}" srcOrd="1" destOrd="0" presId="urn:microsoft.com/office/officeart/2005/8/layout/hierarchy1"/>
+    <dgm:cxn modelId="{D640C271-ADA5-46D0-8364-1969145CA4DC}" type="presParOf" srcId="{91C2303A-37CD-4994-BF1B-95BEAE7C975A}" destId="{059C03FD-7221-4B98-9676-C54461285851}" srcOrd="1" destOrd="0" presId="urn:microsoft.com/office/officeart/2005/8/layout/hierarchy1"/>
+    <dgm:cxn modelId="{4472D912-E05B-41A6-8702-EBE3507EE067}" type="presParOf" srcId="{A62C1EE9-3014-42B7-831C-A00A2A74FA09}" destId="{E7BA019B-637A-4B8A-A6FB-EDF57A37A173}" srcOrd="1" destOrd="0" presId="urn:microsoft.com/office/officeart/2005/8/layout/hierarchy1"/>
+    <dgm:cxn modelId="{C1A3ADF0-66C6-4073-B5BB-1AA51B3B881E}" type="presParOf" srcId="{E7BA019B-637A-4B8A-A6FB-EDF57A37A173}" destId="{29002581-DC49-495F-B95B-615D1144658C}" srcOrd="0" destOrd="0" presId="urn:microsoft.com/office/officeart/2005/8/layout/hierarchy1"/>
+    <dgm:cxn modelId="{A30FA921-F344-4927-A88E-1589BF7E5FE2}" type="presParOf" srcId="{29002581-DC49-495F-B95B-615D1144658C}" destId="{020AA5B5-ED42-4E90-BD4F-5A470CDEB257}" srcOrd="0" destOrd="0" presId="urn:microsoft.com/office/officeart/2005/8/layout/hierarchy1"/>
+    <dgm:cxn modelId="{86AD59CC-2DE6-4D37-BB47-3CF4E46A551C}" type="presParOf" srcId="{29002581-DC49-495F-B95B-615D1144658C}" destId="{A78E21A5-9B2E-4392-B1C7-3B4DE193AFF2}" srcOrd="1" destOrd="0" presId="urn:microsoft.com/office/officeart/2005/8/layout/hierarchy1"/>
+    <dgm:cxn modelId="{F8BADE68-0855-4640-8DFE-6CEFA3CF2F47}" type="presParOf" srcId="{E7BA019B-637A-4B8A-A6FB-EDF57A37A173}" destId="{3FC43D0A-ED2B-4388-B33E-8D69A5C06A03}" srcOrd="1" destOrd="0" presId="urn:microsoft.com/office/officeart/2005/8/layout/hierarchy1"/>
+  </dgm:cxnLst>
+  <dgm:bg/>
+  <dgm:whole/>
+  <dgm:extLst>
+    <a:ext uri="http://schemas.microsoft.com/office/drawing/2008/diagram">
+      <dsp:dataModelExt xmlns:dsp="http://schemas.microsoft.com/office/drawing/2008/diagram" relId="rId6" minVer="http://schemas.openxmlformats.org/drawingml/2006/diagram"/>
+    </a:ext>
+  </dgm:extLst>
+</dgm:dataModel>
+</file>
+
+<file path=ppt/diagrams/data2.xml><?xml version="1.0" encoding="utf-8"?>
+<dgm:dataModel xmlns:dgm="http://schemas.openxmlformats.org/drawingml/2006/diagram" xmlns:a="http://schemas.openxmlformats.org/drawingml/2006/main">
+  <dgm:ptLst>
+    <dgm:pt modelId="{4EFD424D-74BD-4367-9E05-A2BB30487DC3}" type="doc">
+      <dgm:prSet loTypeId="urn:microsoft.com/office/officeart/2018/5/layout/IconCircleLabelList" loCatId="icon" qsTypeId="urn:microsoft.com/office/officeart/2005/8/quickstyle/simple1" qsCatId="simple" csTypeId="urn:microsoft.com/office/officeart/2018/5/colors/Iconchunking_neutralicon_colorful1" csCatId="colorful" phldr="1"/>
+      <dgm:spPr/>
+      <dgm:t>
+        <a:bodyPr/>
+        <a:lstStyle/>
+        <a:p>
+          <a:endParaRPr lang="en-US"/>
+        </a:p>
+      </dgm:t>
+    </dgm:pt>
+    <dgm:pt modelId="{8CABC90C-4444-49AF-991B-96563101650A}">
+      <dgm:prSet/>
+      <dgm:spPr/>
+      <dgm:t>
+        <a:bodyPr/>
+        <a:lstStyle/>
+        <a:p>
+          <a:pPr>
+            <a:defRPr cap="all"/>
+          </a:pPr>
+          <a:r>
+            <a:rPr lang="it-IT"/>
+            <a:t>Ricerca video in base a data pubblicazione</a:t>
+          </a:r>
+          <a:endParaRPr lang="en-US"/>
+        </a:p>
+      </dgm:t>
+    </dgm:pt>
+    <dgm:pt modelId="{E76F14D9-61B6-4CDB-B973-3D58F4AC8521}" type="parTrans" cxnId="{A845F13C-5D9C-46A8-9AFA-8BD5229E1B82}">
+      <dgm:prSet/>
+      <dgm:spPr/>
+      <dgm:t>
+        <a:bodyPr/>
+        <a:lstStyle/>
+        <a:p>
+          <a:endParaRPr lang="en-US"/>
+        </a:p>
+      </dgm:t>
+    </dgm:pt>
+    <dgm:pt modelId="{5F3D4C01-7D3D-41A4-BD48-268C748B7DD0}" type="sibTrans" cxnId="{A845F13C-5D9C-46A8-9AFA-8BD5229E1B82}">
+      <dgm:prSet/>
+      <dgm:spPr/>
+      <dgm:t>
+        <a:bodyPr/>
+        <a:lstStyle/>
+        <a:p>
+          <a:endParaRPr lang="en-US"/>
+        </a:p>
+      </dgm:t>
+    </dgm:pt>
+    <dgm:pt modelId="{117A556A-4AE9-48C8-9BC8-ED2F7D0A84E7}">
+      <dgm:prSet/>
+      <dgm:spPr/>
+      <dgm:t>
+        <a:bodyPr/>
+        <a:lstStyle/>
+        <a:p>
+          <a:pPr>
+            <a:defRPr cap="all"/>
+          </a:pPr>
+          <a:r>
+            <a:rPr lang="it-IT"/>
+            <a:t>Ricerca video in base a relatore </a:t>
+          </a:r>
+          <a:endParaRPr lang="en-US"/>
+        </a:p>
+      </dgm:t>
+    </dgm:pt>
+    <dgm:pt modelId="{E9592D3B-A925-4748-A135-6E40FC70EC4B}" type="parTrans" cxnId="{26E06345-4459-4BC4-91A3-66F8078A2A6C}">
+      <dgm:prSet/>
+      <dgm:spPr/>
+      <dgm:t>
+        <a:bodyPr/>
+        <a:lstStyle/>
+        <a:p>
+          <a:endParaRPr lang="en-US"/>
+        </a:p>
+      </dgm:t>
+    </dgm:pt>
+    <dgm:pt modelId="{B42D7ED0-7397-48E1-AF9F-C1B2ABE684BC}" type="sibTrans" cxnId="{26E06345-4459-4BC4-91A3-66F8078A2A6C}">
+      <dgm:prSet/>
+      <dgm:spPr/>
+      <dgm:t>
+        <a:bodyPr/>
+        <a:lstStyle/>
+        <a:p>
+          <a:endParaRPr lang="en-US"/>
+        </a:p>
+      </dgm:t>
+    </dgm:pt>
+    <dgm:pt modelId="{891E800A-2D86-4AD9-AAEE-658CA12D4032}" type="pres">
+      <dgm:prSet presAssocID="{4EFD424D-74BD-4367-9E05-A2BB30487DC3}" presName="root" presStyleCnt="0">
+        <dgm:presLayoutVars>
+          <dgm:dir/>
+          <dgm:resizeHandles val="exact"/>
+        </dgm:presLayoutVars>
+      </dgm:prSet>
+      <dgm:spPr/>
+    </dgm:pt>
+    <dgm:pt modelId="{ABD4DB09-7E04-4308-ADF9-5737A7AF4787}" type="pres">
+      <dgm:prSet presAssocID="{8CABC90C-4444-49AF-991B-96563101650A}" presName="compNode" presStyleCnt="0"/>
+      <dgm:spPr/>
+    </dgm:pt>
+    <dgm:pt modelId="{669B2A19-91B4-481F-B5D0-A194FC68A085}" type="pres">
+      <dgm:prSet presAssocID="{8CABC90C-4444-49AF-991B-96563101650A}" presName="iconBgRect" presStyleLbl="bgShp" presStyleIdx="0" presStyleCnt="2"/>
+      <dgm:spPr/>
+    </dgm:pt>
+    <dgm:pt modelId="{94EEE988-5027-470C-940C-E22BC513CCC2}" type="pres">
+      <dgm:prSet presAssocID="{8CABC90C-4444-49AF-991B-96563101650A}" presName="iconRect" presStyleLbl="node1" presStyleIdx="0" presStyleCnt="2"/>
+      <dgm:spPr>
+        <a:blipFill>
+          <a:blip xmlns:r="http://schemas.openxmlformats.org/officeDocument/2006/relationships" r:embed="rId1">
+            <a:extLst>
+              <a:ext uri="{28A0092B-C50C-407E-A947-70E740481C1C}">
+                <a14:useLocalDpi xmlns:a14="http://schemas.microsoft.com/office/drawing/2010/main" val="0"/>
+              </a:ext>
+              <a:ext uri="{96DAC541-7B7A-43D3-8B79-37D633B846F1}">
+                <asvg:svgBlip xmlns:asvg="http://schemas.microsoft.com/office/drawing/2016/SVG/main" r:embed="rId2"/>
+              </a:ext>
+            </a:extLst>
+          </a:blip>
+          <a:stretch>
+            <a:fillRect/>
+          </a:stretch>
+        </a:blipFill>
+        <a:ln>
+          <a:noFill/>
+        </a:ln>
+      </dgm:spPr>
+      <dgm:extLst>
+        <a:ext uri="{E40237B7-FDA0-4F09-8148-C483321AD2D9}">
+          <dgm14:cNvPr xmlns:dgm14="http://schemas.microsoft.com/office/drawing/2010/diagram" id="0" name="" descr="Magnifying glass"/>
+        </a:ext>
+      </dgm:extLst>
+    </dgm:pt>
+    <dgm:pt modelId="{F0A03292-1C57-4001-A6FB-A40955255372}" type="pres">
+      <dgm:prSet presAssocID="{8CABC90C-4444-49AF-991B-96563101650A}" presName="spaceRect" presStyleCnt="0"/>
+      <dgm:spPr/>
+    </dgm:pt>
+    <dgm:pt modelId="{AE80A6CD-6EC6-4E6F-AE8D-CEFC0430BFD7}" type="pres">
+      <dgm:prSet presAssocID="{8CABC90C-4444-49AF-991B-96563101650A}" presName="textRect" presStyleLbl="revTx" presStyleIdx="0" presStyleCnt="2">
+        <dgm:presLayoutVars>
+          <dgm:chMax val="1"/>
+          <dgm:chPref val="1"/>
+        </dgm:presLayoutVars>
+      </dgm:prSet>
+      <dgm:spPr/>
+    </dgm:pt>
+    <dgm:pt modelId="{FEA8EEE1-89B5-4F95-BEC0-567389F94656}" type="pres">
+      <dgm:prSet presAssocID="{5F3D4C01-7D3D-41A4-BD48-268C748B7DD0}" presName="sibTrans" presStyleCnt="0"/>
+      <dgm:spPr/>
+    </dgm:pt>
+    <dgm:pt modelId="{34032783-C9F8-4413-A664-4EE2EBD6DD5D}" type="pres">
+      <dgm:prSet presAssocID="{117A556A-4AE9-48C8-9BC8-ED2F7D0A84E7}" presName="compNode" presStyleCnt="0"/>
+      <dgm:spPr/>
+    </dgm:pt>
+    <dgm:pt modelId="{B5D91803-B313-49C0-9E27-43DD99A9A978}" type="pres">
+      <dgm:prSet presAssocID="{117A556A-4AE9-48C8-9BC8-ED2F7D0A84E7}" presName="iconBgRect" presStyleLbl="bgShp" presStyleIdx="1" presStyleCnt="2"/>
+      <dgm:spPr/>
+    </dgm:pt>
+    <dgm:pt modelId="{57B73603-4B70-4979-BE2A-639E6F7DB092}" type="pres">
+      <dgm:prSet presAssocID="{117A556A-4AE9-48C8-9BC8-ED2F7D0A84E7}" presName="iconRect" presStyleLbl="node1" presStyleIdx="1" presStyleCnt="2"/>
+      <dgm:spPr>
+        <a:blipFill>
+          <a:blip xmlns:r="http://schemas.openxmlformats.org/officeDocument/2006/relationships" r:embed="rId3">
+            <a:extLst>
+              <a:ext uri="{28A0092B-C50C-407E-A947-70E740481C1C}">
+                <a14:useLocalDpi xmlns:a14="http://schemas.microsoft.com/office/drawing/2010/main" val="0"/>
+              </a:ext>
+              <a:ext uri="{96DAC541-7B7A-43D3-8B79-37D633B846F1}">
+                <asvg:svgBlip xmlns:asvg="http://schemas.microsoft.com/office/drawing/2016/SVG/main" r:embed="rId4"/>
+              </a:ext>
+            </a:extLst>
+          </a:blip>
+          <a:stretch>
+            <a:fillRect/>
+          </a:stretch>
+        </a:blipFill>
+        <a:ln>
+          <a:noFill/>
+        </a:ln>
+      </dgm:spPr>
+      <dgm:extLst>
+        <a:ext uri="{E40237B7-FDA0-4F09-8148-C483321AD2D9}">
+          <dgm14:cNvPr xmlns:dgm14="http://schemas.microsoft.com/office/drawing/2010/diagram" id="0" name="" descr="Video camera"/>
+        </a:ext>
+      </dgm:extLst>
+    </dgm:pt>
+    <dgm:pt modelId="{178D5F3C-CCD2-456E-ABAF-6401CA76321D}" type="pres">
+      <dgm:prSet presAssocID="{117A556A-4AE9-48C8-9BC8-ED2F7D0A84E7}" presName="spaceRect" presStyleCnt="0"/>
+      <dgm:spPr/>
+    </dgm:pt>
+    <dgm:pt modelId="{BA3E08A1-B50D-4478-B828-AD4678B3A065}" type="pres">
+      <dgm:prSet presAssocID="{117A556A-4AE9-48C8-9BC8-ED2F7D0A84E7}" presName="textRect" presStyleLbl="revTx" presStyleIdx="1" presStyleCnt="2">
+        <dgm:presLayoutVars>
+          <dgm:chMax val="1"/>
+          <dgm:chPref val="1"/>
+        </dgm:presLayoutVars>
+      </dgm:prSet>
+      <dgm:spPr/>
+    </dgm:pt>
+  </dgm:ptLst>
+  <dgm:cxnLst>
+    <dgm:cxn modelId="{12695003-C277-4C9D-9FBC-9EC89C3608A3}" type="presOf" srcId="{8CABC90C-4444-49AF-991B-96563101650A}" destId="{AE80A6CD-6EC6-4E6F-AE8D-CEFC0430BFD7}" srcOrd="0" destOrd="0" presId="urn:microsoft.com/office/officeart/2018/5/layout/IconCircleLabelList"/>
+    <dgm:cxn modelId="{A845F13C-5D9C-46A8-9AFA-8BD5229E1B82}" srcId="{4EFD424D-74BD-4367-9E05-A2BB30487DC3}" destId="{8CABC90C-4444-49AF-991B-96563101650A}" srcOrd="0" destOrd="0" parTransId="{E76F14D9-61B6-4CDB-B973-3D58F4AC8521}" sibTransId="{5F3D4C01-7D3D-41A4-BD48-268C748B7DD0}"/>
+    <dgm:cxn modelId="{26E06345-4459-4BC4-91A3-66F8078A2A6C}" srcId="{4EFD424D-74BD-4367-9E05-A2BB30487DC3}" destId="{117A556A-4AE9-48C8-9BC8-ED2F7D0A84E7}" srcOrd="1" destOrd="0" parTransId="{E9592D3B-A925-4748-A135-6E40FC70EC4B}" sibTransId="{B42D7ED0-7397-48E1-AF9F-C1B2ABE684BC}"/>
+    <dgm:cxn modelId="{236F12A7-C191-49D4-B2D0-19705C1BB4B4}" type="presOf" srcId="{4EFD424D-74BD-4367-9E05-A2BB30487DC3}" destId="{891E800A-2D86-4AD9-AAEE-658CA12D4032}" srcOrd="0" destOrd="0" presId="urn:microsoft.com/office/officeart/2018/5/layout/IconCircleLabelList"/>
+    <dgm:cxn modelId="{E402FBE3-D829-4954-8FE4-998174B815D6}" type="presOf" srcId="{117A556A-4AE9-48C8-9BC8-ED2F7D0A84E7}" destId="{BA3E08A1-B50D-4478-B828-AD4678B3A065}" srcOrd="0" destOrd="0" presId="urn:microsoft.com/office/officeart/2018/5/layout/IconCircleLabelList"/>
+    <dgm:cxn modelId="{67FD95FB-9B56-4F44-8827-D93179D3EC26}" type="presParOf" srcId="{891E800A-2D86-4AD9-AAEE-658CA12D4032}" destId="{ABD4DB09-7E04-4308-ADF9-5737A7AF4787}" srcOrd="0" destOrd="0" presId="urn:microsoft.com/office/officeart/2018/5/layout/IconCircleLabelList"/>
+    <dgm:cxn modelId="{04A68A4D-1594-4D88-A52B-2A676D139DBC}" type="presParOf" srcId="{ABD4DB09-7E04-4308-ADF9-5737A7AF4787}" destId="{669B2A19-91B4-481F-B5D0-A194FC68A085}" srcOrd="0" destOrd="0" presId="urn:microsoft.com/office/officeart/2018/5/layout/IconCircleLabelList"/>
+    <dgm:cxn modelId="{39BDF302-21A2-4689-855C-FBD0A3EFBD82}" type="presParOf" srcId="{ABD4DB09-7E04-4308-ADF9-5737A7AF4787}" destId="{94EEE988-5027-470C-940C-E22BC513CCC2}" srcOrd="1" destOrd="0" presId="urn:microsoft.com/office/officeart/2018/5/layout/IconCircleLabelList"/>
+    <dgm:cxn modelId="{66904841-82E4-4D50-B4B6-529C45D96856}" type="presParOf" srcId="{ABD4DB09-7E04-4308-ADF9-5737A7AF4787}" destId="{F0A03292-1C57-4001-A6FB-A40955255372}" srcOrd="2" destOrd="0" presId="urn:microsoft.com/office/officeart/2018/5/layout/IconCircleLabelList"/>
+    <dgm:cxn modelId="{F1B18C19-3199-4DA2-ADDC-6511BDCB381A}" type="presParOf" srcId="{ABD4DB09-7E04-4308-ADF9-5737A7AF4787}" destId="{AE80A6CD-6EC6-4E6F-AE8D-CEFC0430BFD7}" srcOrd="3" destOrd="0" presId="urn:microsoft.com/office/officeart/2018/5/layout/IconCircleLabelList"/>
+    <dgm:cxn modelId="{92662AA0-26B7-41AD-99C6-242194C8D2AC}" type="presParOf" srcId="{891E800A-2D86-4AD9-AAEE-658CA12D4032}" destId="{FEA8EEE1-89B5-4F95-BEC0-567389F94656}" srcOrd="1" destOrd="0" presId="urn:microsoft.com/office/officeart/2018/5/layout/IconCircleLabelList"/>
+    <dgm:cxn modelId="{9CB3BC19-745F-4405-BDDC-1BA4202BCAEA}" type="presParOf" srcId="{891E800A-2D86-4AD9-AAEE-658CA12D4032}" destId="{34032783-C9F8-4413-A664-4EE2EBD6DD5D}" srcOrd="2" destOrd="0" presId="urn:microsoft.com/office/officeart/2018/5/layout/IconCircleLabelList"/>
+    <dgm:cxn modelId="{B6D4DBDF-E77D-460D-A75F-BE13C71CBE06}" type="presParOf" srcId="{34032783-C9F8-4413-A664-4EE2EBD6DD5D}" destId="{B5D91803-B313-49C0-9E27-43DD99A9A978}" srcOrd="0" destOrd="0" presId="urn:microsoft.com/office/officeart/2018/5/layout/IconCircleLabelList"/>
+    <dgm:cxn modelId="{6B381E12-493E-4722-844B-484339C69ECC}" type="presParOf" srcId="{34032783-C9F8-4413-A664-4EE2EBD6DD5D}" destId="{57B73603-4B70-4979-BE2A-639E6F7DB092}" srcOrd="1" destOrd="0" presId="urn:microsoft.com/office/officeart/2018/5/layout/IconCircleLabelList"/>
+    <dgm:cxn modelId="{E64E1024-9342-4E2E-8578-7037258D02D7}" type="presParOf" srcId="{34032783-C9F8-4413-A664-4EE2EBD6DD5D}" destId="{178D5F3C-CCD2-456E-ABAF-6401CA76321D}" srcOrd="2" destOrd="0" presId="urn:microsoft.com/office/officeart/2018/5/layout/IconCircleLabelList"/>
+    <dgm:cxn modelId="{F15D68A8-5158-43A4-A4B4-55D19824E759}" type="presParOf" srcId="{34032783-C9F8-4413-A664-4EE2EBD6DD5D}" destId="{BA3E08A1-B50D-4478-B828-AD4678B3A065}" srcOrd="3" destOrd="0" presId="urn:microsoft.com/office/officeart/2018/5/layout/IconCircleLabelList"/>
+  </dgm:cxnLst>
+  <dgm:bg/>
+  <dgm:whole/>
+  <dgm:extLst>
+    <a:ext uri="http://schemas.microsoft.com/office/drawing/2008/diagram">
+      <dsp:dataModelExt xmlns:dsp="http://schemas.microsoft.com/office/drawing/2008/diagram" relId="rId6" minVer="http://schemas.openxmlformats.org/drawingml/2006/diagram"/>
+    </a:ext>
+  </dgm:extLst>
+</dgm:dataModel>
+</file>
+
+<file path=ppt/diagrams/drawing1.xml><?xml version="1.0" encoding="utf-8"?>
+<dsp:drawing xmlns:dgm="http://schemas.openxmlformats.org/drawingml/2006/diagram" xmlns:dsp="http://schemas.microsoft.com/office/drawing/2008/diagram" xmlns:a="http://schemas.openxmlformats.org/drawingml/2006/main">
+  <dsp:spTree>
+    <dsp:nvGrpSpPr>
+      <dsp:cNvPr id="0" name=""/>
+      <dsp:cNvGrpSpPr/>
+    </dsp:nvGrpSpPr>
+    <dsp:grpSpPr/>
+    <dsp:sp modelId="{64E7003D-5AC1-43A7-9ED1-8C625C343C29}">
+      <dsp:nvSpPr>
+        <dsp:cNvPr id="0" name=""/>
+        <dsp:cNvSpPr/>
+      </dsp:nvSpPr>
+      <dsp:spPr>
+        <a:xfrm>
+          <a:off x="1227" y="297257"/>
+          <a:ext cx="4309690" cy="2736653"/>
+        </a:xfrm>
+        <a:prstGeom prst="roundRect">
+          <a:avLst>
+            <a:gd name="adj" fmla="val 10000"/>
+          </a:avLst>
+        </a:prstGeom>
+        <a:solidFill>
+          <a:schemeClr val="dk2">
+            <a:hueOff val="0"/>
+            <a:satOff val="0"/>
+            <a:lumOff val="0"/>
+            <a:alphaOff val="0"/>
+          </a:schemeClr>
+        </a:solidFill>
+        <a:ln w="15875" cap="flat" cmpd="sng" algn="ctr">
+          <a:solidFill>
+            <a:schemeClr val="lt2">
+              <a:hueOff val="0"/>
+              <a:satOff val="0"/>
+              <a:lumOff val="0"/>
+              <a:alphaOff val="0"/>
+            </a:schemeClr>
+          </a:solidFill>
+          <a:prstDash val="solid"/>
+        </a:ln>
+        <a:effectLst/>
+      </dsp:spPr>
+      <dsp:style>
+        <a:lnRef idx="2">
+          <a:scrgbClr r="0" g="0" b="0"/>
+        </a:lnRef>
+        <a:fillRef idx="1">
+          <a:scrgbClr r="0" g="0" b="0"/>
+        </a:fillRef>
+        <a:effectRef idx="0">
+          <a:scrgbClr r="0" g="0" b="0"/>
+        </a:effectRef>
+        <a:fontRef idx="minor">
+          <a:schemeClr val="lt1"/>
+        </a:fontRef>
+      </dsp:style>
+    </dsp:sp>
+    <dsp:sp modelId="{0430B0A3-5259-482D-80ED-A8C90195DCDD}">
+      <dsp:nvSpPr>
+        <dsp:cNvPr id="0" name=""/>
+        <dsp:cNvSpPr/>
+      </dsp:nvSpPr>
+      <dsp:spPr>
+        <a:xfrm>
+          <a:off x="480082" y="752169"/>
+          <a:ext cx="4309690" cy="2736653"/>
+        </a:xfrm>
+        <a:prstGeom prst="roundRect">
+          <a:avLst>
+            <a:gd name="adj" fmla="val 10000"/>
+          </a:avLst>
+        </a:prstGeom>
+        <a:solidFill>
+          <a:schemeClr val="lt2">
+            <a:alpha val="90000"/>
+            <a:hueOff val="0"/>
+            <a:satOff val="0"/>
+            <a:lumOff val="0"/>
+            <a:alphaOff val="0"/>
+          </a:schemeClr>
+        </a:solidFill>
+        <a:ln w="15875" cap="flat" cmpd="sng" algn="ctr">
+          <a:solidFill>
+            <a:schemeClr val="dk2">
+              <a:hueOff val="0"/>
+              <a:satOff val="0"/>
+              <a:lumOff val="0"/>
+              <a:alphaOff val="0"/>
+            </a:schemeClr>
+          </a:solidFill>
+          <a:prstDash val="solid"/>
+        </a:ln>
+        <a:effectLst/>
+      </dsp:spPr>
+      <dsp:style>
+        <a:lnRef idx="2">
+          <a:scrgbClr r="0" g="0" b="0"/>
+        </a:lnRef>
+        <a:fillRef idx="1">
+          <a:scrgbClr r="0" g="0" b="0"/>
+        </a:fillRef>
+        <a:effectRef idx="0">
+          <a:scrgbClr r="0" g="0" b="0"/>
+        </a:effectRef>
+        <a:fontRef idx="minor"/>
+      </dsp:style>
+      <dsp:txBody>
+        <a:bodyPr spcFirstLastPara="0" vert="horz" wrap="square" lIns="125730" tIns="125730" rIns="125730" bIns="125730" numCol="1" spcCol="1270" anchor="ctr" anchorCtr="0">
+          <a:noAutofit/>
+        </a:bodyPr>
+        <a:lstStyle/>
+        <a:p>
+          <a:pPr marL="0" lvl="0" indent="0" algn="ctr" defTabSz="1466850">
+            <a:lnSpc>
+              <a:spcPct val="90000"/>
+            </a:lnSpc>
+            <a:spcBef>
+              <a:spcPct val="0"/>
+            </a:spcBef>
+            <a:spcAft>
+              <a:spcPct val="35000"/>
+            </a:spcAft>
+            <a:buNone/>
+          </a:pPr>
+          <a:r>
+            <a:rPr lang="it-IT" sz="3300" kern="1200" dirty="0"/>
+            <a:t>Sintassi del linguaggio query </a:t>
+          </a:r>
+          <a:r>
+            <a:rPr lang="it-IT" sz="3300" kern="1200" dirty="0" err="1"/>
+            <a:t>Pyspark</a:t>
+          </a:r>
+          <a:endParaRPr lang="en-US" sz="3300" kern="1200" dirty="0"/>
+        </a:p>
+      </dsp:txBody>
+      <dsp:txXfrm>
+        <a:off x="560236" y="832323"/>
+        <a:ext cx="4149382" cy="2576345"/>
+      </dsp:txXfrm>
+    </dsp:sp>
+    <dsp:sp modelId="{020AA5B5-ED42-4E90-BD4F-5A470CDEB257}">
+      <dsp:nvSpPr>
+        <dsp:cNvPr id="0" name=""/>
+        <dsp:cNvSpPr/>
+      </dsp:nvSpPr>
+      <dsp:spPr>
+        <a:xfrm>
+          <a:off x="5268627" y="297257"/>
+          <a:ext cx="4309690" cy="2736653"/>
+        </a:xfrm>
+        <a:prstGeom prst="roundRect">
+          <a:avLst>
+            <a:gd name="adj" fmla="val 10000"/>
+          </a:avLst>
+        </a:prstGeom>
+        <a:solidFill>
+          <a:schemeClr val="dk2">
+            <a:hueOff val="0"/>
+            <a:satOff val="0"/>
+            <a:lumOff val="0"/>
+            <a:alphaOff val="0"/>
+          </a:schemeClr>
+        </a:solidFill>
+        <a:ln w="15875" cap="flat" cmpd="sng" algn="ctr">
+          <a:solidFill>
+            <a:schemeClr val="lt2">
+              <a:hueOff val="0"/>
+              <a:satOff val="0"/>
+              <a:lumOff val="0"/>
+              <a:alphaOff val="0"/>
+            </a:schemeClr>
+          </a:solidFill>
+          <a:prstDash val="solid"/>
+        </a:ln>
+        <a:effectLst/>
+      </dsp:spPr>
+      <dsp:style>
+        <a:lnRef idx="2">
+          <a:scrgbClr r="0" g="0" b="0"/>
+        </a:lnRef>
+        <a:fillRef idx="1">
+          <a:scrgbClr r="0" g="0" b="0"/>
+        </a:fillRef>
+        <a:effectRef idx="0">
+          <a:scrgbClr r="0" g="0" b="0"/>
+        </a:effectRef>
+        <a:fontRef idx="minor">
+          <a:schemeClr val="lt1"/>
+        </a:fontRef>
+      </dsp:style>
+    </dsp:sp>
+    <dsp:sp modelId="{A78E21A5-9B2E-4392-B1C7-3B4DE193AFF2}">
+      <dsp:nvSpPr>
+        <dsp:cNvPr id="0" name=""/>
+        <dsp:cNvSpPr/>
+      </dsp:nvSpPr>
+      <dsp:spPr>
+        <a:xfrm>
+          <a:off x="5747481" y="752169"/>
+          <a:ext cx="4309690" cy="2736653"/>
+        </a:xfrm>
+        <a:prstGeom prst="roundRect">
+          <a:avLst>
+            <a:gd name="adj" fmla="val 10000"/>
+          </a:avLst>
+        </a:prstGeom>
+        <a:solidFill>
+          <a:schemeClr val="lt2">
+            <a:alpha val="90000"/>
+            <a:hueOff val="0"/>
+            <a:satOff val="0"/>
+            <a:lumOff val="0"/>
+            <a:alphaOff val="0"/>
+          </a:schemeClr>
+        </a:solidFill>
+        <a:ln w="15875" cap="flat" cmpd="sng" algn="ctr">
+          <a:solidFill>
+            <a:schemeClr val="dk2">
+              <a:hueOff val="0"/>
+              <a:satOff val="0"/>
+              <a:lumOff val="0"/>
+              <a:alphaOff val="0"/>
+            </a:schemeClr>
+          </a:solidFill>
+          <a:prstDash val="solid"/>
+        </a:ln>
+        <a:effectLst/>
+      </dsp:spPr>
+      <dsp:style>
+        <a:lnRef idx="2">
+          <a:scrgbClr r="0" g="0" b="0"/>
+        </a:lnRef>
+        <a:fillRef idx="1">
+          <a:scrgbClr r="0" g="0" b="0"/>
+        </a:fillRef>
+        <a:effectRef idx="0">
+          <a:scrgbClr r="0" g="0" b="0"/>
+        </a:effectRef>
+        <a:fontRef idx="minor"/>
+      </dsp:style>
+      <dsp:txBody>
+        <a:bodyPr spcFirstLastPara="0" vert="horz" wrap="square" lIns="125730" tIns="125730" rIns="125730" bIns="125730" numCol="1" spcCol="1270" anchor="ctr" anchorCtr="0">
+          <a:noAutofit/>
+        </a:bodyPr>
+        <a:lstStyle/>
+        <a:p>
+          <a:pPr marL="0" lvl="0" indent="0" algn="ctr" defTabSz="1466850">
+            <a:lnSpc>
+              <a:spcPct val="90000"/>
+            </a:lnSpc>
+            <a:spcBef>
+              <a:spcPct val="0"/>
+            </a:spcBef>
+            <a:spcAft>
+              <a:spcPct val="35000"/>
+            </a:spcAft>
+            <a:buNone/>
+          </a:pPr>
+          <a:r>
+            <a:rPr lang="it-IT" sz="3300" kern="1200"/>
+            <a:t>Difficoltà nel testare lo script causa tempi di avvio dell’architettura cloud prolungati</a:t>
+          </a:r>
+          <a:endParaRPr lang="en-US" sz="3300" kern="1200"/>
+        </a:p>
+      </dsp:txBody>
+      <dsp:txXfrm>
+        <a:off x="5827635" y="832323"/>
+        <a:ext cx="4149382" cy="2576345"/>
+      </dsp:txXfrm>
+    </dsp:sp>
+  </dsp:spTree>
+</dsp:drawing>
+</file>
+
+<file path=ppt/diagrams/drawing2.xml><?xml version="1.0" encoding="utf-8"?>
+<dsp:drawing xmlns:dgm="http://schemas.openxmlformats.org/drawingml/2006/diagram" xmlns:dsp="http://schemas.microsoft.com/office/drawing/2008/diagram" xmlns:a="http://schemas.openxmlformats.org/drawingml/2006/main">
+  <dsp:spTree>
+    <dsp:nvGrpSpPr>
+      <dsp:cNvPr id="0" name=""/>
+      <dsp:cNvGrpSpPr/>
+    </dsp:nvGrpSpPr>
+    <dsp:grpSpPr/>
+    <dsp:sp modelId="{669B2A19-91B4-481F-B5D0-A194FC68A085}">
+      <dsp:nvSpPr>
+        <dsp:cNvPr id="0" name=""/>
+        <dsp:cNvSpPr/>
+      </dsp:nvSpPr>
+      <dsp:spPr>
+        <a:xfrm>
+          <a:off x="1816199" y="93039"/>
+          <a:ext cx="2196000" cy="2196000"/>
+        </a:xfrm>
+        <a:prstGeom prst="ellipse">
+          <a:avLst/>
+        </a:prstGeom>
+        <a:solidFill>
+          <a:schemeClr val="accent2">
+            <a:hueOff val="0"/>
+            <a:satOff val="0"/>
+            <a:lumOff val="0"/>
+            <a:alphaOff val="0"/>
+          </a:schemeClr>
+        </a:solidFill>
+        <a:ln>
+          <a:noFill/>
+        </a:ln>
+        <a:effectLst/>
+      </dsp:spPr>
+      <dsp:style>
+        <a:lnRef idx="0">
+          <a:scrgbClr r="0" g="0" b="0"/>
+        </a:lnRef>
+        <a:fillRef idx="1">
+          <a:scrgbClr r="0" g="0" b="0"/>
+        </a:fillRef>
+        <a:effectRef idx="0">
+          <a:scrgbClr r="0" g="0" b="0"/>
+        </a:effectRef>
+        <a:fontRef idx="minor"/>
+      </dsp:style>
+    </dsp:sp>
+    <dsp:sp modelId="{94EEE988-5027-470C-940C-E22BC513CCC2}">
+      <dsp:nvSpPr>
+        <dsp:cNvPr id="0" name=""/>
+        <dsp:cNvSpPr/>
+      </dsp:nvSpPr>
+      <dsp:spPr>
+        <a:xfrm>
+          <a:off x="2284199" y="561039"/>
+          <a:ext cx="1260000" cy="1260000"/>
+        </a:xfrm>
+        <a:prstGeom prst="rect">
+          <a:avLst/>
+        </a:prstGeom>
+        <a:blipFill>
+          <a:blip xmlns:r="http://schemas.openxmlformats.org/officeDocument/2006/relationships" r:embed="rId1">
+            <a:extLst>
+              <a:ext uri="{28A0092B-C50C-407E-A947-70E740481C1C}">
+                <a14:useLocalDpi xmlns:a14="http://schemas.microsoft.com/office/drawing/2010/main" val="0"/>
+              </a:ext>
+              <a:ext uri="{96DAC541-7B7A-43D3-8B79-37D633B846F1}">
+                <asvg:svgBlip xmlns:asvg="http://schemas.microsoft.com/office/drawing/2016/SVG/main" r:embed="rId2"/>
+              </a:ext>
+            </a:extLst>
+          </a:blip>
+          <a:stretch>
+            <a:fillRect/>
+          </a:stretch>
+        </a:blipFill>
+        <a:ln w="15875" cap="flat" cmpd="sng" algn="ctr">
+          <a:noFill/>
+          <a:prstDash val="solid"/>
+        </a:ln>
+        <a:effectLst/>
+      </dsp:spPr>
+      <dsp:style>
+        <a:lnRef idx="2">
+          <a:scrgbClr r="0" g="0" b="0"/>
+        </a:lnRef>
+        <a:fillRef idx="1">
+          <a:scrgbClr r="0" g="0" b="0"/>
+        </a:fillRef>
+        <a:effectRef idx="0">
+          <a:scrgbClr r="0" g="0" b="0"/>
+        </a:effectRef>
+        <a:fontRef idx="minor">
+          <a:schemeClr val="lt1"/>
+        </a:fontRef>
+      </dsp:style>
+    </dsp:sp>
+    <dsp:sp modelId="{AE80A6CD-6EC6-4E6F-AE8D-CEFC0430BFD7}">
+      <dsp:nvSpPr>
+        <dsp:cNvPr id="0" name=""/>
+        <dsp:cNvSpPr/>
+      </dsp:nvSpPr>
+      <dsp:spPr>
+        <a:xfrm>
+          <a:off x="1114199" y="2973040"/>
+          <a:ext cx="3600000" cy="720000"/>
+        </a:xfrm>
+        <a:prstGeom prst="rect">
+          <a:avLst/>
+        </a:prstGeom>
+        <a:noFill/>
+        <a:ln>
+          <a:noFill/>
+        </a:ln>
+        <a:effectLst/>
+      </dsp:spPr>
+      <dsp:style>
+        <a:lnRef idx="0">
+          <a:scrgbClr r="0" g="0" b="0"/>
+        </a:lnRef>
+        <a:fillRef idx="0">
+          <a:scrgbClr r="0" g="0" b="0"/>
+        </a:fillRef>
+        <a:effectRef idx="0">
+          <a:scrgbClr r="0" g="0" b="0"/>
+        </a:effectRef>
+        <a:fontRef idx="minor"/>
+      </dsp:style>
+      <dsp:txBody>
+        <a:bodyPr spcFirstLastPara="0" vert="horz" wrap="square" lIns="0" tIns="0" rIns="0" bIns="0" numCol="1" spcCol="1270" anchor="t" anchorCtr="0">
+          <a:noAutofit/>
+        </a:bodyPr>
+        <a:lstStyle/>
+        <a:p>
+          <a:pPr marL="0" lvl="0" indent="0" algn="ctr" defTabSz="1066800">
+            <a:lnSpc>
+              <a:spcPct val="90000"/>
+            </a:lnSpc>
+            <a:spcBef>
+              <a:spcPct val="0"/>
+            </a:spcBef>
+            <a:spcAft>
+              <a:spcPct val="35000"/>
+            </a:spcAft>
+            <a:buNone/>
+            <a:defRPr cap="all"/>
+          </a:pPr>
+          <a:r>
+            <a:rPr lang="it-IT" sz="2400" kern="1200"/>
+            <a:t>Ricerca video in base a data pubblicazione</a:t>
+          </a:r>
+          <a:endParaRPr lang="en-US" sz="2400" kern="1200"/>
+        </a:p>
+      </dsp:txBody>
+      <dsp:txXfrm>
+        <a:off x="1114199" y="2973040"/>
+        <a:ext cx="3600000" cy="720000"/>
+      </dsp:txXfrm>
+    </dsp:sp>
+    <dsp:sp modelId="{B5D91803-B313-49C0-9E27-43DD99A9A978}">
+      <dsp:nvSpPr>
+        <dsp:cNvPr id="0" name=""/>
+        <dsp:cNvSpPr/>
+      </dsp:nvSpPr>
+      <dsp:spPr>
+        <a:xfrm>
+          <a:off x="6046199" y="93039"/>
+          <a:ext cx="2196000" cy="2196000"/>
+        </a:xfrm>
+        <a:prstGeom prst="ellipse">
+          <a:avLst/>
+        </a:prstGeom>
+        <a:solidFill>
+          <a:schemeClr val="accent3">
+            <a:hueOff val="0"/>
+            <a:satOff val="0"/>
+            <a:lumOff val="0"/>
+            <a:alphaOff val="0"/>
+          </a:schemeClr>
+        </a:solidFill>
+        <a:ln>
+          <a:noFill/>
+        </a:ln>
+        <a:effectLst/>
+      </dsp:spPr>
+      <dsp:style>
+        <a:lnRef idx="0">
+          <a:scrgbClr r="0" g="0" b="0"/>
+        </a:lnRef>
+        <a:fillRef idx="1">
+          <a:scrgbClr r="0" g="0" b="0"/>
+        </a:fillRef>
+        <a:effectRef idx="0">
+          <a:scrgbClr r="0" g="0" b="0"/>
+        </a:effectRef>
+        <a:fontRef idx="minor"/>
+      </dsp:style>
+    </dsp:sp>
+    <dsp:sp modelId="{57B73603-4B70-4979-BE2A-639E6F7DB092}">
+      <dsp:nvSpPr>
+        <dsp:cNvPr id="0" name=""/>
+        <dsp:cNvSpPr/>
+      </dsp:nvSpPr>
+      <dsp:spPr>
+        <a:xfrm>
+          <a:off x="6514199" y="561039"/>
+          <a:ext cx="1260000" cy="1260000"/>
+        </a:xfrm>
+        <a:prstGeom prst="rect">
+          <a:avLst/>
+        </a:prstGeom>
+        <a:blipFill>
+          <a:blip xmlns:r="http://schemas.openxmlformats.org/officeDocument/2006/relationships" r:embed="rId3">
+            <a:extLst>
+              <a:ext uri="{28A0092B-C50C-407E-A947-70E740481C1C}">
+                <a14:useLocalDpi xmlns:a14="http://schemas.microsoft.com/office/drawing/2010/main" val="0"/>
+              </a:ext>
+              <a:ext uri="{96DAC541-7B7A-43D3-8B79-37D633B846F1}">
+                <asvg:svgBlip xmlns:asvg="http://schemas.microsoft.com/office/drawing/2016/SVG/main" r:embed="rId4"/>
+              </a:ext>
+            </a:extLst>
+          </a:blip>
+          <a:stretch>
+            <a:fillRect/>
+          </a:stretch>
+        </a:blipFill>
+        <a:ln w="15875" cap="flat" cmpd="sng" algn="ctr">
+          <a:noFill/>
+          <a:prstDash val="solid"/>
+        </a:ln>
+        <a:effectLst/>
+      </dsp:spPr>
+      <dsp:style>
+        <a:lnRef idx="2">
+          <a:scrgbClr r="0" g="0" b="0"/>
+        </a:lnRef>
+        <a:fillRef idx="1">
+          <a:scrgbClr r="0" g="0" b="0"/>
+        </a:fillRef>
+        <a:effectRef idx="0">
+          <a:scrgbClr r="0" g="0" b="0"/>
+        </a:effectRef>
+        <a:fontRef idx="minor">
+          <a:schemeClr val="lt1"/>
+        </a:fontRef>
+      </dsp:style>
+    </dsp:sp>
+    <dsp:sp modelId="{BA3E08A1-B50D-4478-B828-AD4678B3A065}">
+      <dsp:nvSpPr>
+        <dsp:cNvPr id="0" name=""/>
+        <dsp:cNvSpPr/>
+      </dsp:nvSpPr>
+      <dsp:spPr>
+        <a:xfrm>
+          <a:off x="5344199" y="2973040"/>
+          <a:ext cx="3600000" cy="720000"/>
+        </a:xfrm>
+        <a:prstGeom prst="rect">
+          <a:avLst/>
+        </a:prstGeom>
+        <a:noFill/>
+        <a:ln>
+          <a:noFill/>
+        </a:ln>
+        <a:effectLst/>
+      </dsp:spPr>
+      <dsp:style>
+        <a:lnRef idx="0">
+          <a:scrgbClr r="0" g="0" b="0"/>
+        </a:lnRef>
+        <a:fillRef idx="0">
+          <a:scrgbClr r="0" g="0" b="0"/>
+        </a:fillRef>
+        <a:effectRef idx="0">
+          <a:scrgbClr r="0" g="0" b="0"/>
+        </a:effectRef>
+        <a:fontRef idx="minor"/>
+      </dsp:style>
+      <dsp:txBody>
+        <a:bodyPr spcFirstLastPara="0" vert="horz" wrap="square" lIns="0" tIns="0" rIns="0" bIns="0" numCol="1" spcCol="1270" anchor="t" anchorCtr="0">
+          <a:noAutofit/>
+        </a:bodyPr>
+        <a:lstStyle/>
+        <a:p>
+          <a:pPr marL="0" lvl="0" indent="0" algn="ctr" defTabSz="1066800">
+            <a:lnSpc>
+              <a:spcPct val="90000"/>
+            </a:lnSpc>
+            <a:spcBef>
+              <a:spcPct val="0"/>
+            </a:spcBef>
+            <a:spcAft>
+              <a:spcPct val="35000"/>
+            </a:spcAft>
+            <a:buNone/>
+            <a:defRPr cap="all"/>
+          </a:pPr>
+          <a:r>
+            <a:rPr lang="it-IT" sz="2400" kern="1200"/>
+            <a:t>Ricerca video in base a relatore </a:t>
+          </a:r>
+          <a:endParaRPr lang="en-US" sz="2400" kern="1200"/>
+        </a:p>
+      </dsp:txBody>
+      <dsp:txXfrm>
+        <a:off x="5344199" y="2973040"/>
+        <a:ext cx="3600000" cy="720000"/>
+      </dsp:txXfrm>
+    </dsp:sp>
+  </dsp:spTree>
+</dsp:drawing>
+</file>
+
+<file path=ppt/diagrams/layout1.xml><?xml version="1.0" encoding="utf-8"?>
+<dgm:layoutDef xmlns:dgm="http://schemas.openxmlformats.org/drawingml/2006/diagram" xmlns:a="http://schemas.openxmlformats.org/drawingml/2006/main" uniqueId="urn:microsoft.com/office/officeart/2005/8/layout/hierarchy1">
+  <dgm:title val=""/>
+  <dgm:desc val=""/>
+  <dgm:catLst>
+    <dgm:cat type="hierarchy" pri="2000"/>
+  </dgm:catLst>
+  <dgm:sampData>
+    <dgm:dataModel>
+      <dgm:ptLst>
+        <dgm:pt modelId="0" type="doc"/>
+        <dgm:pt modelId="1">
+          <dgm:prSet phldr="1"/>
+        </dgm:pt>
+        <dgm:pt modelId="2">
+          <dgm:prSet phldr="1"/>
+        </dgm:pt>
+        <dgm:pt modelId="21">
+          <dgm:prSet phldr="1"/>
+        </dgm:pt>
+        <dgm:pt modelId="22">
+          <dgm:prSet phldr="1"/>
+        </dgm:pt>
+        <dgm:pt modelId="3">
+          <dgm:prSet phldr="1"/>
+        </dgm:pt>
+        <dgm:pt modelId="31">
+          <dgm:prSet phldr="1"/>
+        </dgm:pt>
+      </dgm:ptLst>
+      <dgm:cxnLst>
+        <dgm:cxn modelId="4" srcId="0" destId="1" srcOrd="0" destOrd="0"/>
+        <dgm:cxn modelId="5" srcId="1" destId="2" srcOrd="0" destOrd="0"/>
+        <dgm:cxn modelId="6" srcId="1" destId="3" srcOrd="1" destOrd="0"/>
+        <dgm:cxn modelId="23" srcId="2" destId="21" srcOrd="0" destOrd="0"/>
+        <dgm:cxn modelId="24" srcId="2" destId="22" srcOrd="1" destOrd="0"/>
+        <dgm:cxn modelId="33" srcId="3" destId="31" srcOrd="0" destOrd="0"/>
+      </dgm:cxnLst>
+      <dgm:bg/>
+      <dgm:whole/>
+    </dgm:dataModel>
+  </dgm:sampData>
+  <dgm:styleData>
+    <dgm:dataModel>
+      <dgm:ptLst>
+        <dgm:pt modelId="0" type="doc"/>
+        <dgm:pt modelId="1"/>
+        <dgm:pt modelId="11"/>
+        <dgm:pt modelId="12"/>
+      </dgm:ptLst>
+      <dgm:cxnLst>
+        <dgm:cxn modelId="2" srcId="0" destId="1" srcOrd="0" destOrd="0"/>
+        <dgm:cxn modelId="13" srcId="1" destId="11" srcOrd="0" destOrd="0"/>
+        <dgm:cxn modelId="14" srcId="1" destId="12" srcOrd="1" destOrd="0"/>
+      </dgm:cxnLst>
+      <dgm:bg/>
+      <dgm:whole/>
+    </dgm:dataModel>
+  </dgm:styleData>
+  <dgm:clrData>
+    <dgm:dataModel>
+      <dgm:ptLst>
+        <dgm:pt modelId="0" type="doc"/>
+        <dgm:pt modelId="1"/>
+        <dgm:pt modelId="2"/>
+        <dgm:pt modelId="21"/>
+        <dgm:pt modelId="211"/>
+        <dgm:pt modelId="3"/>
+        <dgm:pt modelId="31"/>
+        <dgm:pt modelId="311"/>
+      </dgm:ptLst>
+      <dgm:cxnLst>
+        <dgm:cxn modelId="4" srcId="0" destId="1" srcOrd="0" destOrd="0"/>
+        <dgm:cxn modelId="5" srcId="1" destId="2" srcOrd="0" destOrd="0"/>
+        <dgm:cxn modelId="6" srcId="1" destId="3" srcOrd="1" destOrd="0"/>
+        <dgm:cxn modelId="23" srcId="2" destId="21" srcOrd="0" destOrd="0"/>
+        <dgm:cxn modelId="24" srcId="21" destId="211" srcOrd="0" destOrd="0"/>
+        <dgm:cxn modelId="33" srcId="3" destId="31" srcOrd="0" destOrd="0"/>
+        <dgm:cxn modelId="34" srcId="31" destId="311" srcOrd="0" destOrd="0"/>
+      </dgm:cxnLst>
+      <dgm:bg/>
+      <dgm:whole/>
+    </dgm:dataModel>
+  </dgm:clrData>
+  <dgm:layoutNode name="hierChild1">
+    <dgm:varLst>
+      <dgm:chPref val="1"/>
+      <dgm:dir/>
+      <dgm:animOne val="branch"/>
+      <dgm:animLvl val="lvl"/>
+      <dgm:resizeHandles/>
+    </dgm:varLst>
+    <dgm:choose name="Name0">
+      <dgm:if name="Name1" func="var" arg="dir" op="equ" val="norm">
+        <dgm:alg type="hierChild">
+          <dgm:param type="linDir" val="fromL"/>
+        </dgm:alg>
+      </dgm:if>
+      <dgm:else name="Name2">
+        <dgm:alg type="hierChild">
+          <dgm:param type="linDir" val="fromR"/>
+        </dgm:alg>
+      </dgm:else>
+    </dgm:choose>
+    <dgm:shape xmlns:r="http://schemas.openxmlformats.org/officeDocument/2006/relationships" r:blip="">
+      <dgm:adjLst/>
+    </dgm:shape>
+    <dgm:presOf/>
+    <dgm:constrLst>
+      <dgm:constr type="primFontSz" for="des" ptType="node" op="equ" val="65"/>
+      <dgm:constr type="w" for="des" forName="composite" refType="w"/>
+      <dgm:constr type="h" for="des" forName="composite" refType="w" refFor="des" refForName="composite" fact="0.667"/>
+      <dgm:constr type="w" for="des" forName="composite2" refType="w" refFor="des" refForName="composite"/>
+      <dgm:constr type="h" for="des" forName="composite2" refType="h" refFor="des" refForName="composite"/>
+      <dgm:constr type="w" for="des" forName="composite3" refType="w" refFor="des" refForName="composite"/>
+      <dgm:constr type="h" for="des" forName="composite3" refType="h" refFor="des" refForName="composite"/>
+      <dgm:constr type="w" for="des" forName="composite4" refType="w" refFor="des" refForName="composite"/>
+      <dgm:constr type="h" for="des" forName="composite4" refType="h" refFor="des" refForName="composite"/>
+      <dgm:constr type="w" for="des" forName="composite5" refType="w" refFor="des" refForName="composite"/>
+      <dgm:constr type="h" for="des" forName="composite5" refType="h" refFor="des" refForName="composite"/>
+      <dgm:constr type="sibSp" refType="w" refFor="des" refForName="composite" fact="0.1"/>
+      <dgm:constr type="sibSp" for="des" forName="hierChild2" refType="sibSp"/>
+      <dgm:constr type="sibSp" for="des" forName="hierChild3" refType="sibSp"/>
+      <dgm:constr type="sibSp" for="des" forName="hierChild4" refType="sibSp"/>
+      <dgm:constr type="sibSp" for="des" forName="hierChild5" refType="sibSp"/>
+      <dgm:constr type="sibSp" for="des" forName="hierChild6" refType="sibSp"/>
+      <dgm:constr type="sp" for="des" forName="hierRoot1" refType="h" refFor="des" refForName="composite" fact="0.25"/>
+      <dgm:constr type="sp" for="des" forName="hierRoot2" refType="sp" refFor="des" refForName="hierRoot1"/>
+      <dgm:constr type="sp" for="des" forName="hierRoot3" refType="sp" refFor="des" refForName="hierRoot1"/>
+      <dgm:constr type="sp" for="des" forName="hierRoot4" refType="sp" refFor="des" refForName="hierRoot1"/>
+      <dgm:constr type="sp" for="des" forName="hierRoot5" refType="sp" refFor="des" refForName="hierRoot1"/>
+    </dgm:constrLst>
+    <dgm:ruleLst/>
+    <dgm:forEach name="Name3" axis="ch">
+      <dgm:forEach name="Name4" axis="self" ptType="node">
+        <dgm:layoutNode name="hierRoot1">
+          <dgm:alg type="hierRoot"/>
+          <dgm:shape xmlns:r="http://schemas.openxmlformats.org/officeDocument/2006/relationships" r:blip="">
+            <dgm:adjLst/>
+          </dgm:shape>
+          <dgm:presOf/>
+          <dgm:constrLst>
+            <dgm:constr type="bendDist" for="des" ptType="parTrans" refType="sp" fact="0.5"/>
+          </dgm:constrLst>
+          <dgm:ruleLst/>
+          <dgm:layoutNode name="composite">
+            <dgm:alg type="composite"/>
+            <dgm:shape xmlns:r="http://schemas.openxmlformats.org/officeDocument/2006/relationships" r:blip="">
+              <dgm:adjLst/>
+            </dgm:shape>
+            <dgm:presOf/>
+            <dgm:constrLst>
+              <dgm:constr type="w" for="ch" forName="background" refType="w" fact="0.9"/>
+              <dgm:constr type="h" for="ch" forName="background" refType="w" refFor="ch" refForName="background" fact="0.635"/>
+              <dgm:constr type="t" for="ch" forName="background"/>
+              <dgm:constr type="l" for="ch" forName="background"/>
+              <dgm:constr type="w" for="ch" forName="text" refType="w" fact="0.9"/>
+              <dgm:constr type="h" for="ch" forName="text" refType="w" refFor="ch" refForName="text" fact="0.635"/>
+              <dgm:constr type="t" for="ch" forName="text" refType="w" fact="0.095"/>
+              <dgm:constr type="l" for="ch" forName="text" refType="w" fact="0.1"/>
+            </dgm:constrLst>
+            <dgm:ruleLst/>
+            <dgm:layoutNode name="background" styleLbl="node0" moveWith="text">
+              <dgm:alg type="sp"/>
+              <dgm:shape xmlns:r="http://schemas.openxmlformats.org/officeDocument/2006/relationships" type="roundRect" r:blip="">
+                <dgm:adjLst>
+                  <dgm:adj idx="1" val="0.1"/>
+                </dgm:adjLst>
+              </dgm:shape>
+              <dgm:presOf/>
+              <dgm:constrLst/>
+              <dgm:ruleLst/>
+            </dgm:layoutNode>
+            <dgm:layoutNode name="text" styleLbl="fgAcc0">
+              <dgm:varLst>
+                <dgm:chPref val="3"/>
+              </dgm:varLst>
+              <dgm:alg type="tx"/>
+              <dgm:shape xmlns:r="http://schemas.openxmlformats.org/officeDocument/2006/relationships" type="roundRect" r:blip="">
+                <dgm:adjLst>
+                  <dgm:adj idx="1" val="0.1"/>
+                </dgm:adjLst>
+              </dgm:shape>
+              <dgm:presOf axis="self"/>
+              <dgm:constrLst>
+                <dgm:constr type="tMarg" refType="primFontSz" fact="0.3"/>
+                <dgm:constr type="bMarg" refType="primFontSz" fact="0.3"/>
+                <dgm:constr type="lMarg" refType="primFontSz" fact="0.3"/>
+                <dgm:constr type="rMarg" refType="primFontSz" fact="0.3"/>
+              </dgm:constrLst>
+              <dgm:ruleLst>
+                <dgm:rule type="primFontSz" val="5" fact="NaN" max="NaN"/>
+              </dgm:ruleLst>
+            </dgm:layoutNode>
+          </dgm:layoutNode>
+          <dgm:layoutNode name="hierChild2">
+            <dgm:choose name="Name5">
+              <dgm:if name="Name6" func="var" arg="dir" op="equ" val="norm">
+                <dgm:alg type="hierChild">
+                  <dgm:param type="linDir" val="fromL"/>
+                </dgm:alg>
+              </dgm:if>
+              <dgm:else name="Name7">
+                <dgm:alg type="hierChild">
+                  <dgm:param type="linDir" val="fromR"/>
+                </dgm:alg>
+              </dgm:else>
+            </dgm:choose>
+            <dgm:shape xmlns:r="http://schemas.openxmlformats.org/officeDocument/2006/relationships" r:blip="">
+              <dgm:adjLst/>
+            </dgm:shape>
+            <dgm:presOf/>
+            <dgm:constrLst/>
+            <dgm:ruleLst/>
+            <dgm:forEach name="Name8" axis="ch">
+              <dgm:forEach name="Name9" axis="self" ptType="parTrans" cnt="1">
+                <dgm:layoutNode name="Name10">
+                  <dgm:alg type="conn">
+                    <dgm:param type="dim" val="1D"/>
+                    <dgm:param type="endSty" val="noArr"/>
+                    <dgm:param type="connRout" val="bend"/>
+                    <dgm:param type="bendPt" val="end"/>
+                    <dgm:param type="begPts" val="bCtr"/>
+                    <dgm:param type="endPts" val="tCtr"/>
+                    <dgm:param type="srcNode" val="background"/>
+                    <dgm:param type="dstNode" val="background2"/>
+                  </dgm:alg>
+                  <dgm:shape xmlns:r="http://schemas.openxmlformats.org/officeDocument/2006/relationships" type="conn" r:blip="" zOrderOff="-999">
+                    <dgm:adjLst/>
+                  </dgm:shape>
+                  <dgm:presOf axis="self"/>
+                  <dgm:constrLst>
+                    <dgm:constr type="begPad"/>
+                    <dgm:constr type="endPad"/>
+                  </dgm:constrLst>
+                  <dgm:ruleLst/>
+                </dgm:layoutNode>
+              </dgm:forEach>
+              <dgm:forEach name="Name11" axis="self" ptType="node">
+                <dgm:layoutNode name="hierRoot2">
+                  <dgm:alg type="hierRoot"/>
+                  <dgm:shape xmlns:r="http://schemas.openxmlformats.org/officeDocument/2006/relationships" r:blip="">
+                    <dgm:adjLst/>
+                  </dgm:shape>
+                  <dgm:presOf/>
+                  <dgm:constrLst>
+                    <dgm:constr type="bendDist" for="des" ptType="parTrans" refType="sp" fact="0.5"/>
+                  </dgm:constrLst>
+                  <dgm:ruleLst/>
+                  <dgm:layoutNode name="composite2">
+                    <dgm:alg type="composite"/>
+                    <dgm:shape xmlns:r="http://schemas.openxmlformats.org/officeDocument/2006/relationships" r:blip="">
+                      <dgm:adjLst/>
+                    </dgm:shape>
+                    <dgm:presOf/>
+                    <dgm:constrLst>
+                      <dgm:constr type="w" for="ch" forName="background2" refType="w" fact="0.9"/>
+                      <dgm:constr type="h" for="ch" forName="background2" refType="w" refFor="ch" refForName="background2" fact="0.635"/>
+                      <dgm:constr type="t" for="ch" forName="background2"/>
+                      <dgm:constr type="l" for="ch" forName="background2"/>
+                      <dgm:constr type="w" for="ch" forName="text2" refType="w" fact="0.9"/>
+                      <dgm:constr type="h" for="ch" forName="text2" refType="w" refFor="ch" refForName="text2" fact="0.635"/>
+                      <dgm:constr type="t" for="ch" forName="text2" refType="w" fact="0.095"/>
+                      <dgm:constr type="l" for="ch" forName="text2" refType="w" fact="0.1"/>
+                    </dgm:constrLst>
+                    <dgm:ruleLst/>
+                    <dgm:layoutNode name="background2" moveWith="text2">
+                      <dgm:alg type="sp"/>
+                      <dgm:shape xmlns:r="http://schemas.openxmlformats.org/officeDocument/2006/relationships" type="roundRect" r:blip="">
+                        <dgm:adjLst>
+                          <dgm:adj idx="1" val="0.1"/>
+                        </dgm:adjLst>
+                      </dgm:shape>
+                      <dgm:presOf/>
+                      <dgm:constrLst/>
+                      <dgm:ruleLst/>
+                    </dgm:layoutNode>
+                    <dgm:layoutNode name="text2" styleLbl="fgAcc2">
+                      <dgm:varLst>
+                        <dgm:chPref val="3"/>
+                      </dgm:varLst>
+                      <dgm:alg type="tx"/>
+                      <dgm:shape xmlns:r="http://schemas.openxmlformats.org/officeDocument/2006/relationships" type="roundRect" r:blip="">
+                        <dgm:adjLst>
+                          <dgm:adj idx="1" val="0.1"/>
+                        </dgm:adjLst>
+                      </dgm:shape>
+                      <dgm:presOf axis="self"/>
+                      <dgm:constrLst>
+                        <dgm:constr type="tMarg" refType="primFontSz" fact="0.3"/>
+                        <dgm:constr type="bMarg" refType="primFontSz" fact="0.3"/>
+                        <dgm:constr type="lMarg" refType="primFontSz" fact="0.3"/>
+                        <dgm:constr type="rMarg" refType="primFontSz" fact="0.3"/>
+                      </dgm:constrLst>
+                      <dgm:ruleLst>
+                        <dgm:rule type="primFontSz" val="5" fact="NaN" max="NaN"/>
+                      </dgm:ruleLst>
+                    </dgm:layoutNode>
+                  </dgm:layoutNode>
+                  <dgm:layoutNode name="hierChild3">
+                    <dgm:choose name="Name12">
+                      <dgm:if name="Name13" func="var" arg="dir" op="equ" val="norm">
+                        <dgm:alg type="hierChild">
+                          <dgm:param type="linDir" val="fromL"/>
+                        </dgm:alg>
+                      </dgm:if>
+                      <dgm:else name="Name14">
+                        <dgm:alg type="hierChild">
+                          <dgm:param type="linDir" val="fromR"/>
+                        </dgm:alg>
+                      </dgm:else>
+                    </dgm:choose>
+                    <dgm:shape xmlns:r="http://schemas.openxmlformats.org/officeDocument/2006/relationships" r:blip="">
+                      <dgm:adjLst/>
+                    </dgm:shape>
+                    <dgm:presOf/>
+                    <dgm:constrLst/>
+                    <dgm:ruleLst/>
+                    <dgm:forEach name="Name15" axis="ch">
+                      <dgm:forEach name="Name16" axis="self" ptType="parTrans" cnt="1">
+                        <dgm:layoutNode name="Name17">
+                          <dgm:alg type="conn">
+                            <dgm:param type="dim" val="1D"/>
+                            <dgm:param type="endSty" val="noArr"/>
+                            <dgm:param type="connRout" val="bend"/>
+                            <dgm:param type="bendPt" val="end"/>
+                            <dgm:param type="begPts" val="bCtr"/>
+                            <dgm:param type="endPts" val="tCtr"/>
+                            <dgm:param type="srcNode" val="background2"/>
+                            <dgm:param type="dstNode" val="background3"/>
+                          </dgm:alg>
+                          <dgm:shape xmlns:r="http://schemas.openxmlformats.org/officeDocument/2006/relationships" type="conn" r:blip="" zOrderOff="-999">
+                            <dgm:adjLst/>
+                          </dgm:shape>
+                          <dgm:presOf axis="self"/>
+                          <dgm:constrLst>
+                            <dgm:constr type="begPad"/>
+                            <dgm:constr type="endPad"/>
+                          </dgm:constrLst>
+                          <dgm:ruleLst/>
+                        </dgm:layoutNode>
+                      </dgm:forEach>
+                      <dgm:forEach name="Name18" axis="self" ptType="node">
+                        <dgm:layoutNode name="hierRoot3">
+                          <dgm:alg type="hierRoot"/>
+                          <dgm:shape xmlns:r="http://schemas.openxmlformats.org/officeDocument/2006/relationships" r:blip="">
+                            <dgm:adjLst/>
+                          </dgm:shape>
+                          <dgm:presOf/>
+                          <dgm:constrLst>
+                            <dgm:constr type="bendDist" for="des" ptType="parTrans" refType="sp" fact="0.5"/>
+                          </dgm:constrLst>
+                          <dgm:ruleLst/>
+                          <dgm:layoutNode name="composite3">
+                            <dgm:alg type="composite"/>
+                            <dgm:shape xmlns:r="http://schemas.openxmlformats.org/officeDocument/2006/relationships" r:blip="">
+                              <dgm:adjLst/>
+                            </dgm:shape>
+                            <dgm:presOf/>
+                            <dgm:constrLst>
+                              <dgm:constr type="w" for="ch" forName="background3" refType="w" fact="0.9"/>
+                              <dgm:constr type="h" for="ch" forName="background3" refType="w" refFor="ch" refForName="background3" fact="0.635"/>
+                              <dgm:constr type="t" for="ch" forName="background3"/>
+                              <dgm:constr type="l" for="ch" forName="background3"/>
+                              <dgm:constr type="w" for="ch" forName="text3" refType="w" fact="0.9"/>
+                              <dgm:constr type="h" for="ch" forName="text3" refType="w" refFor="ch" refForName="text3" fact="0.635"/>
+                              <dgm:constr type="t" for="ch" forName="text3" refType="w" fact="0.095"/>
+                              <dgm:constr type="l" for="ch" forName="text3" refType="w" fact="0.1"/>
+                            </dgm:constrLst>
+                            <dgm:ruleLst/>
+                            <dgm:layoutNode name="background3" moveWith="text3">
+                              <dgm:alg type="sp"/>
+                              <dgm:shape xmlns:r="http://schemas.openxmlformats.org/officeDocument/2006/relationships" type="roundRect" r:blip="">
+                                <dgm:adjLst>
+                                  <dgm:adj idx="1" val="0.1"/>
+                                </dgm:adjLst>
+                              </dgm:shape>
+                              <dgm:presOf/>
+                              <dgm:constrLst/>
+                              <dgm:ruleLst/>
+                            </dgm:layoutNode>
+                            <dgm:layoutNode name="text3" styleLbl="fgAcc3">
+                              <dgm:varLst>
+                                <dgm:chPref val="3"/>
+                              </dgm:varLst>
+                              <dgm:alg type="tx"/>
+                              <dgm:shape xmlns:r="http://schemas.openxmlformats.org/officeDocument/2006/relationships" type="roundRect" r:blip="">
+                                <dgm:adjLst>
+                                  <dgm:adj idx="1" val="0.1"/>
+                                </dgm:adjLst>
+                              </dgm:shape>
+                              <dgm:presOf axis="self"/>
+                              <dgm:constrLst>
+                                <dgm:constr type="tMarg" refType="primFontSz" fact="0.3"/>
+                                <dgm:constr type="bMarg" refType="primFontSz" fact="0.3"/>
+                                <dgm:constr type="lMarg" refType="primFontSz" fact="0.3"/>
+                                <dgm:constr type="rMarg" refType="primFontSz" fact="0.3"/>
+                              </dgm:constrLst>
+                              <dgm:ruleLst>
+                                <dgm:rule type="primFontSz" val="5" fact="NaN" max="NaN"/>
+                              </dgm:ruleLst>
+                            </dgm:layoutNode>
+                          </dgm:layoutNode>
+                          <dgm:layoutNode name="hierChild4">
+                            <dgm:choose name="Name19">
+                              <dgm:if name="Name20" func="var" arg="dir" op="equ" val="norm">
+                                <dgm:alg type="hierChild">
+                                  <dgm:param type="linDir" val="fromL"/>
+                                </dgm:alg>
+                              </dgm:if>
+                              <dgm:else name="Name21">
+                                <dgm:alg type="hierChild">
+                                  <dgm:param type="linDir" val="fromR"/>
+                                </dgm:alg>
+                              </dgm:else>
+                            </dgm:choose>
+                            <dgm:shape xmlns:r="http://schemas.openxmlformats.org/officeDocument/2006/relationships" r:blip="">
+                              <dgm:adjLst/>
+                            </dgm:shape>
+                            <dgm:presOf/>
+                            <dgm:constrLst/>
+                            <dgm:ruleLst/>
+                            <dgm:forEach name="repeat" axis="ch">
+                              <dgm:forEach name="Name22" axis="self" ptType="parTrans" cnt="1">
+                                <dgm:layoutNode name="Name23">
+                                  <dgm:choose name="Name24">
+                                    <dgm:if name="Name25" axis="self" func="depth" op="lte" val="4">
+                                      <dgm:alg type="conn">
+                                        <dgm:param type="dim" val="1D"/>
+                                        <dgm:param type="endSty" val="noArr"/>
+                                        <dgm:param type="connRout" val="bend"/>
+                                        <dgm:param type="bendPt" val="end"/>
+                                        <dgm:param type="begPts" val="bCtr"/>
+                                        <dgm:param type="endPts" val="tCtr"/>
+                                        <dgm:param type="srcNode" val="background3"/>
+                                        <dgm:param type="dstNode" val="background4"/>
+                                      </dgm:alg>
+                                    </dgm:if>
+                                    <dgm:else name="Name26">
+                                      <dgm:alg type="conn">
+                                        <dgm:param type="dim" val="1D"/>
+                                        <dgm:param type="endSty" val="noArr"/>
+                                        <dgm:param type="connRout" val="bend"/>
+                                        <dgm:param type="bendPt" val="end"/>
+                                        <dgm:param type="begPts" val="bCtr"/>
+                                        <dgm:param type="endPts" val="tCtr"/>
+                                        <dgm:param type="srcNode" val="background4"/>
+                                        <dgm:param type="dstNode" val="background4"/>
+                                      </dgm:alg>
+                                    </dgm:else>
+                                  </dgm:choose>
+                                  <dgm:shape xmlns:r="http://schemas.openxmlformats.org/officeDocument/2006/relationships" type="conn" r:blip="" zOrderOff="-999">
+                                    <dgm:adjLst/>
+                                  </dgm:shape>
+                                  <dgm:presOf axis="self"/>
+                                  <dgm:constrLst>
+                                    <dgm:constr type="begPad"/>
+                                    <dgm:constr type="endPad"/>
+                                  </dgm:constrLst>
+                                  <dgm:ruleLst/>
+                                </dgm:layoutNode>
+                              </dgm:forEach>
+                              <dgm:forEach name="Name27" axis="self" ptType="node">
+                                <dgm:layoutNode name="hierRoot4">
+                                  <dgm:alg type="hierRoot"/>
+                                  <dgm:shape xmlns:r="http://schemas.openxmlformats.org/officeDocument/2006/relationships" r:blip="">
+                                    <dgm:adjLst/>
+                                  </dgm:shape>
+                                  <dgm:presOf/>
+                                  <dgm:constrLst>
+                                    <dgm:constr type="bendDist" for="des" ptType="parTrans" refType="sp" fact="0.5"/>
+                                  </dgm:constrLst>
+                                  <dgm:ruleLst/>
+                                  <dgm:layoutNode name="composite4">
+                                    <dgm:alg type="composite"/>
+                                    <dgm:shape xmlns:r="http://schemas.openxmlformats.org/officeDocument/2006/relationships" r:blip="">
+                                      <dgm:adjLst/>
+                                    </dgm:shape>
+                                    <dgm:presOf/>
+                                    <dgm:constrLst>
+                                      <dgm:constr type="w" for="ch" forName="background4" refType="w" fact="0.9"/>
+                                      <dgm:constr type="h" for="ch" forName="background4" refType="w" refFor="ch" refForName="background4" fact="0.635"/>
+                                      <dgm:constr type="t" for="ch" forName="background4"/>
+                                      <dgm:constr type="l" for="ch" forName="background4"/>
+                                      <dgm:constr type="w" for="ch" forName="text4" refType="w" fact="0.9"/>
+                                      <dgm:constr type="h" for="ch" forName="text4" refType="w" refFor="ch" refForName="text4" fact="0.635"/>
+                                      <dgm:constr type="t" for="ch" forName="text4" refType="w" fact="0.095"/>
+                                      <dgm:constr type="l" for="ch" forName="text4" refType="w" fact="0.1"/>
+                                    </dgm:constrLst>
+                                    <dgm:ruleLst/>
+                                    <dgm:layoutNode name="background4" moveWith="text4">
+                                      <dgm:alg type="sp"/>
+                                      <dgm:shape xmlns:r="http://schemas.openxmlformats.org/officeDocument/2006/relationships" type="roundRect" r:blip="">
+                                        <dgm:adjLst>
+                                          <dgm:adj idx="1" val="0.1"/>
+                                        </dgm:adjLst>
+                                      </dgm:shape>
+                                      <dgm:presOf/>
+                                      <dgm:constrLst/>
+                                      <dgm:ruleLst/>
+                                    </dgm:layoutNode>
+                                    <dgm:layoutNode name="text4" styleLbl="fgAcc4">
+                                      <dgm:varLst>
+                                        <dgm:chPref val="3"/>
+                                      </dgm:varLst>
+                                      <dgm:alg type="tx"/>
+                                      <dgm:shape xmlns:r="http://schemas.openxmlformats.org/officeDocument/2006/relationships" type="roundRect" r:blip="">
+                                        <dgm:adjLst>
+                                          <dgm:adj idx="1" val="0.1"/>
+                                        </dgm:adjLst>
+                                      </dgm:shape>
+                                      <dgm:presOf axis="self"/>
+                                      <dgm:constrLst>
+                                        <dgm:constr type="tMarg" refType="primFontSz" fact="0.3"/>
+                                        <dgm:constr type="bMarg" refType="primFontSz" fact="0.3"/>
+                                        <dgm:constr type="lMarg" refType="primFontSz" fact="0.3"/>
+                                        <dgm:constr type="rMarg" refType="primFontSz" fact="0.3"/>
+                                      </dgm:constrLst>
+                                      <dgm:ruleLst>
+                                        <dgm:rule type="primFontSz" val="5" fact="NaN" max="NaN"/>
+                                      </dgm:ruleLst>
+                                    </dgm:layoutNode>
+                                  </dgm:layoutNode>
+                                  <dgm:layoutNode name="hierChild5">
+                                    <dgm:choose name="Name28">
+                                      <dgm:if name="Name29" func="var" arg="dir" op="equ" val="norm">
+                                        <dgm:alg type="hierChild">
+                                          <dgm:param type="linDir" val="fromL"/>
+                                        </dgm:alg>
+                                      </dgm:if>
+                                      <dgm:else name="Name30">
+                                        <dgm:alg type="hierChild">
+                                          <dgm:param type="linDir" val="fromR"/>
+                                        </dgm:alg>
+                                      </dgm:else>
+                                    </dgm:choose>
+                                    <dgm:shape xmlns:r="http://schemas.openxmlformats.org/officeDocument/2006/relationships" r:blip="">
+                                      <dgm:adjLst/>
+                                    </dgm:shape>
+                                    <dgm:presOf/>
+                                    <dgm:constrLst/>
+                                    <dgm:ruleLst/>
+                                    <dgm:forEach name="Name31" ref="repeat"/>
+                                  </dgm:layoutNode>
+                                </dgm:layoutNode>
+                              </dgm:forEach>
+                            </dgm:forEach>
+                          </dgm:layoutNode>
+                        </dgm:layoutNode>
+                      </dgm:forEach>
+                    </dgm:forEach>
+                  </dgm:layoutNode>
+                </dgm:layoutNode>
+              </dgm:forEach>
+            </dgm:forEach>
+          </dgm:layoutNode>
+        </dgm:layoutNode>
+      </dgm:forEach>
+    </dgm:forEach>
+  </dgm:layoutNode>
+</dgm:layoutDef>
+</file>
+
+<file path=ppt/diagrams/layout2.xml><?xml version="1.0" encoding="utf-8"?>
+<dgm:layoutDef xmlns:dgm="http://schemas.openxmlformats.org/drawingml/2006/diagram" xmlns:a="http://schemas.openxmlformats.org/drawingml/2006/main" uniqueId="urn:microsoft.com/office/officeart/2018/5/layout/IconCircleLabelList">
+  <dgm:title val="Icon Circle Label List"/>
+  <dgm:desc val="Use to show non-sequential or grouped chunks of information accompanied by a related visuals. Works best with icons or small pictures with short text captions."/>
+  <dgm:catLst>
+    <dgm:cat type="icon" pri="500"/>
+  </dgm:catLst>
+  <dgm:sampData useDef="1">
+    <dgm:dataModel>
+      <dgm:ptLst/>
+      <dgm:bg/>
+      <dgm:whole/>
+    </dgm:dataModel>
+  </dgm:sampData>
+  <dgm:styleData useDef="1">
+    <dgm:dataModel>
+      <dgm:ptLst/>
+      <dgm:bg/>
+      <dgm:whole/>
+    </dgm:dataModel>
+  </dgm:styleData>
+  <dgm:clrData useDef="1">
+    <dgm:dataModel>
+      <dgm:ptLst/>
+      <dgm:bg/>
+      <dgm:whole/>
+    </dgm:dataModel>
+  </dgm:clrData>
+  <dgm:layoutNode name="root">
+    <dgm:varLst>
+      <dgm:dir/>
+      <dgm:resizeHandles val="exact"/>
+    </dgm:varLst>
+    <dgm:choose name="Name0">
+      <dgm:if name="Name1" axis="self" func="var" arg="dir" op="equ" val="norm">
+        <dgm:alg type="snake">
+          <dgm:param type="grDir" val="tL"/>
+          <dgm:param type="flowDir" val="row"/>
+          <dgm:param type="contDir" val="sameDir"/>
+          <dgm:param type="off" val="ctr"/>
+          <dgm:param type="vertAlign" val="mid"/>
+          <dgm:param type="horzAlign" val="ctr"/>
+        </dgm:alg>
+      </dgm:if>
+      <dgm:else name="Name2">
+        <dgm:alg type="snake">
+          <dgm:param type="grDir" val="tR"/>
+          <dgm:param type="flowDir" val="row"/>
+          <dgm:param type="contDir" val="sameDir"/>
+          <dgm:param type="off" val="ctr"/>
+          <dgm:param type="vertAlign" val="mid"/>
+          <dgm:param type="horzAlign" val="ctr"/>
+        </dgm:alg>
+      </dgm:else>
+    </dgm:choose>
+    <dgm:shape xmlns:r="http://schemas.openxmlformats.org/officeDocument/2006/relationships" r:blip="">
+      <dgm:adjLst/>
+    </dgm:shape>
+    <dgm:presOf/>
+    <dgm:choose name="Name3">
+      <dgm:if name="Name4" axis="ch" ptType="node" func="cnt" op="lte" val="2">
+        <dgm:constrLst>
+          <dgm:constr type="h" for="ch" forName="compNode" refType="h" fact="0.4"/>
+          <dgm:constr type="w" for="ch" forName="compNode" val="100"/>
+          <dgm:constr type="w" for="ch" forName="sibTrans" refType="w" refFor="ch" refForName="compNode" fact="0.175"/>
+          <dgm:constr type="sp" refType="w" refFor="ch" refForName="compNode" op="equ" fact="0.25"/>
+          <dgm:constr type="primFontSz" for="des" ptType="node" op="equ" val="44"/>
+          <dgm:constr type="h" for="des" forName="compNode" op="equ"/>
+          <dgm:constr type="h" for="des" forName="textRect" op="equ"/>
+        </dgm:constrLst>
+      </dgm:if>
+      <dgm:if name="Name5" axis="ch" ptType="node" func="cnt" op="lte" val="3">
+        <dgm:constrLst>
+          <dgm:constr type="h" for="ch" forName="compNode" refType="h" fact="0.4"/>
+          <dgm:constr type="w" for="ch" forName="compNode" val="100"/>
+          <dgm:constr type="w" for="ch" forName="sibTrans" refType="w" refFor="ch" refForName="compNode" fact="0.175"/>
+          <dgm:constr type="sp" refType="w" refFor="ch" refForName="compNode" op="equ" fact="0.25"/>
+          <dgm:constr type="primFontSz" for="des" ptType="node" op="equ" val="40"/>
+          <dgm:constr type="h" for="des" forName="compNode" op="equ"/>
+          <dgm:constr type="h" for="des" forName="textRect" op="equ"/>
+        </dgm:constrLst>
+      </dgm:if>
+      <dgm:if name="Name6" axis="ch" ptType="node" func="cnt" op="lte" val="4">
+        <dgm:constrLst>
+          <dgm:constr type="h" for="ch" forName="compNode" refType="h" fact="0.4"/>
+          <dgm:constr type="w" for="ch" forName="compNode" refType="w"/>
+          <dgm:constr type="w" for="ch" forName="sibTrans" refType="w" refFor="ch" refForName="compNode" fact="0.175"/>
+          <dgm:constr type="sp" refType="w" refFor="ch" refForName="compNode" op="equ" fact="0.25"/>
+          <dgm:constr type="primFontSz" for="des" ptType="node" op="equ" val="32"/>
+          <dgm:constr type="h" for="des" forName="compNode" op="equ"/>
+          <dgm:constr type="h" for="des" forName="textRect" op="equ"/>
+        </dgm:constrLst>
+      </dgm:if>
+      <dgm:else name="Name7">
+        <dgm:constrLst>
+          <dgm:constr type="h" for="ch" forName="compNode" refType="h" fact="0.4"/>
+          <dgm:constr type="w" for="ch" forName="compNode" refType="w"/>
+          <dgm:constr type="w" for="ch" forName="sibTrans" refType="w" refFor="ch" refForName="compNode" fact="0.175"/>
+          <dgm:constr type="sp" refType="w" refFor="ch" refForName="compNode" op="equ" fact="0.25"/>
+          <dgm:constr type="primFontSz" for="des" ptType="node" op="equ" val="24"/>
+          <dgm:constr type="h" for="des" forName="compNode" op="equ"/>
+          <dgm:constr type="h" for="des" forName="textRect" op="equ"/>
+        </dgm:constrLst>
+      </dgm:else>
+    </dgm:choose>
+    <dgm:ruleLst>
+      <dgm:rule type="w" for="ch" forName="compNode" val="50" fact="NaN" max="NaN"/>
+    </dgm:ruleLst>
+    <dgm:forEach name="Name8" axis="ch" ptType="node">
+      <dgm:layoutNode name="compNode">
+        <dgm:alg type="composite"/>
+        <dgm:shape xmlns:r="http://schemas.openxmlformats.org/officeDocument/2006/relationships" r:blip="">
+          <dgm:adjLst/>
+        </dgm:shape>
+        <dgm:presOf axis="self"/>
+        <dgm:constrLst>
+          <dgm:constr type="w" for="ch" forName="iconBgRect" refType="w" fact="0.61"/>
+          <dgm:constr type="h" for="ch" forName="iconBgRect" refType="w" refFor="ch" refForName="iconBgRect"/>
+          <dgm:constr type="t" for="ch" forName="iconBgRect"/>
+          <dgm:constr type="ctrX" for="ch" forName="iconBgRect" refType="w" fact="0.5"/>
+          <dgm:constr type="w" for="ch" forName="iconRect" refType="w" fact="0.35"/>
+          <dgm:constr type="h" for="ch" forName="iconRect" refType="w" refFor="ch" refForName="iconRect"/>
+          <dgm:constr type="ctrX" for="ch" forName="iconRect" refType="ctrX" refFor="ch" refForName="iconBgRect"/>
+          <dgm:constr type="ctrY" for="ch" forName="iconRect" refType="ctrY" refFor="ch" refForName="iconBgRect"/>
+          <dgm:constr type="h" for="ch" forName="spaceRect" refType="w" fact="0.19"/>
+          <dgm:constr type="w" for="ch" forName="spaceRect" refType="w"/>
+          <dgm:constr type="l" for="ch" forName="spaceRect"/>
+          <dgm:constr type="t" for="ch" forName="spaceRect" refType="b" refFor="ch" refForName="iconBgRect"/>
+          <dgm:constr type="h" for="ch" forName="textRect" val="20"/>
+          <dgm:constr type="w" for="ch" forName="textRect" refType="w"/>
+          <dgm:constr type="l" for="ch" forName="textRect"/>
+          <dgm:constr type="t" for="ch" forName="textRect" refType="b" refFor="ch" refForName="spaceRect"/>
+        </dgm:constrLst>
+        <dgm:ruleLst>
+          <dgm:rule type="h" val="INF" fact="NaN" max="NaN"/>
+        </dgm:ruleLst>
+        <dgm:layoutNode name="iconBgRect" styleLbl="bgShp">
+          <dgm:alg type="sp"/>
+          <dgm:shape xmlns:r="http://schemas.openxmlformats.org/officeDocument/2006/relationships" type="ellipse" r:blip="">
+            <dgm:adjLst/>
+          </dgm:shape>
+          <dgm:presOf/>
+          <dgm:constrLst/>
+          <dgm:ruleLst/>
+        </dgm:layoutNode>
+        <dgm:layoutNode name="iconRect" styleLbl="node1">
+          <dgm:alg type="sp"/>
+          <dgm:shape xmlns:r="http://schemas.openxmlformats.org/officeDocument/2006/relationships" type="rect" r:blip="" blipPhldr="1">
+            <dgm:adjLst/>
+          </dgm:shape>
+          <dgm:presOf/>
+          <dgm:constrLst/>
+          <dgm:ruleLst/>
+        </dgm:layoutNode>
+        <dgm:layoutNode name="spaceRect">
+          <dgm:alg type="sp"/>
+          <dgm:shape xmlns:r="http://schemas.openxmlformats.org/officeDocument/2006/relationships" r:blip="">
+            <dgm:adjLst/>
+          </dgm:shape>
+          <dgm:presOf/>
+          <dgm:constrLst/>
+          <dgm:ruleLst/>
+        </dgm:layoutNode>
+        <dgm:layoutNode name="textRect" styleLbl="revTx">
+          <dgm:varLst>
+            <dgm:chMax val="1"/>
+            <dgm:chPref val="1"/>
+          </dgm:varLst>
+          <dgm:alg type="tx">
+            <dgm:param type="txAnchorVert" val="t"/>
+          </dgm:alg>
+          <dgm:shape xmlns:r="http://schemas.openxmlformats.org/officeDocument/2006/relationships" type="rect" r:blip="">
+            <dgm:adjLst/>
+          </dgm:shape>
+          <dgm:presOf axis="self" ptType="node"/>
+          <dgm:constrLst>
+            <dgm:constr type="lMarg"/>
+            <dgm:constr type="rMarg"/>
+            <dgm:constr type="tMarg"/>
+            <dgm:constr type="bMarg"/>
+          </dgm:constrLst>
+          <dgm:ruleLst>
+            <dgm:rule type="primFontSz" val="11" fact="NaN" max="NaN"/>
+            <dgm:rule type="h" val="INF" fact="NaN" max="NaN"/>
+          </dgm:ruleLst>
+        </dgm:layoutNode>
+      </dgm:layoutNode>
+      <dgm:forEach name="Name9" axis="followSib" ptType="sibTrans" cnt="1">
+        <dgm:layoutNode name="sibTrans">
+          <dgm:alg type="sp"/>
+          <dgm:shape xmlns:r="http://schemas.openxmlformats.org/officeDocument/2006/relationships" r:blip="">
+            <dgm:adjLst/>
+          </dgm:shape>
+          <dgm:presOf axis="self"/>
+          <dgm:constrLst/>
+          <dgm:ruleLst/>
+        </dgm:layoutNode>
+      </dgm:forEach>
+    </dgm:forEach>
+  </dgm:layoutNode>
+  <dgm:extLst>
+    <a:ext uri="{68A01E43-0DF5-4B5B-8FA6-DAF915123BFB}">
+      <dgm1612:lstStyle xmlns:dgm1612="http://schemas.microsoft.com/office/drawing/2016/12/diagram">
+        <a:lvl1pPr>
+          <a:lnSpc>
+            <a:spcPct val="100000"/>
+          </a:lnSpc>
+          <a:defRPr cap="all"/>
+        </a:lvl1pPr>
+      </dgm1612:lstStyle>
+    </a:ext>
+  </dgm:extLst>
+</dgm:layoutDef>
+</file>
+
+<file path=ppt/diagrams/quickStyle1.xml><?xml version="1.0" encoding="utf-8"?>
+<dgm:styleDef xmlns:dgm="http://schemas.openxmlformats.org/drawingml/2006/diagram" xmlns:a="http://schemas.openxmlformats.org/drawingml/2006/main" uniqueId="urn:microsoft.com/office/officeart/2005/8/quickstyle/simple1">
+  <dgm:title val=""/>
+  <dgm:desc val=""/>
+  <dgm:catLst>
+    <dgm:cat type="simple" pri="10100"/>
+  </dgm:catLst>
+  <dgm:scene3d>
+    <a:camera prst="orthographicFront"/>
+    <a:lightRig rig="threePt" dir="t"/>
+  </dgm:scene3d>
+  <dgm:styleLbl name="node0">
+    <dgm:scene3d>
+      <a:camera prst="orthographicFront"/>
+      <a:lightRig rig="threePt" dir="t"/>
+    </dgm:scene3d>
+    <dgm:sp3d/>
+    <dgm:txPr/>
+    <dgm:style>
+      <a:lnRef idx="2">
+        <a:scrgbClr r="0" g="0" b="0"/>
+      </a:lnRef>
+      <a:fillRef idx="1">
+        <a:scrgbClr r="0" g="0" b="0"/>
+      </a:fillRef>
+      <a:effectRef idx="0">
+        <a:scrgbClr r="0" g="0" b="0"/>
+      </a:effectRef>
+      <a:fontRef idx="minor">
+        <a:schemeClr val="lt1"/>
+      </a:fontRef>
+    </dgm:style>
+  </dgm:styleLbl>
+  <dgm:styleLbl name="lnNode1">
+    <dgm:scene3d>
+      <a:camera prst="orthographicFront"/>
+      <a:lightRig rig="threePt" dir="t"/>
+    </dgm:scene3d>
+    <dgm:sp3d/>
+    <dgm:txPr/>
+    <dgm:style>
+      <a:lnRef idx="2">
+        <a:scrgbClr r="0" g="0" b="0"/>
+      </a:lnRef>
+      <a:fillRef idx="1">
+        <a:scrgbClr r="0" g="0" b="0"/>
+      </a:fillRef>
+      <a:effectRef idx="0">
+        <a:scrgbClr r="0" g="0" b="0"/>
+      </a:effectRef>
+      <a:fontRef idx="minor">
+        <a:schemeClr val="lt1"/>
+      </a:fontRef>
+    </dgm:style>
+  </dgm:styleLbl>
+  <dgm:styleLbl name="vennNode1">
+    <dgm:scene3d>
+      <a:camera prst="orthographicFront"/>
+      <a:lightRig rig="threePt" dir="t"/>
+    </dgm:scene3d>
+    <dgm:sp3d/>
+    <dgm:txPr/>
+    <dgm:style>
+      <a:lnRef idx="2">
+        <a:scrgbClr r="0" g="0" b="0"/>
+      </a:lnRef>
+      <a:fillRef idx="1">
+        <a:scrgbClr r="0" g="0" b="0"/>
+      </a:fillRef>
+      <a:effectRef idx="0">
+        <a:scrgbClr r="0" g="0" b="0"/>
+      </a:effectRef>
+      <a:fontRef idx="minor">
+        <a:schemeClr val="tx1"/>
+      </a:fontRef>
+    </dgm:style>
+  </dgm:styleLbl>
+  <dgm:styleLbl name="alignNode1">
+    <dgm:scene3d>
+      <a:camera prst="orthographicFront"/>
+      <a:lightRig rig="threePt" dir="t"/>
+    </dgm:scene3d>
+    <dgm:sp3d/>
+    <dgm:txPr/>
+    <dgm:style>
+      <a:lnRef idx="2">
+        <a:scrgbClr r="0" g="0" b="0"/>
+      </a:lnRef>
+      <a:fillRef idx="1">
+        <a:scrgbClr r="0" g="0" b="0"/>
+      </a:fillRef>
+      <a:effectRef idx="0">
+        <a:scrgbClr r="0" g="0" b="0"/>
+      </a:effectRef>
+      <a:fontRef idx="minor">
+        <a:schemeClr val="lt1"/>
+      </a:fontRef>
+    </dgm:style>
+  </dgm:styleLbl>
+  <dgm:styleLbl name="node1">
+    <dgm:scene3d>
+      <a:camera prst="orthographicFront"/>
+      <a:lightRig rig="threePt" dir="t"/>
+    </dgm:scene3d>
+    <dgm:sp3d/>
+    <dgm:txPr/>
+    <dgm:style>
+      <a:lnRef idx="2">
+        <a:scrgbClr r="0" g="0" b="0"/>
+      </a:lnRef>
+      <a:fillRef idx="1">
+        <a:scrgbClr r="0" g="0" b="0"/>
+      </a:fillRef>
+      <a:effectRef idx="0">
+        <a:scrgbClr r="0" g="0" b="0"/>
+      </a:effectRef>
+      <a:fontRef idx="minor">
+        <a:schemeClr val="lt1"/>
+      </a:fontRef>
+    </dgm:style>
+  </dgm:styleLbl>
+  <dgm:styleLbl name="node2">
+    <dgm:scene3d>
+      <a:camera prst="orthographicFront"/>
+      <a:lightRig rig="threePt" dir="t"/>
+    </dgm:scene3d>
+    <dgm:sp3d/>
+    <dgm:txPr/>
+    <dgm:style>
+      <a:lnRef idx="2">
+        <a:scrgbClr r="0" g="0" b="0"/>
+      </a:lnRef>
+      <a:fillRef idx="1">
+        <a:scrgbClr r="0" g="0" b="0"/>
+      </a:fillRef>
+      <a:effectRef idx="0">
+        <a:scrgbClr r="0" g="0" b="0"/>
+      </a:effectRef>
+      <a:fontRef idx="minor">
+        <a:schemeClr val="lt1"/>
+      </a:fontRef>
+    </dgm:style>
+  </dgm:styleLbl>
+  <dgm:styleLbl name="node3">
+    <dgm:scene3d>
+      <a:camera prst="orthographicFront"/>
+      <a:lightRig rig="threePt" dir="t"/>
+    </dgm:scene3d>
+    <dgm:sp3d/>
+    <dgm:txPr/>
+    <dgm:style>
+      <a:lnRef idx="2">
+        <a:scrgbClr r="0" g="0" b="0"/>
+      </a:lnRef>
+      <a:fillRef idx="1">
+        <a:scrgbClr r="0" g="0" b="0"/>
+      </a:fillRef>
+      <a:effectRef idx="0">
+        <a:scrgbClr r="0" g="0" b="0"/>
+      </a:effectRef>
+      <a:fontRef idx="minor">
+        <a:schemeClr val="lt1"/>
+      </a:fontRef>
+    </dgm:style>
+  </dgm:styleLbl>
+  <dgm:styleLbl name="node4">
+    <dgm:scene3d>
+      <a:camera prst="orthographicFront"/>
+      <a:lightRig rig="threePt" dir="t"/>
+    </dgm:scene3d>
+    <dgm:sp3d/>
+    <dgm:txPr/>
+    <dgm:style>
+      <a:lnRef idx="2">
+        <a:scrgbClr r="0" g="0" b="0"/>
+      </a:lnRef>
+      <a:fillRef idx="1">
+        <a:scrgbClr r="0" g="0" b="0"/>
+      </a:fillRef>
+      <a:effectRef idx="0">
+        <a:scrgbClr r="0" g="0" b="0"/>
+      </a:effectRef>
+      <a:fontRef idx="minor">
+        <a:schemeClr val="lt1"/>
+      </a:fontRef>
+    </dgm:style>
+  </dgm:styleLbl>
+  <dgm:styleLbl name="fgImgPlace1">
+    <dgm:scene3d>
+      <a:camera prst="orthographicFront"/>
+      <a:lightRig rig="threePt" dir="t"/>
+    </dgm:scene3d>
+    <dgm:sp3d/>
+    <dgm:txPr/>
+    <dgm:style>
+      <a:lnRef idx="2">
+        <a:scrgbClr r="0" g="0" b="0"/>
+      </a:lnRef>
+      <a:fillRef idx="1">
+        <a:scrgbClr r="0" g="0" b="0"/>
+      </a:fillRef>
+      <a:effectRef idx="0">
+        <a:scrgbClr r="0" g="0" b="0"/>
+      </a:effectRef>
+      <a:fontRef idx="minor"/>
+    </dgm:style>
+  </dgm:styleLbl>
+  <dgm:styleLbl name="alignImgPlace1">
+    <dgm:scene3d>
+      <a:camera prst="orthographicFront"/>
+      <a:lightRig rig="threePt" dir="t"/>
+    </dgm:scene3d>
+    <dgm:sp3d/>
+    <dgm:txPr/>
+    <dgm:style>
+      <a:lnRef idx="2">
+        <a:scrgbClr r="0" g="0" b="0"/>
+      </a:lnRef>
+      <a:fillRef idx="1">
+        <a:scrgbClr r="0" g="0" b="0"/>
+      </a:fillRef>
+      <a:effectRef idx="0">
+        <a:scrgbClr r="0" g="0" b="0"/>
+      </a:effectRef>
+      <a:fontRef idx="minor"/>
+    </dgm:style>
+  </dgm:styleLbl>
+  <dgm:styleLbl name="bgImgPlace1">
+    <dgm:scene3d>
+      <a:camera prst="orthographicFront"/>
+      <a:lightRig rig="threePt" dir="t"/>
+    </dgm:scene3d>
+    <dgm:sp3d/>
+    <dgm:txPr/>
+    <dgm:style>
+      <a:lnRef idx="2">
+        <a:scrgbClr r="0" g="0" b="0"/>
+      </a:lnRef>
+      <a:fillRef idx="1">
+        <a:scrgbClr r="0" g="0" b="0"/>
+      </a:fillRef>
+      <a:effectRef idx="0">
+        <a:scrgbClr r="0" g="0" b="0"/>
+      </a:effectRef>
+      <a:fontRef idx="minor"/>
+    </dgm:style>
+  </dgm:styleLbl>
+  <dgm:styleLbl name="sibTrans2D1">
+    <dgm:scene3d>
+      <a:camera prst="orthographicFront"/>
+      <a:lightRig rig="threePt" dir="t"/>
+    </dgm:scene3d>
+    <dgm:sp3d/>
+    <dgm:txPr/>
+    <dgm:style>
+      <a:lnRef idx="0">
+        <a:scrgbClr r="0" g="0" b="0"/>
+      </a:lnRef>
+      <a:fillRef idx="1">
+        <a:scrgbClr r="0" g="0" b="0"/>
+      </a:fillRef>
+      <a:effectRef idx="0">
+        <a:scrgbClr r="0" g="0" b="0"/>
+      </a:effectRef>
+      <a:fontRef idx="minor">
+        <a:schemeClr val="lt1"/>
+      </a:fontRef>
+    </dgm:style>
+  </dgm:styleLbl>
+  <dgm:styleLbl name="fgSibTrans2D1">
+    <dgm:scene3d>
+      <a:camera prst="orthographicFront"/>
+      <a:lightRig rig="threePt" dir="t"/>
+    </dgm:scene3d>
+    <dgm:sp3d/>
+    <dgm:txPr/>
+    <dgm:style>
+      <a:lnRef idx="0">
+        <a:scrgbClr r="0" g="0" b="0"/>
+      </a:lnRef>
+      <a:fillRef idx="1">
+        <a:scrgbClr r="0" g="0" b="0"/>
+      </a:fillRef>
+      <a:effectRef idx="0">
+        <a:scrgbClr r="0" g="0" b="0"/>
+      </a:effectRef>
+      <a:fontRef idx="minor">
+        <a:schemeClr val="lt1"/>
+      </a:fontRef>
+    </dgm:style>
+  </dgm:styleLbl>
+  <dgm:styleLbl name="bgSibTrans2D1">
+    <dgm:scene3d>
+      <a:camera prst="orthographicFront"/>
+      <a:lightRig rig="threePt" dir="t"/>
+    </dgm:scene3d>
+    <dgm:sp3d/>
+    <dgm:txPr/>
+    <dgm:style>
+      <a:lnRef idx="0">
+        <a:scrgbClr r="0" g="0" b="0"/>
+      </a:lnRef>
+      <a:fillRef idx="1">
+        <a:scrgbClr r="0" g="0" b="0"/>
+      </a:fillRef>
+      <a:effectRef idx="0">
+        <a:scrgbClr r="0" g="0" b="0"/>
+      </a:effectRef>
+      <a:fontRef idx="minor">
+        <a:schemeClr val="lt1"/>
+      </a:fontRef>
+    </dgm:style>
+  </dgm:styleLbl>
+  <dgm:styleLbl name="sibTrans1D1">
+    <dgm:scene3d>
+      <a:camera prst="orthographicFront"/>
+      <a:lightRig rig="threePt" dir="t"/>
+    </dgm:scene3d>
+    <dgm:sp3d/>
+    <dgm:txPr/>
+    <dgm:style>
+      <a:lnRef idx="1">
+        <a:scrgbClr r="0" g="0" b="0"/>
+      </a:lnRef>
+      <a:fillRef idx="0">
+        <a:scrgbClr r="0" g="0" b="0"/>
+      </a:fillRef>
+      <a:effectRef idx="0">
+        <a:scrgbClr r="0" g="0" b="0"/>
+      </a:effectRef>
+      <a:fontRef idx="minor"/>
+    </dgm:style>
+  </dgm:styleLbl>
+  <dgm:styleLbl name="callout">
+    <dgm:scene3d>
+      <a:camera prst="orthographicFront"/>
+      <a:lightRig rig="threePt" dir="t"/>
+    </dgm:scene3d>
+    <dgm:sp3d/>
+    <dgm:txPr/>
+    <dgm:style>
+      <a:lnRef idx="2">
+        <a:scrgbClr r="0" g="0" b="0"/>
+      </a:lnRef>
+      <a:fillRef idx="1">
+        <a:scrgbClr r="0" g="0" b="0"/>
+      </a:fillRef>
+      <a:effectRef idx="0">
+        <a:scrgbClr r="0" g="0" b="0"/>
+      </a:effectRef>
+      <a:fontRef idx="minor"/>
+    </dgm:style>
+  </dgm:styleLbl>
+  <dgm:styleLbl name="asst0">
+    <dgm:scene3d>
+      <a:camera prst="orthographicFront"/>
+      <a:lightRig rig="threePt" dir="t"/>
+    </dgm:scene3d>
+    <dgm:sp3d/>
+    <dgm:txPr/>
+    <dgm:style>
+      <a:lnRef idx="2">
+        <a:scrgbClr r="0" g="0" b="0"/>
+      </a:lnRef>
+      <a:fillRef idx="1">
+        <a:scrgbClr r="0" g="0" b="0"/>
+      </a:fillRef>
+      <a:effectRef idx="0">
+        <a:scrgbClr r="0" g="0" b="0"/>
+      </a:effectRef>
+      <a:fontRef idx="minor">
+        <a:schemeClr val="lt1"/>
+      </a:fontRef>
+    </dgm:style>
+  </dgm:styleLbl>
+  <dgm:styleLbl name="asst1">
+    <dgm:scene3d>
+      <a:camera prst="orthographicFront"/>
+      <a:lightRig rig="threePt" dir="t"/>
+    </dgm:scene3d>
+    <dgm:sp3d/>
+    <dgm:txPr/>
+    <dgm:style>
+      <a:lnRef idx="2">
+        <a:scrgbClr r="0" g="0" b="0"/>
+      </a:lnRef>
+      <a:fillRef idx="1">
+        <a:scrgbClr r="0" g="0" b="0"/>
+      </a:fillRef>
+      <a:effectRef idx="0">
+        <a:scrgbClr r="0" g="0" b="0"/>
+      </a:effectRef>
+      <a:fontRef idx="minor">
+        <a:schemeClr val="lt1"/>
+      </a:fontRef>
+    </dgm:style>
+  </dgm:styleLbl>
+  <dgm:styleLbl name="asst2">
+    <dgm:scene3d>
+      <a:camera prst="orthographicFront"/>
+      <a:lightRig rig="threePt" dir="t"/>
+    </dgm:scene3d>
+    <dgm:sp3d/>
+    <dgm:txPr/>
+    <dgm:style>
+      <a:lnRef idx="2">
+        <a:scrgbClr r="0" g="0" b="0"/>
+      </a:lnRef>
+      <a:fillRef idx="1">
+        <a:scrgbClr r="0" g="0" b="0"/>
+      </a:fillRef>
+      <a:effectRef idx="0">
+        <a:scrgbClr r="0" g="0" b="0"/>
+      </a:effectRef>
+      <a:fontRef idx="minor">
+        <a:schemeClr val="lt1"/>
+      </a:fontRef>
+    </dgm:style>
+  </dgm:styleLbl>
+  <dgm:styleLbl name="asst3">
+    <dgm:scene3d>
+      <a:camera prst="orthographicFront"/>
+      <a:lightRig rig="threePt" dir="t"/>
+    </dgm:scene3d>
+    <dgm:sp3d/>
+    <dgm:txPr/>
+    <dgm:style>
+      <a:lnRef idx="2">
+        <a:scrgbClr r="0" g="0" b="0"/>
+      </a:lnRef>
+      <a:fillRef idx="1">
+        <a:scrgbClr r="0" g="0" b="0"/>
+      </a:fillRef>
+      <a:effectRef idx="0">
+        <a:scrgbClr r="0" g="0" b="0"/>
+      </a:effectRef>
+      <a:fontRef idx="minor">
+        <a:schemeClr val="lt1"/>
+      </a:fontRef>
+    </dgm:style>
+  </dgm:styleLbl>
+  <dgm:styleLbl name="asst4">
+    <dgm:scene3d>
+      <a:camera prst="orthographicFront"/>
+      <a:lightRig rig="threePt" dir="t"/>
+    </dgm:scene3d>
+    <dgm:sp3d/>
+    <dgm:txPr/>
+    <dgm:style>
+      <a:lnRef idx="2">
+        <a:scrgbClr r="0" g="0" b="0"/>
+      </a:lnRef>
+      <a:fillRef idx="1">
+        <a:scrgbClr r="0" g="0" b="0"/>
+      </a:fillRef>
+      <a:effectRef idx="0">
+        <a:scrgbClr r="0" g="0" b="0"/>
+      </a:effectRef>
+      <a:fontRef idx="minor">
+        <a:schemeClr val="lt1"/>
+      </a:fontRef>
+    </dgm:style>
+  </dgm:styleLbl>
+  <dgm:styleLbl name="parChTrans2D1">
+    <dgm:scene3d>
+      <a:camera prst="orthographicFront"/>
+      <a:lightRig rig="threePt" dir="t"/>
+    </dgm:scene3d>
+    <dgm:sp3d/>
+    <dgm:txPr/>
+    <dgm:style>
+      <a:lnRef idx="2">
+        <a:scrgbClr r="0" g="0" b="0"/>
+      </a:lnRef>
+      <a:fillRef idx="1">
+        <a:scrgbClr r="0" g="0" b="0"/>
+      </a:fillRef>
+      <a:effectRef idx="0">
+        <a:scrgbClr r="0" g="0" b="0"/>
+      </a:effectRef>
+      <a:fontRef idx="minor">
+        <a:schemeClr val="lt1"/>
+      </a:fontRef>
+    </dgm:style>
+  </dgm:styleLbl>
+  <dgm:styleLbl name="parChTrans2D2">
+    <dgm:scene3d>
+      <a:camera prst="orthographicFront"/>
+      <a:lightRig rig="threePt" dir="t"/>
+    </dgm:scene3d>
+    <dgm:sp3d/>
+    <dgm:txPr/>
+    <dgm:style>
+      <a:lnRef idx="2">
+        <a:scrgbClr r="0" g="0" b="0"/>
+      </a:lnRef>
+      <a:fillRef idx="1">
+        <a:scrgbClr r="0" g="0" b="0"/>
+      </a:fillRef>
+      <a:effectRef idx="0">
+        <a:scrgbClr r="0" g="0" b="0"/>
+      </a:effectRef>
+      <a:fontRef idx="minor">
+        <a:schemeClr val="lt1"/>
+      </a:fontRef>
+    </dgm:style>
+  </dgm:styleLbl>
+  <dgm:styleLbl name="parChTrans2D3">
+    <dgm:scene3d>
+      <a:camera prst="orthographicFront"/>
+      <a:lightRig rig="threePt" dir="t"/>
+    </dgm:scene3d>
+    <dgm:sp3d/>
+    <dgm:txPr/>
+    <dgm:style>
+      <a:lnRef idx="2">
+        <a:scrgbClr r="0" g="0" b="0"/>
+      </a:lnRef>
+      <a:fillRef idx="1">
+        <a:scrgbClr r="0" g="0" b="0"/>
+      </a:fillRef>
+      <a:effectRef idx="0">
+        <a:scrgbClr r="0" g="0" b="0"/>
+      </a:effectRef>
+      <a:fontRef idx="minor">
+        <a:schemeClr val="lt1"/>
+      </a:fontRef>
+    </dgm:style>
+  </dgm:styleLbl>
+  <dgm:styleLbl name="parChTrans2D4">
+    <dgm:scene3d>
+      <a:camera prst="orthographicFront"/>
+      <a:lightRig rig="threePt" dir="t"/>
+    </dgm:scene3d>
+    <dgm:sp3d/>
+    <dgm:txPr/>
+    <dgm:style>
+      <a:lnRef idx="2">
+        <a:scrgbClr r="0" g="0" b="0"/>
+      </a:lnRef>
+      <a:fillRef idx="1">
+        <a:scrgbClr r="0" g="0" b="0"/>
+      </a:fillRef>
+      <a:effectRef idx="0">
+        <a:scrgbClr r="0" g="0" b="0"/>
+      </a:effectRef>
+      <a:fontRef idx="minor">
+        <a:schemeClr val="lt1"/>
+      </a:fontRef>
+    </dgm:style>
+  </dgm:styleLbl>
+  <dgm:styleLbl name="parChTrans1D1">
+    <dgm:scene3d>
+      <a:camera prst="orthographicFront"/>
+      <a:lightRig rig="threePt" dir="t"/>
+    </dgm:scene3d>
+    <dgm:sp3d/>
+    <dgm:txPr/>
+    <dgm:style>
+      <a:lnRef idx="2">
+        <a:scrgbClr r="0" g="0" b="0"/>
+      </a:lnRef>
+      <a:fillRef idx="0">
+        <a:scrgbClr r="0" g="0" b="0"/>
+      </a:fillRef>
+      <a:effectRef idx="0">
+        <a:scrgbClr r="0" g="0" b="0"/>
+      </a:effectRef>
+      <a:fontRef idx="minor"/>
+    </dgm:style>
+  </dgm:styleLbl>
+  <dgm:styleLbl name="parChTrans1D2">
+    <dgm:scene3d>
+      <a:camera prst="orthographicFront"/>
+      <a:lightRig rig="threePt" dir="t"/>
+    </dgm:scene3d>
+    <dgm:sp3d/>
+    <dgm:txPr/>
+    <dgm:style>
+      <a:lnRef idx="2">
+        <a:scrgbClr r="0" g="0" b="0"/>
+      </a:lnRef>
+      <a:fillRef idx="0">
+        <a:scrgbClr r="0" g="0" b="0"/>
+      </a:fillRef>
+      <a:effectRef idx="0">
+        <a:scrgbClr r="0" g="0" b="0"/>
+      </a:effectRef>
+      <a:fontRef idx="minor"/>
+    </dgm:style>
+  </dgm:styleLbl>
+  <dgm:styleLbl name="parChTrans1D3">
+    <dgm:scene3d>
+      <a:camera prst="orthographicFront"/>
+      <a:lightRig rig="threePt" dir="t"/>
+    </dgm:scene3d>
+    <dgm:sp3d/>
+    <dgm:txPr/>
+    <dgm:style>
+      <a:lnRef idx="2">
+        <a:scrgbClr r="0" g="0" b="0"/>
+      </a:lnRef>
+      <a:fillRef idx="0">
+        <a:scrgbClr r="0" g="0" b="0"/>
+      </a:fillRef>
+      <a:effectRef idx="0">
+        <a:scrgbClr r="0" g="0" b="0"/>
+      </a:effectRef>
+      <a:fontRef idx="minor"/>
+    </dgm:style>
+  </dgm:styleLbl>
+  <dgm:styleLbl name="parChTrans1D4">
+    <dgm:scene3d>
+      <a:camera prst="orthographicFront"/>
+      <a:lightRig rig="threePt" dir="t"/>
+    </dgm:scene3d>
+    <dgm:sp3d/>
+    <dgm:txPr/>
+    <dgm:style>
+      <a:lnRef idx="2">
+        <a:scrgbClr r="0" g="0" b="0"/>
+      </a:lnRef>
+      <a:fillRef idx="0">
+        <a:scrgbClr r="0" g="0" b="0"/>
+      </a:fillRef>
+      <a:effectRef idx="0">
+        <a:scrgbClr r="0" g="0" b="0"/>
+      </a:effectRef>
+      <a:fontRef idx="minor"/>
+    </dgm:style>
+  </dgm:styleLbl>
+  <dgm:styleLbl name="fgAcc1">
+    <dgm:scene3d>
+      <a:camera prst="orthographicFront"/>
+      <a:lightRig rig="threePt" dir="t"/>
+    </dgm:scene3d>
+    <dgm:sp3d/>
+    <dgm:txPr/>
+    <dgm:style>
+      <a:lnRef idx="2">
+        <a:scrgbClr r="0" g="0" b="0"/>
+      </a:lnRef>
+      <a:fillRef idx="1">
+        <a:scrgbClr r="0" g="0" b="0"/>
+      </a:fillRef>
+      <a:effectRef idx="0">
+        <a:scrgbClr r="0" g="0" b="0"/>
+      </a:effectRef>
+      <a:fontRef idx="minor"/>
+    </dgm:style>
+  </dgm:styleLbl>
+  <dgm:styleLbl name="conFgAcc1">
+    <dgm:scene3d>
+      <a:camera prst="orthographicFront"/>
+      <a:lightRig rig="threePt" dir="t"/>
+    </dgm:scene3d>
+    <dgm:sp3d/>
+    <dgm:txPr/>
+    <dgm:style>
+      <a:lnRef idx="2">
+        <a:scrgbClr r="0" g="0" b="0"/>
+      </a:lnRef>
+      <a:fillRef idx="1">
+        <a:scrgbClr r="0" g="0" b="0"/>
+      </a:fillRef>
+      <a:effectRef idx="0">
+        <a:scrgbClr r="0" g="0" b="0"/>
+      </a:effectRef>
+      <a:fontRef idx="minor"/>
+    </dgm:style>
+  </dgm:styleLbl>
+  <dgm:styleLbl name="alignAcc1">
+    <dgm:scene3d>
+      <a:camera prst="orthographicFront"/>
+      <a:lightRig rig="threePt" dir="t"/>
+    </dgm:scene3d>
+    <dgm:sp3d/>
+    <dgm:txPr/>
+    <dgm:style>
+      <a:lnRef idx="2">
+        <a:scrgbClr r="0" g="0" b="0"/>
+      </a:lnRef>
+      <a:fillRef idx="1">
+        <a:scrgbClr r="0" g="0" b="0"/>
+      </a:fillRef>
+      <a:effectRef idx="0">
+        <a:scrgbClr r="0" g="0" b="0"/>
+      </a:effectRef>
+      <a:fontRef idx="minor"/>
+    </dgm:style>
+  </dgm:styleLbl>
+  <dgm:styleLbl name="trAlignAcc1">
+    <dgm:scene3d>
+      <a:camera prst="orthographicFront"/>
+      <a:lightRig rig="threePt" dir="t"/>
+    </dgm:scene3d>
+    <dgm:sp3d/>
+    <dgm:txPr/>
+    <dgm:style>
+      <a:lnRef idx="1">
+        <a:scrgbClr r="0" g="0" b="0"/>
+      </a:lnRef>
+      <a:fillRef idx="1">
+        <a:scrgbClr r="0" g="0" b="0"/>
+      </a:fillRef>
+      <a:effectRef idx="0">
+        <a:scrgbClr r="0" g="0" b="0"/>
+      </a:effectRef>
+      <a:fontRef idx="minor"/>
+    </dgm:style>
+  </dgm:styleLbl>
+  <dgm:styleLbl name="bgAcc1">
+    <dgm:scene3d>
+      <a:camera prst="orthographicFront"/>
+      <a:lightRig rig="threePt" dir="t"/>
+    </dgm:scene3d>
+    <dgm:sp3d/>
+    <dgm:txPr/>
+    <dgm:style>
+      <a:lnRef idx="2">
+        <a:scrgbClr r="0" g="0" b="0"/>
+      </a:lnRef>
+      <a:fillRef idx="1">
+        <a:scrgbClr r="0" g="0" b="0"/>
+      </a:fillRef>
+      <a:effectRef idx="0">
+        <a:scrgbClr r="0" g="0" b="0"/>
+      </a:effectRef>
+      <a:fontRef idx="minor"/>
+    </dgm:style>
+  </dgm:styleLbl>
+  <dgm:styleLbl name="solidFgAcc1">
+    <dgm:scene3d>
+      <a:camera prst="orthographicFront"/>
+      <a:lightRig rig="threePt" dir="t"/>
+    </dgm:scene3d>
+    <dgm:sp3d/>
+    <dgm:txPr/>
+    <dgm:style>
+      <a:lnRef idx="2">
+        <a:scrgbClr r="0" g="0" b="0"/>
+      </a:lnRef>
+      <a:fillRef idx="1">
+        <a:scrgbClr r="0" g="0" b="0"/>
+      </a:fillRef>
+      <a:effectRef idx="0">
+        <a:scrgbClr r="0" g="0" b="0"/>
+      </a:effectRef>
+      <a:fontRef idx="minor"/>
+    </dgm:style>
+  </dgm:styleLbl>
+  <dgm:styleLbl name="solidAlignAcc1">
+    <dgm:scene3d>
+      <a:camera prst="orthographicFront"/>
+      <a:lightRig rig="threePt" dir="t"/>
+    </dgm:scene3d>
+    <dgm:sp3d/>
+    <dgm:txPr/>
+    <dgm:style>
+      <a:lnRef idx="2">
+        <a:scrgbClr r="0" g="0" b="0"/>
+      </a:lnRef>
+      <a:fillRef idx="1">
+        <a:scrgbClr r="0" g="0" b="0"/>
+      </a:fillRef>
+      <a:effectRef idx="0">
+        <a:scrgbClr r="0" g="0" b="0"/>
+      </a:effectRef>
+      <a:fontRef idx="minor"/>
+    </dgm:style>
+  </dgm:styleLbl>
+  <dgm:styleLbl name="solidBgAcc1">
+    <dgm:scene3d>
+      <a:camera prst="orthographicFront"/>
+      <a:lightRig rig="threePt" dir="t"/>
+    </dgm:scene3d>
+    <dgm:sp3d/>
+    <dgm:txPr/>
+    <dgm:style>
+      <a:lnRef idx="2">
+        <a:scrgbClr r="0" g="0" b="0"/>
+      </a:lnRef>
+      <a:fillRef idx="1">
+        <a:scrgbClr r="0" g="0" b="0"/>
+      </a:fillRef>
+      <a:effectRef idx="0">
+        <a:scrgbClr r="0" g="0" b="0"/>
+      </a:effectRef>
+      <a:fontRef idx="minor"/>
+    </dgm:style>
+  </dgm:styleLbl>
+  <dgm:styleLbl name="fgAccFollowNode1">
+    <dgm:scene3d>
+      <a:camera prst="orthographicFront"/>
+      <a:lightRig rig="threePt" dir="t"/>
+    </dgm:scene3d>
+    <dgm:sp3d/>
+    <dgm:txPr/>
+    <dgm:style>
+      <a:lnRef idx="2">
+        <a:scrgbClr r="0" g="0" b="0"/>
+      </a:lnRef>
+      <a:fillRef idx="1">
+        <a:scrgbClr r="0" g="0" b="0"/>
+      </a:fillRef>
+      <a:effectRef idx="0">
+        <a:scrgbClr r="0" g="0" b="0"/>
+      </a:effectRef>
+      <a:fontRef idx="minor"/>
+    </dgm:style>
+  </dgm:styleLbl>
+  <dgm:styleLbl name="alignAccFollowNode1">
+    <dgm:scene3d>
+      <a:camera prst="orthographicFront"/>
+      <a:lightRig rig="threePt" dir="t"/>
+    </dgm:scene3d>
+    <dgm:sp3d/>
+    <dgm:txPr/>
+    <dgm:style>
+      <a:lnRef idx="2">
+        <a:scrgbClr r="0" g="0" b="0"/>
+      </a:lnRef>
+      <a:fillRef idx="1">
+        <a:scrgbClr r="0" g="0" b="0"/>
+      </a:fillRef>
+      <a:effectRef idx="0">
+        <a:scrgbClr r="0" g="0" b="0"/>
+      </a:effectRef>
+      <a:fontRef idx="minor"/>
+    </dgm:style>
+  </dgm:styleLbl>
+  <dgm:styleLbl name="bgAccFollowNode1">
+    <dgm:scene3d>
+      <a:camera prst="orthographicFront"/>
+      <a:lightRig rig="threePt" dir="t"/>
+    </dgm:scene3d>
+    <dgm:sp3d/>
+    <dgm:txPr/>
+    <dgm:style>
+      <a:lnRef idx="2">
+        <a:scrgbClr r="0" g="0" b="0"/>
+      </a:lnRef>
+      <a:fillRef idx="1">
+        <a:scrgbClr r="0" g="0" b="0"/>
+      </a:fillRef>
+      <a:effectRef idx="0">
+        <a:scrgbClr r="0" g="0" b="0"/>
+      </a:effectRef>
+      <a:fontRef idx="minor"/>
+    </dgm:style>
+  </dgm:styleLbl>
+  <dgm:styleLbl name="fgAcc0">
+    <dgm:scene3d>
+      <a:camera prst="orthographicFront"/>
+      <a:lightRig rig="threePt" dir="t"/>
+    </dgm:scene3d>
+    <dgm:sp3d/>
+    <dgm:txPr/>
+    <dgm:style>
+      <a:lnRef idx="2">
+        <a:scrgbClr r="0" g="0" b="0"/>
+      </a:lnRef>
+      <a:fillRef idx="1">
+        <a:scrgbClr r="0" g="0" b="0"/>
+      </a:fillRef>
+      <a:effectRef idx="0">
+        <a:scrgbClr r="0" g="0" b="0"/>
+      </a:effectRef>
+      <a:fontRef idx="minor"/>
+    </dgm:style>
+  </dgm:styleLbl>
+  <dgm:styleLbl name="fgAcc2">
+    <dgm:scene3d>
+      <a:camera prst="orthographicFront"/>
+      <a:lightRig rig="threePt" dir="t"/>
+    </dgm:scene3d>
+    <dgm:sp3d/>
+    <dgm:txPr/>
+    <dgm:style>
+      <a:lnRef idx="2">
+        <a:scrgbClr r="0" g="0" b="0"/>
+      </a:lnRef>
+      <a:fillRef idx="1">
+        <a:scrgbClr r="0" g="0" b="0"/>
+      </a:fillRef>
+      <a:effectRef idx="0">
+        <a:scrgbClr r="0" g="0" b="0"/>
+      </a:effectRef>
+      <a:fontRef idx="minor"/>
+    </dgm:style>
+  </dgm:styleLbl>
+  <dgm:styleLbl name="fgAcc3">
+    <dgm:scene3d>
+      <a:camera prst="orthographicFront"/>
+      <a:lightRig rig="threePt" dir="t"/>
+    </dgm:scene3d>
+    <dgm:sp3d/>
+    <dgm:txPr/>
+    <dgm:style>
+      <a:lnRef idx="2">
+        <a:scrgbClr r="0" g="0" b="0"/>
+      </a:lnRef>
+      <a:fillRef idx="1">
+        <a:scrgbClr r="0" g="0" b="0"/>
+      </a:fillRef>
+      <a:effectRef idx="0">
+        <a:scrgbClr r="0" g="0" b="0"/>
+      </a:effectRef>
+      <a:fontRef idx="minor"/>
+    </dgm:style>
+  </dgm:styleLbl>
+  <dgm:styleLbl name="fgAcc4">
+    <dgm:scene3d>
+      <a:camera prst="orthographicFront"/>
+      <a:lightRig rig="threePt" dir="t"/>
+    </dgm:scene3d>
+    <dgm:sp3d/>
+    <dgm:txPr/>
+    <dgm:style>
+      <a:lnRef idx="2">
+        <a:scrgbClr r="0" g="0" b="0"/>
+      </a:lnRef>
+      <a:fillRef idx="1">
+        <a:scrgbClr r="0" g="0" b="0"/>
+      </a:fillRef>
+      <a:effectRef idx="0">
+        <a:scrgbClr r="0" g="0" b="0"/>
+      </a:effectRef>
+      <a:fontRef idx="minor"/>
+    </dgm:style>
+  </dgm:styleLbl>
+  <dgm:styleLbl name="bgShp">
+    <dgm:scene3d>
+      <a:camera prst="orthographicFront"/>
+      <a:lightRig rig="threePt" dir="t"/>
+    </dgm:scene3d>
+    <dgm:sp3d/>
+    <dgm:txPr/>
+    <dgm:style>
+      <a:lnRef idx="0">
+        <a:scrgbClr r="0" g="0" b="0"/>
+      </a:lnRef>
+      <a:fillRef idx="1">
+        <a:scrgbClr r="0" g="0" b="0"/>
+      </a:fillRef>
+      <a:effectRef idx="0">
+        <a:scrgbClr r="0" g="0" b="0"/>
+      </a:effectRef>
+      <a:fontRef idx="minor"/>
+    </dgm:style>
+  </dgm:styleLbl>
+  <dgm:styleLbl name="dkBgShp">
+    <dgm:scene3d>
+      <a:camera prst="orthographicFront"/>
+      <a:lightRig rig="threePt" dir="t"/>
+    </dgm:scene3d>
+    <dgm:sp3d/>
+    <dgm:txPr/>
+    <dgm:style>
+      <a:lnRef idx="0">
+        <a:scrgbClr r="0" g="0" b="0"/>
+      </a:lnRef>
+      <a:fillRef idx="1">
+        <a:scrgbClr r="0" g="0" b="0"/>
+      </a:fillRef>
+      <a:effectRef idx="0">
+        <a:scrgbClr r="0" g="0" b="0"/>
+      </a:effectRef>
+      <a:fontRef idx="minor"/>
+    </dgm:style>
+  </dgm:styleLbl>
+  <dgm:styleLbl name="trBgShp">
+    <dgm:scene3d>
+      <a:camera prst="orthographicFront"/>
+      <a:lightRig rig="threePt" dir="t"/>
+    </dgm:scene3d>
+    <dgm:sp3d/>
+    <dgm:txPr/>
+    <dgm:style>
+      <a:lnRef idx="0">
+        <a:scrgbClr r="0" g="0" b="0"/>
+      </a:lnRef>
+      <a:fillRef idx="1">
+        <a:scrgbClr r="0" g="0" b="0"/>
+      </a:fillRef>
+      <a:effectRef idx="0">
+        <a:scrgbClr r="0" g="0" b="0"/>
+      </a:effectRef>
+      <a:fontRef idx="minor"/>
+    </dgm:style>
+  </dgm:styleLbl>
+  <dgm:styleLbl name="fgShp">
+    <dgm:scene3d>
+      <a:camera prst="orthographicFront"/>
+      <a:lightRig rig="threePt" dir="t"/>
+    </dgm:scene3d>
+    <dgm:sp3d/>
+    <dgm:txPr/>
+    <dgm:style>
+      <a:lnRef idx="2">
+        <a:scrgbClr r="0" g="0" b="0"/>
+      </a:lnRef>
+      <a:fillRef idx="1">
+        <a:scrgbClr r="0" g="0" b="0"/>
+      </a:fillRef>
+      <a:effectRef idx="0">
+        <a:scrgbClr r="0" g="0" b="0"/>
+      </a:effectRef>
+      <a:fontRef idx="minor"/>
+    </dgm:style>
+  </dgm:styleLbl>
+  <dgm:styleLbl name="revTx">
+    <dgm:scene3d>
+      <a:camera prst="orthographicFront"/>
+      <a:lightRig rig="threePt" dir="t"/>
+    </dgm:scene3d>
+    <dgm:sp3d/>
+    <dgm:txPr/>
+    <dgm:style>
+      <a:lnRef idx="0">
+        <a:scrgbClr r="0" g="0" b="0"/>
+      </a:lnRef>
+      <a:fillRef idx="0">
+        <a:scrgbClr r="0" g="0" b="0"/>
+      </a:fillRef>
+      <a:effectRef idx="0">
+        <a:scrgbClr r="0" g="0" b="0"/>
+      </a:effectRef>
+      <a:fontRef idx="minor"/>
+    </dgm:style>
+  </dgm:styleLbl>
+</dgm:styleDef>
+</file>
+
+<file path=ppt/diagrams/quickStyle2.xml><?xml version="1.0" encoding="utf-8"?>
+<dgm:styleDef xmlns:dgm="http://schemas.openxmlformats.org/drawingml/2006/diagram" xmlns:a="http://schemas.openxmlformats.org/drawingml/2006/main" uniqueId="urn:microsoft.com/office/officeart/2005/8/quickstyle/simple1">
+  <dgm:title val=""/>
+  <dgm:desc val=""/>
+  <dgm:catLst>
+    <dgm:cat type="simple" pri="10100"/>
+  </dgm:catLst>
+  <dgm:scene3d>
+    <a:camera prst="orthographicFront"/>
+    <a:lightRig rig="threePt" dir="t"/>
+  </dgm:scene3d>
+  <dgm:styleLbl name="node0">
+    <dgm:scene3d>
+      <a:camera prst="orthographicFront"/>
+      <a:lightRig rig="threePt" dir="t"/>
+    </dgm:scene3d>
+    <dgm:sp3d/>
+    <dgm:txPr/>
+    <dgm:style>
+      <a:lnRef idx="2">
+        <a:scrgbClr r="0" g="0" b="0"/>
+      </a:lnRef>
+      <a:fillRef idx="1">
+        <a:scrgbClr r="0" g="0" b="0"/>
+      </a:fillRef>
+      <a:effectRef idx="0">
+        <a:scrgbClr r="0" g="0" b="0"/>
+      </a:effectRef>
+      <a:fontRef idx="minor">
+        <a:schemeClr val="lt1"/>
+      </a:fontRef>
+    </dgm:style>
+  </dgm:styleLbl>
+  <dgm:styleLbl name="lnNode1">
+    <dgm:scene3d>
+      <a:camera prst="orthographicFront"/>
+      <a:lightRig rig="threePt" dir="t"/>
+    </dgm:scene3d>
+    <dgm:sp3d/>
+    <dgm:txPr/>
+    <dgm:style>
+      <a:lnRef idx="2">
+        <a:scrgbClr r="0" g="0" b="0"/>
+      </a:lnRef>
+      <a:fillRef idx="1">
+        <a:scrgbClr r="0" g="0" b="0"/>
+      </a:fillRef>
+      <a:effectRef idx="0">
+        <a:scrgbClr r="0" g="0" b="0"/>
+      </a:effectRef>
+      <a:fontRef idx="minor">
+        <a:schemeClr val="lt1"/>
+      </a:fontRef>
+    </dgm:style>
+  </dgm:styleLbl>
+  <dgm:styleLbl name="vennNode1">
+    <dgm:scene3d>
+      <a:camera prst="orthographicFront"/>
+      <a:lightRig rig="threePt" dir="t"/>
+    </dgm:scene3d>
+    <dgm:sp3d/>
+    <dgm:txPr/>
+    <dgm:style>
+      <a:lnRef idx="2">
+        <a:scrgbClr r="0" g="0" b="0"/>
+      </a:lnRef>
+      <a:fillRef idx="1">
+        <a:scrgbClr r="0" g="0" b="0"/>
+      </a:fillRef>
+      <a:effectRef idx="0">
+        <a:scrgbClr r="0" g="0" b="0"/>
+      </a:effectRef>
+      <a:fontRef idx="minor">
+        <a:schemeClr val="tx1"/>
+      </a:fontRef>
+    </dgm:style>
+  </dgm:styleLbl>
+  <dgm:styleLbl name="alignNode1">
+    <dgm:scene3d>
+      <a:camera prst="orthographicFront"/>
+      <a:lightRig rig="threePt" dir="t"/>
+    </dgm:scene3d>
+    <dgm:sp3d/>
+    <dgm:txPr/>
+    <dgm:style>
+      <a:lnRef idx="2">
+        <a:scrgbClr r="0" g="0" b="0"/>
+      </a:lnRef>
+      <a:fillRef idx="1">
+        <a:scrgbClr r="0" g="0" b="0"/>
+      </a:fillRef>
+      <a:effectRef idx="0">
+        <a:scrgbClr r="0" g="0" b="0"/>
+      </a:effectRef>
+      <a:fontRef idx="minor">
+        <a:schemeClr val="lt1"/>
+      </a:fontRef>
+    </dgm:style>
+  </dgm:styleLbl>
+  <dgm:styleLbl name="node1">
+    <dgm:scene3d>
+      <a:camera prst="orthographicFront"/>
+      <a:lightRig rig="threePt" dir="t"/>
+    </dgm:scene3d>
+    <dgm:sp3d/>
+    <dgm:txPr/>
+    <dgm:style>
+      <a:lnRef idx="2">
+        <a:scrgbClr r="0" g="0" b="0"/>
+      </a:lnRef>
+      <a:fillRef idx="1">
+        <a:scrgbClr r="0" g="0" b="0"/>
+      </a:fillRef>
+      <a:effectRef idx="0">
+        <a:scrgbClr r="0" g="0" b="0"/>
+      </a:effectRef>
+      <a:fontRef idx="minor">
+        <a:schemeClr val="lt1"/>
+      </a:fontRef>
+    </dgm:style>
+  </dgm:styleLbl>
+  <dgm:styleLbl name="node2">
+    <dgm:scene3d>
+      <a:camera prst="orthographicFront"/>
+      <a:lightRig rig="threePt" dir="t"/>
+    </dgm:scene3d>
+    <dgm:sp3d/>
+    <dgm:txPr/>
+    <dgm:style>
+      <a:lnRef idx="2">
+        <a:scrgbClr r="0" g="0" b="0"/>
+      </a:lnRef>
+      <a:fillRef idx="1">
+        <a:scrgbClr r="0" g="0" b="0"/>
+      </a:fillRef>
+      <a:effectRef idx="0">
+        <a:scrgbClr r="0" g="0" b="0"/>
+      </a:effectRef>
+      <a:fontRef idx="minor">
+        <a:schemeClr val="lt1"/>
+      </a:fontRef>
+    </dgm:style>
+  </dgm:styleLbl>
+  <dgm:styleLbl name="node3">
+    <dgm:scene3d>
+      <a:camera prst="orthographicFront"/>
+      <a:lightRig rig="threePt" dir="t"/>
+    </dgm:scene3d>
+    <dgm:sp3d/>
+    <dgm:txPr/>
+    <dgm:style>
+      <a:lnRef idx="2">
+        <a:scrgbClr r="0" g="0" b="0"/>
+      </a:lnRef>
+      <a:fillRef idx="1">
+        <a:scrgbClr r="0" g="0" b="0"/>
+      </a:fillRef>
+      <a:effectRef idx="0">
+        <a:scrgbClr r="0" g="0" b="0"/>
+      </a:effectRef>
+      <a:fontRef idx="minor">
+        <a:schemeClr val="lt1"/>
+      </a:fontRef>
+    </dgm:style>
+  </dgm:styleLbl>
+  <dgm:styleLbl name="node4">
+    <dgm:scene3d>
+      <a:camera prst="orthographicFront"/>
+      <a:lightRig rig="threePt" dir="t"/>
+    </dgm:scene3d>
+    <dgm:sp3d/>
+    <dgm:txPr/>
+    <dgm:style>
+      <a:lnRef idx="2">
+        <a:scrgbClr r="0" g="0" b="0"/>
+      </a:lnRef>
+      <a:fillRef idx="1">
+        <a:scrgbClr r="0" g="0" b="0"/>
+      </a:fillRef>
+      <a:effectRef idx="0">
+        <a:scrgbClr r="0" g="0" b="0"/>
+      </a:effectRef>
+      <a:fontRef idx="minor">
+        <a:schemeClr val="lt1"/>
+      </a:fontRef>
+    </dgm:style>
+  </dgm:styleLbl>
+  <dgm:styleLbl name="fgImgPlace1">
+    <dgm:scene3d>
+      <a:camera prst="orthographicFront"/>
+      <a:lightRig rig="threePt" dir="t"/>
+    </dgm:scene3d>
+    <dgm:sp3d/>
+    <dgm:txPr/>
+    <dgm:style>
+      <a:lnRef idx="2">
+        <a:scrgbClr r="0" g="0" b="0"/>
+      </a:lnRef>
+      <a:fillRef idx="1">
+        <a:scrgbClr r="0" g="0" b="0"/>
+      </a:fillRef>
+      <a:effectRef idx="0">
+        <a:scrgbClr r="0" g="0" b="0"/>
+      </a:effectRef>
+      <a:fontRef idx="minor"/>
+    </dgm:style>
+  </dgm:styleLbl>
+  <dgm:styleLbl name="alignImgPlace1">
+    <dgm:scene3d>
+      <a:camera prst="orthographicFront"/>
+      <a:lightRig rig="threePt" dir="t"/>
+    </dgm:scene3d>
+    <dgm:sp3d/>
+    <dgm:txPr/>
+    <dgm:style>
+      <a:lnRef idx="2">
+        <a:scrgbClr r="0" g="0" b="0"/>
+      </a:lnRef>
+      <a:fillRef idx="1">
+        <a:scrgbClr r="0" g="0" b="0"/>
+      </a:fillRef>
+      <a:effectRef idx="0">
+        <a:scrgbClr r="0" g="0" b="0"/>
+      </a:effectRef>
+      <a:fontRef idx="minor"/>
+    </dgm:style>
+  </dgm:styleLbl>
+  <dgm:styleLbl name="bgImgPlace1">
+    <dgm:scene3d>
+      <a:camera prst="orthographicFront"/>
+      <a:lightRig rig="threePt" dir="t"/>
+    </dgm:scene3d>
+    <dgm:sp3d/>
+    <dgm:txPr/>
+    <dgm:style>
+      <a:lnRef idx="2">
+        <a:scrgbClr r="0" g="0" b="0"/>
+      </a:lnRef>
+      <a:fillRef idx="1">
+        <a:scrgbClr r="0" g="0" b="0"/>
+      </a:fillRef>
+      <a:effectRef idx="0">
+        <a:scrgbClr r="0" g="0" b="0"/>
+      </a:effectRef>
+      <a:fontRef idx="minor"/>
+    </dgm:style>
+  </dgm:styleLbl>
+  <dgm:styleLbl name="sibTrans2D1">
+    <dgm:scene3d>
+      <a:camera prst="orthographicFront"/>
+      <a:lightRig rig="threePt" dir="t"/>
+    </dgm:scene3d>
+    <dgm:sp3d/>
+    <dgm:txPr/>
+    <dgm:style>
+      <a:lnRef idx="0">
+        <a:scrgbClr r="0" g="0" b="0"/>
+      </a:lnRef>
+      <a:fillRef idx="1">
+        <a:scrgbClr r="0" g="0" b="0"/>
+      </a:fillRef>
+      <a:effectRef idx="0">
+        <a:scrgbClr r="0" g="0" b="0"/>
+      </a:effectRef>
+      <a:fontRef idx="minor">
+        <a:schemeClr val="lt1"/>
+      </a:fontRef>
+    </dgm:style>
+  </dgm:styleLbl>
+  <dgm:styleLbl name="fgSibTrans2D1">
+    <dgm:scene3d>
+      <a:camera prst="orthographicFront"/>
+      <a:lightRig rig="threePt" dir="t"/>
+    </dgm:scene3d>
+    <dgm:sp3d/>
+    <dgm:txPr/>
+    <dgm:style>
+      <a:lnRef idx="0">
+        <a:scrgbClr r="0" g="0" b="0"/>
+      </a:lnRef>
+      <a:fillRef idx="1">
+        <a:scrgbClr r="0" g="0" b="0"/>
+      </a:fillRef>
+      <a:effectRef idx="0">
+        <a:scrgbClr r="0" g="0" b="0"/>
+      </a:effectRef>
+      <a:fontRef idx="minor">
+        <a:schemeClr val="lt1"/>
+      </a:fontRef>
+    </dgm:style>
+  </dgm:styleLbl>
+  <dgm:styleLbl name="bgSibTrans2D1">
+    <dgm:scene3d>
+      <a:camera prst="orthographicFront"/>
+      <a:lightRig rig="threePt" dir="t"/>
+    </dgm:scene3d>
+    <dgm:sp3d/>
+    <dgm:txPr/>
+    <dgm:style>
+      <a:lnRef idx="0">
+        <a:scrgbClr r="0" g="0" b="0"/>
+      </a:lnRef>
+      <a:fillRef idx="1">
+        <a:scrgbClr r="0" g="0" b="0"/>
+      </a:fillRef>
+      <a:effectRef idx="0">
+        <a:scrgbClr r="0" g="0" b="0"/>
+      </a:effectRef>
+      <a:fontRef idx="minor">
+        <a:schemeClr val="lt1"/>
+      </a:fontRef>
+    </dgm:style>
+  </dgm:styleLbl>
+  <dgm:styleLbl name="sibTrans1D1">
+    <dgm:scene3d>
+      <a:camera prst="orthographicFront"/>
+      <a:lightRig rig="threePt" dir="t"/>
+    </dgm:scene3d>
+    <dgm:sp3d/>
+    <dgm:txPr/>
+    <dgm:style>
+      <a:lnRef idx="1">
+        <a:scrgbClr r="0" g="0" b="0"/>
+      </a:lnRef>
+      <a:fillRef idx="0">
+        <a:scrgbClr r="0" g="0" b="0"/>
+      </a:fillRef>
+      <a:effectRef idx="0">
+        <a:scrgbClr r="0" g="0" b="0"/>
+      </a:effectRef>
+      <a:fontRef idx="minor"/>
+    </dgm:style>
+  </dgm:styleLbl>
+  <dgm:styleLbl name="callout">
+    <dgm:scene3d>
+      <a:camera prst="orthographicFront"/>
+      <a:lightRig rig="threePt" dir="t"/>
+    </dgm:scene3d>
+    <dgm:sp3d/>
+    <dgm:txPr/>
+    <dgm:style>
+      <a:lnRef idx="2">
+        <a:scrgbClr r="0" g="0" b="0"/>
+      </a:lnRef>
+      <a:fillRef idx="1">
+        <a:scrgbClr r="0" g="0" b="0"/>
+      </a:fillRef>
+      <a:effectRef idx="0">
+        <a:scrgbClr r="0" g="0" b="0"/>
+      </a:effectRef>
+      <a:fontRef idx="minor"/>
+    </dgm:style>
+  </dgm:styleLbl>
+  <dgm:styleLbl name="asst0">
+    <dgm:scene3d>
+      <a:camera prst="orthographicFront"/>
+      <a:lightRig rig="threePt" dir="t"/>
+    </dgm:scene3d>
+    <dgm:sp3d/>
+    <dgm:txPr/>
+    <dgm:style>
+      <a:lnRef idx="2">
+        <a:scrgbClr r="0" g="0" b="0"/>
+      </a:lnRef>
+      <a:fillRef idx="1">
+        <a:scrgbClr r="0" g="0" b="0"/>
+      </a:fillRef>
+      <a:effectRef idx="0">
+        <a:scrgbClr r="0" g="0" b="0"/>
+      </a:effectRef>
+      <a:fontRef idx="minor">
+        <a:schemeClr val="lt1"/>
+      </a:fontRef>
+    </dgm:style>
+  </dgm:styleLbl>
+  <dgm:styleLbl name="asst1">
+    <dgm:scene3d>
+      <a:camera prst="orthographicFront"/>
+      <a:lightRig rig="threePt" dir="t"/>
+    </dgm:scene3d>
+    <dgm:sp3d/>
+    <dgm:txPr/>
+    <dgm:style>
+      <a:lnRef idx="2">
+        <a:scrgbClr r="0" g="0" b="0"/>
+      </a:lnRef>
+      <a:fillRef idx="1">
+        <a:scrgbClr r="0" g="0" b="0"/>
+      </a:fillRef>
+      <a:effectRef idx="0">
+        <a:scrgbClr r="0" g="0" b="0"/>
+      </a:effectRef>
+      <a:fontRef idx="minor">
+        <a:schemeClr val="lt1"/>
+      </a:fontRef>
+    </dgm:style>
+  </dgm:styleLbl>
+  <dgm:styleLbl name="asst2">
+    <dgm:scene3d>
+      <a:camera prst="orthographicFront"/>
+      <a:lightRig rig="threePt" dir="t"/>
+    </dgm:scene3d>
+    <dgm:sp3d/>
+    <dgm:txPr/>
+    <dgm:style>
+      <a:lnRef idx="2">
+        <a:scrgbClr r="0" g="0" b="0"/>
+      </a:lnRef>
+      <a:fillRef idx="1">
+        <a:scrgbClr r="0" g="0" b="0"/>
+      </a:fillRef>
+      <a:effectRef idx="0">
+        <a:scrgbClr r="0" g="0" b="0"/>
+      </a:effectRef>
+      <a:fontRef idx="minor">
+        <a:schemeClr val="lt1"/>
+      </a:fontRef>
+    </dgm:style>
+  </dgm:styleLbl>
+  <dgm:styleLbl name="asst3">
+    <dgm:scene3d>
+      <a:camera prst="orthographicFront"/>
+      <a:lightRig rig="threePt" dir="t"/>
+    </dgm:scene3d>
+    <dgm:sp3d/>
+    <dgm:txPr/>
+    <dgm:style>
+      <a:lnRef idx="2">
+        <a:scrgbClr r="0" g="0" b="0"/>
+      </a:lnRef>
+      <a:fillRef idx="1">
+        <a:scrgbClr r="0" g="0" b="0"/>
+      </a:fillRef>
+      <a:effectRef idx="0">
+        <a:scrgbClr r="0" g="0" b="0"/>
+      </a:effectRef>
+      <a:fontRef idx="minor">
+        <a:schemeClr val="lt1"/>
+      </a:fontRef>
+    </dgm:style>
+  </dgm:styleLbl>
+  <dgm:styleLbl name="asst4">
+    <dgm:scene3d>
+      <a:camera prst="orthographicFront"/>
+      <a:lightRig rig="threePt" dir="t"/>
+    </dgm:scene3d>
+    <dgm:sp3d/>
+    <dgm:txPr/>
+    <dgm:style>
+      <a:lnRef idx="2">
+        <a:scrgbClr r="0" g="0" b="0"/>
+      </a:lnRef>
+      <a:fillRef idx="1">
+        <a:scrgbClr r="0" g="0" b="0"/>
+      </a:fillRef>
+      <a:effectRef idx="0">
+        <a:scrgbClr r="0" g="0" b="0"/>
+      </a:effectRef>
+      <a:fontRef idx="minor">
+        <a:schemeClr val="lt1"/>
+      </a:fontRef>
+    </dgm:style>
+  </dgm:styleLbl>
+  <dgm:styleLbl name="parChTrans2D1">
+    <dgm:scene3d>
+      <a:camera prst="orthographicFront"/>
+      <a:lightRig rig="threePt" dir="t"/>
+    </dgm:scene3d>
+    <dgm:sp3d/>
+    <dgm:txPr/>
+    <dgm:style>
+      <a:lnRef idx="2">
+        <a:scrgbClr r="0" g="0" b="0"/>
+      </a:lnRef>
+      <a:fillRef idx="1">
+        <a:scrgbClr r="0" g="0" b="0"/>
+      </a:fillRef>
+      <a:effectRef idx="0">
+        <a:scrgbClr r="0" g="0" b="0"/>
+      </a:effectRef>
+      <a:fontRef idx="minor">
+        <a:schemeClr val="lt1"/>
+      </a:fontRef>
+    </dgm:style>
+  </dgm:styleLbl>
+  <dgm:styleLbl name="parChTrans2D2">
+    <dgm:scene3d>
+      <a:camera prst="orthographicFront"/>
+      <a:lightRig rig="threePt" dir="t"/>
+    </dgm:scene3d>
+    <dgm:sp3d/>
+    <dgm:txPr/>
+    <dgm:style>
+      <a:lnRef idx="2">
+        <a:scrgbClr r="0" g="0" b="0"/>
+      </a:lnRef>
+      <a:fillRef idx="1">
+        <a:scrgbClr r="0" g="0" b="0"/>
+      </a:fillRef>
+      <a:effectRef idx="0">
+        <a:scrgbClr r="0" g="0" b="0"/>
+      </a:effectRef>
+      <a:fontRef idx="minor">
+        <a:schemeClr val="lt1"/>
+      </a:fontRef>
+    </dgm:style>
+  </dgm:styleLbl>
+  <dgm:styleLbl name="parChTrans2D3">
+    <dgm:scene3d>
+      <a:camera prst="orthographicFront"/>
+      <a:lightRig rig="threePt" dir="t"/>
+    </dgm:scene3d>
+    <dgm:sp3d/>
+    <dgm:txPr/>
+    <dgm:style>
+      <a:lnRef idx="2">
+        <a:scrgbClr r="0" g="0" b="0"/>
+      </a:lnRef>
+      <a:fillRef idx="1">
+        <a:scrgbClr r="0" g="0" b="0"/>
+      </a:fillRef>
+      <a:effectRef idx="0">
+        <a:scrgbClr r="0" g="0" b="0"/>
+      </a:effectRef>
+      <a:fontRef idx="minor">
+        <a:schemeClr val="lt1"/>
+      </a:fontRef>
+    </dgm:style>
+  </dgm:styleLbl>
+  <dgm:styleLbl name="parChTrans2D4">
+    <dgm:scene3d>
+      <a:camera prst="orthographicFront"/>
+      <a:lightRig rig="threePt" dir="t"/>
+    </dgm:scene3d>
+    <dgm:sp3d/>
+    <dgm:txPr/>
+    <dgm:style>
+      <a:lnRef idx="2">
+        <a:scrgbClr r="0" g="0" b="0"/>
+      </a:lnRef>
+      <a:fillRef idx="1">
+        <a:scrgbClr r="0" g="0" b="0"/>
+      </a:fillRef>
+      <a:effectRef idx="0">
+        <a:scrgbClr r="0" g="0" b="0"/>
+      </a:effectRef>
+      <a:fontRef idx="minor">
+        <a:schemeClr val="lt1"/>
+      </a:fontRef>
+    </dgm:style>
+  </dgm:styleLbl>
+  <dgm:styleLbl name="parChTrans1D1">
+    <dgm:scene3d>
+      <a:camera prst="orthographicFront"/>
+      <a:lightRig rig="threePt" dir="t"/>
+    </dgm:scene3d>
+    <dgm:sp3d/>
+    <dgm:txPr/>
+    <dgm:style>
+      <a:lnRef idx="2">
+        <a:scrgbClr r="0" g="0" b="0"/>
+      </a:lnRef>
+      <a:fillRef idx="0">
+        <a:scrgbClr r="0" g="0" b="0"/>
+      </a:fillRef>
+      <a:effectRef idx="0">
+        <a:scrgbClr r="0" g="0" b="0"/>
+      </a:effectRef>
+      <a:fontRef idx="minor"/>
+    </dgm:style>
+  </dgm:styleLbl>
+  <dgm:styleLbl name="parChTrans1D2">
+    <dgm:scene3d>
+      <a:camera prst="orthographicFront"/>
+      <a:lightRig rig="threePt" dir="t"/>
+    </dgm:scene3d>
+    <dgm:sp3d/>
+    <dgm:txPr/>
+    <dgm:style>
+      <a:lnRef idx="2">
+        <a:scrgbClr r="0" g="0" b="0"/>
+      </a:lnRef>
+      <a:fillRef idx="0">
+        <a:scrgbClr r="0" g="0" b="0"/>
+      </a:fillRef>
+      <a:effectRef idx="0">
+        <a:scrgbClr r="0" g="0" b="0"/>
+      </a:effectRef>
+      <a:fontRef idx="minor"/>
+    </dgm:style>
+  </dgm:styleLbl>
+  <dgm:styleLbl name="parChTrans1D3">
+    <dgm:scene3d>
+      <a:camera prst="orthographicFront"/>
+      <a:lightRig rig="threePt" dir="t"/>
+    </dgm:scene3d>
+    <dgm:sp3d/>
+    <dgm:txPr/>
+    <dgm:style>
+      <a:lnRef idx="2">
+        <a:scrgbClr r="0" g="0" b="0"/>
+      </a:lnRef>
+      <a:fillRef idx="0">
+        <a:scrgbClr r="0" g="0" b="0"/>
+      </a:fillRef>
+      <a:effectRef idx="0">
+        <a:scrgbClr r="0" g="0" b="0"/>
+      </a:effectRef>
+      <a:fontRef idx="minor"/>
+    </dgm:style>
+  </dgm:styleLbl>
+  <dgm:styleLbl name="parChTrans1D4">
+    <dgm:scene3d>
+      <a:camera prst="orthographicFront"/>
+      <a:lightRig rig="threePt" dir="t"/>
+    </dgm:scene3d>
+    <dgm:sp3d/>
+    <dgm:txPr/>
+    <dgm:style>
+      <a:lnRef idx="2">
+        <a:scrgbClr r="0" g="0" b="0"/>
+      </a:lnRef>
+      <a:fillRef idx="0">
+        <a:scrgbClr r="0" g="0" b="0"/>
+      </a:fillRef>
+      <a:effectRef idx="0">
+        <a:scrgbClr r="0" g="0" b="0"/>
+      </a:effectRef>
+      <a:fontRef idx="minor"/>
+    </dgm:style>
+  </dgm:styleLbl>
+  <dgm:styleLbl name="fgAcc1">
+    <dgm:scene3d>
+      <a:camera prst="orthographicFront"/>
+      <a:lightRig rig="threePt" dir="t"/>
+    </dgm:scene3d>
+    <dgm:sp3d/>
+    <dgm:txPr/>
+    <dgm:style>
+      <a:lnRef idx="2">
+        <a:scrgbClr r="0" g="0" b="0"/>
+      </a:lnRef>
+      <a:fillRef idx="1">
+        <a:scrgbClr r="0" g="0" b="0"/>
+      </a:fillRef>
+      <a:effectRef idx="0">
+        <a:scrgbClr r="0" g="0" b="0"/>
+      </a:effectRef>
+      <a:fontRef idx="minor"/>
+    </dgm:style>
+  </dgm:styleLbl>
+  <dgm:styleLbl name="conFgAcc1">
+    <dgm:scene3d>
+      <a:camera prst="orthographicFront"/>
+      <a:lightRig rig="threePt" dir="t"/>
+    </dgm:scene3d>
+    <dgm:sp3d/>
+    <dgm:txPr/>
+    <dgm:style>
+      <a:lnRef idx="2">
+        <a:scrgbClr r="0" g="0" b="0"/>
+      </a:lnRef>
+      <a:fillRef idx="1">
+        <a:scrgbClr r="0" g="0" b="0"/>
+      </a:fillRef>
+      <a:effectRef idx="0">
+        <a:scrgbClr r="0" g="0" b="0"/>
+      </a:effectRef>
+      <a:fontRef idx="minor"/>
+    </dgm:style>
+  </dgm:styleLbl>
+  <dgm:styleLbl name="alignAcc1">
+    <dgm:scene3d>
+      <a:camera prst="orthographicFront"/>
+      <a:lightRig rig="threePt" dir="t"/>
+    </dgm:scene3d>
+    <dgm:sp3d/>
+    <dgm:txPr/>
+    <dgm:style>
+      <a:lnRef idx="2">
+        <a:scrgbClr r="0" g="0" b="0"/>
+      </a:lnRef>
+      <a:fillRef idx="1">
+        <a:scrgbClr r="0" g="0" b="0"/>
+      </a:fillRef>
+      <a:effectRef idx="0">
+        <a:scrgbClr r="0" g="0" b="0"/>
+      </a:effectRef>
+      <a:fontRef idx="minor"/>
+    </dgm:style>
+  </dgm:styleLbl>
+  <dgm:styleLbl name="trAlignAcc1">
+    <dgm:scene3d>
+      <a:camera prst="orthographicFront"/>
+      <a:lightRig rig="threePt" dir="t"/>
+    </dgm:scene3d>
+    <dgm:sp3d/>
+    <dgm:txPr/>
+    <dgm:style>
+      <a:lnRef idx="1">
+        <a:scrgbClr r="0" g="0" b="0"/>
+      </a:lnRef>
+      <a:fillRef idx="1">
+        <a:scrgbClr r="0" g="0" b="0"/>
+      </a:fillRef>
+      <a:effectRef idx="0">
+        <a:scrgbClr r="0" g="0" b="0"/>
+      </a:effectRef>
+      <a:fontRef idx="minor"/>
+    </dgm:style>
+  </dgm:styleLbl>
+  <dgm:styleLbl name="bgAcc1">
+    <dgm:scene3d>
+      <a:camera prst="orthographicFront"/>
+      <a:lightRig rig="threePt" dir="t"/>
+    </dgm:scene3d>
+    <dgm:sp3d/>
+    <dgm:txPr/>
+    <dgm:style>
+      <a:lnRef idx="2">
+        <a:scrgbClr r="0" g="0" b="0"/>
+      </a:lnRef>
+      <a:fillRef idx="1">
+        <a:scrgbClr r="0" g="0" b="0"/>
+      </a:fillRef>
+      <a:effectRef idx="0">
+        <a:scrgbClr r="0" g="0" b="0"/>
+      </a:effectRef>
+      <a:fontRef idx="minor"/>
+    </dgm:style>
+  </dgm:styleLbl>
+  <dgm:styleLbl name="solidFgAcc1">
+    <dgm:scene3d>
+      <a:camera prst="orthographicFront"/>
+      <a:lightRig rig="threePt" dir="t"/>
+    </dgm:scene3d>
+    <dgm:sp3d/>
+    <dgm:txPr/>
+    <dgm:style>
+      <a:lnRef idx="2">
+        <a:scrgbClr r="0" g="0" b="0"/>
+      </a:lnRef>
+      <a:fillRef idx="1">
+        <a:scrgbClr r="0" g="0" b="0"/>
+      </a:fillRef>
+      <a:effectRef idx="0">
+        <a:scrgbClr r="0" g="0" b="0"/>
+      </a:effectRef>
+      <a:fontRef idx="minor"/>
+    </dgm:style>
+  </dgm:styleLbl>
+  <dgm:styleLbl name="solidAlignAcc1">
+    <dgm:scene3d>
+      <a:camera prst="orthographicFront"/>
+      <a:lightRig rig="threePt" dir="t"/>
+    </dgm:scene3d>
+    <dgm:sp3d/>
+    <dgm:txPr/>
+    <dgm:style>
+      <a:lnRef idx="2">
+        <a:scrgbClr r="0" g="0" b="0"/>
+      </a:lnRef>
+      <a:fillRef idx="1">
+        <a:scrgbClr r="0" g="0" b="0"/>
+      </a:fillRef>
+      <a:effectRef idx="0">
+        <a:scrgbClr r="0" g="0" b="0"/>
+      </a:effectRef>
+      <a:fontRef idx="minor"/>
+    </dgm:style>
+  </dgm:styleLbl>
+  <dgm:styleLbl name="solidBgAcc1">
+    <dgm:scene3d>
+      <a:camera prst="orthographicFront"/>
+      <a:lightRig rig="threePt" dir="t"/>
+    </dgm:scene3d>
+    <dgm:sp3d/>
+    <dgm:txPr/>
+    <dgm:style>
+      <a:lnRef idx="2">
+        <a:scrgbClr r="0" g="0" b="0"/>
+      </a:lnRef>
+      <a:fillRef idx="1">
+        <a:scrgbClr r="0" g="0" b="0"/>
+      </a:fillRef>
+      <a:effectRef idx="0">
+        <a:scrgbClr r="0" g="0" b="0"/>
+      </a:effectRef>
+      <a:fontRef idx="minor"/>
+    </dgm:style>
+  </dgm:styleLbl>
+  <dgm:styleLbl name="fgAccFollowNode1">
+    <dgm:scene3d>
+      <a:camera prst="orthographicFront"/>
+      <a:lightRig rig="threePt" dir="t"/>
+    </dgm:scene3d>
+    <dgm:sp3d/>
+    <dgm:txPr/>
+    <dgm:style>
+      <a:lnRef idx="2">
+        <a:scrgbClr r="0" g="0" b="0"/>
+      </a:lnRef>
+      <a:fillRef idx="1">
+        <a:scrgbClr r="0" g="0" b="0"/>
+      </a:fillRef>
+      <a:effectRef idx="0">
+        <a:scrgbClr r="0" g="0" b="0"/>
+      </a:effectRef>
+      <a:fontRef idx="minor"/>
+    </dgm:style>
+  </dgm:styleLbl>
+  <dgm:styleLbl name="alignAccFollowNode1">
+    <dgm:scene3d>
+      <a:camera prst="orthographicFront"/>
+      <a:lightRig rig="threePt" dir="t"/>
+    </dgm:scene3d>
+    <dgm:sp3d/>
+    <dgm:txPr/>
+    <dgm:style>
+      <a:lnRef idx="2">
+        <a:scrgbClr r="0" g="0" b="0"/>
+      </a:lnRef>
+      <a:fillRef idx="1">
+        <a:scrgbClr r="0" g="0" b="0"/>
+      </a:fillRef>
+      <a:effectRef idx="0">
+        <a:scrgbClr r="0" g="0" b="0"/>
+      </a:effectRef>
+      <a:fontRef idx="minor"/>
+    </dgm:style>
+  </dgm:styleLbl>
+  <dgm:styleLbl name="bgAccFollowNode1">
+    <dgm:scene3d>
+      <a:camera prst="orthographicFront"/>
+      <a:lightRig rig="threePt" dir="t"/>
+    </dgm:scene3d>
+    <dgm:sp3d/>
+    <dgm:txPr/>
+    <dgm:style>
+      <a:lnRef idx="2">
+        <a:scrgbClr r="0" g="0" b="0"/>
+      </a:lnRef>
+      <a:fillRef idx="1">
+        <a:scrgbClr r="0" g="0" b="0"/>
+      </a:fillRef>
+      <a:effectRef idx="0">
+        <a:scrgbClr r="0" g="0" b="0"/>
+      </a:effectRef>
+      <a:fontRef idx="minor"/>
+    </dgm:style>
+  </dgm:styleLbl>
+  <dgm:styleLbl name="fgAcc0">
+    <dgm:scene3d>
+      <a:camera prst="orthographicFront"/>
+      <a:lightRig rig="threePt" dir="t"/>
+    </dgm:scene3d>
+    <dgm:sp3d/>
+    <dgm:txPr/>
+    <dgm:style>
+      <a:lnRef idx="2">
+        <a:scrgbClr r="0" g="0" b="0"/>
+      </a:lnRef>
+      <a:fillRef idx="1">
+        <a:scrgbClr r="0" g="0" b="0"/>
+      </a:fillRef>
+      <a:effectRef idx="0">
+        <a:scrgbClr r="0" g="0" b="0"/>
+      </a:effectRef>
+      <a:fontRef idx="minor"/>
+    </dgm:style>
+  </dgm:styleLbl>
+  <dgm:styleLbl name="fgAcc2">
+    <dgm:scene3d>
+      <a:camera prst="orthographicFront"/>
+      <a:lightRig rig="threePt" dir="t"/>
+    </dgm:scene3d>
+    <dgm:sp3d/>
+    <dgm:txPr/>
+    <dgm:style>
+      <a:lnRef idx="2">
+        <a:scrgbClr r="0" g="0" b="0"/>
+      </a:lnRef>
+      <a:fillRef idx="1">
+        <a:scrgbClr r="0" g="0" b="0"/>
+      </a:fillRef>
+      <a:effectRef idx="0">
+        <a:scrgbClr r="0" g="0" b="0"/>
+      </a:effectRef>
+      <a:fontRef idx="minor"/>
+    </dgm:style>
+  </dgm:styleLbl>
+  <dgm:styleLbl name="fgAcc3">
+    <dgm:scene3d>
+      <a:camera prst="orthographicFront"/>
+      <a:lightRig rig="threePt" dir="t"/>
+    </dgm:scene3d>
+    <dgm:sp3d/>
+    <dgm:txPr/>
+    <dgm:style>
+      <a:lnRef idx="2">
+        <a:scrgbClr r="0" g="0" b="0"/>
+      </a:lnRef>
+      <a:fillRef idx="1">
+        <a:scrgbClr r="0" g="0" b="0"/>
+      </a:fillRef>
+      <a:effectRef idx="0">
+        <a:scrgbClr r="0" g="0" b="0"/>
+      </a:effectRef>
+      <a:fontRef idx="minor"/>
+    </dgm:style>
+  </dgm:styleLbl>
+  <dgm:styleLbl name="fgAcc4">
+    <dgm:scene3d>
+      <a:camera prst="orthographicFront"/>
+      <a:lightRig rig="threePt" dir="t"/>
+    </dgm:scene3d>
+    <dgm:sp3d/>
+    <dgm:txPr/>
+    <dgm:style>
+      <a:lnRef idx="2">
+        <a:scrgbClr r="0" g="0" b="0"/>
+      </a:lnRef>
+      <a:fillRef idx="1">
+        <a:scrgbClr r="0" g="0" b="0"/>
+      </a:fillRef>
+      <a:effectRef idx="0">
+        <a:scrgbClr r="0" g="0" b="0"/>
+      </a:effectRef>
+      <a:fontRef idx="minor"/>
+    </dgm:style>
+  </dgm:styleLbl>
+  <dgm:styleLbl name="bgShp">
+    <dgm:scene3d>
+      <a:camera prst="orthographicFront"/>
+      <a:lightRig rig="threePt" dir="t"/>
+    </dgm:scene3d>
+    <dgm:sp3d/>
+    <dgm:txPr/>
+    <dgm:style>
+      <a:lnRef idx="0">
+        <a:scrgbClr r="0" g="0" b="0"/>
+      </a:lnRef>
+      <a:fillRef idx="1">
+        <a:scrgbClr r="0" g="0" b="0"/>
+      </a:fillRef>
+      <a:effectRef idx="0">
+        <a:scrgbClr r="0" g="0" b="0"/>
+      </a:effectRef>
+      <a:fontRef idx="minor"/>
+    </dgm:style>
+  </dgm:styleLbl>
+  <dgm:styleLbl name="dkBgShp">
+    <dgm:scene3d>
+      <a:camera prst="orthographicFront"/>
+      <a:lightRig rig="threePt" dir="t"/>
+    </dgm:scene3d>
+    <dgm:sp3d/>
+    <dgm:txPr/>
+    <dgm:style>
+      <a:lnRef idx="0">
+        <a:scrgbClr r="0" g="0" b="0"/>
+      </a:lnRef>
+      <a:fillRef idx="1">
+        <a:scrgbClr r="0" g="0" b="0"/>
+      </a:fillRef>
+      <a:effectRef idx="0">
+        <a:scrgbClr r="0" g="0" b="0"/>
+      </a:effectRef>
+      <a:fontRef idx="minor"/>
+    </dgm:style>
+  </dgm:styleLbl>
+  <dgm:styleLbl name="trBgShp">
+    <dgm:scene3d>
+      <a:camera prst="orthographicFront"/>
+      <a:lightRig rig="threePt" dir="t"/>
+    </dgm:scene3d>
+    <dgm:sp3d/>
+    <dgm:txPr/>
+    <dgm:style>
+      <a:lnRef idx="0">
+        <a:scrgbClr r="0" g="0" b="0"/>
+      </a:lnRef>
+      <a:fillRef idx="1">
+        <a:scrgbClr r="0" g="0" b="0"/>
+      </a:fillRef>
+      <a:effectRef idx="0">
+        <a:scrgbClr r="0" g="0" b="0"/>
+      </a:effectRef>
+      <a:fontRef idx="minor"/>
+    </dgm:style>
+  </dgm:styleLbl>
+  <dgm:styleLbl name="fgShp">
+    <dgm:scene3d>
+      <a:camera prst="orthographicFront"/>
+      <a:lightRig rig="threePt" dir="t"/>
+    </dgm:scene3d>
+    <dgm:sp3d/>
+    <dgm:txPr/>
+    <dgm:style>
+      <a:lnRef idx="2">
+        <a:scrgbClr r="0" g="0" b="0"/>
+      </a:lnRef>
+      <a:fillRef idx="1">
+        <a:scrgbClr r="0" g="0" b="0"/>
+      </a:fillRef>
+      <a:effectRef idx="0">
+        <a:scrgbClr r="0" g="0" b="0"/>
+      </a:effectRef>
+      <a:fontRef idx="minor"/>
+    </dgm:style>
+  </dgm:styleLbl>
+  <dgm:styleLbl name="revTx">
+    <dgm:scene3d>
+      <a:camera prst="orthographicFront"/>
+      <a:lightRig rig="threePt" dir="t"/>
+    </dgm:scene3d>
+    <dgm:sp3d/>
+    <dgm:txPr/>
+    <dgm:style>
+      <a:lnRef idx="0">
+        <a:scrgbClr r="0" g="0" b="0"/>
+      </a:lnRef>
+      <a:fillRef idx="0">
+        <a:scrgbClr r="0" g="0" b="0"/>
+      </a:fillRef>
+      <a:effectRef idx="0">
+        <a:scrgbClr r="0" g="0" b="0"/>
+      </a:effectRef>
+      <a:fontRef idx="minor"/>
+    </dgm:style>
+  </dgm:styleLbl>
+</dgm:styleDef>
 </file>
 
 <file path=ppt/slideLayouts/slideLayout1.xml><?xml version="1.0" encoding="utf-8"?>
@@ -4187,6 +9707,14 @@
 <file path=ppt/slides/slide10.xml><?xml version="1.0" encoding="utf-8"?>
 <p:sld xmlns:a="http://schemas.openxmlformats.org/drawingml/2006/main" xmlns:r="http://schemas.openxmlformats.org/officeDocument/2006/relationships" xmlns:p="http://schemas.openxmlformats.org/presentationml/2006/main">
   <p:cSld>
+    <p:bg>
+      <p:bgPr>
+        <a:solidFill>
+          <a:schemeClr val="bg1"/>
+        </a:solidFill>
+        <a:effectLst/>
+      </p:bgPr>
+    </p:bg>
     <p:spTree>
       <p:nvGrpSpPr>
         <p:cNvPr id="1" name=""/>
@@ -4201,6 +9729,66 @@
           <a:chExt cx="0" cy="0"/>
         </a:xfrm>
       </p:grpSpPr>
+      <p:sp useBgFill="1">
+        <p:nvSpPr>
+          <p:cNvPr id="9" name="Rectangle 8">
+            <a:extLst>
+              <a:ext uri="{FF2B5EF4-FFF2-40B4-BE49-F238E27FC236}">
+                <a16:creationId xmlns:a16="http://schemas.microsoft.com/office/drawing/2014/main" id="{88F0A37D-2337-4AAF-98B0-7E4E9B98719A}"/>
+              </a:ext>
+              <a:ext uri="{C183D7F6-B498-43B3-948B-1728B52AA6E4}">
+                <adec:decorative xmlns:adec="http://schemas.microsoft.com/office/drawing/2017/decorative" val="1"/>
+              </a:ext>
+            </a:extLst>
+          </p:cNvPr>
+          <p:cNvSpPr>
+            <a:spLocks noGrp="1" noRot="1" noChangeAspect="1" noMove="1" noResize="1" noEditPoints="1" noAdjustHandles="1" noChangeArrowheads="1" noChangeShapeType="1" noTextEdit="1"/>
+          </p:cNvSpPr>
+          <p:nvPr>
+            <p:extLst>
+              <p:ext uri="{386F3935-93C4-4BCD-93E2-E3B085C9AB24}">
+                <p16:designElem xmlns:p16="http://schemas.microsoft.com/office/powerpoint/2015/main" val="1"/>
+              </p:ext>
+            </p:extLst>
+          </p:nvPr>
+        </p:nvSpPr>
+        <p:spPr>
+          <a:xfrm>
+            <a:off x="0" y="0"/>
+            <a:ext cx="12192000" cy="6858000"/>
+          </a:xfrm>
+          <a:prstGeom prst="rect">
+            <a:avLst/>
+          </a:prstGeom>
+          <a:ln>
+            <a:noFill/>
+          </a:ln>
+        </p:spPr>
+        <p:style>
+          <a:lnRef idx="2">
+            <a:schemeClr val="accent1">
+              <a:shade val="50000"/>
+            </a:schemeClr>
+          </a:lnRef>
+          <a:fillRef idx="1">
+            <a:schemeClr val="accent1"/>
+          </a:fillRef>
+          <a:effectRef idx="0">
+            <a:schemeClr val="accent1"/>
+          </a:effectRef>
+          <a:fontRef idx="minor">
+            <a:schemeClr val="lt1"/>
+          </a:fontRef>
+        </p:style>
+        <p:txBody>
+          <a:bodyPr rtlCol="0" anchor="ctr"/>
+          <a:lstStyle/>
+          <a:p>
+            <a:pPr algn="ctr"/>
+            <a:endParaRPr lang="en-US"/>
+          </a:p>
+        </p:txBody>
+      </p:sp>
       <p:sp>
         <p:nvSpPr>
           <p:cNvPr id="2" name="Titolo 1">
@@ -4217,9 +9805,16 @@
             <p:ph type="title"/>
           </p:nvPr>
         </p:nvSpPr>
-        <p:spPr/>
+        <p:spPr>
+          <a:xfrm>
+            <a:off x="1097280" y="286603"/>
+            <a:ext cx="10058400" cy="1450757"/>
+          </a:xfrm>
+        </p:spPr>
         <p:txBody>
-          <a:bodyPr/>
+          <a:bodyPr>
+            <a:normAutofit/>
+          </a:bodyPr>
           <a:lstStyle/>
           <a:p>
             <a:r>
@@ -4229,31 +9824,147 @@
           </a:p>
         </p:txBody>
       </p:sp>
+      <p:cxnSp>
+        <p:nvCxnSpPr>
+          <p:cNvPr id="11" name="Straight Connector 10">
+            <a:extLst>
+              <a:ext uri="{FF2B5EF4-FFF2-40B4-BE49-F238E27FC236}">
+                <a16:creationId xmlns:a16="http://schemas.microsoft.com/office/drawing/2014/main" id="{F15CCCF0-E573-463A-9760-1FDC0B2CFBD7}"/>
+              </a:ext>
+              <a:ext uri="{C183D7F6-B498-43B3-948B-1728B52AA6E4}">
+                <adec:decorative xmlns:adec="http://schemas.microsoft.com/office/drawing/2017/decorative" val="1"/>
+              </a:ext>
+            </a:extLst>
+          </p:cNvPr>
+          <p:cNvCxnSpPr>
+            <a:cxnSpLocks noGrp="1" noRot="1" noChangeAspect="1" noMove="1" noResize="1" noEditPoints="1" noAdjustHandles="1" noChangeArrowheads="1" noChangeShapeType="1"/>
+          </p:cNvCxnSpPr>
+          <p:nvPr>
+            <p:extLst>
+              <p:ext uri="{386F3935-93C4-4BCD-93E2-E3B085C9AB24}">
+                <p16:designElem xmlns:p16="http://schemas.microsoft.com/office/powerpoint/2015/main" val="1"/>
+              </p:ext>
+            </p:extLst>
+          </p:nvPr>
+        </p:nvCxnSpPr>
+        <p:spPr>
+          <a:xfrm>
+            <a:off x="1193532" y="1897380"/>
+            <a:ext cx="9966960" cy="0"/>
+          </a:xfrm>
+          <a:prstGeom prst="line">
+            <a:avLst/>
+          </a:prstGeom>
+          <a:ln w="12700">
+            <a:solidFill>
+              <a:schemeClr val="tx1">
+                <a:lumMod val="75000"/>
+                <a:lumOff val="25000"/>
+              </a:schemeClr>
+            </a:solidFill>
+          </a:ln>
+        </p:spPr>
+        <p:style>
+          <a:lnRef idx="1">
+            <a:schemeClr val="accent1"/>
+          </a:lnRef>
+          <a:fillRef idx="0">
+            <a:schemeClr val="accent1"/>
+          </a:fillRef>
+          <a:effectRef idx="0">
+            <a:schemeClr val="accent1"/>
+          </a:effectRef>
+          <a:fontRef idx="minor">
+            <a:schemeClr val="tx1"/>
+          </a:fontRef>
+        </p:style>
+      </p:cxnSp>
       <p:sp>
         <p:nvSpPr>
-          <p:cNvPr id="3" name="Segnaposto contenuto 2">
+          <p:cNvPr id="13" name="Rectangle 12">
             <a:extLst>
               <a:ext uri="{FF2B5EF4-FFF2-40B4-BE49-F238E27FC236}">
-                <a16:creationId xmlns:a16="http://schemas.microsoft.com/office/drawing/2014/main" id="{F172B9AB-78CE-4EAD-8636-DF08369AFF5D}"/>
+                <a16:creationId xmlns:a16="http://schemas.microsoft.com/office/drawing/2014/main" id="{F7234D70-FB65-4E99-985E-64D219674D45}"/>
+              </a:ext>
+              <a:ext uri="{C183D7F6-B498-43B3-948B-1728B52AA6E4}">
+                <adec:decorative xmlns:adec="http://schemas.microsoft.com/office/drawing/2017/decorative" val="1"/>
               </a:ext>
             </a:extLst>
           </p:cNvPr>
           <p:cNvSpPr>
-            <a:spLocks noGrp="1"/>
+            <a:spLocks noGrp="1" noRot="1" noChangeAspect="1" noMove="1" noResize="1" noEditPoints="1" noAdjustHandles="1" noChangeArrowheads="1" noChangeShapeType="1" noTextEdit="1"/>
           </p:cNvSpPr>
           <p:nvPr>
-            <p:ph idx="1"/>
+            <p:extLst>
+              <p:ext uri="{386F3935-93C4-4BCD-93E2-E3B085C9AB24}">
+                <p16:designElem xmlns:p16="http://schemas.microsoft.com/office/powerpoint/2015/main" val="1"/>
+              </p:ext>
+            </p:extLst>
           </p:nvPr>
         </p:nvSpPr>
-        <p:spPr/>
-        <p:txBody>
-          <a:bodyPr/>
-          <a:lstStyle/>
-          <a:p>
-            <a:endParaRPr lang="it-IT" dirty="0"/>
-          </a:p>
-        </p:txBody>
+        <p:spPr>
+          <a:xfrm>
+            <a:off x="0" y="6400800"/>
+            <a:ext cx="12192000" cy="457200"/>
+          </a:xfrm>
+          <a:prstGeom prst="rect">
+            <a:avLst/>
+          </a:prstGeom>
+          <a:solidFill>
+            <a:srgbClr val="262626"/>
+          </a:solidFill>
+          <a:ln>
+            <a:noFill/>
+          </a:ln>
+        </p:spPr>
+        <p:style>
+          <a:lnRef idx="2">
+            <a:schemeClr val="accent1">
+              <a:shade val="50000"/>
+            </a:schemeClr>
+          </a:lnRef>
+          <a:fillRef idx="1">
+            <a:schemeClr val="accent1"/>
+          </a:fillRef>
+          <a:effectRef idx="0">
+            <a:schemeClr val="accent1"/>
+          </a:effectRef>
+          <a:fontRef idx="minor">
+            <a:schemeClr val="lt1"/>
+          </a:fontRef>
+        </p:style>
       </p:sp>
+      <p:graphicFrame>
+        <p:nvGraphicFramePr>
+          <p:cNvPr id="5" name="Segnaposto contenuto 2">
+            <a:extLst>
+              <a:ext uri="{FF2B5EF4-FFF2-40B4-BE49-F238E27FC236}">
+                <a16:creationId xmlns:a16="http://schemas.microsoft.com/office/drawing/2014/main" id="{E00B4C67-8D85-47F0-A9B2-5C6C5C562818}"/>
+              </a:ext>
+            </a:extLst>
+          </p:cNvPr>
+          <p:cNvGraphicFramePr>
+            <a:graphicFrameLocks noGrp="1"/>
+          </p:cNvGraphicFramePr>
+          <p:nvPr>
+            <p:ph idx="1"/>
+            <p:extLst>
+              <p:ext uri="{D42A27DB-BD31-4B8C-83A1-F6EECF244321}">
+                <p14:modId xmlns:p14="http://schemas.microsoft.com/office/powerpoint/2010/main" val="361780800"/>
+              </p:ext>
+            </p:extLst>
+          </p:nvPr>
+        </p:nvGraphicFramePr>
+        <p:xfrm>
+          <a:off x="1096963" y="2098515"/>
+          <a:ext cx="10058400" cy="3786080"/>
+        </p:xfrm>
+        <a:graphic>
+          <a:graphicData uri="http://schemas.openxmlformats.org/drawingml/2006/diagram">
+            <dgm:relIds xmlns:dgm="http://schemas.openxmlformats.org/drawingml/2006/diagram" xmlns:r="http://schemas.openxmlformats.org/officeDocument/2006/relationships" r:dm="rId2" r:lo="rId3" r:qs="rId4" r:cs="rId5"/>
+          </a:graphicData>
+        </a:graphic>
+      </p:graphicFrame>
     </p:spTree>
     <p:extLst>
       <p:ext uri="{BB962C8B-B14F-4D97-AF65-F5344CB8AC3E}">
@@ -4270,6 +9981,37 @@
 <file path=ppt/slides/slide11.xml><?xml version="1.0" encoding="utf-8"?>
 <p:sld xmlns:a="http://schemas.openxmlformats.org/drawingml/2006/main" xmlns:r="http://schemas.openxmlformats.org/officeDocument/2006/relationships" xmlns:p="http://schemas.openxmlformats.org/presentationml/2006/main">
   <p:cSld>
+    <p:bg>
+      <p:bgPr>
+        <a:gradFill rotWithShape="1">
+          <a:gsLst>
+            <a:gs pos="0">
+              <a:schemeClr val="bg1">
+                <a:tint val="96000"/>
+                <a:shade val="99000"/>
+                <a:satMod val="140000"/>
+              </a:schemeClr>
+            </a:gs>
+            <a:gs pos="65000">
+              <a:schemeClr val="bg1">
+                <a:tint val="100000"/>
+                <a:shade val="80000"/>
+                <a:satMod val="130000"/>
+              </a:schemeClr>
+            </a:gs>
+            <a:gs pos="100000">
+              <a:schemeClr val="bg1">
+                <a:tint val="100000"/>
+                <a:shade val="48000"/>
+                <a:satMod val="120000"/>
+              </a:schemeClr>
+            </a:gs>
+          </a:gsLst>
+          <a:lin ang="16200000" scaled="0"/>
+        </a:gradFill>
+        <a:effectLst/>
+      </p:bgPr>
+    </p:bg>
     <p:spTree>
       <p:nvGrpSpPr>
         <p:cNvPr id="1" name=""/>
@@ -4284,6 +10026,66 @@
           <a:chExt cx="0" cy="0"/>
         </a:xfrm>
       </p:grpSpPr>
+      <p:sp useBgFill="1">
+        <p:nvSpPr>
+          <p:cNvPr id="15" name="Rectangle 8">
+            <a:extLst>
+              <a:ext uri="{FF2B5EF4-FFF2-40B4-BE49-F238E27FC236}">
+                <a16:creationId xmlns:a16="http://schemas.microsoft.com/office/drawing/2014/main" id="{0F6F1E82-F603-49E4-9641-09EEA984A343}"/>
+              </a:ext>
+              <a:ext uri="{C183D7F6-B498-43B3-948B-1728B52AA6E4}">
+                <adec:decorative xmlns:adec="http://schemas.microsoft.com/office/drawing/2017/decorative" val="1"/>
+              </a:ext>
+            </a:extLst>
+          </p:cNvPr>
+          <p:cNvSpPr>
+            <a:spLocks noGrp="1" noRot="1" noChangeAspect="1" noMove="1" noResize="1" noEditPoints="1" noAdjustHandles="1" noChangeArrowheads="1" noChangeShapeType="1" noTextEdit="1"/>
+          </p:cNvSpPr>
+          <p:nvPr>
+            <p:extLst>
+              <p:ext uri="{386F3935-93C4-4BCD-93E2-E3B085C9AB24}">
+                <p16:designElem xmlns:p16="http://schemas.microsoft.com/office/powerpoint/2015/main" val="1"/>
+              </p:ext>
+            </p:extLst>
+          </p:nvPr>
+        </p:nvSpPr>
+        <p:spPr>
+          <a:xfrm>
+            <a:off x="0" y="0"/>
+            <a:ext cx="12192000" cy="6858000"/>
+          </a:xfrm>
+          <a:prstGeom prst="rect">
+            <a:avLst/>
+          </a:prstGeom>
+          <a:ln>
+            <a:noFill/>
+          </a:ln>
+        </p:spPr>
+        <p:style>
+          <a:lnRef idx="2">
+            <a:schemeClr val="accent1">
+              <a:shade val="50000"/>
+            </a:schemeClr>
+          </a:lnRef>
+          <a:fillRef idx="1">
+            <a:schemeClr val="accent1"/>
+          </a:fillRef>
+          <a:effectRef idx="0">
+            <a:schemeClr val="accent1"/>
+          </a:effectRef>
+          <a:fontRef idx="minor">
+            <a:schemeClr val="lt1"/>
+          </a:fontRef>
+        </p:style>
+        <p:txBody>
+          <a:bodyPr rtlCol="0" anchor="ctr"/>
+          <a:lstStyle/>
+          <a:p>
+            <a:pPr algn="ctr"/>
+            <a:endParaRPr lang="en-US"/>
+          </a:p>
+        </p:txBody>
+      </p:sp>
       <p:sp>
         <p:nvSpPr>
           <p:cNvPr id="2" name="Titolo 1">
@@ -4300,9 +10102,16 @@
             <p:ph type="title"/>
           </p:nvPr>
         </p:nvSpPr>
-        <p:spPr/>
+        <p:spPr>
+          <a:xfrm>
+            <a:off x="1097280" y="286603"/>
+            <a:ext cx="10058400" cy="1450757"/>
+          </a:xfrm>
+        </p:spPr>
         <p:txBody>
-          <a:bodyPr/>
+          <a:bodyPr>
+            <a:normAutofit/>
+          </a:bodyPr>
           <a:lstStyle/>
           <a:p>
             <a:r>
@@ -4312,31 +10121,147 @@
           </a:p>
         </p:txBody>
       </p:sp>
+      <p:cxnSp>
+        <p:nvCxnSpPr>
+          <p:cNvPr id="16" name="Straight Connector 10">
+            <a:extLst>
+              <a:ext uri="{FF2B5EF4-FFF2-40B4-BE49-F238E27FC236}">
+                <a16:creationId xmlns:a16="http://schemas.microsoft.com/office/drawing/2014/main" id="{C81CFD00-FC30-4AFB-A61F-3127B2C90F71}"/>
+              </a:ext>
+              <a:ext uri="{C183D7F6-B498-43B3-948B-1728B52AA6E4}">
+                <adec:decorative xmlns:adec="http://schemas.microsoft.com/office/drawing/2017/decorative" val="1"/>
+              </a:ext>
+            </a:extLst>
+          </p:cNvPr>
+          <p:cNvCxnSpPr>
+            <a:cxnSpLocks noGrp="1" noRot="1" noChangeAspect="1" noMove="1" noResize="1" noEditPoints="1" noAdjustHandles="1" noChangeArrowheads="1" noChangeShapeType="1"/>
+          </p:cNvCxnSpPr>
+          <p:nvPr>
+            <p:extLst>
+              <p:ext uri="{386F3935-93C4-4BCD-93E2-E3B085C9AB24}">
+                <p16:designElem xmlns:p16="http://schemas.microsoft.com/office/powerpoint/2015/main" val="1"/>
+              </p:ext>
+            </p:extLst>
+          </p:nvPr>
+        </p:nvCxnSpPr>
+        <p:spPr>
+          <a:xfrm>
+            <a:off x="1193532" y="1897380"/>
+            <a:ext cx="9966960" cy="0"/>
+          </a:xfrm>
+          <a:prstGeom prst="line">
+            <a:avLst/>
+          </a:prstGeom>
+          <a:ln w="12700">
+            <a:solidFill>
+              <a:schemeClr val="tx1">
+                <a:lumMod val="75000"/>
+                <a:lumOff val="25000"/>
+              </a:schemeClr>
+            </a:solidFill>
+          </a:ln>
+        </p:spPr>
+        <p:style>
+          <a:lnRef idx="1">
+            <a:schemeClr val="accent1"/>
+          </a:lnRef>
+          <a:fillRef idx="0">
+            <a:schemeClr val="accent1"/>
+          </a:fillRef>
+          <a:effectRef idx="0">
+            <a:schemeClr val="accent1"/>
+          </a:effectRef>
+          <a:fontRef idx="minor">
+            <a:schemeClr val="tx1"/>
+          </a:fontRef>
+        </p:style>
+      </p:cxnSp>
       <p:sp>
         <p:nvSpPr>
-          <p:cNvPr id="3" name="Segnaposto contenuto 2">
+          <p:cNvPr id="17" name="Rectangle 12">
             <a:extLst>
               <a:ext uri="{FF2B5EF4-FFF2-40B4-BE49-F238E27FC236}">
-                <a16:creationId xmlns:a16="http://schemas.microsoft.com/office/drawing/2014/main" id="{361F82CC-CBC3-4FC3-971E-8766FA0FEBE2}"/>
+                <a16:creationId xmlns:a16="http://schemas.microsoft.com/office/drawing/2014/main" id="{9D1595AB-90F6-488F-B5E3-F8CFCC8FAA19}"/>
+              </a:ext>
+              <a:ext uri="{C183D7F6-B498-43B3-948B-1728B52AA6E4}">
+                <adec:decorative xmlns:adec="http://schemas.microsoft.com/office/drawing/2017/decorative" val="1"/>
               </a:ext>
             </a:extLst>
           </p:cNvPr>
           <p:cNvSpPr>
-            <a:spLocks noGrp="1"/>
+            <a:spLocks noGrp="1" noRot="1" noChangeAspect="1" noMove="1" noResize="1" noEditPoints="1" noAdjustHandles="1" noChangeArrowheads="1" noChangeShapeType="1" noTextEdit="1"/>
           </p:cNvSpPr>
           <p:nvPr>
-            <p:ph idx="1"/>
+            <p:extLst>
+              <p:ext uri="{386F3935-93C4-4BCD-93E2-E3B085C9AB24}">
+                <p16:designElem xmlns:p16="http://schemas.microsoft.com/office/powerpoint/2015/main" val="1"/>
+              </p:ext>
+            </p:extLst>
           </p:nvPr>
         </p:nvSpPr>
-        <p:spPr/>
-        <p:txBody>
-          <a:bodyPr/>
-          <a:lstStyle/>
-          <a:p>
-            <a:endParaRPr lang="it-IT"/>
-          </a:p>
-        </p:txBody>
+        <p:spPr>
+          <a:xfrm>
+            <a:off x="0" y="6400800"/>
+            <a:ext cx="12192000" cy="457200"/>
+          </a:xfrm>
+          <a:prstGeom prst="rect">
+            <a:avLst/>
+          </a:prstGeom>
+          <a:solidFill>
+            <a:srgbClr val="262626"/>
+          </a:solidFill>
+          <a:ln>
+            <a:noFill/>
+          </a:ln>
+        </p:spPr>
+        <p:style>
+          <a:lnRef idx="2">
+            <a:schemeClr val="accent1">
+              <a:shade val="50000"/>
+            </a:schemeClr>
+          </a:lnRef>
+          <a:fillRef idx="1">
+            <a:schemeClr val="accent1"/>
+          </a:fillRef>
+          <a:effectRef idx="0">
+            <a:schemeClr val="accent1"/>
+          </a:effectRef>
+          <a:fontRef idx="minor">
+            <a:schemeClr val="lt1"/>
+          </a:fontRef>
+        </p:style>
       </p:sp>
+      <p:graphicFrame>
+        <p:nvGraphicFramePr>
+          <p:cNvPr id="18" name="Segnaposto contenuto 2">
+            <a:extLst>
+              <a:ext uri="{FF2B5EF4-FFF2-40B4-BE49-F238E27FC236}">
+                <a16:creationId xmlns:a16="http://schemas.microsoft.com/office/drawing/2014/main" id="{35A85E23-1502-4421-BA51-4120317BFD0B}"/>
+              </a:ext>
+            </a:extLst>
+          </p:cNvPr>
+          <p:cNvGraphicFramePr>
+            <a:graphicFrameLocks noGrp="1"/>
+          </p:cNvGraphicFramePr>
+          <p:nvPr>
+            <p:ph idx="1"/>
+            <p:extLst>
+              <p:ext uri="{D42A27DB-BD31-4B8C-83A1-F6EECF244321}">
+                <p14:modId xmlns:p14="http://schemas.microsoft.com/office/powerpoint/2010/main" val="3096304317"/>
+              </p:ext>
+            </p:extLst>
+          </p:nvPr>
+        </p:nvGraphicFramePr>
+        <p:xfrm>
+          <a:off x="1096963" y="2098515"/>
+          <a:ext cx="10058400" cy="3786080"/>
+        </p:xfrm>
+        <a:graphic>
+          <a:graphicData uri="http://schemas.openxmlformats.org/drawingml/2006/diagram">
+            <dgm:relIds xmlns:dgm="http://schemas.openxmlformats.org/drawingml/2006/diagram" xmlns:r="http://schemas.openxmlformats.org/officeDocument/2006/relationships" r:dm="rId2" r:lo="rId3" r:qs="rId4" r:cs="rId5"/>
+          </a:graphicData>
+        </a:graphic>
+      </p:graphicFrame>
     </p:spTree>
     <p:extLst>
       <p:ext uri="{BB962C8B-B14F-4D97-AF65-F5344CB8AC3E}">
@@ -4345,7 +10270,7 @@
     </p:extLst>
   </p:cSld>
   <p:clrMapOvr>
-    <a:masterClrMapping/>
+    <a:overrideClrMapping bg1="dk1" tx1="lt1" bg2="dk2" tx2="lt2" accent1="accent1" accent2="accent2" accent3="accent3" accent4="accent4" accent5="accent5" accent6="accent6" hlink="hlink" folHlink="folHlink"/>
   </p:clrMapOvr>
 </p:sld>
 </file>

--- a/Preparation files/MyTEDx_Presentazione.pptx
+++ b/Preparation files/MyTEDx_Presentazione.pptx
@@ -16,6 +16,10 @@
     <p:sldId id="266" r:id="rId10"/>
     <p:sldId id="267" r:id="rId11"/>
     <p:sldId id="268" r:id="rId12"/>
+    <p:sldId id="269" r:id="rId13"/>
+    <p:sldId id="270" r:id="rId14"/>
+    <p:sldId id="271" r:id="rId15"/>
+    <p:sldId id="272" r:id="rId16"/>
   </p:sldIdLst>
   <p:sldSz cx="12192000" cy="6858000"/>
   <p:notesSz cx="6858000" cy="9144000"/>
@@ -5886,7 +5890,7 @@
           <a:p>
             <a:fld id="{9184DA70-C731-4C70-880D-CCD4705E623C}" type="datetime1">
               <a:rPr lang="en-US" smtClean="0"/>
-              <a:t>5/19/2020</a:t>
+              <a:t>5/25/2020</a:t>
             </a:fld>
             <a:endParaRPr lang="en-US" dirty="0"/>
           </a:p>
@@ -6074,7 +6078,7 @@
           <a:p>
             <a:fld id="{B612A279-0833-481D-8C56-F67FD0AC6C50}" type="datetime1">
               <a:rPr lang="en-US" smtClean="0"/>
-              <a:t>5/19/2020</a:t>
+              <a:t>5/25/2020</a:t>
             </a:fld>
             <a:endParaRPr lang="en-US" dirty="0"/>
           </a:p>
@@ -6316,7 +6320,7 @@
           <a:p>
             <a:fld id="{6587DA83-5663-4C9C-B9AA-0B40A3DAFF81}" type="datetime1">
               <a:rPr lang="en-US" smtClean="0"/>
-              <a:t>5/19/2020</a:t>
+              <a:t>5/25/2020</a:t>
             </a:fld>
             <a:endParaRPr lang="en-US" dirty="0"/>
           </a:p>
@@ -6504,7 +6508,7 @@
           <a:p>
             <a:fld id="{4BE1D723-8F53-4F53-90B0-1982A396982E}" type="datetime1">
               <a:rPr lang="en-US" smtClean="0"/>
-              <a:t>5/19/2020</a:t>
+              <a:t>5/25/2020</a:t>
             </a:fld>
             <a:endParaRPr lang="en-US" dirty="0"/>
           </a:p>
@@ -6877,7 +6881,7 @@
           <a:p>
             <a:fld id="{97669AF7-7BEB-44E4-9852-375E34362B5B}" type="datetime1">
               <a:rPr lang="en-US" smtClean="0"/>
-              <a:t>5/19/2020</a:t>
+              <a:t>5/25/2020</a:t>
             </a:fld>
             <a:endParaRPr lang="en-US" dirty="0"/>
           </a:p>
@@ -7132,7 +7136,7 @@
           <a:p>
             <a:fld id="{BAAAC38D-0552-4C82-B593-E6124DFADBE2}" type="datetime1">
               <a:rPr lang="en-US" smtClean="0"/>
-              <a:t>5/19/2020</a:t>
+              <a:t>5/25/2020</a:t>
             </a:fld>
             <a:endParaRPr lang="en-US" dirty="0"/>
           </a:p>
@@ -7529,7 +7533,7 @@
           <a:p>
             <a:fld id="{D9DF0F1C-5577-4ACB-BB62-DF8F3C494C7E}" type="datetime1">
               <a:rPr lang="en-US" smtClean="0"/>
-              <a:t>5/19/2020</a:t>
+              <a:t>5/25/2020</a:t>
             </a:fld>
             <a:endParaRPr lang="en-US" dirty="0"/>
           </a:p>
@@ -7665,7 +7669,7 @@
           <a:p>
             <a:fld id="{1775B394-D9F9-4F0C-B15D-605F45CB9E9F}" type="datetime1">
               <a:rPr lang="en-US" smtClean="0"/>
-              <a:t>5/19/2020</a:t>
+              <a:t>5/25/2020</a:t>
             </a:fld>
             <a:endParaRPr lang="en-US" dirty="0"/>
           </a:p>
@@ -7822,7 +7826,7 @@
           <a:p>
             <a:fld id="{39667345-2558-425A-8533-9BFDBCE15005}" type="datetime1">
               <a:rPr lang="en-US" smtClean="0"/>
-              <a:t>5/19/2020</a:t>
+              <a:t>5/25/2020</a:t>
             </a:fld>
             <a:endParaRPr lang="en-US" dirty="0"/>
           </a:p>
@@ -8151,7 +8155,7 @@
           <a:p>
             <a:fld id="{92BEA474-078D-4E9B-9B14-09A87B19DC46}" type="datetime1">
               <a:rPr lang="en-US" smtClean="0"/>
-              <a:t>5/19/2020</a:t>
+              <a:t>5/25/2020</a:t>
             </a:fld>
             <a:endParaRPr lang="en-US" dirty="0"/>
           </a:p>
@@ -8501,7 +8505,7 @@
           <a:p>
             <a:fld id="{4907D986-8816-4272-A432-0437A28A9828}" type="datetime1">
               <a:rPr lang="en-US" smtClean="0"/>
-              <a:t>5/19/2020</a:t>
+              <a:t>5/25/2020</a:t>
             </a:fld>
             <a:endParaRPr lang="en-US" dirty="0"/>
           </a:p>
@@ -8762,7 +8766,7 @@
           <a:p>
             <a:fld id="{62D6E202-B606-4609-B914-27C9371A1F6D}" type="datetime1">
               <a:rPr lang="en-US" smtClean="0"/>
-              <a:t>5/19/2020</a:t>
+              <a:t>5/25/2020</a:t>
             </a:fld>
             <a:endParaRPr lang="en-US" dirty="0"/>
           </a:p>
@@ -10275,6 +10279,1964 @@
 </p:sld>
 </file>
 
+<file path=ppt/slides/slide12.xml><?xml version="1.0" encoding="utf-8"?>
+<p:sld xmlns:a="http://schemas.openxmlformats.org/drawingml/2006/main" xmlns:r="http://schemas.openxmlformats.org/officeDocument/2006/relationships" xmlns:p="http://schemas.openxmlformats.org/presentationml/2006/main">
+  <p:cSld>
+    <p:bg>
+      <p:bgPr>
+        <a:gradFill rotWithShape="1">
+          <a:gsLst>
+            <a:gs pos="0">
+              <a:schemeClr val="bg1">
+                <a:tint val="96000"/>
+                <a:shade val="99000"/>
+                <a:satMod val="140000"/>
+              </a:schemeClr>
+            </a:gs>
+            <a:gs pos="65000">
+              <a:schemeClr val="bg1">
+                <a:tint val="100000"/>
+                <a:shade val="80000"/>
+                <a:satMod val="130000"/>
+              </a:schemeClr>
+            </a:gs>
+            <a:gs pos="100000">
+              <a:schemeClr val="bg1">
+                <a:tint val="100000"/>
+                <a:shade val="48000"/>
+                <a:satMod val="120000"/>
+              </a:schemeClr>
+            </a:gs>
+          </a:gsLst>
+          <a:lin ang="16200000" scaled="0"/>
+        </a:gradFill>
+        <a:effectLst/>
+      </p:bgPr>
+    </p:bg>
+    <p:spTree>
+      <p:nvGrpSpPr>
+        <p:cNvPr id="1" name=""/>
+        <p:cNvGrpSpPr/>
+        <p:nvPr/>
+      </p:nvGrpSpPr>
+      <p:grpSpPr>
+        <a:xfrm>
+          <a:off x="0" y="0"/>
+          <a:ext cx="0" cy="0"/>
+          <a:chOff x="0" y="0"/>
+          <a:chExt cx="0" cy="0"/>
+        </a:xfrm>
+      </p:grpSpPr>
+      <p:sp>
+        <p:nvSpPr>
+          <p:cNvPr id="8" name="Rectangle 7">
+            <a:extLst>
+              <a:ext uri="{FF2B5EF4-FFF2-40B4-BE49-F238E27FC236}">
+                <a16:creationId xmlns:a16="http://schemas.microsoft.com/office/drawing/2014/main" id="{39E3965E-AC41-4711-9D10-E25ABB132D86}"/>
+              </a:ext>
+              <a:ext uri="{C183D7F6-B498-43B3-948B-1728B52AA6E4}">
+                <adec:decorative xmlns:adec="http://schemas.microsoft.com/office/drawing/2017/decorative" val="1"/>
+              </a:ext>
+            </a:extLst>
+          </p:cNvPr>
+          <p:cNvSpPr>
+            <a:spLocks noGrp="1" noRot="1" noChangeAspect="1" noMove="1" noResize="1" noEditPoints="1" noAdjustHandles="1" noChangeArrowheads="1" noChangeShapeType="1" noTextEdit="1"/>
+          </p:cNvSpPr>
+          <p:nvPr>
+            <p:extLst>
+              <p:ext uri="{386F3935-93C4-4BCD-93E2-E3B085C9AB24}">
+                <p16:designElem xmlns:p16="http://schemas.microsoft.com/office/powerpoint/2015/main" val="1"/>
+              </p:ext>
+            </p:extLst>
+          </p:nvPr>
+        </p:nvSpPr>
+        <p:spPr>
+          <a:xfrm>
+            <a:off x="3175" y="6400800"/>
+            <a:ext cx="12188825" cy="457200"/>
+          </a:xfrm>
+          <a:prstGeom prst="rect">
+            <a:avLst/>
+          </a:prstGeom>
+          <a:solidFill>
+            <a:srgbClr val="262626"/>
+          </a:solidFill>
+          <a:ln>
+            <a:noFill/>
+          </a:ln>
+        </p:spPr>
+        <p:style>
+          <a:lnRef idx="2">
+            <a:schemeClr val="accent1">
+              <a:shade val="50000"/>
+            </a:schemeClr>
+          </a:lnRef>
+          <a:fillRef idx="1">
+            <a:schemeClr val="accent1"/>
+          </a:fillRef>
+          <a:effectRef idx="0">
+            <a:schemeClr val="accent1"/>
+          </a:effectRef>
+          <a:fontRef idx="minor">
+            <a:schemeClr val="lt1"/>
+          </a:fontRef>
+        </p:style>
+      </p:sp>
+      <p:cxnSp>
+        <p:nvCxnSpPr>
+          <p:cNvPr id="10" name="Straight Connector 9">
+            <a:extLst>
+              <a:ext uri="{FF2B5EF4-FFF2-40B4-BE49-F238E27FC236}">
+                <a16:creationId xmlns:a16="http://schemas.microsoft.com/office/drawing/2014/main" id="{1F5DC8C3-BA5F-4EED-BB9A-A14272BD82A1}"/>
+              </a:ext>
+              <a:ext uri="{C183D7F6-B498-43B3-948B-1728B52AA6E4}">
+                <adec:decorative xmlns:adec="http://schemas.microsoft.com/office/drawing/2017/decorative" val="1"/>
+              </a:ext>
+            </a:extLst>
+          </p:cNvPr>
+          <p:cNvCxnSpPr>
+            <a:cxnSpLocks noGrp="1" noRot="1" noChangeAspect="1" noMove="1" noResize="1" noEditPoints="1" noAdjustHandles="1" noChangeArrowheads="1" noChangeShapeType="1"/>
+          </p:cNvCxnSpPr>
+          <p:nvPr>
+            <p:extLst>
+              <p:ext uri="{386F3935-93C4-4BCD-93E2-E3B085C9AB24}">
+                <p16:designElem xmlns:p16="http://schemas.microsoft.com/office/powerpoint/2015/main" val="1"/>
+              </p:ext>
+            </p:extLst>
+          </p:nvPr>
+        </p:nvCxnSpPr>
+        <p:spPr>
+          <a:xfrm>
+            <a:off x="1207658" y="4474741"/>
+            <a:ext cx="9875520" cy="0"/>
+          </a:xfrm>
+          <a:prstGeom prst="line">
+            <a:avLst/>
+          </a:prstGeom>
+          <a:ln w="12700">
+            <a:solidFill>
+              <a:schemeClr val="tx1">
+                <a:lumMod val="75000"/>
+                <a:lumOff val="25000"/>
+              </a:schemeClr>
+            </a:solidFill>
+          </a:ln>
+        </p:spPr>
+        <p:style>
+          <a:lnRef idx="1">
+            <a:schemeClr val="accent1"/>
+          </a:lnRef>
+          <a:fillRef idx="0">
+            <a:schemeClr val="accent1"/>
+          </a:fillRef>
+          <a:effectRef idx="0">
+            <a:schemeClr val="accent1"/>
+          </a:effectRef>
+          <a:fontRef idx="minor">
+            <a:schemeClr val="tx1"/>
+          </a:fontRef>
+        </p:style>
+      </p:cxnSp>
+      <p:sp useBgFill="1">
+        <p:nvSpPr>
+          <p:cNvPr id="12" name="Rectangle 11">
+            <a:extLst>
+              <a:ext uri="{FF2B5EF4-FFF2-40B4-BE49-F238E27FC236}">
+                <a16:creationId xmlns:a16="http://schemas.microsoft.com/office/drawing/2014/main" id="{8C6E698C-8155-4B8B-BDC9-B7299772B509}"/>
+              </a:ext>
+              <a:ext uri="{C183D7F6-B498-43B3-948B-1728B52AA6E4}">
+                <adec:decorative xmlns:adec="http://schemas.microsoft.com/office/drawing/2017/decorative" val="1"/>
+              </a:ext>
+            </a:extLst>
+          </p:cNvPr>
+          <p:cNvSpPr>
+            <a:spLocks noGrp="1" noRot="1" noChangeAspect="1" noMove="1" noResize="1" noEditPoints="1" noAdjustHandles="1" noChangeArrowheads="1" noChangeShapeType="1" noTextEdit="1"/>
+          </p:cNvSpPr>
+          <p:nvPr>
+            <p:extLst>
+              <p:ext uri="{386F3935-93C4-4BCD-93E2-E3B085C9AB24}">
+                <p16:designElem xmlns:p16="http://schemas.microsoft.com/office/powerpoint/2015/main" val="1"/>
+              </p:ext>
+            </p:extLst>
+          </p:nvPr>
+        </p:nvSpPr>
+        <p:spPr>
+          <a:xfrm>
+            <a:off x="0" y="0"/>
+            <a:ext cx="12188952" cy="6858000"/>
+          </a:xfrm>
+          <a:prstGeom prst="rect">
+            <a:avLst/>
+          </a:prstGeom>
+          <a:ln>
+            <a:noFill/>
+          </a:ln>
+        </p:spPr>
+        <p:style>
+          <a:lnRef idx="2">
+            <a:schemeClr val="accent1">
+              <a:shade val="50000"/>
+            </a:schemeClr>
+          </a:lnRef>
+          <a:fillRef idx="1">
+            <a:schemeClr val="accent1"/>
+          </a:fillRef>
+          <a:effectRef idx="0">
+            <a:schemeClr val="accent1"/>
+          </a:effectRef>
+          <a:fontRef idx="minor">
+            <a:schemeClr val="lt1"/>
+          </a:fontRef>
+        </p:style>
+        <p:txBody>
+          <a:bodyPr rtlCol="0" anchor="ctr"/>
+          <a:lstStyle/>
+          <a:p>
+            <a:pPr algn="ctr"/>
+            <a:endParaRPr lang="en-US"/>
+          </a:p>
+        </p:txBody>
+      </p:sp>
+      <p:sp>
+        <p:nvSpPr>
+          <p:cNvPr id="2" name="Titolo 1">
+            <a:extLst>
+              <a:ext uri="{FF2B5EF4-FFF2-40B4-BE49-F238E27FC236}">
+                <a16:creationId xmlns:a16="http://schemas.microsoft.com/office/drawing/2014/main" id="{139986AA-69FB-42B1-8A0F-1FE4214EDAD3}"/>
+              </a:ext>
+            </a:extLst>
+          </p:cNvPr>
+          <p:cNvSpPr>
+            <a:spLocks noGrp="1"/>
+          </p:cNvSpPr>
+          <p:nvPr>
+            <p:ph type="title"/>
+          </p:nvPr>
+        </p:nvSpPr>
+        <p:spPr>
+          <a:xfrm>
+            <a:off x="965201" y="643467"/>
+            <a:ext cx="6255026" cy="5054008"/>
+          </a:xfrm>
+        </p:spPr>
+        <p:txBody>
+          <a:bodyPr vert="horz" lIns="91440" tIns="45720" rIns="91440" bIns="45720" rtlCol="0" anchor="ctr">
+            <a:normAutofit/>
+          </a:bodyPr>
+          <a:lstStyle/>
+          <a:p>
+            <a:pPr algn="r"/>
+            <a:r>
+              <a:rPr lang="en-US" sz="8000" dirty="0" err="1">
+                <a:solidFill>
+                  <a:schemeClr val="tx1">
+                    <a:lumMod val="85000"/>
+                    <a:lumOff val="15000"/>
+                  </a:schemeClr>
+                </a:solidFill>
+              </a:rPr>
+              <a:t>Parte</a:t>
+            </a:r>
+            <a:r>
+              <a:rPr lang="en-US" sz="8000" dirty="0">
+                <a:solidFill>
+                  <a:schemeClr val="tx1">
+                    <a:lumMod val="85000"/>
+                    <a:lumOff val="15000"/>
+                  </a:schemeClr>
+                </a:solidFill>
+              </a:rPr>
+              <a:t> 3</a:t>
+            </a:r>
+          </a:p>
+        </p:txBody>
+      </p:sp>
+      <p:cxnSp>
+        <p:nvCxnSpPr>
+          <p:cNvPr id="14" name="Straight Connector 13">
+            <a:extLst>
+              <a:ext uri="{FF2B5EF4-FFF2-40B4-BE49-F238E27FC236}">
+                <a16:creationId xmlns:a16="http://schemas.microsoft.com/office/drawing/2014/main" id="{09525C9A-1972-4836-BA7A-706C946EF4DA}"/>
+              </a:ext>
+              <a:ext uri="{C183D7F6-B498-43B3-948B-1728B52AA6E4}">
+                <adec:decorative xmlns:adec="http://schemas.microsoft.com/office/drawing/2017/decorative" val="1"/>
+              </a:ext>
+            </a:extLst>
+          </p:cNvPr>
+          <p:cNvCxnSpPr>
+            <a:cxnSpLocks noGrp="1" noRot="1" noChangeAspect="1" noMove="1" noResize="1" noEditPoints="1" noAdjustHandles="1" noChangeArrowheads="1" noChangeShapeType="1"/>
+          </p:cNvCxnSpPr>
+          <p:nvPr>
+            <p:extLst>
+              <p:ext uri="{386F3935-93C4-4BCD-93E2-E3B085C9AB24}">
+                <p16:designElem xmlns:p16="http://schemas.microsoft.com/office/powerpoint/2015/main" val="1"/>
+              </p:ext>
+            </p:extLst>
+          </p:nvPr>
+        </p:nvCxnSpPr>
+        <p:spPr>
+          <a:xfrm>
+            <a:off x="7534656" y="1391367"/>
+            <a:ext cx="0" cy="3558208"/>
+          </a:xfrm>
+          <a:prstGeom prst="line">
+            <a:avLst/>
+          </a:prstGeom>
+          <a:ln>
+            <a:solidFill>
+              <a:schemeClr val="tx1">
+                <a:lumMod val="75000"/>
+                <a:lumOff val="25000"/>
+              </a:schemeClr>
+            </a:solidFill>
+          </a:ln>
+        </p:spPr>
+        <p:style>
+          <a:lnRef idx="1">
+            <a:schemeClr val="accent1"/>
+          </a:lnRef>
+          <a:fillRef idx="0">
+            <a:schemeClr val="accent1"/>
+          </a:fillRef>
+          <a:effectRef idx="0">
+            <a:schemeClr val="accent1"/>
+          </a:effectRef>
+          <a:fontRef idx="minor">
+            <a:schemeClr val="tx1"/>
+          </a:fontRef>
+        </p:style>
+      </p:cxnSp>
+      <p:sp>
+        <p:nvSpPr>
+          <p:cNvPr id="16" name="Rectangle 15">
+            <a:extLst>
+              <a:ext uri="{FF2B5EF4-FFF2-40B4-BE49-F238E27FC236}">
+                <a16:creationId xmlns:a16="http://schemas.microsoft.com/office/drawing/2014/main" id="{B624C8D3-B9AD-4F4F-8554-4EAF3724DBCE}"/>
+              </a:ext>
+              <a:ext uri="{C183D7F6-B498-43B3-948B-1728B52AA6E4}">
+                <adec:decorative xmlns:adec="http://schemas.microsoft.com/office/drawing/2017/decorative" val="1"/>
+              </a:ext>
+            </a:extLst>
+          </p:cNvPr>
+          <p:cNvSpPr>
+            <a:spLocks noGrp="1" noRot="1" noChangeAspect="1" noMove="1" noResize="1" noEditPoints="1" noAdjustHandles="1" noChangeArrowheads="1" noChangeShapeType="1" noTextEdit="1"/>
+          </p:cNvSpPr>
+          <p:nvPr>
+            <p:extLst>
+              <p:ext uri="{386F3935-93C4-4BCD-93E2-E3B085C9AB24}">
+                <p16:designElem xmlns:p16="http://schemas.microsoft.com/office/powerpoint/2015/main" val="1"/>
+              </p:ext>
+            </p:extLst>
+          </p:nvPr>
+        </p:nvSpPr>
+        <p:spPr>
+          <a:xfrm>
+            <a:off x="3175" y="6400800"/>
+            <a:ext cx="12188825" cy="457200"/>
+          </a:xfrm>
+          <a:prstGeom prst="rect">
+            <a:avLst/>
+          </a:prstGeom>
+          <a:solidFill>
+            <a:srgbClr val="262626"/>
+          </a:solidFill>
+          <a:ln>
+            <a:noFill/>
+          </a:ln>
+        </p:spPr>
+        <p:style>
+          <a:lnRef idx="2">
+            <a:schemeClr val="accent1">
+              <a:shade val="50000"/>
+            </a:schemeClr>
+          </a:lnRef>
+          <a:fillRef idx="1">
+            <a:schemeClr val="accent1"/>
+          </a:fillRef>
+          <a:effectRef idx="0">
+            <a:schemeClr val="accent1"/>
+          </a:effectRef>
+          <a:fontRef idx="minor">
+            <a:schemeClr val="lt1"/>
+          </a:fontRef>
+        </p:style>
+      </p:sp>
+    </p:spTree>
+    <p:extLst>
+      <p:ext uri="{BB962C8B-B14F-4D97-AF65-F5344CB8AC3E}">
+        <p14:creationId xmlns:p14="http://schemas.microsoft.com/office/powerpoint/2010/main" val="3691679464"/>
+      </p:ext>
+    </p:extLst>
+  </p:cSld>
+  <p:clrMapOvr>
+    <a:overrideClrMapping bg1="dk1" tx1="lt1" bg2="dk2" tx2="lt2" accent1="accent1" accent2="accent2" accent3="accent3" accent4="accent4" accent5="accent5" accent6="accent6" hlink="hlink" folHlink="folHlink"/>
+  </p:clrMapOvr>
+</p:sld>
+</file>
+
+<file path=ppt/slides/slide13.xml><?xml version="1.0" encoding="utf-8"?>
+<p:sld xmlns:a="http://schemas.openxmlformats.org/drawingml/2006/main" xmlns:r="http://schemas.openxmlformats.org/officeDocument/2006/relationships" xmlns:p="http://schemas.openxmlformats.org/presentationml/2006/main">
+  <p:cSld>
+    <p:bg>
+      <p:bgPr>
+        <a:solidFill>
+          <a:schemeClr val="bg1"/>
+        </a:solidFill>
+        <a:effectLst/>
+      </p:bgPr>
+    </p:bg>
+    <p:spTree>
+      <p:nvGrpSpPr>
+        <p:cNvPr id="1" name=""/>
+        <p:cNvGrpSpPr/>
+        <p:nvPr/>
+      </p:nvGrpSpPr>
+      <p:grpSpPr>
+        <a:xfrm>
+          <a:off x="0" y="0"/>
+          <a:ext cx="0" cy="0"/>
+          <a:chOff x="0" y="0"/>
+          <a:chExt cx="0" cy="0"/>
+        </a:xfrm>
+      </p:grpSpPr>
+      <p:sp>
+        <p:nvSpPr>
+          <p:cNvPr id="12" name="Rectangle 11">
+            <a:extLst>
+              <a:ext uri="{FF2B5EF4-FFF2-40B4-BE49-F238E27FC236}">
+                <a16:creationId xmlns:a16="http://schemas.microsoft.com/office/drawing/2014/main" id="{E844E128-FF69-4E9F-8327-6B504B3C5AE1}"/>
+              </a:ext>
+              <a:ext uri="{C183D7F6-B498-43B3-948B-1728B52AA6E4}">
+                <adec:decorative xmlns:adec="http://schemas.microsoft.com/office/drawing/2017/decorative" val="1"/>
+              </a:ext>
+            </a:extLst>
+          </p:cNvPr>
+          <p:cNvSpPr>
+            <a:spLocks noGrp="1" noRot="1" noChangeAspect="1" noMove="1" noResize="1" noEditPoints="1" noAdjustHandles="1" noChangeArrowheads="1" noChangeShapeType="1" noTextEdit="1"/>
+          </p:cNvSpPr>
+          <p:nvPr>
+            <p:extLst>
+              <p:ext uri="{386F3935-93C4-4BCD-93E2-E3B085C9AB24}">
+                <p16:designElem xmlns:p16="http://schemas.microsoft.com/office/powerpoint/2015/main" val="1"/>
+              </p:ext>
+            </p:extLst>
+          </p:nvPr>
+        </p:nvSpPr>
+        <p:spPr bwMode="white">
+          <a:xfrm>
+            <a:off x="15" y="0"/>
+            <a:ext cx="12191985" cy="6858000"/>
+          </a:xfrm>
+          <a:prstGeom prst="rect">
+            <a:avLst/>
+          </a:prstGeom>
+          <a:solidFill>
+            <a:srgbClr val="262626"/>
+          </a:solidFill>
+          <a:ln>
+            <a:noFill/>
+          </a:ln>
+        </p:spPr>
+        <p:style>
+          <a:lnRef idx="2">
+            <a:schemeClr val="accent1">
+              <a:shade val="50000"/>
+            </a:schemeClr>
+          </a:lnRef>
+          <a:fillRef idx="1">
+            <a:schemeClr val="accent1"/>
+          </a:fillRef>
+          <a:effectRef idx="0">
+            <a:schemeClr val="accent1"/>
+          </a:effectRef>
+          <a:fontRef idx="minor">
+            <a:schemeClr val="lt1"/>
+          </a:fontRef>
+        </p:style>
+      </p:sp>
+      <p:sp>
+        <p:nvSpPr>
+          <p:cNvPr id="2" name="Titolo 1">
+            <a:extLst>
+              <a:ext uri="{FF2B5EF4-FFF2-40B4-BE49-F238E27FC236}">
+                <a16:creationId xmlns:a16="http://schemas.microsoft.com/office/drawing/2014/main" id="{EFE4B620-ABC2-49AA-8595-7A3E1B09656C}"/>
+              </a:ext>
+            </a:extLst>
+          </p:cNvPr>
+          <p:cNvSpPr>
+            <a:spLocks noGrp="1"/>
+          </p:cNvSpPr>
+          <p:nvPr>
+            <p:ph type="title"/>
+          </p:nvPr>
+        </p:nvSpPr>
+        <p:spPr>
+          <a:xfrm>
+            <a:off x="1215896" y="558679"/>
+            <a:ext cx="5977937" cy="1666501"/>
+          </a:xfrm>
+        </p:spPr>
+        <p:txBody>
+          <a:bodyPr>
+            <a:normAutofit/>
+          </a:bodyPr>
+          <a:lstStyle/>
+          <a:p>
+            <a:r>
+              <a:rPr lang="it-IT" sz="4000" dirty="0" err="1">
+                <a:solidFill>
+                  <a:srgbClr val="FFFFFF"/>
+                </a:solidFill>
+              </a:rPr>
+              <a:t>Get_Next_By_Url</a:t>
+            </a:r>
+            <a:endParaRPr lang="it-IT" sz="4000" dirty="0">
+              <a:solidFill>
+                <a:srgbClr val="FFFFFF"/>
+              </a:solidFill>
+            </a:endParaRPr>
+          </a:p>
+        </p:txBody>
+      </p:sp>
+      <p:cxnSp>
+        <p:nvCxnSpPr>
+          <p:cNvPr id="14" name="Straight Connector 13">
+            <a:extLst>
+              <a:ext uri="{FF2B5EF4-FFF2-40B4-BE49-F238E27FC236}">
+                <a16:creationId xmlns:a16="http://schemas.microsoft.com/office/drawing/2014/main" id="{055CEADF-09EA-423C-8C45-F94AF44D5AF0}"/>
+              </a:ext>
+              <a:ext uri="{C183D7F6-B498-43B3-948B-1728B52AA6E4}">
+                <adec:decorative xmlns:adec="http://schemas.microsoft.com/office/drawing/2017/decorative" val="1"/>
+              </a:ext>
+            </a:extLst>
+          </p:cNvPr>
+          <p:cNvCxnSpPr>
+            <a:cxnSpLocks noGrp="1" noRot="1" noChangeAspect="1" noMove="1" noResize="1" noEditPoints="1" noAdjustHandles="1" noChangeArrowheads="1" noChangeShapeType="1"/>
+          </p:cNvCxnSpPr>
+          <p:nvPr>
+            <p:extLst>
+              <p:ext uri="{386F3935-93C4-4BCD-93E2-E3B085C9AB24}">
+                <p16:designElem xmlns:p16="http://schemas.microsoft.com/office/powerpoint/2015/main" val="1"/>
+              </p:ext>
+            </p:extLst>
+          </p:nvPr>
+        </p:nvCxnSpPr>
+        <p:spPr>
+          <a:xfrm>
+            <a:off x="1215896" y="2353592"/>
+            <a:ext cx="5303520" cy="0"/>
+          </a:xfrm>
+          <a:prstGeom prst="line">
+            <a:avLst/>
+          </a:prstGeom>
+          <a:ln w="19050">
+            <a:solidFill>
+              <a:schemeClr val="accent1"/>
+            </a:solidFill>
+          </a:ln>
+        </p:spPr>
+        <p:style>
+          <a:lnRef idx="1">
+            <a:schemeClr val="accent1"/>
+          </a:lnRef>
+          <a:fillRef idx="0">
+            <a:schemeClr val="accent1"/>
+          </a:fillRef>
+          <a:effectRef idx="0">
+            <a:schemeClr val="accent1"/>
+          </a:effectRef>
+          <a:fontRef idx="minor">
+            <a:schemeClr val="tx1"/>
+          </a:fontRef>
+        </p:style>
+      </p:cxnSp>
+      <p:sp>
+        <p:nvSpPr>
+          <p:cNvPr id="3" name="Segnaposto contenuto 2">
+            <a:extLst>
+              <a:ext uri="{FF2B5EF4-FFF2-40B4-BE49-F238E27FC236}">
+                <a16:creationId xmlns:a16="http://schemas.microsoft.com/office/drawing/2014/main" id="{DE0D11AD-E109-4265-A624-A7C44598A95B}"/>
+              </a:ext>
+            </a:extLst>
+          </p:cNvPr>
+          <p:cNvSpPr>
+            <a:spLocks noGrp="1"/>
+          </p:cNvSpPr>
+          <p:nvPr>
+            <p:ph idx="1"/>
+          </p:nvPr>
+        </p:nvSpPr>
+        <p:spPr>
+          <a:xfrm>
+            <a:off x="1215896" y="2610417"/>
+            <a:ext cx="3852493" cy="3342747"/>
+          </a:xfrm>
+        </p:spPr>
+        <p:txBody>
+          <a:bodyPr>
+            <a:normAutofit/>
+          </a:bodyPr>
+          <a:lstStyle/>
+          <a:p>
+            <a:r>
+              <a:rPr lang="it-IT" sz="1800" dirty="0">
+                <a:solidFill>
+                  <a:srgbClr val="FFFFFF"/>
+                </a:solidFill>
+              </a:rPr>
+              <a:t>Abbiamo creato una nuova lambda </a:t>
+            </a:r>
+            <a:r>
+              <a:rPr lang="it-IT" sz="1800" dirty="0" err="1">
+                <a:solidFill>
+                  <a:srgbClr val="FFFFFF"/>
+                </a:solidFill>
+              </a:rPr>
+              <a:t>function</a:t>
+            </a:r>
+            <a:r>
+              <a:rPr lang="it-IT" sz="1800" dirty="0">
+                <a:solidFill>
+                  <a:srgbClr val="FFFFFF"/>
+                </a:solidFill>
+              </a:rPr>
+              <a:t> basandoci su </a:t>
+            </a:r>
+            <a:r>
+              <a:rPr lang="it-IT" sz="1800" dirty="0" err="1">
+                <a:solidFill>
+                  <a:srgbClr val="FFFFFF"/>
+                </a:solidFill>
+              </a:rPr>
+              <a:t>Get_Talk_Ny_Tag</a:t>
+            </a:r>
+            <a:r>
+              <a:rPr lang="it-IT" sz="1800" dirty="0">
+                <a:solidFill>
+                  <a:srgbClr val="FFFFFF"/>
+                </a:solidFill>
+              </a:rPr>
+              <a:t>. E’ stato necessario modificare il file </a:t>
+            </a:r>
+            <a:r>
+              <a:rPr lang="it-IT" sz="1800" b="1" dirty="0">
+                <a:solidFill>
+                  <a:srgbClr val="FFFFFF"/>
+                </a:solidFill>
+              </a:rPr>
+              <a:t>handler.js</a:t>
+            </a:r>
+            <a:r>
+              <a:rPr lang="it-IT" sz="1800" dirty="0">
+                <a:solidFill>
+                  <a:srgbClr val="FFFFFF"/>
+                </a:solidFill>
+              </a:rPr>
+              <a:t> per cambiare la natura della query:</a:t>
+            </a:r>
+          </a:p>
+        </p:txBody>
+      </p:sp>
+      <p:pic>
+        <p:nvPicPr>
+          <p:cNvPr id="9" name="Immagine 8" descr="Immagine che contiene monitor, schermo, telefono, cellulare&#10;&#10;Descrizione generata automaticamente">
+            <a:extLst>
+              <a:ext uri="{FF2B5EF4-FFF2-40B4-BE49-F238E27FC236}">
+                <a16:creationId xmlns:a16="http://schemas.microsoft.com/office/drawing/2014/main" id="{30122B1D-E784-4F65-9EF2-F72A004A5503}"/>
+              </a:ext>
+            </a:extLst>
+          </p:cNvPr>
+          <p:cNvPicPr>
+            <a:picLocks noChangeAspect="1"/>
+          </p:cNvPicPr>
+          <p:nvPr/>
+        </p:nvPicPr>
+        <p:blipFill>
+          <a:blip r:embed="rId2">
+            <a:extLst>
+              <a:ext uri="{28A0092B-C50C-407E-A947-70E740481C1C}">
+                <a14:useLocalDpi xmlns:a14="http://schemas.microsoft.com/office/drawing/2010/main" val="0"/>
+              </a:ext>
+            </a:extLst>
+          </a:blip>
+          <a:stretch>
+            <a:fillRect/>
+          </a:stretch>
+        </p:blipFill>
+        <p:spPr>
+          <a:xfrm>
+            <a:off x="5494975" y="0"/>
+            <a:ext cx="6697010" cy="3639058"/>
+          </a:xfrm>
+          <a:prstGeom prst="rect">
+            <a:avLst/>
+          </a:prstGeom>
+        </p:spPr>
+      </p:pic>
+      <p:pic>
+        <p:nvPicPr>
+          <p:cNvPr id="11" name="Immagine 10" descr="Immagine che contiene schermo, monitor, televisione, sedendo&#10;&#10;Descrizione generata automaticamente">
+            <a:extLst>
+              <a:ext uri="{FF2B5EF4-FFF2-40B4-BE49-F238E27FC236}">
+                <a16:creationId xmlns:a16="http://schemas.microsoft.com/office/drawing/2014/main" id="{31828081-476A-4038-8F5F-8D367276BB3B}"/>
+              </a:ext>
+            </a:extLst>
+          </p:cNvPr>
+          <p:cNvPicPr>
+            <a:picLocks noChangeAspect="1"/>
+          </p:cNvPicPr>
+          <p:nvPr/>
+        </p:nvPicPr>
+        <p:blipFill>
+          <a:blip r:embed="rId3">
+            <a:extLst>
+              <a:ext uri="{28A0092B-C50C-407E-A947-70E740481C1C}">
+                <a14:useLocalDpi xmlns:a14="http://schemas.microsoft.com/office/drawing/2010/main" val="0"/>
+              </a:ext>
+            </a:extLst>
+          </a:blip>
+          <a:stretch>
+            <a:fillRect/>
+          </a:stretch>
+        </p:blipFill>
+        <p:spPr>
+          <a:xfrm>
+            <a:off x="5494976" y="3808557"/>
+            <a:ext cx="6697010" cy="3049443"/>
+          </a:xfrm>
+          <a:prstGeom prst="rect">
+            <a:avLst/>
+          </a:prstGeom>
+        </p:spPr>
+      </p:pic>
+    </p:spTree>
+    <p:extLst>
+      <p:ext uri="{BB962C8B-B14F-4D97-AF65-F5344CB8AC3E}">
+        <p14:creationId xmlns:p14="http://schemas.microsoft.com/office/powerpoint/2010/main" val="2235542378"/>
+      </p:ext>
+    </p:extLst>
+  </p:cSld>
+  <p:clrMapOvr>
+    <a:overrideClrMapping bg1="dk1" tx1="lt1" bg2="dk2" tx2="lt2" accent1="accent1" accent2="accent2" accent3="accent3" accent4="accent4" accent5="accent5" accent6="accent6" hlink="hlink" folHlink="folHlink"/>
+  </p:clrMapOvr>
+</p:sld>
+</file>
+
+<file path=ppt/slides/slide14.xml><?xml version="1.0" encoding="utf-8"?>
+<p:sld xmlns:a="http://schemas.openxmlformats.org/drawingml/2006/main" xmlns:r="http://schemas.openxmlformats.org/officeDocument/2006/relationships" xmlns:p="http://schemas.openxmlformats.org/presentationml/2006/main">
+  <p:cSld>
+    <p:bg>
+      <p:bgPr>
+        <a:solidFill>
+          <a:schemeClr val="bg1"/>
+        </a:solidFill>
+        <a:effectLst/>
+      </p:bgPr>
+    </p:bg>
+    <p:spTree>
+      <p:nvGrpSpPr>
+        <p:cNvPr id="1" name=""/>
+        <p:cNvGrpSpPr/>
+        <p:nvPr/>
+      </p:nvGrpSpPr>
+      <p:grpSpPr>
+        <a:xfrm>
+          <a:off x="0" y="0"/>
+          <a:ext cx="0" cy="0"/>
+          <a:chOff x="0" y="0"/>
+          <a:chExt cx="0" cy="0"/>
+        </a:xfrm>
+      </p:grpSpPr>
+      <p:sp>
+        <p:nvSpPr>
+          <p:cNvPr id="11" name="Rectangle 10">
+            <a:extLst>
+              <a:ext uri="{FF2B5EF4-FFF2-40B4-BE49-F238E27FC236}">
+                <a16:creationId xmlns:a16="http://schemas.microsoft.com/office/drawing/2014/main" id="{E844E128-FF69-4E9F-8327-6B504B3C5AE1}"/>
+              </a:ext>
+              <a:ext uri="{C183D7F6-B498-43B3-948B-1728B52AA6E4}">
+                <adec:decorative xmlns:adec="http://schemas.microsoft.com/office/drawing/2017/decorative" val="1"/>
+              </a:ext>
+            </a:extLst>
+          </p:cNvPr>
+          <p:cNvSpPr>
+            <a:spLocks noGrp="1" noRot="1" noChangeAspect="1" noMove="1" noResize="1" noEditPoints="1" noAdjustHandles="1" noChangeArrowheads="1" noChangeShapeType="1" noTextEdit="1"/>
+          </p:cNvSpPr>
+          <p:nvPr>
+            <p:extLst>
+              <p:ext uri="{386F3935-93C4-4BCD-93E2-E3B085C9AB24}">
+                <p16:designElem xmlns:p16="http://schemas.microsoft.com/office/powerpoint/2015/main" val="1"/>
+              </p:ext>
+            </p:extLst>
+          </p:nvPr>
+        </p:nvSpPr>
+        <p:spPr bwMode="white">
+          <a:xfrm>
+            <a:off x="15" y="0"/>
+            <a:ext cx="12191985" cy="6858000"/>
+          </a:xfrm>
+          <a:prstGeom prst="rect">
+            <a:avLst/>
+          </a:prstGeom>
+          <a:solidFill>
+            <a:schemeClr val="bg1">
+              <a:lumMod val="85000"/>
+              <a:lumOff val="15000"/>
+            </a:schemeClr>
+          </a:solidFill>
+          <a:ln>
+            <a:noFill/>
+          </a:ln>
+        </p:spPr>
+        <p:style>
+          <a:lnRef idx="2">
+            <a:schemeClr val="accent1">
+              <a:shade val="50000"/>
+            </a:schemeClr>
+          </a:lnRef>
+          <a:fillRef idx="1">
+            <a:schemeClr val="accent1"/>
+          </a:fillRef>
+          <a:effectRef idx="0">
+            <a:schemeClr val="accent1"/>
+          </a:effectRef>
+          <a:fontRef idx="minor">
+            <a:schemeClr val="lt1"/>
+          </a:fontRef>
+        </p:style>
+      </p:sp>
+      <p:sp>
+        <p:nvSpPr>
+          <p:cNvPr id="2" name="Titolo 1">
+            <a:extLst>
+              <a:ext uri="{FF2B5EF4-FFF2-40B4-BE49-F238E27FC236}">
+                <a16:creationId xmlns:a16="http://schemas.microsoft.com/office/drawing/2014/main" id="{33B5CB2F-9F44-4E42-9803-1697E1F3AD18}"/>
+              </a:ext>
+            </a:extLst>
+          </p:cNvPr>
+          <p:cNvSpPr>
+            <a:spLocks noGrp="1"/>
+          </p:cNvSpPr>
+          <p:nvPr>
+            <p:ph type="title"/>
+          </p:nvPr>
+        </p:nvSpPr>
+        <p:spPr>
+          <a:xfrm>
+            <a:off x="1097280" y="516835"/>
+            <a:ext cx="5977937" cy="1666501"/>
+          </a:xfrm>
+        </p:spPr>
+        <p:txBody>
+          <a:bodyPr>
+            <a:normAutofit/>
+          </a:bodyPr>
+          <a:lstStyle/>
+          <a:p>
+            <a:r>
+              <a:rPr lang="it-IT" sz="4000">
+                <a:solidFill>
+                  <a:schemeClr val="tx1"/>
+                </a:solidFill>
+              </a:rPr>
+              <a:t>Dati ottenuti</a:t>
+            </a:r>
+          </a:p>
+        </p:txBody>
+      </p:sp>
+      <p:cxnSp>
+        <p:nvCxnSpPr>
+          <p:cNvPr id="13" name="Straight Connector 12">
+            <a:extLst>
+              <a:ext uri="{FF2B5EF4-FFF2-40B4-BE49-F238E27FC236}">
+                <a16:creationId xmlns:a16="http://schemas.microsoft.com/office/drawing/2014/main" id="{055CEADF-09EA-423C-8C45-F94AF44D5AF0}"/>
+              </a:ext>
+              <a:ext uri="{C183D7F6-B498-43B3-948B-1728B52AA6E4}">
+                <adec:decorative xmlns:adec="http://schemas.microsoft.com/office/drawing/2017/decorative" val="1"/>
+              </a:ext>
+            </a:extLst>
+          </p:cNvPr>
+          <p:cNvCxnSpPr>
+            <a:cxnSpLocks noGrp="1" noRot="1" noChangeAspect="1" noMove="1" noResize="1" noEditPoints="1" noAdjustHandles="1" noChangeArrowheads="1" noChangeShapeType="1"/>
+          </p:cNvCxnSpPr>
+          <p:nvPr>
+            <p:extLst>
+              <p:ext uri="{386F3935-93C4-4BCD-93E2-E3B085C9AB24}">
+                <p16:designElem xmlns:p16="http://schemas.microsoft.com/office/powerpoint/2015/main" val="1"/>
+              </p:ext>
+            </p:extLst>
+          </p:nvPr>
+        </p:nvCxnSpPr>
+        <p:spPr>
+          <a:xfrm>
+            <a:off x="1215896" y="2353592"/>
+            <a:ext cx="5303520" cy="0"/>
+          </a:xfrm>
+          <a:prstGeom prst="line">
+            <a:avLst/>
+          </a:prstGeom>
+          <a:ln w="19050">
+            <a:solidFill>
+              <a:schemeClr val="accent1"/>
+            </a:solidFill>
+          </a:ln>
+        </p:spPr>
+        <p:style>
+          <a:lnRef idx="1">
+            <a:schemeClr val="accent1"/>
+          </a:lnRef>
+          <a:fillRef idx="0">
+            <a:schemeClr val="accent1"/>
+          </a:fillRef>
+          <a:effectRef idx="0">
+            <a:schemeClr val="accent1"/>
+          </a:effectRef>
+          <a:fontRef idx="minor">
+            <a:schemeClr val="tx1"/>
+          </a:fontRef>
+        </p:style>
+      </p:cxnSp>
+      <p:sp>
+        <p:nvSpPr>
+          <p:cNvPr id="3" name="Segnaposto contenuto 2">
+            <a:extLst>
+              <a:ext uri="{FF2B5EF4-FFF2-40B4-BE49-F238E27FC236}">
+                <a16:creationId xmlns:a16="http://schemas.microsoft.com/office/drawing/2014/main" id="{4778FAB2-E424-45A7-A76E-FE065179D8E7}"/>
+              </a:ext>
+            </a:extLst>
+          </p:cNvPr>
+          <p:cNvSpPr>
+            <a:spLocks noGrp="1"/>
+          </p:cNvSpPr>
+          <p:nvPr>
+            <p:ph idx="1"/>
+          </p:nvPr>
+        </p:nvSpPr>
+        <p:spPr>
+          <a:xfrm>
+            <a:off x="1097279" y="2546224"/>
+            <a:ext cx="1828801" cy="3342747"/>
+          </a:xfrm>
+        </p:spPr>
+        <p:txBody>
+          <a:bodyPr>
+            <a:normAutofit fontScale="92500" lnSpcReduction="20000"/>
+          </a:bodyPr>
+          <a:lstStyle/>
+          <a:p>
+            <a:r>
+              <a:rPr lang="it-IT" sz="1800" dirty="0">
+                <a:solidFill>
+                  <a:schemeClr val="tx1"/>
+                </a:solidFill>
+              </a:rPr>
+              <a:t>Tramite </a:t>
+            </a:r>
+            <a:r>
+              <a:rPr lang="it-IT" sz="1800" dirty="0" err="1">
+                <a:solidFill>
+                  <a:schemeClr val="tx1"/>
+                </a:solidFill>
+              </a:rPr>
+              <a:t>Postman</a:t>
+            </a:r>
+            <a:r>
+              <a:rPr lang="it-IT" sz="1800" dirty="0">
+                <a:solidFill>
+                  <a:schemeClr val="tx1"/>
+                </a:solidFill>
+              </a:rPr>
+              <a:t> abbiamo testato il corretto funzionamento della funzione.</a:t>
+            </a:r>
+          </a:p>
+          <a:p>
+            <a:r>
+              <a:rPr lang="it-IT" sz="1800" dirty="0">
+                <a:solidFill>
+                  <a:schemeClr val="tx1"/>
+                </a:solidFill>
+              </a:rPr>
+              <a:t>In base </a:t>
+            </a:r>
+            <a:r>
+              <a:rPr lang="it-IT" sz="1800" dirty="0" err="1">
+                <a:solidFill>
+                  <a:schemeClr val="tx1"/>
+                </a:solidFill>
+              </a:rPr>
+              <a:t>all’url</a:t>
+            </a:r>
+            <a:r>
+              <a:rPr lang="it-IT" sz="1800" dirty="0">
+                <a:solidFill>
+                  <a:schemeClr val="tx1"/>
+                </a:solidFill>
+              </a:rPr>
+              <a:t> passato, restituisce il JSON corrispondente, compreso di </a:t>
+            </a:r>
+            <a:r>
+              <a:rPr lang="it-IT" sz="1800" b="1" dirty="0" err="1">
+                <a:solidFill>
+                  <a:schemeClr val="tx1"/>
+                </a:solidFill>
+              </a:rPr>
+              <a:t>url_next</a:t>
+            </a:r>
+            <a:endParaRPr lang="it-IT" sz="1800" b="1" dirty="0">
+              <a:solidFill>
+                <a:schemeClr val="tx1"/>
+              </a:solidFill>
+            </a:endParaRPr>
+          </a:p>
+        </p:txBody>
+      </p:sp>
+      <p:pic>
+        <p:nvPicPr>
+          <p:cNvPr id="6" name="Immagine 5">
+            <a:extLst>
+              <a:ext uri="{FF2B5EF4-FFF2-40B4-BE49-F238E27FC236}">
+                <a16:creationId xmlns:a16="http://schemas.microsoft.com/office/drawing/2014/main" id="{4D7C38F9-1679-47CC-9CE9-FE591FB4C76D}"/>
+              </a:ext>
+            </a:extLst>
+          </p:cNvPr>
+          <p:cNvPicPr>
+            <a:picLocks noChangeAspect="1"/>
+          </p:cNvPicPr>
+          <p:nvPr/>
+        </p:nvPicPr>
+        <p:blipFill>
+          <a:blip r:embed="rId2"/>
+          <a:stretch>
+            <a:fillRect/>
+          </a:stretch>
+        </p:blipFill>
+        <p:spPr>
+          <a:xfrm>
+            <a:off x="3091543" y="2467030"/>
+            <a:ext cx="9100457" cy="4390970"/>
+          </a:xfrm>
+          <a:prstGeom prst="rect">
+            <a:avLst/>
+          </a:prstGeom>
+        </p:spPr>
+      </p:pic>
+      <p:pic>
+        <p:nvPicPr>
+          <p:cNvPr id="5" name="Immagine 4" descr="Immagine che contiene cibo, disegnando&#10;&#10;Descrizione generata automaticamente">
+            <a:extLst>
+              <a:ext uri="{FF2B5EF4-FFF2-40B4-BE49-F238E27FC236}">
+                <a16:creationId xmlns:a16="http://schemas.microsoft.com/office/drawing/2014/main" id="{F43E9437-4790-468D-8CDD-0E27B6B58A2B}"/>
+              </a:ext>
+            </a:extLst>
+          </p:cNvPr>
+          <p:cNvPicPr>
+            <a:picLocks noChangeAspect="1"/>
+          </p:cNvPicPr>
+          <p:nvPr/>
+        </p:nvPicPr>
+        <p:blipFill>
+          <a:blip r:embed="rId3">
+            <a:extLst>
+              <a:ext uri="{28A0092B-C50C-407E-A947-70E740481C1C}">
+                <a14:useLocalDpi xmlns:a14="http://schemas.microsoft.com/office/drawing/2010/main" val="0"/>
+              </a:ext>
+            </a:extLst>
+          </a:blip>
+          <a:stretch>
+            <a:fillRect/>
+          </a:stretch>
+        </p:blipFill>
+        <p:spPr>
+          <a:xfrm>
+            <a:off x="5066531" y="776315"/>
+            <a:ext cx="7033858" cy="914400"/>
+          </a:xfrm>
+          <a:prstGeom prst="rect">
+            <a:avLst/>
+          </a:prstGeom>
+        </p:spPr>
+      </p:pic>
+      <p:sp>
+        <p:nvSpPr>
+          <p:cNvPr id="7" name="CasellaDiTesto 6">
+            <a:extLst>
+              <a:ext uri="{FF2B5EF4-FFF2-40B4-BE49-F238E27FC236}">
+                <a16:creationId xmlns:a16="http://schemas.microsoft.com/office/drawing/2014/main" id="{671FDCDC-B093-4A5B-9B0B-AFF9D103216E}"/>
+              </a:ext>
+            </a:extLst>
+          </p:cNvPr>
+          <p:cNvSpPr txBox="1"/>
+          <p:nvPr/>
+        </p:nvSpPr>
+        <p:spPr>
+          <a:xfrm>
+            <a:off x="10785394" y="356213"/>
+            <a:ext cx="1314995" cy="369332"/>
+          </a:xfrm>
+          <a:prstGeom prst="rect">
+            <a:avLst/>
+          </a:prstGeom>
+          <a:noFill/>
+        </p:spPr>
+        <p:txBody>
+          <a:bodyPr wrap="square" rtlCol="0">
+            <a:spAutoFit/>
+          </a:bodyPr>
+          <a:lstStyle/>
+          <a:p>
+            <a:pPr algn="r"/>
+            <a:r>
+              <a:rPr lang="it-IT" u="sng" dirty="0"/>
+              <a:t>Richiesta</a:t>
+            </a:r>
+          </a:p>
+        </p:txBody>
+      </p:sp>
+      <p:sp>
+        <p:nvSpPr>
+          <p:cNvPr id="8" name="CasellaDiTesto 7">
+            <a:extLst>
+              <a:ext uri="{FF2B5EF4-FFF2-40B4-BE49-F238E27FC236}">
+                <a16:creationId xmlns:a16="http://schemas.microsoft.com/office/drawing/2014/main" id="{5B3E1627-F52C-4C3D-85A4-AB9F0E114DA8}"/>
+              </a:ext>
+            </a:extLst>
+          </p:cNvPr>
+          <p:cNvSpPr txBox="1"/>
+          <p:nvPr/>
+        </p:nvSpPr>
+        <p:spPr>
+          <a:xfrm>
+            <a:off x="10694126" y="2063931"/>
+            <a:ext cx="1406263" cy="369332"/>
+          </a:xfrm>
+          <a:prstGeom prst="rect">
+            <a:avLst/>
+          </a:prstGeom>
+          <a:noFill/>
+        </p:spPr>
+        <p:txBody>
+          <a:bodyPr wrap="square" rtlCol="0">
+            <a:spAutoFit/>
+          </a:bodyPr>
+          <a:lstStyle/>
+          <a:p>
+            <a:pPr algn="r"/>
+            <a:r>
+              <a:rPr lang="it-IT" dirty="0"/>
+              <a:t>Risultato</a:t>
+            </a:r>
+          </a:p>
+        </p:txBody>
+      </p:sp>
+    </p:spTree>
+    <p:extLst>
+      <p:ext uri="{BB962C8B-B14F-4D97-AF65-F5344CB8AC3E}">
+        <p14:creationId xmlns:p14="http://schemas.microsoft.com/office/powerpoint/2010/main" val="2116399497"/>
+      </p:ext>
+    </p:extLst>
+  </p:cSld>
+  <p:clrMapOvr>
+    <a:overrideClrMapping bg1="dk1" tx1="lt1" bg2="dk2" tx2="lt2" accent1="accent1" accent2="accent2" accent3="accent3" accent4="accent4" accent5="accent5" accent6="accent6" hlink="hlink" folHlink="folHlink"/>
+  </p:clrMapOvr>
+</p:sld>
+</file>
+
+<file path=ppt/slides/slide15.xml><?xml version="1.0" encoding="utf-8"?>
+<p:sld xmlns:a="http://schemas.openxmlformats.org/drawingml/2006/main" xmlns:r="http://schemas.openxmlformats.org/officeDocument/2006/relationships" xmlns:p="http://schemas.openxmlformats.org/presentationml/2006/main">
+  <p:cSld>
+    <p:spTree>
+      <p:nvGrpSpPr>
+        <p:cNvPr id="1" name=""/>
+        <p:cNvGrpSpPr/>
+        <p:nvPr/>
+      </p:nvGrpSpPr>
+      <p:grpSpPr>
+        <a:xfrm>
+          <a:off x="0" y="0"/>
+          <a:ext cx="0" cy="0"/>
+          <a:chOff x="0" y="0"/>
+          <a:chExt cx="0" cy="0"/>
+        </a:xfrm>
+      </p:grpSpPr>
+      <p:sp>
+        <p:nvSpPr>
+          <p:cNvPr id="2" name="Titolo 1">
+            <a:extLst>
+              <a:ext uri="{FF2B5EF4-FFF2-40B4-BE49-F238E27FC236}">
+                <a16:creationId xmlns:a16="http://schemas.microsoft.com/office/drawing/2014/main" id="{8A8A89DA-D585-4928-B3AD-5337F806C706}"/>
+              </a:ext>
+            </a:extLst>
+          </p:cNvPr>
+          <p:cNvSpPr>
+            <a:spLocks noGrp="1"/>
+          </p:cNvSpPr>
+          <p:nvPr>
+            <p:ph type="title"/>
+          </p:nvPr>
+        </p:nvSpPr>
+        <p:spPr/>
+        <p:txBody>
+          <a:bodyPr/>
+          <a:lstStyle/>
+          <a:p>
+            <a:r>
+              <a:rPr lang="it-IT" dirty="0"/>
+              <a:t>Esperienza utente</a:t>
+            </a:r>
+          </a:p>
+        </p:txBody>
+      </p:sp>
+      <p:grpSp>
+        <p:nvGrpSpPr>
+          <p:cNvPr id="18" name="Gruppo 17">
+            <a:extLst>
+              <a:ext uri="{FF2B5EF4-FFF2-40B4-BE49-F238E27FC236}">
+                <a16:creationId xmlns:a16="http://schemas.microsoft.com/office/drawing/2014/main" id="{A566424C-BCA9-456F-AA5F-C2EF8D983296}"/>
+              </a:ext>
+            </a:extLst>
+          </p:cNvPr>
+          <p:cNvGrpSpPr/>
+          <p:nvPr/>
+        </p:nvGrpSpPr>
+        <p:grpSpPr>
+          <a:xfrm>
+            <a:off x="8808720" y="0"/>
+            <a:ext cx="3239647" cy="6252633"/>
+            <a:chOff x="8381698" y="50800"/>
+            <a:chExt cx="3361869" cy="6316133"/>
+          </a:xfrm>
+        </p:grpSpPr>
+        <p:sp>
+          <p:nvSpPr>
+            <p:cNvPr id="9" name="Rettangolo con angoli arrotondati 8">
+              <a:extLst>
+                <a:ext uri="{FF2B5EF4-FFF2-40B4-BE49-F238E27FC236}">
+                  <a16:creationId xmlns:a16="http://schemas.microsoft.com/office/drawing/2014/main" id="{8A9E30E6-BF1C-4FB2-963E-05259D50A275}"/>
+                </a:ext>
+              </a:extLst>
+            </p:cNvPr>
+            <p:cNvSpPr/>
+            <p:nvPr/>
+          </p:nvSpPr>
+          <p:spPr>
+            <a:xfrm>
+              <a:off x="8381698" y="50800"/>
+              <a:ext cx="3361869" cy="6316133"/>
+            </a:xfrm>
+            <a:prstGeom prst="roundRect">
+              <a:avLst/>
+            </a:prstGeom>
+          </p:spPr>
+          <p:style>
+            <a:lnRef idx="1">
+              <a:schemeClr val="dk1"/>
+            </a:lnRef>
+            <a:fillRef idx="2">
+              <a:schemeClr val="dk1"/>
+            </a:fillRef>
+            <a:effectRef idx="1">
+              <a:schemeClr val="dk1"/>
+            </a:effectRef>
+            <a:fontRef idx="minor">
+              <a:schemeClr val="dk1"/>
+            </a:fontRef>
+          </p:style>
+          <p:txBody>
+            <a:bodyPr rtlCol="0" anchor="ctr"/>
+            <a:lstStyle/>
+            <a:p>
+              <a:pPr algn="ctr"/>
+              <a:endParaRPr lang="it-IT"/>
+            </a:p>
+          </p:txBody>
+        </p:sp>
+        <p:sp>
+          <p:nvSpPr>
+            <p:cNvPr id="4" name="Rettangolo con angoli arrotondati 3">
+              <a:extLst>
+                <a:ext uri="{FF2B5EF4-FFF2-40B4-BE49-F238E27FC236}">
+                  <a16:creationId xmlns:a16="http://schemas.microsoft.com/office/drawing/2014/main" id="{873CE0D1-738C-4A7E-93B9-4B7FD97B0CBD}"/>
+                </a:ext>
+              </a:extLst>
+            </p:cNvPr>
+            <p:cNvSpPr/>
+            <p:nvPr/>
+          </p:nvSpPr>
+          <p:spPr>
+            <a:xfrm>
+              <a:off x="8449734" y="84667"/>
+              <a:ext cx="3225799" cy="6180667"/>
+            </a:xfrm>
+            <a:prstGeom prst="roundRect">
+              <a:avLst/>
+            </a:prstGeom>
+          </p:spPr>
+          <p:style>
+            <a:lnRef idx="1">
+              <a:schemeClr val="dk1"/>
+            </a:lnRef>
+            <a:fillRef idx="3">
+              <a:schemeClr val="dk1"/>
+            </a:fillRef>
+            <a:effectRef idx="2">
+              <a:schemeClr val="dk1"/>
+            </a:effectRef>
+            <a:fontRef idx="minor">
+              <a:schemeClr val="lt1"/>
+            </a:fontRef>
+          </p:style>
+          <p:txBody>
+            <a:bodyPr rtlCol="0" anchor="ctr"/>
+            <a:lstStyle/>
+            <a:p>
+              <a:pPr algn="ctr"/>
+              <a:endParaRPr lang="it-IT">
+                <a:solidFill>
+                  <a:schemeClr val="bg2"/>
+                </a:solidFill>
+              </a:endParaRPr>
+            </a:p>
+          </p:txBody>
+        </p:sp>
+        <p:sp>
+          <p:nvSpPr>
+            <p:cNvPr id="5" name="Connettore 4">
+              <a:extLst>
+                <a:ext uri="{FF2B5EF4-FFF2-40B4-BE49-F238E27FC236}">
+                  <a16:creationId xmlns:a16="http://schemas.microsoft.com/office/drawing/2014/main" id="{9DF8EC46-E990-4116-B505-EAED115B71BA}"/>
+                </a:ext>
+              </a:extLst>
+            </p:cNvPr>
+            <p:cNvSpPr/>
+            <p:nvPr/>
+          </p:nvSpPr>
+          <p:spPr>
+            <a:xfrm>
+              <a:off x="9965266" y="5922433"/>
+              <a:ext cx="194734" cy="177800"/>
+            </a:xfrm>
+            <a:prstGeom prst="flowChartConnector">
+              <a:avLst/>
+            </a:prstGeom>
+            <a:solidFill>
+              <a:schemeClr val="bg1"/>
+            </a:solidFill>
+            <a:ln>
+              <a:solidFill>
+                <a:schemeClr val="bg1"/>
+              </a:solidFill>
+            </a:ln>
+          </p:spPr>
+          <p:style>
+            <a:lnRef idx="2">
+              <a:schemeClr val="accent1">
+                <a:shade val="50000"/>
+              </a:schemeClr>
+            </a:lnRef>
+            <a:fillRef idx="1">
+              <a:schemeClr val="accent1"/>
+            </a:fillRef>
+            <a:effectRef idx="0">
+              <a:schemeClr val="accent1"/>
+            </a:effectRef>
+            <a:fontRef idx="minor">
+              <a:schemeClr val="lt1"/>
+            </a:fontRef>
+          </p:style>
+          <p:txBody>
+            <a:bodyPr rtlCol="0" anchor="ctr"/>
+            <a:lstStyle/>
+            <a:p>
+              <a:pPr algn="ctr"/>
+              <a:endParaRPr lang="it-IT"/>
+            </a:p>
+          </p:txBody>
+        </p:sp>
+        <p:sp>
+          <p:nvSpPr>
+            <p:cNvPr id="6" name="Triangolo isoscele 5">
+              <a:extLst>
+                <a:ext uri="{FF2B5EF4-FFF2-40B4-BE49-F238E27FC236}">
+                  <a16:creationId xmlns:a16="http://schemas.microsoft.com/office/drawing/2014/main" id="{CC9A4D47-37D8-4D50-8E4C-03978519BE03}"/>
+                </a:ext>
+              </a:extLst>
+            </p:cNvPr>
+            <p:cNvSpPr/>
+            <p:nvPr/>
+          </p:nvSpPr>
+          <p:spPr>
+            <a:xfrm rot="15964465">
+              <a:off x="9294432" y="5938394"/>
+              <a:ext cx="224545" cy="179785"/>
+            </a:xfrm>
+            <a:prstGeom prst="triangle">
+              <a:avLst/>
+            </a:prstGeom>
+            <a:solidFill>
+              <a:schemeClr val="bg1"/>
+            </a:solidFill>
+            <a:ln>
+              <a:solidFill>
+                <a:schemeClr val="bg1"/>
+              </a:solidFill>
+            </a:ln>
+          </p:spPr>
+          <p:style>
+            <a:lnRef idx="2">
+              <a:schemeClr val="accent1">
+                <a:shade val="50000"/>
+              </a:schemeClr>
+            </a:lnRef>
+            <a:fillRef idx="1">
+              <a:schemeClr val="accent1"/>
+            </a:fillRef>
+            <a:effectRef idx="0">
+              <a:schemeClr val="accent1"/>
+            </a:effectRef>
+            <a:fontRef idx="minor">
+              <a:schemeClr val="lt1"/>
+            </a:fontRef>
+          </p:style>
+          <p:txBody>
+            <a:bodyPr rtlCol="0" anchor="ctr"/>
+            <a:lstStyle/>
+            <a:p>
+              <a:pPr algn="ctr"/>
+              <a:endParaRPr lang="it-IT"/>
+            </a:p>
+          </p:txBody>
+        </p:sp>
+        <p:sp>
+          <p:nvSpPr>
+            <p:cNvPr id="7" name="Rettangolo 6">
+              <a:extLst>
+                <a:ext uri="{FF2B5EF4-FFF2-40B4-BE49-F238E27FC236}">
+                  <a16:creationId xmlns:a16="http://schemas.microsoft.com/office/drawing/2014/main" id="{1DA116A9-2CD4-41E0-A7CA-CF46539385A5}"/>
+                </a:ext>
+              </a:extLst>
+            </p:cNvPr>
+            <p:cNvSpPr/>
+            <p:nvPr/>
+          </p:nvSpPr>
+          <p:spPr>
+            <a:xfrm>
+              <a:off x="10621193" y="5922433"/>
+              <a:ext cx="194734" cy="190110"/>
+            </a:xfrm>
+            <a:prstGeom prst="rect">
+              <a:avLst/>
+            </a:prstGeom>
+            <a:solidFill>
+              <a:schemeClr val="bg1"/>
+            </a:solidFill>
+            <a:ln>
+              <a:solidFill>
+                <a:schemeClr val="bg1"/>
+              </a:solidFill>
+            </a:ln>
+          </p:spPr>
+          <p:style>
+            <a:lnRef idx="2">
+              <a:schemeClr val="accent1">
+                <a:shade val="50000"/>
+              </a:schemeClr>
+            </a:lnRef>
+            <a:fillRef idx="1">
+              <a:schemeClr val="accent1"/>
+            </a:fillRef>
+            <a:effectRef idx="0">
+              <a:schemeClr val="accent1"/>
+            </a:effectRef>
+            <a:fontRef idx="minor">
+              <a:schemeClr val="lt1"/>
+            </a:fontRef>
+          </p:style>
+          <p:txBody>
+            <a:bodyPr rtlCol="0" anchor="ctr"/>
+            <a:lstStyle/>
+            <a:p>
+              <a:pPr algn="ctr"/>
+              <a:endParaRPr lang="it-IT"/>
+            </a:p>
+          </p:txBody>
+        </p:sp>
+        <p:pic>
+          <p:nvPicPr>
+            <p:cNvPr id="10" name="Immagine 9">
+              <a:extLst>
+                <a:ext uri="{FF2B5EF4-FFF2-40B4-BE49-F238E27FC236}">
+                  <a16:creationId xmlns:a16="http://schemas.microsoft.com/office/drawing/2014/main" id="{3555E5E9-DBA2-4EE9-9079-68279FAE633D}"/>
+                </a:ext>
+              </a:extLst>
+            </p:cNvPr>
+            <p:cNvPicPr>
+              <a:picLocks noChangeAspect="1"/>
+            </p:cNvPicPr>
+            <p:nvPr/>
+          </p:nvPicPr>
+          <p:blipFill>
+            <a:blip r:embed="rId2"/>
+            <a:stretch>
+              <a:fillRect/>
+            </a:stretch>
+          </p:blipFill>
+          <p:spPr>
+            <a:xfrm>
+              <a:off x="8635029" y="346003"/>
+              <a:ext cx="2855205" cy="1627160"/>
+            </a:xfrm>
+            <a:prstGeom prst="rect">
+              <a:avLst/>
+            </a:prstGeom>
+          </p:spPr>
+        </p:pic>
+        <p:sp>
+          <p:nvSpPr>
+            <p:cNvPr id="11" name="CasellaDiTesto 10">
+              <a:extLst>
+                <a:ext uri="{FF2B5EF4-FFF2-40B4-BE49-F238E27FC236}">
+                  <a16:creationId xmlns:a16="http://schemas.microsoft.com/office/drawing/2014/main" id="{4CC65871-E133-4DDC-A1ED-4C33938C4D70}"/>
+                </a:ext>
+              </a:extLst>
+            </p:cNvPr>
+            <p:cNvSpPr txBox="1"/>
+            <p:nvPr/>
+          </p:nvSpPr>
+          <p:spPr>
+            <a:xfrm>
+              <a:off x="8635029" y="3208866"/>
+              <a:ext cx="1315720" cy="276999"/>
+            </a:xfrm>
+            <a:prstGeom prst="rect">
+              <a:avLst/>
+            </a:prstGeom>
+            <a:noFill/>
+          </p:spPr>
+          <p:txBody>
+            <a:bodyPr wrap="square" rtlCol="0">
+              <a:spAutoFit/>
+            </a:bodyPr>
+            <a:lstStyle/>
+            <a:p>
+              <a:r>
+                <a:rPr lang="it-IT" sz="1200">
+                  <a:solidFill>
+                    <a:schemeClr val="bg2"/>
+                  </a:solidFill>
+                </a:rPr>
+                <a:t>Suggeriti</a:t>
+              </a:r>
+              <a:endParaRPr lang="it-IT" sz="1200" dirty="0">
+                <a:solidFill>
+                  <a:schemeClr val="bg2"/>
+                </a:solidFill>
+              </a:endParaRPr>
+            </a:p>
+          </p:txBody>
+        </p:sp>
+        <p:sp>
+          <p:nvSpPr>
+            <p:cNvPr id="12" name="CasellaDiTesto 11">
+              <a:extLst>
+                <a:ext uri="{FF2B5EF4-FFF2-40B4-BE49-F238E27FC236}">
+                  <a16:creationId xmlns:a16="http://schemas.microsoft.com/office/drawing/2014/main" id="{43387601-3219-42A2-9824-B8771610E3B5}"/>
+                </a:ext>
+              </a:extLst>
+            </p:cNvPr>
+            <p:cNvSpPr txBox="1"/>
+            <p:nvPr/>
+          </p:nvSpPr>
+          <p:spPr>
+            <a:xfrm>
+              <a:off x="8683650" y="2052743"/>
+              <a:ext cx="2806584" cy="1107996"/>
+            </a:xfrm>
+            <a:prstGeom prst="rect">
+              <a:avLst/>
+            </a:prstGeom>
+            <a:noFill/>
+          </p:spPr>
+          <p:txBody>
+            <a:bodyPr wrap="square" rtlCol="0">
+              <a:spAutoFit/>
+            </a:bodyPr>
+            <a:lstStyle/>
+            <a:p>
+              <a:r>
+                <a:rPr lang="it-IT" dirty="0">
+                  <a:solidFill>
+                    <a:schemeClr val="bg2"/>
+                  </a:solidFill>
+                </a:rPr>
+                <a:t>Perché ci arrabbiamo — e perché è salutare</a:t>
+              </a:r>
+            </a:p>
+            <a:p>
+              <a:endParaRPr lang="it-IT" sz="900" dirty="0">
+                <a:solidFill>
+                  <a:schemeClr val="bg2"/>
+                </a:solidFill>
+              </a:endParaRPr>
+            </a:p>
+            <a:p>
+              <a:r>
+                <a:rPr lang="it-IT" sz="900" dirty="0">
+                  <a:solidFill>
+                    <a:schemeClr val="bg2"/>
+                  </a:solidFill>
+                </a:rPr>
+                <a:t>Speaker: </a:t>
+              </a:r>
+              <a:r>
+                <a:rPr lang="it-IT" sz="900" b="1" dirty="0">
+                  <a:solidFill>
+                    <a:schemeClr val="bg2"/>
+                  </a:solidFill>
+                </a:rPr>
+                <a:t>Ryan Martin</a:t>
+              </a:r>
+              <a:endParaRPr lang="it-IT" sz="900" dirty="0">
+                <a:solidFill>
+                  <a:schemeClr val="bg2"/>
+                </a:solidFill>
+              </a:endParaRPr>
+            </a:p>
+            <a:p>
+              <a:endParaRPr lang="it-IT" sz="1200" dirty="0">
+                <a:solidFill>
+                  <a:schemeClr val="bg2"/>
+                </a:solidFill>
+              </a:endParaRPr>
+            </a:p>
+          </p:txBody>
+        </p:sp>
+        <p:pic>
+          <p:nvPicPr>
+            <p:cNvPr id="14" name="Immagine 13">
+              <a:extLst>
+                <a:ext uri="{FF2B5EF4-FFF2-40B4-BE49-F238E27FC236}">
+                  <a16:creationId xmlns:a16="http://schemas.microsoft.com/office/drawing/2014/main" id="{C1526516-5BC9-4EE4-A47F-5046C437978D}"/>
+                </a:ext>
+              </a:extLst>
+            </p:cNvPr>
+            <p:cNvPicPr>
+              <a:picLocks noChangeAspect="1"/>
+            </p:cNvPicPr>
+            <p:nvPr/>
+          </p:nvPicPr>
+          <p:blipFill>
+            <a:blip r:embed="rId3"/>
+            <a:stretch>
+              <a:fillRect/>
+            </a:stretch>
+          </p:blipFill>
+          <p:spPr>
+            <a:xfrm>
+              <a:off x="10265089" y="3429000"/>
+              <a:ext cx="1225145" cy="675753"/>
+            </a:xfrm>
+            <a:prstGeom prst="rect">
+              <a:avLst/>
+            </a:prstGeom>
+          </p:spPr>
+        </p:pic>
+        <p:sp>
+          <p:nvSpPr>
+            <p:cNvPr id="15" name="CasellaDiTesto 14">
+              <a:extLst>
+                <a:ext uri="{FF2B5EF4-FFF2-40B4-BE49-F238E27FC236}">
+                  <a16:creationId xmlns:a16="http://schemas.microsoft.com/office/drawing/2014/main" id="{A21F5741-839D-43DB-AF80-D098D896AD27}"/>
+                </a:ext>
+              </a:extLst>
+            </p:cNvPr>
+            <p:cNvSpPr txBox="1"/>
+            <p:nvPr/>
+          </p:nvSpPr>
+          <p:spPr>
+            <a:xfrm>
+              <a:off x="8635029" y="3582210"/>
+              <a:ext cx="1485156" cy="369332"/>
+            </a:xfrm>
+            <a:prstGeom prst="rect">
+              <a:avLst/>
+            </a:prstGeom>
+            <a:noFill/>
+          </p:spPr>
+          <p:txBody>
+            <a:bodyPr wrap="square" rtlCol="0">
+              <a:spAutoFit/>
+            </a:bodyPr>
+            <a:lstStyle/>
+            <a:p>
+              <a:r>
+                <a:rPr lang="it-IT" sz="900" dirty="0" err="1">
+                  <a:solidFill>
+                    <a:schemeClr val="bg2"/>
+                  </a:solidFill>
+                </a:rPr>
+                <a:t>You</a:t>
+              </a:r>
+              <a:r>
+                <a:rPr lang="it-IT" sz="900" dirty="0">
+                  <a:solidFill>
+                    <a:schemeClr val="bg2"/>
+                  </a:solidFill>
+                </a:rPr>
+                <a:t> </a:t>
+              </a:r>
+              <a:r>
+                <a:rPr lang="it-IT" sz="900" dirty="0" err="1">
+                  <a:solidFill>
+                    <a:schemeClr val="bg2"/>
+                  </a:solidFill>
+                </a:rPr>
+                <a:t>aren’t</a:t>
+              </a:r>
+              <a:r>
+                <a:rPr lang="it-IT" sz="900" dirty="0">
+                  <a:solidFill>
+                    <a:schemeClr val="bg2"/>
+                  </a:solidFill>
+                </a:rPr>
+                <a:t> </a:t>
+              </a:r>
+              <a:r>
+                <a:rPr lang="it-IT" sz="900" dirty="0" err="1">
+                  <a:solidFill>
+                    <a:schemeClr val="bg2"/>
+                  </a:solidFill>
+                </a:rPr>
+                <a:t>at</a:t>
+              </a:r>
+              <a:r>
+                <a:rPr lang="it-IT" sz="900" dirty="0">
+                  <a:solidFill>
+                    <a:schemeClr val="bg2"/>
+                  </a:solidFill>
+                </a:rPr>
+                <a:t> </a:t>
+              </a:r>
+              <a:r>
+                <a:rPr lang="it-IT" sz="900" dirty="0" err="1">
+                  <a:solidFill>
+                    <a:schemeClr val="bg2"/>
+                  </a:solidFill>
+                </a:rPr>
+                <a:t>mercy</a:t>
+              </a:r>
+              <a:r>
+                <a:rPr lang="it-IT" sz="900" dirty="0">
+                  <a:solidFill>
+                    <a:schemeClr val="bg2"/>
+                  </a:solidFill>
+                </a:rPr>
+                <a:t> of </a:t>
+              </a:r>
+              <a:r>
+                <a:rPr lang="it-IT" sz="900" dirty="0" err="1">
+                  <a:solidFill>
+                    <a:schemeClr val="bg2"/>
+                  </a:solidFill>
+                </a:rPr>
+                <a:t>your</a:t>
+              </a:r>
+              <a:r>
+                <a:rPr lang="it-IT" sz="900" dirty="0">
+                  <a:solidFill>
+                    <a:schemeClr val="bg2"/>
+                  </a:solidFill>
+                </a:rPr>
+                <a:t> </a:t>
+              </a:r>
+              <a:r>
+                <a:rPr lang="it-IT" sz="900" dirty="0" err="1">
+                  <a:solidFill>
+                    <a:schemeClr val="bg2"/>
+                  </a:solidFill>
+                </a:rPr>
+                <a:t>emotions</a:t>
+              </a:r>
+              <a:endParaRPr lang="it-IT" sz="900" dirty="0">
+                <a:solidFill>
+                  <a:schemeClr val="bg2"/>
+                </a:solidFill>
+              </a:endParaRPr>
+            </a:p>
+          </p:txBody>
+        </p:sp>
+        <p:pic>
+          <p:nvPicPr>
+            <p:cNvPr id="16" name="Immagine 15">
+              <a:extLst>
+                <a:ext uri="{FF2B5EF4-FFF2-40B4-BE49-F238E27FC236}">
+                  <a16:creationId xmlns:a16="http://schemas.microsoft.com/office/drawing/2014/main" id="{1B69DFCF-24AC-479C-92F6-2587F16C60FA}"/>
+                </a:ext>
+              </a:extLst>
+            </p:cNvPr>
+            <p:cNvPicPr>
+              <a:picLocks noChangeAspect="1"/>
+            </p:cNvPicPr>
+            <p:nvPr/>
+          </p:nvPicPr>
+          <p:blipFill>
+            <a:blip r:embed="rId4"/>
+            <a:stretch>
+              <a:fillRect/>
+            </a:stretch>
+          </p:blipFill>
+          <p:spPr>
+            <a:xfrm>
+              <a:off x="10307590" y="4337839"/>
+              <a:ext cx="1235188" cy="675753"/>
+            </a:xfrm>
+            <a:prstGeom prst="rect">
+              <a:avLst/>
+            </a:prstGeom>
+          </p:spPr>
+        </p:pic>
+        <p:sp>
+          <p:nvSpPr>
+            <p:cNvPr id="17" name="CasellaDiTesto 16">
+              <a:extLst>
+                <a:ext uri="{FF2B5EF4-FFF2-40B4-BE49-F238E27FC236}">
+                  <a16:creationId xmlns:a16="http://schemas.microsoft.com/office/drawing/2014/main" id="{5E106248-0A2A-4C5C-9752-24CBC7131E3A}"/>
+                </a:ext>
+              </a:extLst>
+            </p:cNvPr>
+            <p:cNvSpPr txBox="1"/>
+            <p:nvPr/>
+          </p:nvSpPr>
+          <p:spPr>
+            <a:xfrm>
+              <a:off x="8635029" y="4491049"/>
+              <a:ext cx="1485156" cy="369332"/>
+            </a:xfrm>
+            <a:prstGeom prst="rect">
+              <a:avLst/>
+            </a:prstGeom>
+            <a:noFill/>
+          </p:spPr>
+          <p:txBody>
+            <a:bodyPr wrap="square" rtlCol="0">
+              <a:spAutoFit/>
+            </a:bodyPr>
+            <a:lstStyle/>
+            <a:p>
+              <a:r>
+                <a:rPr lang="it-IT" sz="900" dirty="0">
+                  <a:solidFill>
+                    <a:schemeClr val="bg2"/>
+                  </a:solidFill>
+                </a:rPr>
+                <a:t>The power of </a:t>
+              </a:r>
+              <a:r>
+                <a:rPr lang="it-IT" sz="900" dirty="0" err="1">
+                  <a:solidFill>
+                    <a:schemeClr val="bg2"/>
+                  </a:solidFill>
+                </a:rPr>
+                <a:t>women’s</a:t>
+              </a:r>
+              <a:r>
+                <a:rPr lang="it-IT" sz="900" dirty="0">
+                  <a:solidFill>
+                    <a:schemeClr val="bg2"/>
+                  </a:solidFill>
+                </a:rPr>
+                <a:t> anger</a:t>
+              </a:r>
+            </a:p>
+          </p:txBody>
+        </p:sp>
+      </p:grpSp>
+      <p:sp>
+        <p:nvSpPr>
+          <p:cNvPr id="19" name="CasellaDiTesto 18">
+            <a:extLst>
+              <a:ext uri="{FF2B5EF4-FFF2-40B4-BE49-F238E27FC236}">
+                <a16:creationId xmlns:a16="http://schemas.microsoft.com/office/drawing/2014/main" id="{CDE4DA92-50BE-48D2-B556-8064DC32C04D}"/>
+              </a:ext>
+            </a:extLst>
+          </p:cNvPr>
+          <p:cNvSpPr txBox="1"/>
+          <p:nvPr/>
+        </p:nvSpPr>
+        <p:spPr>
+          <a:xfrm>
+            <a:off x="1226820" y="2141220"/>
+            <a:ext cx="6316980" cy="2308324"/>
+          </a:xfrm>
+          <a:prstGeom prst="rect">
+            <a:avLst/>
+          </a:prstGeom>
+          <a:noFill/>
+        </p:spPr>
+        <p:txBody>
+          <a:bodyPr wrap="square" rtlCol="0">
+            <a:spAutoFit/>
+          </a:bodyPr>
+          <a:lstStyle/>
+          <a:p>
+            <a:r>
+              <a:rPr lang="it-IT" dirty="0"/>
+              <a:t>Tramite questa funzione è possibile reperire gli </a:t>
+            </a:r>
+            <a:r>
+              <a:rPr lang="it-IT" dirty="0" err="1"/>
+              <a:t>url</a:t>
+            </a:r>
+            <a:r>
+              <a:rPr lang="it-IT" dirty="0"/>
+              <a:t> dei video consigliati come successivi a quello al momento in esecuzione. </a:t>
+            </a:r>
+          </a:p>
+          <a:p>
+            <a:endParaRPr lang="it-IT" dirty="0"/>
+          </a:p>
+          <a:p>
+            <a:r>
+              <a:rPr lang="it-IT" dirty="0"/>
+              <a:t>Tramite questi </a:t>
+            </a:r>
+            <a:r>
+              <a:rPr lang="it-IT" dirty="0" err="1"/>
+              <a:t>url</a:t>
+            </a:r>
+            <a:r>
+              <a:rPr lang="it-IT" dirty="0"/>
+              <a:t> vengono ottenuti titoli e anteprime dei video consigliati, che vengono esposti sotto al video in esecuzione. L’utente può </a:t>
+            </a:r>
+            <a:r>
+              <a:rPr lang="it-IT" dirty="0" err="1"/>
+              <a:t>cliccarli</a:t>
+            </a:r>
+            <a:r>
+              <a:rPr lang="it-IT" dirty="0"/>
+              <a:t> e passare alla visione del </a:t>
+            </a:r>
+          </a:p>
+          <a:p>
+            <a:r>
+              <a:rPr lang="it-IT" dirty="0"/>
+              <a:t>Video suggerito</a:t>
+            </a:r>
+          </a:p>
+        </p:txBody>
+      </p:sp>
+    </p:spTree>
+    <p:extLst>
+      <p:ext uri="{BB962C8B-B14F-4D97-AF65-F5344CB8AC3E}">
+        <p14:creationId xmlns:p14="http://schemas.microsoft.com/office/powerpoint/2010/main" val="853132772"/>
+      </p:ext>
+    </p:extLst>
+  </p:cSld>
+  <p:clrMapOvr>
+    <a:masterClrMapping/>
+  </p:clrMapOvr>
+</p:sld>
+</file>
+
 <file path=ppt/slides/slide2.xml><?xml version="1.0" encoding="utf-8"?>
 <p:sld xmlns:a="http://schemas.openxmlformats.org/drawingml/2006/main" xmlns:r="http://schemas.openxmlformats.org/officeDocument/2006/relationships" xmlns:p="http://schemas.openxmlformats.org/presentationml/2006/main">
   <p:cSld>

--- a/Preparation files/MyTEDx_Presentazione.pptx
+++ b/Preparation files/MyTEDx_Presentazione.pptx
@@ -10908,7 +10908,7 @@
                   <a:srgbClr val="FFFFFF"/>
                 </a:solidFill>
               </a:rPr>
-              <a:t>Get_Talk_Ny_Tag</a:t>
+              <a:t>Get_Talk_By_Tag</a:t>
             </a:r>
             <a:r>
               <a:rPr lang="it-IT" sz="1800" dirty="0">
@@ -10932,7 +10932,7 @@
                   <a:srgbClr val="FFFFFF"/>
                 </a:solidFill>
               </a:rPr>
-              <a:t> per cambiare la natura della query:</a:t>
+              <a:t> per cambiare la natura della query</a:t>
             </a:r>
           </a:p>
         </p:txBody>
@@ -11134,7 +11134,7 @@
           <a:lstStyle/>
           <a:p>
             <a:r>
-              <a:rPr lang="it-IT" sz="4000">
+              <a:rPr lang="it-IT" sz="4000" dirty="0">
                 <a:solidFill>
                   <a:schemeClr val="tx1"/>
                 </a:solidFill>
@@ -11272,7 +11272,7 @@
                   <a:schemeClr val="tx1"/>
                 </a:solidFill>
               </a:rPr>
-              <a:t> passato, restituisce il JSON corrispondente, compreso di </a:t>
+              <a:t> passato, la funzione restituisce il JSON corrispondente, compreso di </a:t>
             </a:r>
             <a:r>
               <a:rPr lang="it-IT" sz="1800" b="1" dirty="0" err="1">
@@ -11932,7 +11932,7 @@
           </p:blipFill>
           <p:spPr>
             <a:xfrm>
-              <a:off x="10265089" y="3429000"/>
+              <a:off x="10281209" y="3598778"/>
               <a:ext cx="1225145" cy="675753"/>
             </a:xfrm>
             <a:prstGeom prst="rect">
@@ -11954,7 +11954,7 @@
           </p:nvSpPr>
           <p:spPr>
             <a:xfrm>
-              <a:off x="8635029" y="3582210"/>
+              <a:off x="8651149" y="3751988"/>
               <a:ext cx="1485156" cy="369332"/>
             </a:xfrm>
             <a:prstGeom prst="rect">
@@ -12086,7 +12086,7 @@
           </p:blipFill>
           <p:spPr>
             <a:xfrm>
-              <a:off x="10307590" y="4337839"/>
+              <a:off x="10323710" y="4507617"/>
               <a:ext cx="1235188" cy="675753"/>
             </a:xfrm>
             <a:prstGeom prst="rect">
@@ -12108,7 +12108,7 @@
           </p:nvSpPr>
           <p:spPr>
             <a:xfrm>
-              <a:off x="8635029" y="4491049"/>
+              <a:off x="8651149" y="4660826"/>
               <a:ext cx="1485156" cy="369332"/>
             </a:xfrm>
             <a:prstGeom prst="rect">
@@ -12224,6 +12224,47 @@
           </a:p>
         </p:txBody>
       </p:sp>
+      <p:cxnSp>
+        <p:nvCxnSpPr>
+          <p:cNvPr id="8" name="Connettore diritto 7">
+            <a:extLst>
+              <a:ext uri="{FF2B5EF4-FFF2-40B4-BE49-F238E27FC236}">
+                <a16:creationId xmlns:a16="http://schemas.microsoft.com/office/drawing/2014/main" id="{DDD2CBF0-33CF-4D41-936E-2600E7EB00C4}"/>
+              </a:ext>
+            </a:extLst>
+          </p:cNvPr>
+          <p:cNvCxnSpPr/>
+          <p:nvPr/>
+        </p:nvCxnSpPr>
+        <p:spPr>
+          <a:xfrm>
+            <a:off x="9099694" y="3400530"/>
+            <a:ext cx="2704550" cy="0"/>
+          </a:xfrm>
+          <a:prstGeom prst="line">
+            <a:avLst/>
+          </a:prstGeom>
+          <a:ln>
+            <a:solidFill>
+              <a:schemeClr val="bg1"/>
+            </a:solidFill>
+          </a:ln>
+        </p:spPr>
+        <p:style>
+          <a:lnRef idx="1">
+            <a:schemeClr val="accent1"/>
+          </a:lnRef>
+          <a:fillRef idx="0">
+            <a:schemeClr val="accent1"/>
+          </a:fillRef>
+          <a:effectRef idx="0">
+            <a:schemeClr val="accent1"/>
+          </a:effectRef>
+          <a:fontRef idx="minor">
+            <a:schemeClr val="tx1"/>
+          </a:fontRef>
+        </p:style>
+      </p:cxnSp>
     </p:spTree>
     <p:extLst>
       <p:ext uri="{BB962C8B-B14F-4D97-AF65-F5344CB8AC3E}">

--- a/Preparation files/MyTEDx_Presentazione.pptx
+++ b/Preparation files/MyTEDx_Presentazione.pptx
@@ -4,6 +4,9 @@
   <p:sldMasterIdLst>
     <p:sldMasterId id="2147483687" r:id="rId1"/>
   </p:sldMasterIdLst>
+  <p:notesMasterIdLst>
+    <p:notesMasterId r:id="rId18"/>
+  </p:notesMasterIdLst>
   <p:sldIdLst>
     <p:sldId id="262" r:id="rId2"/>
     <p:sldId id="257" r:id="rId3"/>
@@ -20,6 +23,7 @@
     <p:sldId id="270" r:id="rId14"/>
     <p:sldId id="271" r:id="rId15"/>
     <p:sldId id="272" r:id="rId16"/>
+    <p:sldId id="273" r:id="rId17"/>
   </p:sldIdLst>
   <p:sldSz cx="12192000" cy="6858000"/>
   <p:notesSz cx="6858000" cy="9144000"/>
@@ -5646,6 +5650,439 @@
 </dgm:styleDef>
 </file>
 
+<file path=ppt/notesMasters/notesMaster1.xml><?xml version="1.0" encoding="utf-8"?>
+<p:notesMaster xmlns:a="http://schemas.openxmlformats.org/drawingml/2006/main" xmlns:r="http://schemas.openxmlformats.org/officeDocument/2006/relationships" xmlns:p="http://schemas.openxmlformats.org/presentationml/2006/main">
+  <p:cSld>
+    <p:bg>
+      <p:bgRef idx="1001">
+        <a:schemeClr val="bg1"/>
+      </p:bgRef>
+    </p:bg>
+    <p:spTree>
+      <p:nvGrpSpPr>
+        <p:cNvPr id="1" name=""/>
+        <p:cNvGrpSpPr/>
+        <p:nvPr/>
+      </p:nvGrpSpPr>
+      <p:grpSpPr>
+        <a:xfrm>
+          <a:off x="0" y="0"/>
+          <a:ext cx="0" cy="0"/>
+          <a:chOff x="0" y="0"/>
+          <a:chExt cx="0" cy="0"/>
+        </a:xfrm>
+      </p:grpSpPr>
+      <p:sp>
+        <p:nvSpPr>
+          <p:cNvPr id="2" name="Segnaposto intestazione 1"/>
+          <p:cNvSpPr>
+            <a:spLocks noGrp="1"/>
+          </p:cNvSpPr>
+          <p:nvPr>
+            <p:ph type="hdr" sz="quarter"/>
+          </p:nvPr>
+        </p:nvSpPr>
+        <p:spPr>
+          <a:xfrm>
+            <a:off x="0" y="0"/>
+            <a:ext cx="2971800" cy="458788"/>
+          </a:xfrm>
+          <a:prstGeom prst="rect">
+            <a:avLst/>
+          </a:prstGeom>
+        </p:spPr>
+        <p:txBody>
+          <a:bodyPr vert="horz" lIns="91440" tIns="45720" rIns="91440" bIns="45720" rtlCol="0"/>
+          <a:lstStyle>
+            <a:lvl1pPr algn="l">
+              <a:defRPr sz="1200"/>
+            </a:lvl1pPr>
+          </a:lstStyle>
+          <a:p>
+            <a:endParaRPr lang="it-IT"/>
+          </a:p>
+        </p:txBody>
+      </p:sp>
+      <p:sp>
+        <p:nvSpPr>
+          <p:cNvPr id="3" name="Segnaposto data 2"/>
+          <p:cNvSpPr>
+            <a:spLocks noGrp="1"/>
+          </p:cNvSpPr>
+          <p:nvPr>
+            <p:ph type="dt" idx="1"/>
+          </p:nvPr>
+        </p:nvSpPr>
+        <p:spPr>
+          <a:xfrm>
+            <a:off x="3884613" y="0"/>
+            <a:ext cx="2971800" cy="458788"/>
+          </a:xfrm>
+          <a:prstGeom prst="rect">
+            <a:avLst/>
+          </a:prstGeom>
+        </p:spPr>
+        <p:txBody>
+          <a:bodyPr vert="horz" lIns="91440" tIns="45720" rIns="91440" bIns="45720" rtlCol="0"/>
+          <a:lstStyle>
+            <a:lvl1pPr algn="r">
+              <a:defRPr sz="1200"/>
+            </a:lvl1pPr>
+          </a:lstStyle>
+          <a:p>
+            <a:fld id="{64ABFEB1-83FF-9242-9208-739175CF7C33}" type="datetimeFigureOut">
+              <a:rPr lang="it-IT" smtClean="0"/>
+              <a:t>27/05/2020</a:t>
+            </a:fld>
+            <a:endParaRPr lang="it-IT"/>
+          </a:p>
+        </p:txBody>
+      </p:sp>
+      <p:sp>
+        <p:nvSpPr>
+          <p:cNvPr id="4" name="Segnaposto immagine diapositiva 3"/>
+          <p:cNvSpPr>
+            <a:spLocks noGrp="1" noRot="1" noChangeAspect="1"/>
+          </p:cNvSpPr>
+          <p:nvPr>
+            <p:ph type="sldImg" idx="2"/>
+          </p:nvPr>
+        </p:nvSpPr>
+        <p:spPr>
+          <a:xfrm>
+            <a:off x="685800" y="1143000"/>
+            <a:ext cx="5486400" cy="3086100"/>
+          </a:xfrm>
+          <a:prstGeom prst="rect">
+            <a:avLst/>
+          </a:prstGeom>
+          <a:noFill/>
+          <a:ln w="12700">
+            <a:solidFill>
+              <a:prstClr val="black"/>
+            </a:solidFill>
+          </a:ln>
+        </p:spPr>
+        <p:txBody>
+          <a:bodyPr vert="horz" lIns="91440" tIns="45720" rIns="91440" bIns="45720" rtlCol="0" anchor="ctr"/>
+          <a:lstStyle/>
+          <a:p>
+            <a:endParaRPr lang="it-IT"/>
+          </a:p>
+        </p:txBody>
+      </p:sp>
+      <p:sp>
+        <p:nvSpPr>
+          <p:cNvPr id="5" name="Segnaposto note 4"/>
+          <p:cNvSpPr>
+            <a:spLocks noGrp="1"/>
+          </p:cNvSpPr>
+          <p:nvPr>
+            <p:ph type="body" sz="quarter" idx="3"/>
+          </p:nvPr>
+        </p:nvSpPr>
+        <p:spPr>
+          <a:xfrm>
+            <a:off x="685800" y="4400550"/>
+            <a:ext cx="5486400" cy="3600450"/>
+          </a:xfrm>
+          <a:prstGeom prst="rect">
+            <a:avLst/>
+          </a:prstGeom>
+        </p:spPr>
+        <p:txBody>
+          <a:bodyPr vert="horz" lIns="91440" tIns="45720" rIns="91440" bIns="45720" rtlCol="0"/>
+          <a:lstStyle/>
+          <a:p>
+            <a:pPr lvl="0"/>
+            <a:r>
+              <a:rPr lang="it-IT"/>
+              <a:t>Fare clic per modificare gli stili del testo dello schema</a:t>
+            </a:r>
+          </a:p>
+          <a:p>
+            <a:pPr lvl="1"/>
+            <a:r>
+              <a:rPr lang="it-IT"/>
+              <a:t>Secondo livello</a:t>
+            </a:r>
+          </a:p>
+          <a:p>
+            <a:pPr lvl="2"/>
+            <a:r>
+              <a:rPr lang="it-IT"/>
+              <a:t>Terzo livello</a:t>
+            </a:r>
+          </a:p>
+          <a:p>
+            <a:pPr lvl="3"/>
+            <a:r>
+              <a:rPr lang="it-IT"/>
+              <a:t>Quarto livello</a:t>
+            </a:r>
+          </a:p>
+          <a:p>
+            <a:pPr lvl="4"/>
+            <a:r>
+              <a:rPr lang="it-IT"/>
+              <a:t>Quinto livello</a:t>
+            </a:r>
+          </a:p>
+        </p:txBody>
+      </p:sp>
+      <p:sp>
+        <p:nvSpPr>
+          <p:cNvPr id="6" name="Segnaposto piè di pagina 5"/>
+          <p:cNvSpPr>
+            <a:spLocks noGrp="1"/>
+          </p:cNvSpPr>
+          <p:nvPr>
+            <p:ph type="ftr" sz="quarter" idx="4"/>
+          </p:nvPr>
+        </p:nvSpPr>
+        <p:spPr>
+          <a:xfrm>
+            <a:off x="0" y="8685213"/>
+            <a:ext cx="2971800" cy="458787"/>
+          </a:xfrm>
+          <a:prstGeom prst="rect">
+            <a:avLst/>
+          </a:prstGeom>
+        </p:spPr>
+        <p:txBody>
+          <a:bodyPr vert="horz" lIns="91440" tIns="45720" rIns="91440" bIns="45720" rtlCol="0" anchor="b"/>
+          <a:lstStyle>
+            <a:lvl1pPr algn="l">
+              <a:defRPr sz="1200"/>
+            </a:lvl1pPr>
+          </a:lstStyle>
+          <a:p>
+            <a:endParaRPr lang="it-IT"/>
+          </a:p>
+        </p:txBody>
+      </p:sp>
+      <p:sp>
+        <p:nvSpPr>
+          <p:cNvPr id="7" name="Segnaposto numero diapositiva 6"/>
+          <p:cNvSpPr>
+            <a:spLocks noGrp="1"/>
+          </p:cNvSpPr>
+          <p:nvPr>
+            <p:ph type="sldNum" sz="quarter" idx="5"/>
+          </p:nvPr>
+        </p:nvSpPr>
+        <p:spPr>
+          <a:xfrm>
+            <a:off x="3884613" y="8685213"/>
+            <a:ext cx="2971800" cy="458787"/>
+          </a:xfrm>
+          <a:prstGeom prst="rect">
+            <a:avLst/>
+          </a:prstGeom>
+        </p:spPr>
+        <p:txBody>
+          <a:bodyPr vert="horz" lIns="91440" tIns="45720" rIns="91440" bIns="45720" rtlCol="0" anchor="b"/>
+          <a:lstStyle>
+            <a:lvl1pPr algn="r">
+              <a:defRPr sz="1200"/>
+            </a:lvl1pPr>
+          </a:lstStyle>
+          <a:p>
+            <a:fld id="{DDE424C1-00E5-0640-A88A-910797F4686B}" type="slidenum">
+              <a:rPr lang="it-IT" smtClean="0"/>
+              <a:t>‹N›</a:t>
+            </a:fld>
+            <a:endParaRPr lang="it-IT"/>
+          </a:p>
+        </p:txBody>
+      </p:sp>
+    </p:spTree>
+    <p:extLst>
+      <p:ext uri="{BB962C8B-B14F-4D97-AF65-F5344CB8AC3E}">
+        <p14:creationId xmlns:p14="http://schemas.microsoft.com/office/powerpoint/2010/main" val="1878001126"/>
+      </p:ext>
+    </p:extLst>
+  </p:cSld>
+  <p:clrMap bg1="lt1" tx1="dk1" bg2="lt2" tx2="dk2" accent1="accent1" accent2="accent2" accent3="accent3" accent4="accent4" accent5="accent5" accent6="accent6" hlink="hlink" folHlink="folHlink"/>
+  <p:notesStyle>
+    <a:lvl1pPr marL="0" algn="l" defTabSz="914400" rtl="0" eaLnBrk="1" latinLnBrk="0" hangingPunct="1">
+      <a:defRPr sz="1200" kern="1200">
+        <a:solidFill>
+          <a:schemeClr val="tx1"/>
+        </a:solidFill>
+        <a:latin typeface="+mn-lt"/>
+        <a:ea typeface="+mn-ea"/>
+        <a:cs typeface="+mn-cs"/>
+      </a:defRPr>
+    </a:lvl1pPr>
+    <a:lvl2pPr marL="457200" algn="l" defTabSz="914400" rtl="0" eaLnBrk="1" latinLnBrk="0" hangingPunct="1">
+      <a:defRPr sz="1200" kern="1200">
+        <a:solidFill>
+          <a:schemeClr val="tx1"/>
+        </a:solidFill>
+        <a:latin typeface="+mn-lt"/>
+        <a:ea typeface="+mn-ea"/>
+        <a:cs typeface="+mn-cs"/>
+      </a:defRPr>
+    </a:lvl2pPr>
+    <a:lvl3pPr marL="914400" algn="l" defTabSz="914400" rtl="0" eaLnBrk="1" latinLnBrk="0" hangingPunct="1">
+      <a:defRPr sz="1200" kern="1200">
+        <a:solidFill>
+          <a:schemeClr val="tx1"/>
+        </a:solidFill>
+        <a:latin typeface="+mn-lt"/>
+        <a:ea typeface="+mn-ea"/>
+        <a:cs typeface="+mn-cs"/>
+      </a:defRPr>
+    </a:lvl3pPr>
+    <a:lvl4pPr marL="1371600" algn="l" defTabSz="914400" rtl="0" eaLnBrk="1" latinLnBrk="0" hangingPunct="1">
+      <a:defRPr sz="1200" kern="1200">
+        <a:solidFill>
+          <a:schemeClr val="tx1"/>
+        </a:solidFill>
+        <a:latin typeface="+mn-lt"/>
+        <a:ea typeface="+mn-ea"/>
+        <a:cs typeface="+mn-cs"/>
+      </a:defRPr>
+    </a:lvl4pPr>
+    <a:lvl5pPr marL="1828800" algn="l" defTabSz="914400" rtl="0" eaLnBrk="1" latinLnBrk="0" hangingPunct="1">
+      <a:defRPr sz="1200" kern="1200">
+        <a:solidFill>
+          <a:schemeClr val="tx1"/>
+        </a:solidFill>
+        <a:latin typeface="+mn-lt"/>
+        <a:ea typeface="+mn-ea"/>
+        <a:cs typeface="+mn-cs"/>
+      </a:defRPr>
+    </a:lvl5pPr>
+    <a:lvl6pPr marL="2286000" algn="l" defTabSz="914400" rtl="0" eaLnBrk="1" latinLnBrk="0" hangingPunct="1">
+      <a:defRPr sz="1200" kern="1200">
+        <a:solidFill>
+          <a:schemeClr val="tx1"/>
+        </a:solidFill>
+        <a:latin typeface="+mn-lt"/>
+        <a:ea typeface="+mn-ea"/>
+        <a:cs typeface="+mn-cs"/>
+      </a:defRPr>
+    </a:lvl6pPr>
+    <a:lvl7pPr marL="2743200" algn="l" defTabSz="914400" rtl="0" eaLnBrk="1" latinLnBrk="0" hangingPunct="1">
+      <a:defRPr sz="1200" kern="1200">
+        <a:solidFill>
+          <a:schemeClr val="tx1"/>
+        </a:solidFill>
+        <a:latin typeface="+mn-lt"/>
+        <a:ea typeface="+mn-ea"/>
+        <a:cs typeface="+mn-cs"/>
+      </a:defRPr>
+    </a:lvl7pPr>
+    <a:lvl8pPr marL="3200400" algn="l" defTabSz="914400" rtl="0" eaLnBrk="1" latinLnBrk="0" hangingPunct="1">
+      <a:defRPr sz="1200" kern="1200">
+        <a:solidFill>
+          <a:schemeClr val="tx1"/>
+        </a:solidFill>
+        <a:latin typeface="+mn-lt"/>
+        <a:ea typeface="+mn-ea"/>
+        <a:cs typeface="+mn-cs"/>
+      </a:defRPr>
+    </a:lvl8pPr>
+    <a:lvl9pPr marL="3657600" algn="l" defTabSz="914400" rtl="0" eaLnBrk="1" latinLnBrk="0" hangingPunct="1">
+      <a:defRPr sz="1200" kern="1200">
+        <a:solidFill>
+          <a:schemeClr val="tx1"/>
+        </a:solidFill>
+        <a:latin typeface="+mn-lt"/>
+        <a:ea typeface="+mn-ea"/>
+        <a:cs typeface="+mn-cs"/>
+      </a:defRPr>
+    </a:lvl9pPr>
+  </p:notesStyle>
+</p:notesMaster>
+</file>
+
+<file path=ppt/notesSlides/notesSlide1.xml><?xml version="1.0" encoding="utf-8"?>
+<p:notes xmlns:a="http://schemas.openxmlformats.org/drawingml/2006/main" xmlns:r="http://schemas.openxmlformats.org/officeDocument/2006/relationships" xmlns:p="http://schemas.openxmlformats.org/presentationml/2006/main">
+  <p:cSld>
+    <p:spTree>
+      <p:nvGrpSpPr>
+        <p:cNvPr id="1" name=""/>
+        <p:cNvGrpSpPr/>
+        <p:nvPr/>
+      </p:nvGrpSpPr>
+      <p:grpSpPr>
+        <a:xfrm>
+          <a:off x="0" y="0"/>
+          <a:ext cx="0" cy="0"/>
+          <a:chOff x="0" y="0"/>
+          <a:chExt cx="0" cy="0"/>
+        </a:xfrm>
+      </p:grpSpPr>
+      <p:sp>
+        <p:nvSpPr>
+          <p:cNvPr id="2" name="Segnaposto immagine diapositiva 1"/>
+          <p:cNvSpPr>
+            <a:spLocks noGrp="1" noRot="1" noChangeAspect="1"/>
+          </p:cNvSpPr>
+          <p:nvPr>
+            <p:ph type="sldImg"/>
+          </p:nvPr>
+        </p:nvSpPr>
+        <p:spPr/>
+      </p:sp>
+      <p:sp>
+        <p:nvSpPr>
+          <p:cNvPr id="3" name="Segnaposto note 2"/>
+          <p:cNvSpPr>
+            <a:spLocks noGrp="1"/>
+          </p:cNvSpPr>
+          <p:nvPr>
+            <p:ph type="body" idx="1"/>
+          </p:nvPr>
+        </p:nvSpPr>
+        <p:spPr/>
+        <p:txBody>
+          <a:bodyPr/>
+          <a:lstStyle/>
+          <a:p>
+            <a:endParaRPr lang="it-IT" dirty="0"/>
+          </a:p>
+        </p:txBody>
+      </p:sp>
+      <p:sp>
+        <p:nvSpPr>
+          <p:cNvPr id="4" name="Segnaposto numero diapositiva 3"/>
+          <p:cNvSpPr>
+            <a:spLocks noGrp="1"/>
+          </p:cNvSpPr>
+          <p:nvPr>
+            <p:ph type="sldNum" sz="quarter" idx="5"/>
+          </p:nvPr>
+        </p:nvSpPr>
+        <p:spPr/>
+        <p:txBody>
+          <a:bodyPr/>
+          <a:lstStyle/>
+          <a:p>
+            <a:fld id="{DDE424C1-00E5-0640-A88A-910797F4686B}" type="slidenum">
+              <a:rPr lang="it-IT" smtClean="0"/>
+              <a:t>16</a:t>
+            </a:fld>
+            <a:endParaRPr lang="it-IT"/>
+          </a:p>
+        </p:txBody>
+      </p:sp>
+    </p:spTree>
+    <p:extLst>
+      <p:ext uri="{BB962C8B-B14F-4D97-AF65-F5344CB8AC3E}">
+        <p14:creationId xmlns:p14="http://schemas.microsoft.com/office/powerpoint/2010/main" val="1783661961"/>
+      </p:ext>
+    </p:extLst>
+  </p:cSld>
+  <p:clrMapOvr>
+    <a:masterClrMapping/>
+  </p:clrMapOvr>
+</p:notes>
+</file>
+
 <file path=ppt/slideLayouts/slideLayout1.xml><?xml version="1.0" encoding="utf-8"?>
 <p:sldLayout xmlns:a="http://schemas.openxmlformats.org/drawingml/2006/main" xmlns:r="http://schemas.openxmlformats.org/officeDocument/2006/relationships" xmlns:p="http://schemas.openxmlformats.org/presentationml/2006/main" showMasterSp="0" type="title" preserve="1">
   <p:cSld name="Title Slide">
@@ -5890,7 +6327,7 @@
           <a:p>
             <a:fld id="{9184DA70-C731-4C70-880D-CCD4705E623C}" type="datetime1">
               <a:rPr lang="en-US" smtClean="0"/>
-              <a:t>5/25/2020</a:t>
+              <a:t>5/27/2020</a:t>
             </a:fld>
             <a:endParaRPr lang="en-US" dirty="0"/>
           </a:p>
@@ -6078,7 +6515,7 @@
           <a:p>
             <a:fld id="{B612A279-0833-481D-8C56-F67FD0AC6C50}" type="datetime1">
               <a:rPr lang="en-US" smtClean="0"/>
-              <a:t>5/25/2020</a:t>
+              <a:t>5/27/2020</a:t>
             </a:fld>
             <a:endParaRPr lang="en-US" dirty="0"/>
           </a:p>
@@ -6320,7 +6757,7 @@
           <a:p>
             <a:fld id="{6587DA83-5663-4C9C-B9AA-0B40A3DAFF81}" type="datetime1">
               <a:rPr lang="en-US" smtClean="0"/>
-              <a:t>5/25/2020</a:t>
+              <a:t>5/27/2020</a:t>
             </a:fld>
             <a:endParaRPr lang="en-US" dirty="0"/>
           </a:p>
@@ -6508,7 +6945,7 @@
           <a:p>
             <a:fld id="{4BE1D723-8F53-4F53-90B0-1982A396982E}" type="datetime1">
               <a:rPr lang="en-US" smtClean="0"/>
-              <a:t>5/25/2020</a:t>
+              <a:t>5/27/2020</a:t>
             </a:fld>
             <a:endParaRPr lang="en-US" dirty="0"/>
           </a:p>
@@ -6881,7 +7318,7 @@
           <a:p>
             <a:fld id="{97669AF7-7BEB-44E4-9852-375E34362B5B}" type="datetime1">
               <a:rPr lang="en-US" smtClean="0"/>
-              <a:t>5/25/2020</a:t>
+              <a:t>5/27/2020</a:t>
             </a:fld>
             <a:endParaRPr lang="en-US" dirty="0"/>
           </a:p>
@@ -7136,7 +7573,7 @@
           <a:p>
             <a:fld id="{BAAAC38D-0552-4C82-B593-E6124DFADBE2}" type="datetime1">
               <a:rPr lang="en-US" smtClean="0"/>
-              <a:t>5/25/2020</a:t>
+              <a:t>5/27/2020</a:t>
             </a:fld>
             <a:endParaRPr lang="en-US" dirty="0"/>
           </a:p>
@@ -7533,7 +7970,7 @@
           <a:p>
             <a:fld id="{D9DF0F1C-5577-4ACB-BB62-DF8F3C494C7E}" type="datetime1">
               <a:rPr lang="en-US" smtClean="0"/>
-              <a:t>5/25/2020</a:t>
+              <a:t>5/27/2020</a:t>
             </a:fld>
             <a:endParaRPr lang="en-US" dirty="0"/>
           </a:p>
@@ -7669,7 +8106,7 @@
           <a:p>
             <a:fld id="{1775B394-D9F9-4F0C-B15D-605F45CB9E9F}" type="datetime1">
               <a:rPr lang="en-US" smtClean="0"/>
-              <a:t>5/25/2020</a:t>
+              <a:t>5/27/2020</a:t>
             </a:fld>
             <a:endParaRPr lang="en-US" dirty="0"/>
           </a:p>
@@ -7826,7 +8263,7 @@
           <a:p>
             <a:fld id="{39667345-2558-425A-8533-9BFDBCE15005}" type="datetime1">
               <a:rPr lang="en-US" smtClean="0"/>
-              <a:t>5/25/2020</a:t>
+              <a:t>5/27/2020</a:t>
             </a:fld>
             <a:endParaRPr lang="en-US" dirty="0"/>
           </a:p>
@@ -8155,7 +8592,7 @@
           <a:p>
             <a:fld id="{92BEA474-078D-4E9B-9B14-09A87B19DC46}" type="datetime1">
               <a:rPr lang="en-US" smtClean="0"/>
-              <a:t>5/25/2020</a:t>
+              <a:t>5/27/2020</a:t>
             </a:fld>
             <a:endParaRPr lang="en-US" dirty="0"/>
           </a:p>
@@ -8505,7 +8942,7 @@
           <a:p>
             <a:fld id="{4907D986-8816-4272-A432-0437A28A9828}" type="datetime1">
               <a:rPr lang="en-US" smtClean="0"/>
-              <a:t>5/25/2020</a:t>
+              <a:t>5/27/2020</a:t>
             </a:fld>
             <a:endParaRPr lang="en-US" dirty="0"/>
           </a:p>
@@ -8766,7 +9203,7 @@
           <a:p>
             <a:fld id="{62D6E202-B606-4609-B914-27C9371A1F6D}" type="datetime1">
               <a:rPr lang="en-US" smtClean="0"/>
-              <a:t>5/25/2020</a:t>
+              <a:t>5/27/2020</a:t>
             </a:fld>
             <a:endParaRPr lang="en-US" dirty="0"/>
           </a:p>
@@ -10527,17 +10964,6 @@
           <a:p>
             <a:pPr algn="r"/>
             <a:r>
-              <a:rPr lang="en-US" sz="8000" dirty="0" err="1">
-                <a:solidFill>
-                  <a:schemeClr val="tx1">
-                    <a:lumMod val="85000"/>
-                    <a:lumOff val="15000"/>
-                  </a:schemeClr>
-                </a:solidFill>
-              </a:rPr>
-              <a:t>Parte</a:t>
-            </a:r>
-            <a:r>
               <a:rPr lang="en-US" sz="8000" dirty="0">
                 <a:solidFill>
                   <a:schemeClr val="tx1">
@@ -10546,7 +10972,7 @@
                   </a:schemeClr>
                 </a:solidFill>
               </a:rPr>
-              <a:t> 3</a:t>
+              <a:t>Parte 3</a:t>
             </a:r>
           </a:p>
         </p:txBody>
@@ -11123,7 +11549,7 @@
         </p:nvSpPr>
         <p:spPr>
           <a:xfrm>
-            <a:off x="1097280" y="516835"/>
+            <a:off x="1069846" y="261934"/>
             <a:ext cx="5977937" cy="1666501"/>
           </a:xfrm>
         </p:spPr>
@@ -11230,23 +11656,7 @@
                   <a:schemeClr val="tx1"/>
                 </a:solidFill>
               </a:rPr>
-              <a:t>Tramite </a:t>
-            </a:r>
-            <a:r>
-              <a:rPr lang="it-IT" sz="1800" dirty="0" err="1">
-                <a:solidFill>
-                  <a:schemeClr val="tx1"/>
-                </a:solidFill>
-              </a:rPr>
-              <a:t>Postman</a:t>
-            </a:r>
-            <a:r>
-              <a:rPr lang="it-IT" sz="1800" dirty="0">
-                <a:solidFill>
-                  <a:schemeClr val="tx1"/>
-                </a:solidFill>
-              </a:rPr>
-              <a:t> abbiamo testato il corretto funzionamento della funzione.</a:t>
+              <a:t>Tramite Postman abbiamo testato il corretto funzionamento della funzione.</a:t>
             </a:r>
           </a:p>
           <a:p>
@@ -11422,7 +11832,7 @@
           <a:p>
             <a:pPr algn="r"/>
             <a:r>
-              <a:rPr lang="it-IT" dirty="0"/>
+              <a:rPr lang="it-IT" u="sng" dirty="0"/>
               <a:t>Risultato</a:t>
             </a:r>
           </a:p>
@@ -11665,7 +12075,7 @@
             <p:nvPr/>
           </p:nvSpPr>
           <p:spPr>
-            <a:xfrm rot="15964465">
+            <a:xfrm rot="16200000">
               <a:off x="9294432" y="5938394"/>
               <a:ext cx="224545" cy="179785"/>
             </a:xfrm>
@@ -11819,18 +12229,13 @@
             <a:lstStyle/>
             <a:p>
               <a:r>
-                <a:rPr lang="it-IT" sz="1200">
+                <a:rPr lang="it-IT" sz="1200" dirty="0">
                   <a:solidFill>
                     <a:schemeClr val="bg2"/>
                   </a:solidFill>
                 </a:rPr>
                 <a:t>Suggeriti</a:t>
               </a:r>
-              <a:endParaRPr lang="it-IT" sz="1200" dirty="0">
-                <a:solidFill>
-                  <a:schemeClr val="bg2"/>
-                </a:solidFill>
-              </a:endParaRPr>
             </a:p>
           </p:txBody>
         </p:sp>
@@ -11932,7 +12337,7 @@
           </p:blipFill>
           <p:spPr>
             <a:xfrm>
-              <a:off x="10281209" y="3598778"/>
+              <a:off x="10293347" y="3598777"/>
               <a:ext cx="1225145" cy="675753"/>
             </a:xfrm>
             <a:prstGeom prst="rect">
@@ -12205,21 +12610,7 @@
             </a:r>
             <a:r>
               <a:rPr lang="it-IT" dirty="0"/>
-              <a:t> vengono ottenuti titoli e anteprime dei video consigliati, che vengono esposti sotto al video in esecuzione. L’utente può </a:t>
-            </a:r>
-            <a:r>
-              <a:rPr lang="it-IT" dirty="0" err="1"/>
-              <a:t>cliccarli</a:t>
-            </a:r>
-            <a:r>
-              <a:rPr lang="it-IT" dirty="0"/>
-              <a:t> e passare alla visione del </a:t>
-            </a:r>
-          </a:p>
-          <a:p>
-            <a:r>
-              <a:rPr lang="it-IT" dirty="0"/>
-              <a:t>Video suggerito</a:t>
+              <a:t> vengono ottenuti titoli e anteprime dei video consigliati, che vengono esposti sotto al video in esecuzione. L’utente può selezionarli e passare alla visione del video suggerito.</a:t>
             </a:r>
           </a:p>
         </p:txBody>
@@ -12269,6 +12660,400 @@
     <p:extLst>
       <p:ext uri="{BB962C8B-B14F-4D97-AF65-F5344CB8AC3E}">
         <p14:creationId xmlns:p14="http://schemas.microsoft.com/office/powerpoint/2010/main" val="853132772"/>
+      </p:ext>
+    </p:extLst>
+  </p:cSld>
+  <p:clrMapOvr>
+    <a:masterClrMapping/>
+  </p:clrMapOvr>
+</p:sld>
+</file>
+
+<file path=ppt/slides/slide16.xml><?xml version="1.0" encoding="utf-8"?>
+<p:sld xmlns:a="http://schemas.openxmlformats.org/drawingml/2006/main" xmlns:r="http://schemas.openxmlformats.org/officeDocument/2006/relationships" xmlns:p="http://schemas.openxmlformats.org/presentationml/2006/main">
+  <p:cSld>
+    <p:spTree>
+      <p:nvGrpSpPr>
+        <p:cNvPr id="1" name=""/>
+        <p:cNvGrpSpPr/>
+        <p:nvPr/>
+      </p:nvGrpSpPr>
+      <p:grpSpPr>
+        <a:xfrm>
+          <a:off x="0" y="0"/>
+          <a:ext cx="0" cy="0"/>
+          <a:chOff x="0" y="0"/>
+          <a:chExt cx="0" cy="0"/>
+        </a:xfrm>
+      </p:grpSpPr>
+      <p:sp>
+        <p:nvSpPr>
+          <p:cNvPr id="2" name="Titolo 1">
+            <a:extLst>
+              <a:ext uri="{FF2B5EF4-FFF2-40B4-BE49-F238E27FC236}">
+                <a16:creationId xmlns:a16="http://schemas.microsoft.com/office/drawing/2014/main" id="{43BA03D9-9E12-154B-940F-91215B0C037D}"/>
+              </a:ext>
+            </a:extLst>
+          </p:cNvPr>
+          <p:cNvSpPr>
+            <a:spLocks noGrp="1"/>
+          </p:cNvSpPr>
+          <p:nvPr>
+            <p:ph type="title"/>
+          </p:nvPr>
+        </p:nvSpPr>
+        <p:spPr/>
+        <p:txBody>
+          <a:bodyPr/>
+          <a:lstStyle/>
+          <a:p>
+            <a:r>
+              <a:rPr lang="it-IT" dirty="0"/>
+              <a:t>CRITICITA’ TECNICHE</a:t>
+            </a:r>
+          </a:p>
+        </p:txBody>
+      </p:sp>
+      <p:sp>
+        <p:nvSpPr>
+          <p:cNvPr id="5" name="Rettangolo con angoli arrotondati 4">
+            <a:extLst>
+              <a:ext uri="{FF2B5EF4-FFF2-40B4-BE49-F238E27FC236}">
+                <a16:creationId xmlns:a16="http://schemas.microsoft.com/office/drawing/2014/main" id="{3B5C43CC-DC92-3B4E-9BF0-DA9884BADF4A}"/>
+              </a:ext>
+            </a:extLst>
+          </p:cNvPr>
+          <p:cNvSpPr/>
+          <p:nvPr/>
+        </p:nvSpPr>
+        <p:spPr>
+          <a:xfrm>
+            <a:off x="1198605" y="2247724"/>
+            <a:ext cx="9957075" cy="1299320"/>
+          </a:xfrm>
+          <a:prstGeom prst="roundRect">
+            <a:avLst>
+              <a:gd name="adj" fmla="val 10000"/>
+            </a:avLst>
+          </a:prstGeom>
+        </p:spPr>
+        <p:style>
+          <a:lnRef idx="0">
+            <a:schemeClr val="lt1">
+              <a:alpha val="0"/>
+              <a:hueOff val="0"/>
+              <a:satOff val="0"/>
+              <a:lumOff val="0"/>
+              <a:alphaOff val="0"/>
+            </a:schemeClr>
+          </a:lnRef>
+          <a:fillRef idx="1">
+            <a:schemeClr val="accent3">
+              <a:hueOff val="0"/>
+              <a:satOff val="0"/>
+              <a:lumOff val="0"/>
+              <a:alphaOff val="0"/>
+            </a:schemeClr>
+          </a:fillRef>
+          <a:effectRef idx="0">
+            <a:schemeClr val="accent3">
+              <a:hueOff val="0"/>
+              <a:satOff val="0"/>
+              <a:lumOff val="0"/>
+              <a:alphaOff val="0"/>
+            </a:schemeClr>
+          </a:effectRef>
+          <a:fontRef idx="minor"/>
+        </p:style>
+        <p:txBody>
+          <a:bodyPr/>
+          <a:lstStyle/>
+          <a:p>
+            <a:r>
+              <a:rPr lang="it-IT" dirty="0"/>
+              <a:t>	</a:t>
+            </a:r>
+            <a:r>
+              <a:rPr lang="it-IT" dirty="0">
+                <a:solidFill>
+                  <a:schemeClr val="bg1"/>
+                </a:solidFill>
+              </a:rPr>
+              <a:t>UTILIZZO DI UN TOOL ESTERNO</a:t>
+            </a:r>
+            <a:r>
+              <a:rPr lang="it-IT" dirty="0"/>
+              <a:t>:  per il test del corretto funzionamento della 	funzione creata abbiamo dovuto utilizzare il tool Postman che offre la possibilità di 	eseguire la chiamata GET e passare la query JSON dopo l’inserimento del link di 	collegamento alla nostra API creata attraverso i servizi AWS. </a:t>
+            </a:r>
+          </a:p>
+        </p:txBody>
+      </p:sp>
+      <p:sp>
+        <p:nvSpPr>
+          <p:cNvPr id="11" name="Rettangolo 10">
+            <a:extLst>
+              <a:ext uri="{FF2B5EF4-FFF2-40B4-BE49-F238E27FC236}">
+                <a16:creationId xmlns:a16="http://schemas.microsoft.com/office/drawing/2014/main" id="{271E89B1-2190-924C-896A-002BD1F099A4}"/>
+              </a:ext>
+            </a:extLst>
+          </p:cNvPr>
+          <p:cNvSpPr/>
+          <p:nvPr/>
+        </p:nvSpPr>
+        <p:spPr>
+          <a:xfrm>
+            <a:off x="8717472" y="5035378"/>
+            <a:ext cx="2377248" cy="1074224"/>
+          </a:xfrm>
+          <a:prstGeom prst="rect">
+            <a:avLst/>
+          </a:prstGeom>
+        </p:spPr>
+        <p:style>
+          <a:lnRef idx="0">
+            <a:schemeClr val="dk1">
+              <a:alpha val="0"/>
+              <a:hueOff val="0"/>
+              <a:satOff val="0"/>
+              <a:lumOff val="0"/>
+              <a:alphaOff val="0"/>
+            </a:schemeClr>
+          </a:lnRef>
+          <a:fillRef idx="0">
+            <a:schemeClr val="lt1">
+              <a:alpha val="0"/>
+              <a:hueOff val="0"/>
+              <a:satOff val="0"/>
+              <a:lumOff val="0"/>
+              <a:alphaOff val="0"/>
+            </a:schemeClr>
+          </a:fillRef>
+          <a:effectRef idx="0">
+            <a:schemeClr val="lt1">
+              <a:alpha val="0"/>
+              <a:hueOff val="0"/>
+              <a:satOff val="0"/>
+              <a:lumOff val="0"/>
+              <a:alphaOff val="0"/>
+            </a:schemeClr>
+          </a:effectRef>
+          <a:fontRef idx="minor">
+            <a:schemeClr val="bg1">
+              <a:hueOff val="0"/>
+              <a:satOff val="0"/>
+              <a:lumOff val="0"/>
+              <a:alphaOff val="0"/>
+            </a:schemeClr>
+          </a:fontRef>
+        </p:style>
+      </p:sp>
+      <p:sp>
+        <p:nvSpPr>
+          <p:cNvPr id="14" name="Rettangolo 13" descr="Web Design">
+            <a:extLst>
+              <a:ext uri="{FF2B5EF4-FFF2-40B4-BE49-F238E27FC236}">
+                <a16:creationId xmlns:a16="http://schemas.microsoft.com/office/drawing/2014/main" id="{DCA5EA90-F6C1-A842-A611-67054AC661D6}"/>
+              </a:ext>
+            </a:extLst>
+          </p:cNvPr>
+          <p:cNvSpPr/>
+          <p:nvPr/>
+        </p:nvSpPr>
+        <p:spPr>
+          <a:xfrm>
+            <a:off x="1354961" y="2601972"/>
+            <a:ext cx="590823" cy="590823"/>
+          </a:xfrm>
+          <a:prstGeom prst="rect">
+            <a:avLst/>
+          </a:prstGeom>
+          <a:blipFill>
+            <a:blip r:embed="rId3">
+              <a:extLst>
+                <a:ext uri="{28A0092B-C50C-407E-A947-70E740481C1C}">
+                  <a14:useLocalDpi xmlns:a14="http://schemas.microsoft.com/office/drawing/2010/main" val="0"/>
+                </a:ext>
+                <a:ext uri="{96DAC541-7B7A-43D3-8B79-37D633B846F1}">
+                  <asvg:svgBlip xmlns:asvg="http://schemas.microsoft.com/office/drawing/2016/SVG/main" r:embed="rId4"/>
+                </a:ext>
+              </a:extLst>
+            </a:blip>
+            <a:stretch>
+              <a:fillRect/>
+            </a:stretch>
+          </a:blipFill>
+          <a:ln>
+            <a:noFill/>
+          </a:ln>
+        </p:spPr>
+        <p:style>
+          <a:lnRef idx="2">
+            <a:scrgbClr r="0" g="0" b="0"/>
+          </a:lnRef>
+          <a:fillRef idx="1">
+            <a:scrgbClr r="0" g="0" b="0"/>
+          </a:fillRef>
+          <a:effectRef idx="0">
+            <a:schemeClr val="bg1">
+              <a:hueOff val="0"/>
+              <a:satOff val="0"/>
+              <a:lumOff val="0"/>
+              <a:alphaOff val="0"/>
+            </a:schemeClr>
+          </a:effectRef>
+          <a:fontRef idx="minor">
+            <a:schemeClr val="dk1">
+              <a:hueOff val="0"/>
+              <a:satOff val="0"/>
+              <a:lumOff val="0"/>
+              <a:alphaOff val="0"/>
+            </a:schemeClr>
+          </a:fontRef>
+        </p:style>
+      </p:sp>
+      <p:sp>
+        <p:nvSpPr>
+          <p:cNvPr id="12" name="Rettangolo con angoli arrotondati 11">
+            <a:extLst>
+              <a:ext uri="{FF2B5EF4-FFF2-40B4-BE49-F238E27FC236}">
+                <a16:creationId xmlns:a16="http://schemas.microsoft.com/office/drawing/2014/main" id="{33DD6183-6267-AE4A-A1FE-8C013FEB2981}"/>
+              </a:ext>
+            </a:extLst>
+          </p:cNvPr>
+          <p:cNvSpPr/>
+          <p:nvPr/>
+        </p:nvSpPr>
+        <p:spPr>
+          <a:xfrm>
+            <a:off x="1190621" y="3677437"/>
+            <a:ext cx="9957075" cy="1003692"/>
+          </a:xfrm>
+          <a:prstGeom prst="roundRect">
+            <a:avLst>
+              <a:gd name="adj" fmla="val 10000"/>
+            </a:avLst>
+          </a:prstGeom>
+        </p:spPr>
+        <p:style>
+          <a:lnRef idx="0">
+            <a:schemeClr val="lt1">
+              <a:alpha val="0"/>
+              <a:hueOff val="0"/>
+              <a:satOff val="0"/>
+              <a:lumOff val="0"/>
+              <a:alphaOff val="0"/>
+            </a:schemeClr>
+          </a:lnRef>
+          <a:fillRef idx="1">
+            <a:schemeClr val="accent4">
+              <a:hueOff val="0"/>
+              <a:satOff val="0"/>
+              <a:lumOff val="0"/>
+              <a:alphaOff val="0"/>
+            </a:schemeClr>
+          </a:fillRef>
+          <a:effectRef idx="0">
+            <a:schemeClr val="accent4">
+              <a:hueOff val="0"/>
+              <a:satOff val="0"/>
+              <a:lumOff val="0"/>
+              <a:alphaOff val="0"/>
+            </a:schemeClr>
+          </a:effectRef>
+          <a:fontRef idx="minor"/>
+        </p:style>
+        <p:txBody>
+          <a:bodyPr/>
+          <a:lstStyle/>
+          <a:p>
+            <a:r>
+              <a:rPr lang="en-US" dirty="0"/>
+              <a:t>	</a:t>
+            </a:r>
+            <a:r>
+              <a:rPr lang="en-US" dirty="0">
+                <a:solidFill>
+                  <a:schemeClr val="bg1"/>
+                </a:solidFill>
+              </a:rPr>
+              <a:t>CODICE: </a:t>
+            </a:r>
+            <a:r>
+              <a:rPr lang="it-IT" dirty="0"/>
+              <a:t>comprensione del codice, della sintassi e sviluppo della funzione. 	Comprensione del funzionamento delle Lamba function e della loro corretta 	implementazione.</a:t>
+            </a:r>
+            <a:endParaRPr lang="en-US" dirty="0"/>
+          </a:p>
+        </p:txBody>
+      </p:sp>
+      <p:sp>
+        <p:nvSpPr>
+          <p:cNvPr id="17" name="Rettangolo 16" descr="Gears">
+            <a:extLst>
+              <a:ext uri="{FF2B5EF4-FFF2-40B4-BE49-F238E27FC236}">
+                <a16:creationId xmlns:a16="http://schemas.microsoft.com/office/drawing/2014/main" id="{56539F9C-48C0-3345-9522-D80668F3D30A}"/>
+              </a:ext>
+            </a:extLst>
+          </p:cNvPr>
+          <p:cNvSpPr/>
+          <p:nvPr/>
+        </p:nvSpPr>
+        <p:spPr>
+          <a:xfrm>
+            <a:off x="1354960" y="3883871"/>
+            <a:ext cx="590823" cy="590823"/>
+          </a:xfrm>
+          <a:prstGeom prst="rect">
+            <a:avLst/>
+          </a:prstGeom>
+          <a:blipFill>
+            <a:blip r:embed="rId5">
+              <a:extLst>
+                <a:ext uri="{28A0092B-C50C-407E-A947-70E740481C1C}">
+                  <a14:useLocalDpi xmlns:a14="http://schemas.microsoft.com/office/drawing/2010/main" val="0"/>
+                </a:ext>
+                <a:ext uri="{96DAC541-7B7A-43D3-8B79-37D633B846F1}">
+                  <asvg:svgBlip xmlns:asvg="http://schemas.microsoft.com/office/drawing/2016/SVG/main" r:embed="rId6"/>
+                </a:ext>
+              </a:extLst>
+            </a:blip>
+            <a:stretch>
+              <a:fillRect/>
+            </a:stretch>
+          </a:blipFill>
+          <a:ln>
+            <a:noFill/>
+          </a:ln>
+        </p:spPr>
+        <p:style>
+          <a:lnRef idx="2">
+            <a:scrgbClr r="0" g="0" b="0"/>
+          </a:lnRef>
+          <a:fillRef idx="1">
+            <a:scrgbClr r="0" g="0" b="0"/>
+          </a:fillRef>
+          <a:effectRef idx="0">
+            <a:schemeClr val="bg1">
+              <a:hueOff val="0"/>
+              <a:satOff val="0"/>
+              <a:lumOff val="0"/>
+              <a:alphaOff val="0"/>
+            </a:schemeClr>
+          </a:effectRef>
+          <a:fontRef idx="minor">
+            <a:schemeClr val="dk1">
+              <a:hueOff val="0"/>
+              <a:satOff val="0"/>
+              <a:lumOff val="0"/>
+              <a:alphaOff val="0"/>
+            </a:schemeClr>
+          </a:fontRef>
+        </p:style>
+      </p:sp>
+    </p:spTree>
+    <p:extLst>
+      <p:ext uri="{BB962C8B-B14F-4D97-AF65-F5344CB8AC3E}">
+        <p14:creationId xmlns:p14="http://schemas.microsoft.com/office/powerpoint/2010/main" val="3172067132"/>
       </p:ext>
     </p:extLst>
   </p:cSld>
@@ -14563,7 +15348,7 @@
           <a:p>
             <a:pPr algn="r"/>
             <a:r>
-              <a:rPr lang="en-US" sz="8000">
+              <a:rPr lang="en-US" sz="8000" dirty="0">
                 <a:solidFill>
                   <a:schemeClr val="tx1">
                     <a:lumMod val="85000"/>
@@ -16532,4 +17317,299 @@
     </a:ext>
   </a:extLst>
 </a:theme>
+</file>
+
+<file path=ppt/theme/theme2.xml><?xml version="1.0" encoding="utf-8"?>
+<a:theme xmlns:a="http://schemas.openxmlformats.org/drawingml/2006/main" name="Tema di Office">
+  <a:themeElements>
+    <a:clrScheme name="Office">
+      <a:dk1>
+        <a:sysClr val="windowText" lastClr="000000"/>
+      </a:dk1>
+      <a:lt1>
+        <a:sysClr val="window" lastClr="FFFFFF"/>
+      </a:lt1>
+      <a:dk2>
+        <a:srgbClr val="44546A"/>
+      </a:dk2>
+      <a:lt2>
+        <a:srgbClr val="E7E6E6"/>
+      </a:lt2>
+      <a:accent1>
+        <a:srgbClr val="4472C4"/>
+      </a:accent1>
+      <a:accent2>
+        <a:srgbClr val="ED7D31"/>
+      </a:accent2>
+      <a:accent3>
+        <a:srgbClr val="A5A5A5"/>
+      </a:accent3>
+      <a:accent4>
+        <a:srgbClr val="FFC000"/>
+      </a:accent4>
+      <a:accent5>
+        <a:srgbClr val="5B9BD5"/>
+      </a:accent5>
+      <a:accent6>
+        <a:srgbClr val="70AD47"/>
+      </a:accent6>
+      <a:hlink>
+        <a:srgbClr val="0563C1"/>
+      </a:hlink>
+      <a:folHlink>
+        <a:srgbClr val="954F72"/>
+      </a:folHlink>
+    </a:clrScheme>
+    <a:fontScheme name="Office">
+      <a:majorFont>
+        <a:latin typeface="Calibri Light" panose="020F0302020204030204"/>
+        <a:ea typeface=""/>
+        <a:cs typeface=""/>
+        <a:font script="Jpan" typeface="游ゴシック Light"/>
+        <a:font script="Hang" typeface="맑은 고딕"/>
+        <a:font script="Hans" typeface="等线 Light"/>
+        <a:font script="Hant" typeface="新細明體"/>
+        <a:font script="Arab" typeface="Times New Roman"/>
+        <a:font script="Hebr" typeface="Times New Roman"/>
+        <a:font script="Thai" typeface="Angsana New"/>
+        <a:font script="Ethi" typeface="Nyala"/>
+        <a:font script="Beng" typeface="Vrinda"/>
+        <a:font script="Gujr" typeface="Shruti"/>
+        <a:font script="Khmr" typeface="MoolBoran"/>
+        <a:font script="Knda" typeface="Tunga"/>
+        <a:font script="Guru" typeface="Raavi"/>
+        <a:font script="Cans" typeface="Euphemia"/>
+        <a:font script="Cher" typeface="Plantagenet Cherokee"/>
+        <a:font script="Yiii" typeface="Microsoft Yi Baiti"/>
+        <a:font script="Tibt" typeface="Microsoft Himalaya"/>
+        <a:font script="Thaa" typeface="MV Boli"/>
+        <a:font script="Deva" typeface="Mangal"/>
+        <a:font script="Telu" typeface="Gautami"/>
+        <a:font script="Taml" typeface="Latha"/>
+        <a:font script="Syrc" typeface="Estrangelo Edessa"/>
+        <a:font script="Orya" typeface="Kalinga"/>
+        <a:font script="Mlym" typeface="Kartika"/>
+        <a:font script="Laoo" typeface="DokChampa"/>
+        <a:font script="Sinh" typeface="Iskoola Pota"/>
+        <a:font script="Mong" typeface="Mongolian Baiti"/>
+        <a:font script="Viet" typeface="Times New Roman"/>
+        <a:font script="Uigh" typeface="Microsoft Uighur"/>
+        <a:font script="Geor" typeface="Sylfaen"/>
+        <a:font script="Armn" typeface="Arial"/>
+        <a:font script="Bugi" typeface="Leelawadee UI"/>
+        <a:font script="Bopo" typeface="Microsoft JhengHei"/>
+        <a:font script="Java" typeface="Javanese Text"/>
+        <a:font script="Lisu" typeface="Segoe UI"/>
+        <a:font script="Mymr" typeface="Myanmar Text"/>
+        <a:font script="Nkoo" typeface="Ebrima"/>
+        <a:font script="Olck" typeface="Nirmala UI"/>
+        <a:font script="Osma" typeface="Ebrima"/>
+        <a:font script="Phag" typeface="Phagspa"/>
+        <a:font script="Syrn" typeface="Estrangelo Edessa"/>
+        <a:font script="Syrj" typeface="Estrangelo Edessa"/>
+        <a:font script="Syre" typeface="Estrangelo Edessa"/>
+        <a:font script="Sora" typeface="Nirmala UI"/>
+        <a:font script="Tale" typeface="Microsoft Tai Le"/>
+        <a:font script="Talu" typeface="Microsoft New Tai Lue"/>
+        <a:font script="Tfng" typeface="Ebrima"/>
+      </a:majorFont>
+      <a:minorFont>
+        <a:latin typeface="Calibri" panose="020F0502020204030204"/>
+        <a:ea typeface=""/>
+        <a:cs typeface=""/>
+        <a:font script="Jpan" typeface="游ゴシック"/>
+        <a:font script="Hang" typeface="맑은 고딕"/>
+        <a:font script="Hans" typeface="等线"/>
+        <a:font script="Hant" typeface="新細明體"/>
+        <a:font script="Arab" typeface="Arial"/>
+        <a:font script="Hebr" typeface="Arial"/>
+        <a:font script="Thai" typeface="Cordia New"/>
+        <a:font script="Ethi" typeface="Nyala"/>
+        <a:font script="Beng" typeface="Vrinda"/>
+        <a:font script="Gujr" typeface="Shruti"/>
+        <a:font script="Khmr" typeface="DaunPenh"/>
+        <a:font script="Knda" typeface="Tunga"/>
+        <a:font script="Guru" typeface="Raavi"/>
+        <a:font script="Cans" typeface="Euphemia"/>
+        <a:font script="Cher" typeface="Plantagenet Cherokee"/>
+        <a:font script="Yiii" typeface="Microsoft Yi Baiti"/>
+        <a:font script="Tibt" typeface="Microsoft Himalaya"/>
+        <a:font script="Thaa" typeface="MV Boli"/>
+        <a:font script="Deva" typeface="Mangal"/>
+        <a:font script="Telu" typeface="Gautami"/>
+        <a:font script="Taml" typeface="Latha"/>
+        <a:font script="Syrc" typeface="Estrangelo Edessa"/>
+        <a:font script="Orya" typeface="Kalinga"/>
+        <a:font script="Mlym" typeface="Kartika"/>
+        <a:font script="Laoo" typeface="DokChampa"/>
+        <a:font script="Sinh" typeface="Iskoola Pota"/>
+        <a:font script="Mong" typeface="Mongolian Baiti"/>
+        <a:font script="Viet" typeface="Arial"/>
+        <a:font script="Uigh" typeface="Microsoft Uighur"/>
+        <a:font script="Geor" typeface="Sylfaen"/>
+        <a:font script="Armn" typeface="Arial"/>
+        <a:font script="Bugi" typeface="Leelawadee UI"/>
+        <a:font script="Bopo" typeface="Microsoft JhengHei"/>
+        <a:font script="Java" typeface="Javanese Text"/>
+        <a:font script="Lisu" typeface="Segoe UI"/>
+        <a:font script="Mymr" typeface="Myanmar Text"/>
+        <a:font script="Nkoo" typeface="Ebrima"/>
+        <a:font script="Olck" typeface="Nirmala UI"/>
+        <a:font script="Osma" typeface="Ebrima"/>
+        <a:font script="Phag" typeface="Phagspa"/>
+        <a:font script="Syrn" typeface="Estrangelo Edessa"/>
+        <a:font script="Syrj" typeface="Estrangelo Edessa"/>
+        <a:font script="Syre" typeface="Estrangelo Edessa"/>
+        <a:font script="Sora" typeface="Nirmala UI"/>
+        <a:font script="Tale" typeface="Microsoft Tai Le"/>
+        <a:font script="Talu" typeface="Microsoft New Tai Lue"/>
+        <a:font script="Tfng" typeface="Ebrima"/>
+      </a:minorFont>
+    </a:fontScheme>
+    <a:fmtScheme name="Office">
+      <a:fillStyleLst>
+        <a:solidFill>
+          <a:schemeClr val="phClr"/>
+        </a:solidFill>
+        <a:gradFill rotWithShape="1">
+          <a:gsLst>
+            <a:gs pos="0">
+              <a:schemeClr val="phClr">
+                <a:lumMod val="110000"/>
+                <a:satMod val="105000"/>
+                <a:tint val="67000"/>
+              </a:schemeClr>
+            </a:gs>
+            <a:gs pos="50000">
+              <a:schemeClr val="phClr">
+                <a:lumMod val="105000"/>
+                <a:satMod val="103000"/>
+                <a:tint val="73000"/>
+              </a:schemeClr>
+            </a:gs>
+            <a:gs pos="100000">
+              <a:schemeClr val="phClr">
+                <a:lumMod val="105000"/>
+                <a:satMod val="109000"/>
+                <a:tint val="81000"/>
+              </a:schemeClr>
+            </a:gs>
+          </a:gsLst>
+          <a:lin ang="5400000" scaled="0"/>
+        </a:gradFill>
+        <a:gradFill rotWithShape="1">
+          <a:gsLst>
+            <a:gs pos="0">
+              <a:schemeClr val="phClr">
+                <a:satMod val="103000"/>
+                <a:lumMod val="102000"/>
+                <a:tint val="94000"/>
+              </a:schemeClr>
+            </a:gs>
+            <a:gs pos="50000">
+              <a:schemeClr val="phClr">
+                <a:satMod val="110000"/>
+                <a:lumMod val="100000"/>
+                <a:shade val="100000"/>
+              </a:schemeClr>
+            </a:gs>
+            <a:gs pos="100000">
+              <a:schemeClr val="phClr">
+                <a:lumMod val="99000"/>
+                <a:satMod val="120000"/>
+                <a:shade val="78000"/>
+              </a:schemeClr>
+            </a:gs>
+          </a:gsLst>
+          <a:lin ang="5400000" scaled="0"/>
+        </a:gradFill>
+      </a:fillStyleLst>
+      <a:lnStyleLst>
+        <a:ln w="6350" cap="flat" cmpd="sng" algn="ctr">
+          <a:solidFill>
+            <a:schemeClr val="phClr"/>
+          </a:solidFill>
+          <a:prstDash val="solid"/>
+          <a:miter lim="800000"/>
+        </a:ln>
+        <a:ln w="12700" cap="flat" cmpd="sng" algn="ctr">
+          <a:solidFill>
+            <a:schemeClr val="phClr"/>
+          </a:solidFill>
+          <a:prstDash val="solid"/>
+          <a:miter lim="800000"/>
+        </a:ln>
+        <a:ln w="19050" cap="flat" cmpd="sng" algn="ctr">
+          <a:solidFill>
+            <a:schemeClr val="phClr"/>
+          </a:solidFill>
+          <a:prstDash val="solid"/>
+          <a:miter lim="800000"/>
+        </a:ln>
+      </a:lnStyleLst>
+      <a:effectStyleLst>
+        <a:effectStyle>
+          <a:effectLst/>
+        </a:effectStyle>
+        <a:effectStyle>
+          <a:effectLst/>
+        </a:effectStyle>
+        <a:effectStyle>
+          <a:effectLst>
+            <a:outerShdw blurRad="57150" dist="19050" dir="5400000" algn="ctr" rotWithShape="0">
+              <a:srgbClr val="000000">
+                <a:alpha val="63000"/>
+              </a:srgbClr>
+            </a:outerShdw>
+          </a:effectLst>
+        </a:effectStyle>
+      </a:effectStyleLst>
+      <a:bgFillStyleLst>
+        <a:solidFill>
+          <a:schemeClr val="phClr"/>
+        </a:solidFill>
+        <a:solidFill>
+          <a:schemeClr val="phClr">
+            <a:tint val="95000"/>
+            <a:satMod val="170000"/>
+          </a:schemeClr>
+        </a:solidFill>
+        <a:gradFill rotWithShape="1">
+          <a:gsLst>
+            <a:gs pos="0">
+              <a:schemeClr val="phClr">
+                <a:tint val="93000"/>
+                <a:satMod val="150000"/>
+                <a:shade val="98000"/>
+                <a:lumMod val="102000"/>
+              </a:schemeClr>
+            </a:gs>
+            <a:gs pos="50000">
+              <a:schemeClr val="phClr">
+                <a:tint val="98000"/>
+                <a:satMod val="130000"/>
+                <a:shade val="90000"/>
+                <a:lumMod val="103000"/>
+              </a:schemeClr>
+            </a:gs>
+            <a:gs pos="100000">
+              <a:schemeClr val="phClr">
+                <a:shade val="63000"/>
+                <a:satMod val="120000"/>
+              </a:schemeClr>
+            </a:gs>
+          </a:gsLst>
+          <a:lin ang="5400000" scaled="0"/>
+        </a:gradFill>
+      </a:bgFillStyleLst>
+    </a:fmtScheme>
+  </a:themeElements>
+  <a:objectDefaults/>
+  <a:extraClrSchemeLst/>
+  <a:extLst>
+    <a:ext uri="{05A4C25C-085E-4340-85A3-A5531E510DB2}">
+      <thm15:themeFamily xmlns:thm15="http://schemas.microsoft.com/office/thememl/2012/main" name="Office Theme" id="{62F939B6-93AF-4DB8-9C6B-D6C7DFDC589F}" vid="{4A3C46E8-61CC-4603-A589-7422A47A8E4A}"/>
+    </a:ext>
+  </a:extLst>
+</a:theme>
 </file>
--- a/Preparation files/MyTEDx_Presentazione.pptx
+++ b/Preparation files/MyTEDx_Presentazione.pptx
@@ -5732,7 +5732,7 @@
           <a:p>
             <a:fld id="{64ABFEB1-83FF-9242-9208-739175CF7C33}" type="datetimeFigureOut">
               <a:rPr lang="it-IT" smtClean="0"/>
-              <a:t>27/05/2020</a:t>
+              <a:t>03/06/2020</a:t>
             </a:fld>
             <a:endParaRPr lang="it-IT"/>
           </a:p>
@@ -6327,7 +6327,7 @@
           <a:p>
             <a:fld id="{9184DA70-C731-4C70-880D-CCD4705E623C}" type="datetime1">
               <a:rPr lang="en-US" smtClean="0"/>
-              <a:t>5/27/2020</a:t>
+              <a:t>6/3/2020</a:t>
             </a:fld>
             <a:endParaRPr lang="en-US" dirty="0"/>
           </a:p>
@@ -6515,7 +6515,7 @@
           <a:p>
             <a:fld id="{B612A279-0833-481D-8C56-F67FD0AC6C50}" type="datetime1">
               <a:rPr lang="en-US" smtClean="0"/>
-              <a:t>5/27/2020</a:t>
+              <a:t>6/3/2020</a:t>
             </a:fld>
             <a:endParaRPr lang="en-US" dirty="0"/>
           </a:p>
@@ -6757,7 +6757,7 @@
           <a:p>
             <a:fld id="{6587DA83-5663-4C9C-B9AA-0B40A3DAFF81}" type="datetime1">
               <a:rPr lang="en-US" smtClean="0"/>
-              <a:t>5/27/2020</a:t>
+              <a:t>6/3/2020</a:t>
             </a:fld>
             <a:endParaRPr lang="en-US" dirty="0"/>
           </a:p>
@@ -6945,7 +6945,7 @@
           <a:p>
             <a:fld id="{4BE1D723-8F53-4F53-90B0-1982A396982E}" type="datetime1">
               <a:rPr lang="en-US" smtClean="0"/>
-              <a:t>5/27/2020</a:t>
+              <a:t>6/3/2020</a:t>
             </a:fld>
             <a:endParaRPr lang="en-US" dirty="0"/>
           </a:p>
@@ -7318,7 +7318,7 @@
           <a:p>
             <a:fld id="{97669AF7-7BEB-44E4-9852-375E34362B5B}" type="datetime1">
               <a:rPr lang="en-US" smtClean="0"/>
-              <a:t>5/27/2020</a:t>
+              <a:t>6/3/2020</a:t>
             </a:fld>
             <a:endParaRPr lang="en-US" dirty="0"/>
           </a:p>
@@ -7573,7 +7573,7 @@
           <a:p>
             <a:fld id="{BAAAC38D-0552-4C82-B593-E6124DFADBE2}" type="datetime1">
               <a:rPr lang="en-US" smtClean="0"/>
-              <a:t>5/27/2020</a:t>
+              <a:t>6/3/2020</a:t>
             </a:fld>
             <a:endParaRPr lang="en-US" dirty="0"/>
           </a:p>
@@ -7970,7 +7970,7 @@
           <a:p>
             <a:fld id="{D9DF0F1C-5577-4ACB-BB62-DF8F3C494C7E}" type="datetime1">
               <a:rPr lang="en-US" smtClean="0"/>
-              <a:t>5/27/2020</a:t>
+              <a:t>6/3/2020</a:t>
             </a:fld>
             <a:endParaRPr lang="en-US" dirty="0"/>
           </a:p>
@@ -8106,7 +8106,7 @@
           <a:p>
             <a:fld id="{1775B394-D9F9-4F0C-B15D-605F45CB9E9F}" type="datetime1">
               <a:rPr lang="en-US" smtClean="0"/>
-              <a:t>5/27/2020</a:t>
+              <a:t>6/3/2020</a:t>
             </a:fld>
             <a:endParaRPr lang="en-US" dirty="0"/>
           </a:p>
@@ -8263,7 +8263,7 @@
           <a:p>
             <a:fld id="{39667345-2558-425A-8533-9BFDBCE15005}" type="datetime1">
               <a:rPr lang="en-US" smtClean="0"/>
-              <a:t>5/27/2020</a:t>
+              <a:t>6/3/2020</a:t>
             </a:fld>
             <a:endParaRPr lang="en-US" dirty="0"/>
           </a:p>
@@ -8592,7 +8592,7 @@
           <a:p>
             <a:fld id="{92BEA474-078D-4E9B-9B14-09A87B19DC46}" type="datetime1">
               <a:rPr lang="en-US" smtClean="0"/>
-              <a:t>5/27/2020</a:t>
+              <a:t>6/3/2020</a:t>
             </a:fld>
             <a:endParaRPr lang="en-US" dirty="0"/>
           </a:p>
@@ -8942,7 +8942,7 @@
           <a:p>
             <a:fld id="{4907D986-8816-4272-A432-0437A28A9828}" type="datetime1">
               <a:rPr lang="en-US" smtClean="0"/>
-              <a:t>5/27/2020</a:t>
+              <a:t>6/3/2020</a:t>
             </a:fld>
             <a:endParaRPr lang="en-US" dirty="0"/>
           </a:p>
@@ -9203,7 +9203,7 @@
           <a:p>
             <a:fld id="{62D6E202-B606-4609-B914-27C9371A1F6D}" type="datetime1">
               <a:rPr lang="en-US" smtClean="0"/>
-              <a:t>5/27/2020</a:t>
+              <a:t>6/3/2020</a:t>
             </a:fld>
             <a:endParaRPr lang="en-US" dirty="0"/>
           </a:p>
@@ -12656,6 +12656,196 @@
           </a:fontRef>
         </p:style>
       </p:cxnSp>
+      <p:sp>
+        <p:nvSpPr>
+          <p:cNvPr id="3" name="CasellaDiTesto 2">
+            <a:extLst>
+              <a:ext uri="{FF2B5EF4-FFF2-40B4-BE49-F238E27FC236}">
+                <a16:creationId xmlns:a16="http://schemas.microsoft.com/office/drawing/2014/main" id="{E24C5C0F-7563-45E2-AAC7-5905DC12B996}"/>
+              </a:ext>
+            </a:extLst>
+          </p:cNvPr>
+          <p:cNvSpPr txBox="1"/>
+          <p:nvPr/>
+        </p:nvSpPr>
+        <p:spPr>
+          <a:xfrm>
+            <a:off x="1318846" y="4745503"/>
+            <a:ext cx="6471727" cy="1384995"/>
+          </a:xfrm>
+          <a:prstGeom prst="rect">
+            <a:avLst/>
+          </a:prstGeom>
+        </p:spPr>
+        <p:style>
+          <a:lnRef idx="2">
+            <a:schemeClr val="accent3">
+              <a:shade val="50000"/>
+            </a:schemeClr>
+          </a:lnRef>
+          <a:fillRef idx="1">
+            <a:schemeClr val="accent3"/>
+          </a:fillRef>
+          <a:effectRef idx="0">
+            <a:schemeClr val="accent3"/>
+          </a:effectRef>
+          <a:fontRef idx="minor">
+            <a:schemeClr val="lt1"/>
+          </a:fontRef>
+        </p:style>
+        <p:txBody>
+          <a:bodyPr wrap="square" rtlCol="0">
+            <a:spAutoFit/>
+          </a:bodyPr>
+          <a:lstStyle/>
+          <a:p>
+            <a:r>
+              <a:rPr lang="it-IT" sz="1400" dirty="0"/>
+              <a:t>Se avessimo impostato la funzione </a:t>
+            </a:r>
+            <a:r>
+              <a:rPr lang="it-IT" sz="1400" dirty="0" err="1"/>
+              <a:t>get_next_by_url</a:t>
+            </a:r>
+            <a:r>
+              <a:rPr lang="it-IT" sz="1400" dirty="0"/>
+              <a:t> in modo che restituisse non solo gli </a:t>
+            </a:r>
+            <a:r>
+              <a:rPr lang="it-IT" sz="1400" dirty="0" err="1"/>
+              <a:t>url</a:t>
+            </a:r>
+            <a:r>
+              <a:rPr lang="it-IT" sz="1400" dirty="0"/>
+              <a:t> dei </a:t>
+            </a:r>
+            <a:r>
+              <a:rPr lang="it-IT" sz="1400" dirty="0" err="1"/>
+              <a:t>watch</a:t>
+            </a:r>
+            <a:r>
+              <a:rPr lang="it-IT" sz="1400" dirty="0"/>
+              <a:t> _</a:t>
+            </a:r>
+            <a:r>
+              <a:rPr lang="it-IT" sz="1400" dirty="0" err="1"/>
+              <a:t>next</a:t>
+            </a:r>
+            <a:r>
+              <a:rPr lang="it-IT" sz="1400" dirty="0"/>
+              <a:t> ma anche tutti i loro dati, avremmo potuto evitare di recuperarli successivamente con un’altra funzione. Per l’utente finale il vantaggio sarebbe quello di poter visualizzare, oltre al link del video successivo, anche i vari dettagli relativi ad esso (o in alternativa, un aumento delle prestazioni dovuto alla non necessità di un’ulteriore funzione).</a:t>
+            </a:r>
+          </a:p>
+        </p:txBody>
+      </p:sp>
+      <p:sp>
+        <p:nvSpPr>
+          <p:cNvPr id="13" name="Rettangolo 12">
+            <a:extLst>
+              <a:ext uri="{FF2B5EF4-FFF2-40B4-BE49-F238E27FC236}">
+                <a16:creationId xmlns:a16="http://schemas.microsoft.com/office/drawing/2014/main" id="{D3039534-447B-4F7C-A984-81EADFE759D9}"/>
+              </a:ext>
+            </a:extLst>
+          </p:cNvPr>
+          <p:cNvSpPr/>
+          <p:nvPr/>
+        </p:nvSpPr>
+        <p:spPr>
+          <a:xfrm>
+            <a:off x="888001" y="4745503"/>
+            <a:ext cx="180265" cy="984267"/>
+          </a:xfrm>
+          <a:prstGeom prst="rect">
+            <a:avLst/>
+          </a:prstGeom>
+          <a:solidFill>
+            <a:srgbClr val="C00000"/>
+          </a:solidFill>
+          <a:ln>
+            <a:solidFill>
+              <a:schemeClr val="tx2"/>
+            </a:solidFill>
+          </a:ln>
+        </p:spPr>
+        <p:style>
+          <a:lnRef idx="2">
+            <a:schemeClr val="accent1">
+              <a:shade val="50000"/>
+            </a:schemeClr>
+          </a:lnRef>
+          <a:fillRef idx="1">
+            <a:schemeClr val="accent1"/>
+          </a:fillRef>
+          <a:effectRef idx="0">
+            <a:schemeClr val="accent1"/>
+          </a:effectRef>
+          <a:fontRef idx="minor">
+            <a:schemeClr val="lt1"/>
+          </a:fontRef>
+        </p:style>
+        <p:txBody>
+          <a:bodyPr rtlCol="0" anchor="ctr"/>
+          <a:lstStyle/>
+          <a:p>
+            <a:pPr algn="ctr"/>
+            <a:endParaRPr lang="it-IT"/>
+          </a:p>
+        </p:txBody>
+      </p:sp>
+      <p:sp>
+        <p:nvSpPr>
+          <p:cNvPr id="20" name="Ovale 19">
+            <a:extLst>
+              <a:ext uri="{FF2B5EF4-FFF2-40B4-BE49-F238E27FC236}">
+                <a16:creationId xmlns:a16="http://schemas.microsoft.com/office/drawing/2014/main" id="{5C39532F-CDB2-4E9A-8F9B-1B98DBC3E247}"/>
+              </a:ext>
+            </a:extLst>
+          </p:cNvPr>
+          <p:cNvSpPr/>
+          <p:nvPr/>
+        </p:nvSpPr>
+        <p:spPr>
+          <a:xfrm>
+            <a:off x="797912" y="5858809"/>
+            <a:ext cx="360441" cy="339454"/>
+          </a:xfrm>
+          <a:prstGeom prst="ellipse">
+            <a:avLst/>
+          </a:prstGeom>
+          <a:solidFill>
+            <a:srgbClr val="C00000"/>
+          </a:solidFill>
+          <a:ln>
+            <a:solidFill>
+              <a:schemeClr val="tx2"/>
+            </a:solidFill>
+          </a:ln>
+        </p:spPr>
+        <p:style>
+          <a:lnRef idx="2">
+            <a:schemeClr val="accent1">
+              <a:shade val="50000"/>
+            </a:schemeClr>
+          </a:lnRef>
+          <a:fillRef idx="1">
+            <a:schemeClr val="accent1"/>
+          </a:fillRef>
+          <a:effectRef idx="0">
+            <a:schemeClr val="accent1"/>
+          </a:effectRef>
+          <a:fontRef idx="minor">
+            <a:schemeClr val="lt1"/>
+          </a:fontRef>
+        </p:style>
+        <p:txBody>
+          <a:bodyPr rtlCol="0" anchor="ctr"/>
+          <a:lstStyle/>
+          <a:p>
+            <a:pPr algn="ctr"/>
+            <a:endParaRPr lang="it-IT"/>
+          </a:p>
+        </p:txBody>
+      </p:sp>
     </p:spTree>
     <p:extLst>
       <p:ext uri="{BB962C8B-B14F-4D97-AF65-F5344CB8AC3E}">
@@ -12849,10 +13039,10 @@
       </p:sp>
       <p:sp>
         <p:nvSpPr>
-          <p:cNvPr id="14" name="Rettangolo 13" descr="Web Design">
+          <p:cNvPr id="12" name="Rettangolo con angoli arrotondati 11">
             <a:extLst>
               <a:ext uri="{FF2B5EF4-FFF2-40B4-BE49-F238E27FC236}">
-                <a16:creationId xmlns:a16="http://schemas.microsoft.com/office/drawing/2014/main" id="{DCA5EA90-F6C1-A842-A611-67054AC661D6}"/>
+                <a16:creationId xmlns:a16="http://schemas.microsoft.com/office/drawing/2014/main" id="{33DD6183-6267-AE4A-A1FE-8C013FEB2981}"/>
               </a:ext>
             </a:extLst>
           </p:cNvPr>
@@ -12861,7 +13051,82 @@
         </p:nvSpPr>
         <p:spPr>
           <a:xfrm>
-            <a:off x="1354961" y="2601972"/>
+            <a:off x="1190621" y="3677437"/>
+            <a:ext cx="9957075" cy="1003692"/>
+          </a:xfrm>
+          <a:prstGeom prst="roundRect">
+            <a:avLst>
+              <a:gd name="adj" fmla="val 10000"/>
+            </a:avLst>
+          </a:prstGeom>
+        </p:spPr>
+        <p:style>
+          <a:lnRef idx="0">
+            <a:schemeClr val="lt1">
+              <a:alpha val="0"/>
+              <a:hueOff val="0"/>
+              <a:satOff val="0"/>
+              <a:lumOff val="0"/>
+              <a:alphaOff val="0"/>
+            </a:schemeClr>
+          </a:lnRef>
+          <a:fillRef idx="1">
+            <a:schemeClr val="accent4">
+              <a:hueOff val="0"/>
+              <a:satOff val="0"/>
+              <a:lumOff val="0"/>
+              <a:alphaOff val="0"/>
+            </a:schemeClr>
+          </a:fillRef>
+          <a:effectRef idx="0">
+            <a:schemeClr val="accent4">
+              <a:hueOff val="0"/>
+              <a:satOff val="0"/>
+              <a:lumOff val="0"/>
+              <a:alphaOff val="0"/>
+            </a:schemeClr>
+          </a:effectRef>
+          <a:fontRef idx="minor"/>
+        </p:style>
+        <p:txBody>
+          <a:bodyPr/>
+          <a:lstStyle/>
+          <a:p>
+            <a:r>
+              <a:rPr lang="en-US" dirty="0"/>
+              <a:t>	</a:t>
+            </a:r>
+            <a:r>
+              <a:rPr lang="en-US" dirty="0">
+                <a:solidFill>
+                  <a:schemeClr val="bg1"/>
+                </a:solidFill>
+              </a:rPr>
+              <a:t>CODICE: </a:t>
+            </a:r>
+            <a:r>
+              <a:rPr lang="it-IT" dirty="0"/>
+              <a:t>comprensione del codice, della sintassi e sviluppo della funzione. 	Comprensione del funzionamento delle Lamba function e della loro corretta 	implementazione.</a:t>
+            </a:r>
+            <a:endParaRPr lang="en-US" dirty="0"/>
+          </a:p>
+        </p:txBody>
+      </p:sp>
+      <p:sp>
+        <p:nvSpPr>
+          <p:cNvPr id="14" name="Rettangolo 13" descr="Web Design">
+            <a:extLst>
+              <a:ext uri="{FF2B5EF4-FFF2-40B4-BE49-F238E27FC236}">
+                <a16:creationId xmlns:a16="http://schemas.microsoft.com/office/drawing/2014/main" id="{DCA5EA90-F6C1-A842-A611-67054AC661D6}"/>
+              </a:ext>
+            </a:extLst>
+          </p:cNvPr>
+          <p:cNvSpPr/>
+          <p:nvPr/>
+        </p:nvSpPr>
+        <p:spPr>
+          <a:xfrm>
+            <a:off x="1339715" y="3848924"/>
             <a:ext cx="590823" cy="590823"/>
           </a:xfrm>
           <a:prstGeom prst="rect">
@@ -12913,10 +13178,10 @@
       </p:sp>
       <p:sp>
         <p:nvSpPr>
-          <p:cNvPr id="12" name="Rettangolo con angoli arrotondati 11">
+          <p:cNvPr id="17" name="Rettangolo 16" descr="Gears">
             <a:extLst>
               <a:ext uri="{FF2B5EF4-FFF2-40B4-BE49-F238E27FC236}">
-                <a16:creationId xmlns:a16="http://schemas.microsoft.com/office/drawing/2014/main" id="{33DD6183-6267-AE4A-A1FE-8C013FEB2981}"/>
+                <a16:creationId xmlns:a16="http://schemas.microsoft.com/office/drawing/2014/main" id="{56539F9C-48C0-3345-9522-D80668F3D30A}"/>
               </a:ext>
             </a:extLst>
           </p:cNvPr>
@@ -12925,82 +13190,7 @@
         </p:nvSpPr>
         <p:spPr>
           <a:xfrm>
-            <a:off x="1190621" y="3677437"/>
-            <a:ext cx="9957075" cy="1003692"/>
-          </a:xfrm>
-          <a:prstGeom prst="roundRect">
-            <a:avLst>
-              <a:gd name="adj" fmla="val 10000"/>
-            </a:avLst>
-          </a:prstGeom>
-        </p:spPr>
-        <p:style>
-          <a:lnRef idx="0">
-            <a:schemeClr val="lt1">
-              <a:alpha val="0"/>
-              <a:hueOff val="0"/>
-              <a:satOff val="0"/>
-              <a:lumOff val="0"/>
-              <a:alphaOff val="0"/>
-            </a:schemeClr>
-          </a:lnRef>
-          <a:fillRef idx="1">
-            <a:schemeClr val="accent4">
-              <a:hueOff val="0"/>
-              <a:satOff val="0"/>
-              <a:lumOff val="0"/>
-              <a:alphaOff val="0"/>
-            </a:schemeClr>
-          </a:fillRef>
-          <a:effectRef idx="0">
-            <a:schemeClr val="accent4">
-              <a:hueOff val="0"/>
-              <a:satOff val="0"/>
-              <a:lumOff val="0"/>
-              <a:alphaOff val="0"/>
-            </a:schemeClr>
-          </a:effectRef>
-          <a:fontRef idx="minor"/>
-        </p:style>
-        <p:txBody>
-          <a:bodyPr/>
-          <a:lstStyle/>
-          <a:p>
-            <a:r>
-              <a:rPr lang="en-US" dirty="0"/>
-              <a:t>	</a:t>
-            </a:r>
-            <a:r>
-              <a:rPr lang="en-US" dirty="0">
-                <a:solidFill>
-                  <a:schemeClr val="bg1"/>
-                </a:solidFill>
-              </a:rPr>
-              <a:t>CODICE: </a:t>
-            </a:r>
-            <a:r>
-              <a:rPr lang="it-IT" dirty="0"/>
-              <a:t>comprensione del codice, della sintassi e sviluppo della funzione. 	Comprensione del funzionamento delle Lamba function e della loro corretta 	implementazione.</a:t>
-            </a:r>
-            <a:endParaRPr lang="en-US" dirty="0"/>
-          </a:p>
-        </p:txBody>
-      </p:sp>
-      <p:sp>
-        <p:nvSpPr>
-          <p:cNvPr id="17" name="Rettangolo 16" descr="Gears">
-            <a:extLst>
-              <a:ext uri="{FF2B5EF4-FFF2-40B4-BE49-F238E27FC236}">
-                <a16:creationId xmlns:a16="http://schemas.microsoft.com/office/drawing/2014/main" id="{56539F9C-48C0-3345-9522-D80668F3D30A}"/>
-              </a:ext>
-            </a:extLst>
-          </p:cNvPr>
-          <p:cNvSpPr/>
-          <p:nvPr/>
-        </p:nvSpPr>
-        <p:spPr>
-          <a:xfrm>
-            <a:off x="1354960" y="3883871"/>
+            <a:off x="1355541" y="2537636"/>
             <a:ext cx="590823" cy="590823"/>
           </a:xfrm>
           <a:prstGeom prst="rect">
@@ -13050,6 +13240,118 @@
           </a:fontRef>
         </p:style>
       </p:sp>
+      <p:sp>
+        <p:nvSpPr>
+          <p:cNvPr id="9" name="Rettangolo con angoli arrotondati 8">
+            <a:extLst>
+              <a:ext uri="{FF2B5EF4-FFF2-40B4-BE49-F238E27FC236}">
+                <a16:creationId xmlns:a16="http://schemas.microsoft.com/office/drawing/2014/main" id="{CAD9062D-5137-44C8-9F72-13843F07B584}"/>
+              </a:ext>
+            </a:extLst>
+          </p:cNvPr>
+          <p:cNvSpPr/>
+          <p:nvPr/>
+        </p:nvSpPr>
+        <p:spPr>
+          <a:xfrm>
+            <a:off x="1198605" y="4828943"/>
+            <a:ext cx="9957075" cy="1536688"/>
+          </a:xfrm>
+          <a:prstGeom prst="roundRect">
+            <a:avLst>
+              <a:gd name="adj" fmla="val 10000"/>
+            </a:avLst>
+          </a:prstGeom>
+        </p:spPr>
+        <p:style>
+          <a:lnRef idx="3">
+            <a:schemeClr val="lt1"/>
+          </a:lnRef>
+          <a:fillRef idx="1">
+            <a:schemeClr val="accent1"/>
+          </a:fillRef>
+          <a:effectRef idx="1">
+            <a:schemeClr val="accent1"/>
+          </a:effectRef>
+          <a:fontRef idx="minor">
+            <a:schemeClr val="lt1"/>
+          </a:fontRef>
+        </p:style>
+        <p:txBody>
+          <a:bodyPr/>
+          <a:lstStyle/>
+          <a:p>
+            <a:r>
+              <a:rPr lang="en-US" dirty="0"/>
+              <a:t>	</a:t>
+            </a:r>
+            <a:r>
+              <a:rPr lang="it-IT" dirty="0">
+                <a:solidFill>
+                  <a:schemeClr val="bg1"/>
+                </a:solidFill>
+              </a:rPr>
+              <a:t>SONO DA GESTIRE DUE TIPI DI ERRORI:</a:t>
+            </a:r>
+          </a:p>
+          <a:p>
+            <a:pPr lvl="2"/>
+            <a:r>
+              <a:rPr lang="it-IT" dirty="0"/>
+              <a:t>- Il caso in cui l’utente non inserisce nulla nella richiesta: restituiamo «Non è stato inserito alcun tag»</a:t>
+            </a:r>
+          </a:p>
+          <a:p>
+            <a:pPr lvl="2"/>
+            <a:r>
+              <a:rPr lang="it-IT" dirty="0"/>
+              <a:t>- Il caso in cui l’utente inserisce un tag non esistente: nell’applicazione restituiremo l’avviso «il tag cercato non esiste»</a:t>
+            </a:r>
+          </a:p>
+          <a:p>
+            <a:endParaRPr lang="en-US" dirty="0"/>
+          </a:p>
+        </p:txBody>
+      </p:sp>
+      <p:pic>
+        <p:nvPicPr>
+          <p:cNvPr id="6" name="Elemento grafico 5" descr="Chiudi">
+            <a:extLst>
+              <a:ext uri="{FF2B5EF4-FFF2-40B4-BE49-F238E27FC236}">
+                <a16:creationId xmlns:a16="http://schemas.microsoft.com/office/drawing/2014/main" id="{47CD3950-560F-4E6A-8093-849D12ED19AB}"/>
+              </a:ext>
+            </a:extLst>
+          </p:cNvPr>
+          <p:cNvPicPr>
+            <a:picLocks noChangeAspect="1"/>
+          </p:cNvPicPr>
+          <p:nvPr/>
+        </p:nvPicPr>
+        <p:blipFill>
+          <a:blip r:embed="rId7">
+            <a:extLst>
+              <a:ext uri="{28A0092B-C50C-407E-A947-70E740481C1C}">
+                <a14:useLocalDpi xmlns:a14="http://schemas.microsoft.com/office/drawing/2010/main" val="0"/>
+              </a:ext>
+              <a:ext uri="{96DAC541-7B7A-43D3-8B79-37D633B846F1}">
+                <asvg:svgBlip xmlns:asvg="http://schemas.microsoft.com/office/drawing/2016/SVG/main" r:embed="rId8"/>
+              </a:ext>
+            </a:extLst>
+          </a:blip>
+          <a:stretch>
+            <a:fillRect/>
+          </a:stretch>
+        </p:blipFill>
+        <p:spPr>
+          <a:xfrm>
+            <a:off x="1267039" y="5213374"/>
+            <a:ext cx="767826" cy="767826"/>
+          </a:xfrm>
+          <a:prstGeom prst="rect">
+            <a:avLst/>
+          </a:prstGeom>
+        </p:spPr>
+      </p:pic>
     </p:spTree>
     <p:extLst>
       <p:ext uri="{BB962C8B-B14F-4D97-AF65-F5344CB8AC3E}">
